--- a/Presentation-1.pptx
+++ b/Presentation-1.pptx
@@ -30,29 +30,29 @@
     <p:sldId id="290" r:id="rId21"/>
     <p:sldId id="291" r:id="rId22"/>
     <p:sldId id="292" r:id="rId23"/>
-    <p:sldId id="298" r:id="rId24"/>
-    <p:sldId id="275" r:id="rId25"/>
-    <p:sldId id="299" r:id="rId26"/>
-    <p:sldId id="278" r:id="rId27"/>
-    <p:sldId id="317" r:id="rId28"/>
-    <p:sldId id="318" r:id="rId29"/>
-    <p:sldId id="319" r:id="rId30"/>
-    <p:sldId id="320" r:id="rId31"/>
-    <p:sldId id="321" r:id="rId32"/>
-    <p:sldId id="322" r:id="rId33"/>
-    <p:sldId id="323" r:id="rId34"/>
-    <p:sldId id="324" r:id="rId35"/>
-    <p:sldId id="295" r:id="rId36"/>
-    <p:sldId id="325" r:id="rId37"/>
-    <p:sldId id="286" r:id="rId38"/>
-    <p:sldId id="326" r:id="rId39"/>
-    <p:sldId id="327" r:id="rId40"/>
-    <p:sldId id="328" r:id="rId41"/>
-    <p:sldId id="329" r:id="rId42"/>
-    <p:sldId id="330" r:id="rId43"/>
-    <p:sldId id="331" r:id="rId44"/>
-    <p:sldId id="332" r:id="rId45"/>
-    <p:sldId id="333" r:id="rId46"/>
+    <p:sldId id="278" r:id="rId24"/>
+    <p:sldId id="317" r:id="rId25"/>
+    <p:sldId id="318" r:id="rId26"/>
+    <p:sldId id="319" r:id="rId27"/>
+    <p:sldId id="320" r:id="rId28"/>
+    <p:sldId id="321" r:id="rId29"/>
+    <p:sldId id="322" r:id="rId30"/>
+    <p:sldId id="323" r:id="rId31"/>
+    <p:sldId id="324" r:id="rId32"/>
+    <p:sldId id="295" r:id="rId33"/>
+    <p:sldId id="325" r:id="rId34"/>
+    <p:sldId id="286" r:id="rId35"/>
+    <p:sldId id="326" r:id="rId36"/>
+    <p:sldId id="327" r:id="rId37"/>
+    <p:sldId id="328" r:id="rId38"/>
+    <p:sldId id="329" r:id="rId39"/>
+    <p:sldId id="330" r:id="rId40"/>
+    <p:sldId id="331" r:id="rId41"/>
+    <p:sldId id="332" r:id="rId42"/>
+    <p:sldId id="333" r:id="rId43"/>
+    <p:sldId id="298" r:id="rId44"/>
+    <p:sldId id="275" r:id="rId45"/>
+    <p:sldId id="299" r:id="rId46"/>
     <p:sldId id="300" r:id="rId47"/>
     <p:sldId id="301" r:id="rId48"/>
     <p:sldId id="302" r:id="rId49"/>
@@ -19196,634 +19196,6 @@
           <p:cNvPr id="2" name="Title 1">
             <a:extLst>
               <a:ext uri="{FF2B5EF4-FFF2-40B4-BE49-F238E27FC236}">
-                <a16:creationId xmlns:a16="http://schemas.microsoft.com/office/drawing/2014/main" id="{EB17C270-45DA-420A-A5CC-3782A3552124}"/>
-              </a:ext>
-            </a:extLst>
-          </p:cNvPr>
-          <p:cNvSpPr>
-            <a:spLocks noGrp="1"/>
-          </p:cNvSpPr>
-          <p:nvPr>
-            <p:ph type="ctrTitle"/>
-          </p:nvPr>
-        </p:nvSpPr>
-        <p:spPr/>
-        <p:txBody>
-          <a:bodyPr>
-            <a:normAutofit/>
-          </a:bodyPr>
-          <a:lstStyle/>
-          <a:p>
-            <a:r>
-              <a:rPr lang="en-US" dirty="0"/>
-              <a:t>MODELLING</a:t>
-            </a:r>
-          </a:p>
-        </p:txBody>
-      </p:sp>
-    </p:spTree>
-    <p:extLst>
-      <p:ext uri="{BB962C8B-B14F-4D97-AF65-F5344CB8AC3E}">
-        <p14:creationId xmlns:p14="http://schemas.microsoft.com/office/powerpoint/2010/main" val="2076187630"/>
-      </p:ext>
-    </p:extLst>
-  </p:cSld>
-  <p:clrMapOvr>
-    <a:masterClrMapping/>
-  </p:clrMapOvr>
-</p:sld>
-</file>
-
-<file path=ppt/slides/slide24.xml><?xml version="1.0" encoding="utf-8"?>
-<p:sld xmlns:a="http://schemas.openxmlformats.org/drawingml/2006/main" xmlns:r="http://schemas.openxmlformats.org/officeDocument/2006/relationships" xmlns:p="http://schemas.openxmlformats.org/presentationml/2006/main">
-  <p:cSld>
-    <p:spTree>
-      <p:nvGrpSpPr>
-        <p:cNvPr id="1" name=""/>
-        <p:cNvGrpSpPr/>
-        <p:nvPr/>
-      </p:nvGrpSpPr>
-      <p:grpSpPr>
-        <a:xfrm>
-          <a:off x="0" y="0"/>
-          <a:ext cx="0" cy="0"/>
-          <a:chOff x="0" y="0"/>
-          <a:chExt cx="0" cy="0"/>
-        </a:xfrm>
-      </p:grpSpPr>
-      <p:sp>
-        <p:nvSpPr>
-          <p:cNvPr id="2" name="Title 1">
-            <a:extLst>
-              <a:ext uri="{FF2B5EF4-FFF2-40B4-BE49-F238E27FC236}">
-                <a16:creationId xmlns:a16="http://schemas.microsoft.com/office/drawing/2014/main" id="{84EEC1A3-E984-4881-B54A-F1C5E73F7696}"/>
-              </a:ext>
-            </a:extLst>
-          </p:cNvPr>
-          <p:cNvSpPr>
-            <a:spLocks noGrp="1"/>
-          </p:cNvSpPr>
-          <p:nvPr>
-            <p:ph type="title"/>
-          </p:nvPr>
-        </p:nvSpPr>
-        <p:spPr/>
-        <p:txBody>
-          <a:bodyPr/>
-          <a:lstStyle/>
-          <a:p>
-            <a:r>
-              <a:rPr lang="en-US" dirty="0"/>
-              <a:t>Overview</a:t>
-            </a:r>
-          </a:p>
-        </p:txBody>
-      </p:sp>
-      <p:sp>
-        <p:nvSpPr>
-          <p:cNvPr id="3" name="Content Placeholder 2">
-            <a:extLst>
-              <a:ext uri="{FF2B5EF4-FFF2-40B4-BE49-F238E27FC236}">
-                <a16:creationId xmlns:a16="http://schemas.microsoft.com/office/drawing/2014/main" id="{6454B748-3B9E-49AD-A4D5-FC6C95CAE875}"/>
-              </a:ext>
-            </a:extLst>
-          </p:cNvPr>
-          <p:cNvSpPr>
-            <a:spLocks noGrp="1"/>
-          </p:cNvSpPr>
-          <p:nvPr>
-            <p:ph idx="1"/>
-          </p:nvPr>
-        </p:nvSpPr>
-        <p:spPr>
-          <a:xfrm>
-            <a:off x="838200" y="1825625"/>
-            <a:ext cx="10515600" cy="1173214"/>
-          </a:xfrm>
-        </p:spPr>
-        <p:txBody>
-          <a:bodyPr/>
-          <a:lstStyle/>
-          <a:p>
-            <a:pPr>
-              <a:buFontTx/>
-              <a:buChar char="-"/>
-            </a:pPr>
-            <a:r>
-              <a:rPr lang="en-US" dirty="0"/>
-              <a:t>The model used before running the campaign</a:t>
-            </a:r>
-          </a:p>
-          <a:p>
-            <a:pPr>
-              <a:buFontTx/>
-              <a:buChar char="-"/>
-            </a:pPr>
-            <a:r>
-              <a:rPr lang="en-US" dirty="0"/>
-              <a:t>Use Features/column that can be obtained before the campaign</a:t>
-            </a:r>
-          </a:p>
-        </p:txBody>
-      </p:sp>
-      <p:sp>
-        <p:nvSpPr>
-          <p:cNvPr id="4" name="Title 1">
-            <a:extLst>
-              <a:ext uri="{FF2B5EF4-FFF2-40B4-BE49-F238E27FC236}">
-                <a16:creationId xmlns:a16="http://schemas.microsoft.com/office/drawing/2014/main" id="{FB21B705-7B39-4124-88DA-6AEBA6F15425}"/>
-              </a:ext>
-            </a:extLst>
-          </p:cNvPr>
-          <p:cNvSpPr txBox="1">
-            <a:spLocks/>
-          </p:cNvSpPr>
-          <p:nvPr/>
-        </p:nvSpPr>
-        <p:spPr>
-          <a:xfrm>
-            <a:off x="838200" y="2998839"/>
-            <a:ext cx="10515600" cy="1325563"/>
-          </a:xfrm>
-          <a:prstGeom prst="rect">
-            <a:avLst/>
-          </a:prstGeom>
-        </p:spPr>
-        <p:txBody>
-          <a:bodyPr vert="horz" lIns="91440" tIns="45720" rIns="91440" bIns="45720" rtlCol="0" anchor="ctr">
-            <a:normAutofit/>
-          </a:bodyPr>
-          <a:lstStyle>
-            <a:lvl1pPr algn="l" defTabSz="914400" rtl="0" eaLnBrk="1" latinLnBrk="0" hangingPunct="1">
-              <a:lnSpc>
-                <a:spcPct val="90000"/>
-              </a:lnSpc>
-              <a:spcBef>
-                <a:spcPct val="0"/>
-              </a:spcBef>
-              <a:buNone/>
-              <a:defRPr sz="4400" kern="1200">
-                <a:solidFill>
-                  <a:schemeClr val="tx1"/>
-                </a:solidFill>
-                <a:latin typeface="+mj-lt"/>
-                <a:ea typeface="+mj-ea"/>
-                <a:cs typeface="+mj-cs"/>
-              </a:defRPr>
-            </a:lvl1pPr>
-          </a:lstStyle>
-          <a:p>
-            <a:r>
-              <a:rPr lang="en-US" dirty="0"/>
-              <a:t>Data Preparation</a:t>
-            </a:r>
-          </a:p>
-        </p:txBody>
-      </p:sp>
-      <p:sp>
-        <p:nvSpPr>
-          <p:cNvPr id="5" name="Content Placeholder 2">
-            <a:extLst>
-              <a:ext uri="{FF2B5EF4-FFF2-40B4-BE49-F238E27FC236}">
-                <a16:creationId xmlns:a16="http://schemas.microsoft.com/office/drawing/2014/main" id="{EAD6E45E-C78A-42EE-BD8B-1CEB80D52A78}"/>
-              </a:ext>
-            </a:extLst>
-          </p:cNvPr>
-          <p:cNvSpPr txBox="1">
-            <a:spLocks/>
-          </p:cNvSpPr>
-          <p:nvPr/>
-        </p:nvSpPr>
-        <p:spPr>
-          <a:xfrm>
-            <a:off x="838200" y="4327577"/>
-            <a:ext cx="10515600" cy="1965067"/>
-          </a:xfrm>
-          <a:prstGeom prst="rect">
-            <a:avLst/>
-          </a:prstGeom>
-        </p:spPr>
-        <p:txBody>
-          <a:bodyPr vert="horz" lIns="91440" tIns="45720" rIns="91440" bIns="45720" rtlCol="0">
-            <a:normAutofit/>
-          </a:bodyPr>
-          <a:lstStyle>
-            <a:lvl1pPr marL="228600" indent="-228600" algn="l" defTabSz="914400" rtl="0" eaLnBrk="1" latinLnBrk="0" hangingPunct="1">
-              <a:lnSpc>
-                <a:spcPct val="90000"/>
-              </a:lnSpc>
-              <a:spcBef>
-                <a:spcPts val="1000"/>
-              </a:spcBef>
-              <a:buFont typeface="Arial" panose="020B0604020202020204" pitchFamily="34" charset="0"/>
-              <a:buChar char="•"/>
-              <a:defRPr sz="2800" kern="1200">
-                <a:solidFill>
-                  <a:schemeClr val="tx1"/>
-                </a:solidFill>
-                <a:latin typeface="+mn-lt"/>
-                <a:ea typeface="+mn-ea"/>
-                <a:cs typeface="+mn-cs"/>
-              </a:defRPr>
-            </a:lvl1pPr>
-            <a:lvl2pPr marL="685800" indent="-228600" algn="l" defTabSz="914400" rtl="0" eaLnBrk="1" latinLnBrk="0" hangingPunct="1">
-              <a:lnSpc>
-                <a:spcPct val="90000"/>
-              </a:lnSpc>
-              <a:spcBef>
-                <a:spcPts val="500"/>
-              </a:spcBef>
-              <a:buFont typeface="Arial" panose="020B0604020202020204" pitchFamily="34" charset="0"/>
-              <a:buChar char="•"/>
-              <a:defRPr sz="2400" kern="1200">
-                <a:solidFill>
-                  <a:schemeClr val="tx1"/>
-                </a:solidFill>
-                <a:latin typeface="+mn-lt"/>
-                <a:ea typeface="+mn-ea"/>
-                <a:cs typeface="+mn-cs"/>
-              </a:defRPr>
-            </a:lvl2pPr>
-            <a:lvl3pPr marL="1143000" indent="-228600" algn="l" defTabSz="914400" rtl="0" eaLnBrk="1" latinLnBrk="0" hangingPunct="1">
-              <a:lnSpc>
-                <a:spcPct val="90000"/>
-              </a:lnSpc>
-              <a:spcBef>
-                <a:spcPts val="500"/>
-              </a:spcBef>
-              <a:buFont typeface="Arial" panose="020B0604020202020204" pitchFamily="34" charset="0"/>
-              <a:buChar char="•"/>
-              <a:defRPr sz="2000" kern="1200">
-                <a:solidFill>
-                  <a:schemeClr val="tx1"/>
-                </a:solidFill>
-                <a:latin typeface="+mn-lt"/>
-                <a:ea typeface="+mn-ea"/>
-                <a:cs typeface="+mn-cs"/>
-              </a:defRPr>
-            </a:lvl3pPr>
-            <a:lvl4pPr marL="1600200" indent="-228600" algn="l" defTabSz="914400" rtl="0" eaLnBrk="1" latinLnBrk="0" hangingPunct="1">
-              <a:lnSpc>
-                <a:spcPct val="90000"/>
-              </a:lnSpc>
-              <a:spcBef>
-                <a:spcPts val="500"/>
-              </a:spcBef>
-              <a:buFont typeface="Arial" panose="020B0604020202020204" pitchFamily="34" charset="0"/>
-              <a:buChar char="•"/>
-              <a:defRPr sz="1800" kern="1200">
-                <a:solidFill>
-                  <a:schemeClr val="tx1"/>
-                </a:solidFill>
-                <a:latin typeface="+mn-lt"/>
-                <a:ea typeface="+mn-ea"/>
-                <a:cs typeface="+mn-cs"/>
-              </a:defRPr>
-            </a:lvl4pPr>
-            <a:lvl5pPr marL="2057400" indent="-228600" algn="l" defTabSz="914400" rtl="0" eaLnBrk="1" latinLnBrk="0" hangingPunct="1">
-              <a:lnSpc>
-                <a:spcPct val="90000"/>
-              </a:lnSpc>
-              <a:spcBef>
-                <a:spcPts val="500"/>
-              </a:spcBef>
-              <a:buFont typeface="Arial" panose="020B0604020202020204" pitchFamily="34" charset="0"/>
-              <a:buChar char="•"/>
-              <a:defRPr sz="1800" kern="1200">
-                <a:solidFill>
-                  <a:schemeClr val="tx1"/>
-                </a:solidFill>
-                <a:latin typeface="+mn-lt"/>
-                <a:ea typeface="+mn-ea"/>
-                <a:cs typeface="+mn-cs"/>
-              </a:defRPr>
-            </a:lvl5pPr>
-            <a:lvl6pPr marL="2514600" indent="-228600" algn="l" defTabSz="914400" rtl="0" eaLnBrk="1" latinLnBrk="0" hangingPunct="1">
-              <a:lnSpc>
-                <a:spcPct val="90000"/>
-              </a:lnSpc>
-              <a:spcBef>
-                <a:spcPts val="500"/>
-              </a:spcBef>
-              <a:buFont typeface="Arial" panose="020B0604020202020204" pitchFamily="34" charset="0"/>
-              <a:buChar char="•"/>
-              <a:defRPr sz="1800" kern="1200">
-                <a:solidFill>
-                  <a:schemeClr val="tx1"/>
-                </a:solidFill>
-                <a:latin typeface="+mn-lt"/>
-                <a:ea typeface="+mn-ea"/>
-                <a:cs typeface="+mn-cs"/>
-              </a:defRPr>
-            </a:lvl6pPr>
-            <a:lvl7pPr marL="2971800" indent="-228600" algn="l" defTabSz="914400" rtl="0" eaLnBrk="1" latinLnBrk="0" hangingPunct="1">
-              <a:lnSpc>
-                <a:spcPct val="90000"/>
-              </a:lnSpc>
-              <a:spcBef>
-                <a:spcPts val="500"/>
-              </a:spcBef>
-              <a:buFont typeface="Arial" panose="020B0604020202020204" pitchFamily="34" charset="0"/>
-              <a:buChar char="•"/>
-              <a:defRPr sz="1800" kern="1200">
-                <a:solidFill>
-                  <a:schemeClr val="tx1"/>
-                </a:solidFill>
-                <a:latin typeface="+mn-lt"/>
-                <a:ea typeface="+mn-ea"/>
-                <a:cs typeface="+mn-cs"/>
-              </a:defRPr>
-            </a:lvl7pPr>
-            <a:lvl8pPr marL="3429000" indent="-228600" algn="l" defTabSz="914400" rtl="0" eaLnBrk="1" latinLnBrk="0" hangingPunct="1">
-              <a:lnSpc>
-                <a:spcPct val="90000"/>
-              </a:lnSpc>
-              <a:spcBef>
-                <a:spcPts val="500"/>
-              </a:spcBef>
-              <a:buFont typeface="Arial" panose="020B0604020202020204" pitchFamily="34" charset="0"/>
-              <a:buChar char="•"/>
-              <a:defRPr sz="1800" kern="1200">
-                <a:solidFill>
-                  <a:schemeClr val="tx1"/>
-                </a:solidFill>
-                <a:latin typeface="+mn-lt"/>
-                <a:ea typeface="+mn-ea"/>
-                <a:cs typeface="+mn-cs"/>
-              </a:defRPr>
-            </a:lvl8pPr>
-            <a:lvl9pPr marL="3886200" indent="-228600" algn="l" defTabSz="914400" rtl="0" eaLnBrk="1" latinLnBrk="0" hangingPunct="1">
-              <a:lnSpc>
-                <a:spcPct val="90000"/>
-              </a:lnSpc>
-              <a:spcBef>
-                <a:spcPts val="500"/>
-              </a:spcBef>
-              <a:buFont typeface="Arial" panose="020B0604020202020204" pitchFamily="34" charset="0"/>
-              <a:buChar char="•"/>
-              <a:defRPr sz="1800" kern="1200">
-                <a:solidFill>
-                  <a:schemeClr val="tx1"/>
-                </a:solidFill>
-                <a:latin typeface="+mn-lt"/>
-                <a:ea typeface="+mn-ea"/>
-                <a:cs typeface="+mn-cs"/>
-              </a:defRPr>
-            </a:lvl9pPr>
-          </a:lstStyle>
-          <a:p>
-            <a:pPr>
-              <a:buFontTx/>
-              <a:buChar char="-"/>
-            </a:pPr>
-            <a:r>
-              <a:rPr lang="en-US" dirty="0"/>
-              <a:t>Drop Columns ‘duration’ &amp; ‘campaign’</a:t>
-            </a:r>
-          </a:p>
-          <a:p>
-            <a:pPr>
-              <a:buFontTx/>
-              <a:buChar char="-"/>
-            </a:pPr>
-            <a:r>
-              <a:rPr lang="en-US" dirty="0"/>
-              <a:t>Check Null values</a:t>
-            </a:r>
-          </a:p>
-          <a:p>
-            <a:pPr>
-              <a:buFontTx/>
-              <a:buChar char="-"/>
-            </a:pPr>
-            <a:r>
-              <a:rPr lang="en-US" dirty="0"/>
-              <a:t>Change the values in target column (‘y’) into numerical value</a:t>
-            </a:r>
-          </a:p>
-        </p:txBody>
-      </p:sp>
-    </p:spTree>
-    <p:extLst>
-      <p:ext uri="{BB962C8B-B14F-4D97-AF65-F5344CB8AC3E}">
-        <p14:creationId xmlns:p14="http://schemas.microsoft.com/office/powerpoint/2010/main" val="3872314036"/>
-      </p:ext>
-    </p:extLst>
-  </p:cSld>
-  <p:clrMapOvr>
-    <a:masterClrMapping/>
-  </p:clrMapOvr>
-</p:sld>
-</file>
-
-<file path=ppt/slides/slide25.xml><?xml version="1.0" encoding="utf-8"?>
-<p:sld xmlns:a="http://schemas.openxmlformats.org/drawingml/2006/main" xmlns:r="http://schemas.openxmlformats.org/officeDocument/2006/relationships" xmlns:p="http://schemas.openxmlformats.org/presentationml/2006/main">
-  <p:cSld>
-    <p:spTree>
-      <p:nvGrpSpPr>
-        <p:cNvPr id="1" name=""/>
-        <p:cNvGrpSpPr/>
-        <p:nvPr/>
-      </p:nvGrpSpPr>
-      <p:grpSpPr>
-        <a:xfrm>
-          <a:off x="0" y="0"/>
-          <a:ext cx="0" cy="0"/>
-          <a:chOff x="0" y="0"/>
-          <a:chExt cx="0" cy="0"/>
-        </a:xfrm>
-      </p:grpSpPr>
-      <p:sp>
-        <p:nvSpPr>
-          <p:cNvPr id="2" name="Title 1">
-            <a:extLst>
-              <a:ext uri="{FF2B5EF4-FFF2-40B4-BE49-F238E27FC236}">
-                <a16:creationId xmlns:a16="http://schemas.microsoft.com/office/drawing/2014/main" id="{84EEC1A3-E984-4881-B54A-F1C5E73F7696}"/>
-              </a:ext>
-            </a:extLst>
-          </p:cNvPr>
-          <p:cNvSpPr>
-            <a:spLocks noGrp="1"/>
-          </p:cNvSpPr>
-          <p:nvPr>
-            <p:ph type="title"/>
-          </p:nvPr>
-        </p:nvSpPr>
-        <p:spPr/>
-        <p:txBody>
-          <a:bodyPr/>
-          <a:lstStyle/>
-          <a:p>
-            <a:r>
-              <a:rPr lang="en-US" dirty="0"/>
-              <a:t>Data Imbalance Check</a:t>
-            </a:r>
-          </a:p>
-        </p:txBody>
-      </p:sp>
-      <p:sp>
-        <p:nvSpPr>
-          <p:cNvPr id="3" name="Content Placeholder 2">
-            <a:extLst>
-              <a:ext uri="{FF2B5EF4-FFF2-40B4-BE49-F238E27FC236}">
-                <a16:creationId xmlns:a16="http://schemas.microsoft.com/office/drawing/2014/main" id="{6454B748-3B9E-49AD-A4D5-FC6C95CAE875}"/>
-              </a:ext>
-            </a:extLst>
-          </p:cNvPr>
-          <p:cNvSpPr>
-            <a:spLocks noGrp="1"/>
-          </p:cNvSpPr>
-          <p:nvPr>
-            <p:ph idx="1"/>
-          </p:nvPr>
-        </p:nvSpPr>
-        <p:spPr>
-          <a:xfrm>
-            <a:off x="6789512" y="3291348"/>
-            <a:ext cx="1856730" cy="1173214"/>
-          </a:xfrm>
-        </p:spPr>
-        <p:txBody>
-          <a:bodyPr/>
-          <a:lstStyle/>
-          <a:p>
-            <a:pPr>
-              <a:buFontTx/>
-              <a:buChar char="-"/>
-            </a:pPr>
-            <a:r>
-              <a:rPr lang="en-US" dirty="0"/>
-              <a:t>0 </a:t>
-            </a:r>
-            <a:r>
-              <a:rPr lang="en-US" dirty="0">
-                <a:sym typeface="Wingdings" panose="05000000000000000000" pitchFamily="2" charset="2"/>
-              </a:rPr>
-              <a:t> No</a:t>
-            </a:r>
-          </a:p>
-          <a:p>
-            <a:pPr>
-              <a:buFontTx/>
-              <a:buChar char="-"/>
-            </a:pPr>
-            <a:r>
-              <a:rPr lang="en-US" dirty="0">
-                <a:sym typeface="Wingdings" panose="05000000000000000000" pitchFamily="2" charset="2"/>
-              </a:rPr>
-              <a:t>1  Yes</a:t>
-            </a:r>
-            <a:endParaRPr lang="en-US" dirty="0"/>
-          </a:p>
-        </p:txBody>
-      </p:sp>
-      <p:pic>
-        <p:nvPicPr>
-          <p:cNvPr id="6" name="Picture 5">
-            <a:extLst>
-              <a:ext uri="{FF2B5EF4-FFF2-40B4-BE49-F238E27FC236}">
-                <a16:creationId xmlns:a16="http://schemas.microsoft.com/office/drawing/2014/main" id="{7077AF4C-7961-4EF6-8BD6-C18F31145915}"/>
-              </a:ext>
-            </a:extLst>
-          </p:cNvPr>
-          <p:cNvPicPr>
-            <a:picLocks noChangeAspect="1"/>
-          </p:cNvPicPr>
-          <p:nvPr/>
-        </p:nvPicPr>
-        <p:blipFill>
-          <a:blip r:embed="rId2">
-            <a:extLst>
-              <a:ext uri="{28A0092B-C50C-407E-A947-70E740481C1C}">
-                <a14:useLocalDpi xmlns:a14="http://schemas.microsoft.com/office/drawing/2010/main" val="0"/>
-              </a:ext>
-            </a:extLst>
-          </a:blip>
-          <a:stretch>
-            <a:fillRect/>
-          </a:stretch>
-        </p:blipFill>
-        <p:spPr>
-          <a:xfrm>
-            <a:off x="1056568" y="1690688"/>
-            <a:ext cx="4882116" cy="4767916"/>
-          </a:xfrm>
-          <a:prstGeom prst="rect">
-            <a:avLst/>
-          </a:prstGeom>
-        </p:spPr>
-      </p:pic>
-      <p:pic>
-        <p:nvPicPr>
-          <p:cNvPr id="8" name="Picture 7">
-            <a:extLst>
-              <a:ext uri="{FF2B5EF4-FFF2-40B4-BE49-F238E27FC236}">
-                <a16:creationId xmlns:a16="http://schemas.microsoft.com/office/drawing/2014/main" id="{AC094924-4301-41EA-8102-BAD37A7C6DBD}"/>
-              </a:ext>
-            </a:extLst>
-          </p:cNvPr>
-          <p:cNvPicPr>
-            <a:picLocks noChangeAspect="1"/>
-          </p:cNvPicPr>
-          <p:nvPr/>
-        </p:nvPicPr>
-        <p:blipFill>
-          <a:blip r:embed="rId3">
-            <a:extLst>
-              <a:ext uri="{28A0092B-C50C-407E-A947-70E740481C1C}">
-                <a14:useLocalDpi xmlns:a14="http://schemas.microsoft.com/office/drawing/2010/main" val="0"/>
-              </a:ext>
-            </a:extLst>
-          </a:blip>
-          <a:stretch>
-            <a:fillRect/>
-          </a:stretch>
-        </p:blipFill>
-        <p:spPr>
-          <a:xfrm>
-            <a:off x="6368537" y="2103436"/>
-            <a:ext cx="3737755" cy="973701"/>
-          </a:xfrm>
-          <a:prstGeom prst="rect">
-            <a:avLst/>
-          </a:prstGeom>
-        </p:spPr>
-      </p:pic>
-    </p:spTree>
-    <p:extLst>
-      <p:ext uri="{BB962C8B-B14F-4D97-AF65-F5344CB8AC3E}">
-        <p14:creationId xmlns:p14="http://schemas.microsoft.com/office/powerpoint/2010/main" val="551530734"/>
-      </p:ext>
-    </p:extLst>
-  </p:cSld>
-  <p:clrMapOvr>
-    <a:masterClrMapping/>
-  </p:clrMapOvr>
-</p:sld>
-</file>
-
-<file path=ppt/slides/slide26.xml><?xml version="1.0" encoding="utf-8"?>
-<p:sld xmlns:a="http://schemas.openxmlformats.org/drawingml/2006/main" xmlns:r="http://schemas.openxmlformats.org/officeDocument/2006/relationships" xmlns:p="http://schemas.openxmlformats.org/presentationml/2006/main">
-  <p:cSld>
-    <p:spTree>
-      <p:nvGrpSpPr>
-        <p:cNvPr id="1" name=""/>
-        <p:cNvGrpSpPr/>
-        <p:nvPr/>
-      </p:nvGrpSpPr>
-      <p:grpSpPr>
-        <a:xfrm>
-          <a:off x="0" y="0"/>
-          <a:ext cx="0" cy="0"/>
-          <a:chOff x="0" y="0"/>
-          <a:chExt cx="0" cy="0"/>
-        </a:xfrm>
-      </p:grpSpPr>
-      <p:sp>
-        <p:nvSpPr>
-          <p:cNvPr id="2" name="Title 1">
-            <a:extLst>
-              <a:ext uri="{FF2B5EF4-FFF2-40B4-BE49-F238E27FC236}">
                 <a16:creationId xmlns:a16="http://schemas.microsoft.com/office/drawing/2014/main" id="{C58002BF-9232-4DFC-8DC7-6ACF3EAB57E1}"/>
               </a:ext>
             </a:extLst>
@@ -20008,7 +19380,7 @@
 </p:sld>
 </file>
 
-<file path=ppt/slides/slide27.xml><?xml version="1.0" encoding="utf-8"?>
+<file path=ppt/slides/slide24.xml><?xml version="1.0" encoding="utf-8"?>
 <p:sld xmlns:a="http://schemas.openxmlformats.org/drawingml/2006/main" xmlns:r="http://schemas.openxmlformats.org/officeDocument/2006/relationships" xmlns:p="http://schemas.openxmlformats.org/presentationml/2006/main">
   <p:cSld>
     <p:spTree>
@@ -20961,7 +20333,7 @@
 </p:sld>
 </file>
 
-<file path=ppt/slides/slide28.xml><?xml version="1.0" encoding="utf-8"?>
+<file path=ppt/slides/slide25.xml><?xml version="1.0" encoding="utf-8"?>
 <p:sld xmlns:a="http://schemas.openxmlformats.org/drawingml/2006/main" xmlns:r="http://schemas.openxmlformats.org/officeDocument/2006/relationships" xmlns:p="http://schemas.openxmlformats.org/presentationml/2006/main">
   <p:cSld>
     <p:spTree>
@@ -21178,7 +20550,7 @@
 </p:sld>
 </file>
 
-<file path=ppt/slides/slide29.xml><?xml version="1.0" encoding="utf-8"?>
+<file path=ppt/slides/slide26.xml><?xml version="1.0" encoding="utf-8"?>
 <p:sld xmlns:a="http://schemas.openxmlformats.org/drawingml/2006/main" xmlns:r="http://schemas.openxmlformats.org/officeDocument/2006/relationships" xmlns:p="http://schemas.openxmlformats.org/presentationml/2006/main">
   <p:cSld>
     <p:spTree>
@@ -21968,221 +21340,7 @@
 </p:sld>
 </file>
 
-<file path=ppt/slides/slide3.xml><?xml version="1.0" encoding="utf-8"?>
-<p:sld xmlns:a="http://schemas.openxmlformats.org/drawingml/2006/main" xmlns:r="http://schemas.openxmlformats.org/officeDocument/2006/relationships" xmlns:p="http://schemas.openxmlformats.org/presentationml/2006/main">
-  <p:cSld>
-    <p:spTree>
-      <p:nvGrpSpPr>
-        <p:cNvPr id="1" name=""/>
-        <p:cNvGrpSpPr/>
-        <p:nvPr/>
-      </p:nvGrpSpPr>
-      <p:grpSpPr>
-        <a:xfrm>
-          <a:off x="0" y="0"/>
-          <a:ext cx="0" cy="0"/>
-          <a:chOff x="0" y="0"/>
-          <a:chExt cx="0" cy="0"/>
-        </a:xfrm>
-      </p:grpSpPr>
-      <p:sp>
-        <p:nvSpPr>
-          <p:cNvPr id="2" name="Title 1">
-            <a:extLst>
-              <a:ext uri="{FF2B5EF4-FFF2-40B4-BE49-F238E27FC236}">
-                <a16:creationId xmlns:a16="http://schemas.microsoft.com/office/drawing/2014/main" id="{84EEC1A3-E984-4881-B54A-F1C5E73F7696}"/>
-              </a:ext>
-            </a:extLst>
-          </p:cNvPr>
-          <p:cNvSpPr>
-            <a:spLocks noGrp="1"/>
-          </p:cNvSpPr>
-          <p:nvPr>
-            <p:ph type="title"/>
-          </p:nvPr>
-        </p:nvSpPr>
-        <p:spPr/>
-        <p:txBody>
-          <a:bodyPr/>
-          <a:lstStyle/>
-          <a:p>
-            <a:r>
-              <a:rPr lang="en-US" dirty="0"/>
-              <a:t>Dataset &amp; Case</a:t>
-            </a:r>
-          </a:p>
-        </p:txBody>
-      </p:sp>
-      <p:sp>
-        <p:nvSpPr>
-          <p:cNvPr id="3" name="Content Placeholder 2">
-            <a:extLst>
-              <a:ext uri="{FF2B5EF4-FFF2-40B4-BE49-F238E27FC236}">
-                <a16:creationId xmlns:a16="http://schemas.microsoft.com/office/drawing/2014/main" id="{6454B748-3B9E-49AD-A4D5-FC6C95CAE875}"/>
-              </a:ext>
-            </a:extLst>
-          </p:cNvPr>
-          <p:cNvSpPr>
-            <a:spLocks noGrp="1"/>
-          </p:cNvSpPr>
-          <p:nvPr>
-            <p:ph idx="1"/>
-          </p:nvPr>
-        </p:nvSpPr>
-        <p:spPr/>
-        <p:txBody>
-          <a:bodyPr>
-            <a:normAutofit/>
-          </a:bodyPr>
-          <a:lstStyle/>
-          <a:p>
-            <a:pPr>
-              <a:buFontTx/>
-              <a:buChar char="-"/>
-            </a:pPr>
-            <a:r>
-              <a:rPr lang="en-US" sz="2400" dirty="0"/>
-              <a:t>Dataset used was bank marketing campaign dataset from </a:t>
-            </a:r>
-            <a:r>
-              <a:rPr lang="en-US" sz="2400" dirty="0" err="1"/>
-              <a:t>Kaggle</a:t>
-            </a:r>
-            <a:r>
-              <a:rPr lang="en-US" sz="2400" dirty="0"/>
-              <a:t> (https://www.kaggle.com/volodymyrgavrysh/bank-marketing-campaigns-dataset)</a:t>
-            </a:r>
-          </a:p>
-          <a:p>
-            <a:pPr>
-              <a:buFontTx/>
-              <a:buChar char="-"/>
-            </a:pPr>
-            <a:r>
-              <a:rPr lang="en-US" sz="2400" dirty="0"/>
-              <a:t>Features Description</a:t>
-            </a:r>
-          </a:p>
-          <a:p>
-            <a:pPr lvl="1"/>
-            <a:r>
-              <a:rPr lang="en-US" sz="2000" dirty="0"/>
-              <a:t>Bank client data:</a:t>
-            </a:r>
-          </a:p>
-          <a:p>
-            <a:pPr lvl="2"/>
-            <a:r>
-              <a:rPr lang="en-US" sz="1600" dirty="0"/>
-              <a:t>Age (numerical continuous)</a:t>
-            </a:r>
-          </a:p>
-          <a:p>
-            <a:pPr lvl="2"/>
-            <a:r>
-              <a:rPr lang="en-US" sz="1600" dirty="0"/>
-              <a:t>Job : type of job (categorical: "</a:t>
-            </a:r>
-            <a:r>
-              <a:rPr lang="en-US" sz="1600" dirty="0" err="1"/>
-              <a:t>admin.","blue-collar","entrepreneur</a:t>
-            </a:r>
-            <a:r>
-              <a:rPr lang="en-US" sz="1600" dirty="0"/>
-              <a:t>",...,"unknown")</a:t>
-            </a:r>
-          </a:p>
-          <a:p>
-            <a:pPr lvl="2"/>
-            <a:r>
-              <a:rPr lang="en-US" sz="1600" dirty="0"/>
-              <a:t>Marital : marital status (categorical: "</a:t>
-            </a:r>
-            <a:r>
-              <a:rPr lang="en-US" sz="1600" dirty="0" err="1"/>
-              <a:t>divorced","married","single","unknown</a:t>
-            </a:r>
-            <a:r>
-              <a:rPr lang="en-US" sz="1600" dirty="0"/>
-              <a:t>")</a:t>
-            </a:r>
-          </a:p>
-          <a:p>
-            <a:pPr lvl="2"/>
-            <a:r>
-              <a:rPr lang="en-US" sz="1600" dirty="0"/>
-              <a:t>Education : (categorical: "illiterate",...,"</a:t>
-            </a:r>
-            <a:r>
-              <a:rPr lang="en-US" sz="1600" dirty="0" err="1"/>
-              <a:t>university.degree","unknown</a:t>
-            </a:r>
-            <a:r>
-              <a:rPr lang="en-US" sz="1600" dirty="0"/>
-              <a:t>")</a:t>
-            </a:r>
-          </a:p>
-          <a:p>
-            <a:pPr lvl="2"/>
-            <a:r>
-              <a:rPr lang="en-US" sz="1600" dirty="0"/>
-              <a:t>Default: has credit in default? (categorical: "</a:t>
-            </a:r>
-            <a:r>
-              <a:rPr lang="en-US" sz="1600" dirty="0" err="1"/>
-              <a:t>no","yes","unknown</a:t>
-            </a:r>
-            <a:r>
-              <a:rPr lang="en-US" sz="1600" dirty="0"/>
-              <a:t>")</a:t>
-            </a:r>
-          </a:p>
-          <a:p>
-            <a:pPr lvl="2"/>
-            <a:r>
-              <a:rPr lang="en-US" sz="1600" dirty="0"/>
-              <a:t>Housing: has housing loan? (categorical: "</a:t>
-            </a:r>
-            <a:r>
-              <a:rPr lang="en-US" sz="1600" dirty="0" err="1"/>
-              <a:t>no","yes","unknown</a:t>
-            </a:r>
-            <a:r>
-              <a:rPr lang="en-US" sz="1600" dirty="0"/>
-              <a:t>")</a:t>
-            </a:r>
-          </a:p>
-          <a:p>
-            <a:pPr lvl="2"/>
-            <a:r>
-              <a:rPr lang="en-US" sz="1600" dirty="0"/>
-              <a:t>Loan: has personal loan? (categorical: "</a:t>
-            </a:r>
-            <a:r>
-              <a:rPr lang="en-US" sz="1600" dirty="0" err="1"/>
-              <a:t>no","yes","unknown</a:t>
-            </a:r>
-            <a:r>
-              <a:rPr lang="en-US" sz="1600" dirty="0"/>
-              <a:t>")</a:t>
-            </a:r>
-          </a:p>
-        </p:txBody>
-      </p:sp>
-    </p:spTree>
-    <p:extLst>
-      <p:ext uri="{BB962C8B-B14F-4D97-AF65-F5344CB8AC3E}">
-        <p14:creationId xmlns:p14="http://schemas.microsoft.com/office/powerpoint/2010/main" val="984482081"/>
-      </p:ext>
-    </p:extLst>
-  </p:cSld>
-  <p:clrMapOvr>
-    <a:masterClrMapping/>
-  </p:clrMapOvr>
-</p:sld>
-</file>
-
-<file path=ppt/slides/slide30.xml><?xml version="1.0" encoding="utf-8"?>
+<file path=ppt/slides/slide27.xml><?xml version="1.0" encoding="utf-8"?>
 <p:sld xmlns:a="http://schemas.openxmlformats.org/drawingml/2006/main" xmlns:r="http://schemas.openxmlformats.org/officeDocument/2006/relationships" xmlns:p="http://schemas.openxmlformats.org/presentationml/2006/main">
   <p:cSld>
     <p:spTree>
@@ -22389,7 +21547,7 @@
 </p:sld>
 </file>
 
-<file path=ppt/slides/slide31.xml><?xml version="1.0" encoding="utf-8"?>
+<file path=ppt/slides/slide28.xml><?xml version="1.0" encoding="utf-8"?>
 <p:sld xmlns:a="http://schemas.openxmlformats.org/drawingml/2006/main" xmlns:r="http://schemas.openxmlformats.org/officeDocument/2006/relationships" xmlns:p="http://schemas.openxmlformats.org/presentationml/2006/main">
   <p:cSld>
     <p:spTree>
@@ -22596,7 +21754,7 @@
 </p:sld>
 </file>
 
-<file path=ppt/slides/slide32.xml><?xml version="1.0" encoding="utf-8"?>
+<file path=ppt/slides/slide29.xml><?xml version="1.0" encoding="utf-8"?>
 <p:sld xmlns:a="http://schemas.openxmlformats.org/drawingml/2006/main" xmlns:r="http://schemas.openxmlformats.org/officeDocument/2006/relationships" xmlns:p="http://schemas.openxmlformats.org/presentationml/2006/main">
   <p:cSld>
     <p:spTree>
@@ -22803,7 +21961,221 @@
 </p:sld>
 </file>
 
-<file path=ppt/slides/slide33.xml><?xml version="1.0" encoding="utf-8"?>
+<file path=ppt/slides/slide3.xml><?xml version="1.0" encoding="utf-8"?>
+<p:sld xmlns:a="http://schemas.openxmlformats.org/drawingml/2006/main" xmlns:r="http://schemas.openxmlformats.org/officeDocument/2006/relationships" xmlns:p="http://schemas.openxmlformats.org/presentationml/2006/main">
+  <p:cSld>
+    <p:spTree>
+      <p:nvGrpSpPr>
+        <p:cNvPr id="1" name=""/>
+        <p:cNvGrpSpPr/>
+        <p:nvPr/>
+      </p:nvGrpSpPr>
+      <p:grpSpPr>
+        <a:xfrm>
+          <a:off x="0" y="0"/>
+          <a:ext cx="0" cy="0"/>
+          <a:chOff x="0" y="0"/>
+          <a:chExt cx="0" cy="0"/>
+        </a:xfrm>
+      </p:grpSpPr>
+      <p:sp>
+        <p:nvSpPr>
+          <p:cNvPr id="2" name="Title 1">
+            <a:extLst>
+              <a:ext uri="{FF2B5EF4-FFF2-40B4-BE49-F238E27FC236}">
+                <a16:creationId xmlns:a16="http://schemas.microsoft.com/office/drawing/2014/main" id="{84EEC1A3-E984-4881-B54A-F1C5E73F7696}"/>
+              </a:ext>
+            </a:extLst>
+          </p:cNvPr>
+          <p:cNvSpPr>
+            <a:spLocks noGrp="1"/>
+          </p:cNvSpPr>
+          <p:nvPr>
+            <p:ph type="title"/>
+          </p:nvPr>
+        </p:nvSpPr>
+        <p:spPr/>
+        <p:txBody>
+          <a:bodyPr/>
+          <a:lstStyle/>
+          <a:p>
+            <a:r>
+              <a:rPr lang="en-US" dirty="0"/>
+              <a:t>Dataset &amp; Case</a:t>
+            </a:r>
+          </a:p>
+        </p:txBody>
+      </p:sp>
+      <p:sp>
+        <p:nvSpPr>
+          <p:cNvPr id="3" name="Content Placeholder 2">
+            <a:extLst>
+              <a:ext uri="{FF2B5EF4-FFF2-40B4-BE49-F238E27FC236}">
+                <a16:creationId xmlns:a16="http://schemas.microsoft.com/office/drawing/2014/main" id="{6454B748-3B9E-49AD-A4D5-FC6C95CAE875}"/>
+              </a:ext>
+            </a:extLst>
+          </p:cNvPr>
+          <p:cNvSpPr>
+            <a:spLocks noGrp="1"/>
+          </p:cNvSpPr>
+          <p:nvPr>
+            <p:ph idx="1"/>
+          </p:nvPr>
+        </p:nvSpPr>
+        <p:spPr/>
+        <p:txBody>
+          <a:bodyPr>
+            <a:normAutofit/>
+          </a:bodyPr>
+          <a:lstStyle/>
+          <a:p>
+            <a:pPr>
+              <a:buFontTx/>
+              <a:buChar char="-"/>
+            </a:pPr>
+            <a:r>
+              <a:rPr lang="en-US" sz="2400" dirty="0"/>
+              <a:t>Dataset used was bank marketing campaign dataset from </a:t>
+            </a:r>
+            <a:r>
+              <a:rPr lang="en-US" sz="2400" dirty="0" err="1"/>
+              <a:t>Kaggle</a:t>
+            </a:r>
+            <a:r>
+              <a:rPr lang="en-US" sz="2400" dirty="0"/>
+              <a:t> (https://www.kaggle.com/volodymyrgavrysh/bank-marketing-campaigns-dataset)</a:t>
+            </a:r>
+          </a:p>
+          <a:p>
+            <a:pPr>
+              <a:buFontTx/>
+              <a:buChar char="-"/>
+            </a:pPr>
+            <a:r>
+              <a:rPr lang="en-US" sz="2400" dirty="0"/>
+              <a:t>Features Description</a:t>
+            </a:r>
+          </a:p>
+          <a:p>
+            <a:pPr lvl="1"/>
+            <a:r>
+              <a:rPr lang="en-US" sz="2000" dirty="0"/>
+              <a:t>Bank client data:</a:t>
+            </a:r>
+          </a:p>
+          <a:p>
+            <a:pPr lvl="2"/>
+            <a:r>
+              <a:rPr lang="en-US" sz="1600" dirty="0"/>
+              <a:t>Age (numerical continuous)</a:t>
+            </a:r>
+          </a:p>
+          <a:p>
+            <a:pPr lvl="2"/>
+            <a:r>
+              <a:rPr lang="en-US" sz="1600" dirty="0"/>
+              <a:t>Job : type of job (categorical: "</a:t>
+            </a:r>
+            <a:r>
+              <a:rPr lang="en-US" sz="1600" dirty="0" err="1"/>
+              <a:t>admin.","blue-collar","entrepreneur</a:t>
+            </a:r>
+            <a:r>
+              <a:rPr lang="en-US" sz="1600" dirty="0"/>
+              <a:t>",...,"unknown")</a:t>
+            </a:r>
+          </a:p>
+          <a:p>
+            <a:pPr lvl="2"/>
+            <a:r>
+              <a:rPr lang="en-US" sz="1600" dirty="0"/>
+              <a:t>Marital : marital status (categorical: "</a:t>
+            </a:r>
+            <a:r>
+              <a:rPr lang="en-US" sz="1600" dirty="0" err="1"/>
+              <a:t>divorced","married","single","unknown</a:t>
+            </a:r>
+            <a:r>
+              <a:rPr lang="en-US" sz="1600" dirty="0"/>
+              <a:t>")</a:t>
+            </a:r>
+          </a:p>
+          <a:p>
+            <a:pPr lvl="2"/>
+            <a:r>
+              <a:rPr lang="en-US" sz="1600" dirty="0"/>
+              <a:t>Education : (categorical: "illiterate",...,"</a:t>
+            </a:r>
+            <a:r>
+              <a:rPr lang="en-US" sz="1600" dirty="0" err="1"/>
+              <a:t>university.degree","unknown</a:t>
+            </a:r>
+            <a:r>
+              <a:rPr lang="en-US" sz="1600" dirty="0"/>
+              <a:t>")</a:t>
+            </a:r>
+          </a:p>
+          <a:p>
+            <a:pPr lvl="2"/>
+            <a:r>
+              <a:rPr lang="en-US" sz="1600" dirty="0"/>
+              <a:t>Default: has credit in default? (categorical: "</a:t>
+            </a:r>
+            <a:r>
+              <a:rPr lang="en-US" sz="1600" dirty="0" err="1"/>
+              <a:t>no","yes","unknown</a:t>
+            </a:r>
+            <a:r>
+              <a:rPr lang="en-US" sz="1600" dirty="0"/>
+              <a:t>")</a:t>
+            </a:r>
+          </a:p>
+          <a:p>
+            <a:pPr lvl="2"/>
+            <a:r>
+              <a:rPr lang="en-US" sz="1600" dirty="0"/>
+              <a:t>Housing: has housing loan? (categorical: "</a:t>
+            </a:r>
+            <a:r>
+              <a:rPr lang="en-US" sz="1600" dirty="0" err="1"/>
+              <a:t>no","yes","unknown</a:t>
+            </a:r>
+            <a:r>
+              <a:rPr lang="en-US" sz="1600" dirty="0"/>
+              <a:t>")</a:t>
+            </a:r>
+          </a:p>
+          <a:p>
+            <a:pPr lvl="2"/>
+            <a:r>
+              <a:rPr lang="en-US" sz="1600" dirty="0"/>
+              <a:t>Loan: has personal loan? (categorical: "</a:t>
+            </a:r>
+            <a:r>
+              <a:rPr lang="en-US" sz="1600" dirty="0" err="1"/>
+              <a:t>no","yes","unknown</a:t>
+            </a:r>
+            <a:r>
+              <a:rPr lang="en-US" sz="1600" dirty="0"/>
+              <a:t>")</a:t>
+            </a:r>
+          </a:p>
+        </p:txBody>
+      </p:sp>
+    </p:spTree>
+    <p:extLst>
+      <p:ext uri="{BB962C8B-B14F-4D97-AF65-F5344CB8AC3E}">
+        <p14:creationId xmlns:p14="http://schemas.microsoft.com/office/powerpoint/2010/main" val="984482081"/>
+      </p:ext>
+    </p:extLst>
+  </p:cSld>
+  <p:clrMapOvr>
+    <a:masterClrMapping/>
+  </p:clrMapOvr>
+</p:sld>
+</file>
+
+<file path=ppt/slides/slide30.xml><?xml version="1.0" encoding="utf-8"?>
 <p:sld xmlns:a="http://schemas.openxmlformats.org/drawingml/2006/main" xmlns:r="http://schemas.openxmlformats.org/officeDocument/2006/relationships" xmlns:p="http://schemas.openxmlformats.org/presentationml/2006/main">
   <p:cSld>
     <p:spTree>
@@ -23010,7 +22382,7 @@
 </p:sld>
 </file>
 
-<file path=ppt/slides/slide34.xml><?xml version="1.0" encoding="utf-8"?>
+<file path=ppt/slides/slide31.xml><?xml version="1.0" encoding="utf-8"?>
 <p:sld xmlns:a="http://schemas.openxmlformats.org/drawingml/2006/main" xmlns:r="http://schemas.openxmlformats.org/officeDocument/2006/relationships" xmlns:p="http://schemas.openxmlformats.org/presentationml/2006/main">
   <p:cSld>
     <p:spTree>
@@ -23938,7 +23310,7 @@
 </p:sld>
 </file>
 
-<file path=ppt/slides/slide35.xml><?xml version="1.0" encoding="utf-8"?>
+<file path=ppt/slides/slide32.xml><?xml version="1.0" encoding="utf-8"?>
 <p:sld xmlns:a="http://schemas.openxmlformats.org/drawingml/2006/main" xmlns:r="http://schemas.openxmlformats.org/officeDocument/2006/relationships" xmlns:p="http://schemas.openxmlformats.org/presentationml/2006/main">
   <p:cSld>
     <p:spTree>
@@ -24657,7 +24029,7 @@
 </p:sld>
 </file>
 
-<file path=ppt/slides/slide36.xml><?xml version="1.0" encoding="utf-8"?>
+<file path=ppt/slides/slide33.xml><?xml version="1.0" encoding="utf-8"?>
 <p:sld xmlns:a="http://schemas.openxmlformats.org/drawingml/2006/main" xmlns:r="http://schemas.openxmlformats.org/officeDocument/2006/relationships" xmlns:p="http://schemas.openxmlformats.org/presentationml/2006/main">
   <p:cSld>
     <p:spTree>
@@ -25438,7 +24810,7 @@
 </p:sld>
 </file>
 
-<file path=ppt/slides/slide37.xml><?xml version="1.0" encoding="utf-8"?>
+<file path=ppt/slides/slide34.xml><?xml version="1.0" encoding="utf-8"?>
 <p:sld xmlns:a="http://schemas.openxmlformats.org/drawingml/2006/main" xmlns:r="http://schemas.openxmlformats.org/officeDocument/2006/relationships" xmlns:p="http://schemas.openxmlformats.org/presentationml/2006/main">
   <p:cSld>
     <p:spTree>
@@ -25671,7 +25043,7 @@
 </p:sld>
 </file>
 
-<file path=ppt/slides/slide38.xml><?xml version="1.0" encoding="utf-8"?>
+<file path=ppt/slides/slide35.xml><?xml version="1.0" encoding="utf-8"?>
 <p:sld xmlns:a="http://schemas.openxmlformats.org/drawingml/2006/main" xmlns:r="http://schemas.openxmlformats.org/officeDocument/2006/relationships" xmlns:p="http://schemas.openxmlformats.org/presentationml/2006/main">
   <p:cSld>
     <p:spTree>
@@ -25888,7 +25260,7 @@
 </p:sld>
 </file>
 
-<file path=ppt/slides/slide39.xml><?xml version="1.0" encoding="utf-8"?>
+<file path=ppt/slides/slide36.xml><?xml version="1.0" encoding="utf-8"?>
 <p:sld xmlns:a="http://schemas.openxmlformats.org/drawingml/2006/main" xmlns:r="http://schemas.openxmlformats.org/officeDocument/2006/relationships" xmlns:p="http://schemas.openxmlformats.org/presentationml/2006/main">
   <p:cSld>
     <p:spTree>
@@ -26105,254 +25477,7 @@
 </p:sld>
 </file>
 
-<file path=ppt/slides/slide4.xml><?xml version="1.0" encoding="utf-8"?>
-<p:sld xmlns:a="http://schemas.openxmlformats.org/drawingml/2006/main" xmlns:r="http://schemas.openxmlformats.org/officeDocument/2006/relationships" xmlns:p="http://schemas.openxmlformats.org/presentationml/2006/main">
-  <p:cSld>
-    <p:spTree>
-      <p:nvGrpSpPr>
-        <p:cNvPr id="1" name=""/>
-        <p:cNvGrpSpPr/>
-        <p:nvPr/>
-      </p:nvGrpSpPr>
-      <p:grpSpPr>
-        <a:xfrm>
-          <a:off x="0" y="0"/>
-          <a:ext cx="0" cy="0"/>
-          <a:chOff x="0" y="0"/>
-          <a:chExt cx="0" cy="0"/>
-        </a:xfrm>
-      </p:grpSpPr>
-      <p:sp>
-        <p:nvSpPr>
-          <p:cNvPr id="2" name="Title 1">
-            <a:extLst>
-              <a:ext uri="{FF2B5EF4-FFF2-40B4-BE49-F238E27FC236}">
-                <a16:creationId xmlns:a16="http://schemas.microsoft.com/office/drawing/2014/main" id="{84EEC1A3-E984-4881-B54A-F1C5E73F7696}"/>
-              </a:ext>
-            </a:extLst>
-          </p:cNvPr>
-          <p:cNvSpPr>
-            <a:spLocks noGrp="1"/>
-          </p:cNvSpPr>
-          <p:nvPr>
-            <p:ph type="title"/>
-          </p:nvPr>
-        </p:nvSpPr>
-        <p:spPr/>
-        <p:txBody>
-          <a:bodyPr/>
-          <a:lstStyle/>
-          <a:p>
-            <a:r>
-              <a:rPr lang="en-US" dirty="0"/>
-              <a:t>Dataset &amp; Case</a:t>
-            </a:r>
-          </a:p>
-        </p:txBody>
-      </p:sp>
-      <p:sp>
-        <p:nvSpPr>
-          <p:cNvPr id="3" name="Content Placeholder 2">
-            <a:extLst>
-              <a:ext uri="{FF2B5EF4-FFF2-40B4-BE49-F238E27FC236}">
-                <a16:creationId xmlns:a16="http://schemas.microsoft.com/office/drawing/2014/main" id="{6454B748-3B9E-49AD-A4D5-FC6C95CAE875}"/>
-              </a:ext>
-            </a:extLst>
-          </p:cNvPr>
-          <p:cNvSpPr>
-            <a:spLocks noGrp="1"/>
-          </p:cNvSpPr>
-          <p:nvPr>
-            <p:ph idx="1"/>
-          </p:nvPr>
-        </p:nvSpPr>
-        <p:spPr/>
-        <p:txBody>
-          <a:bodyPr>
-            <a:normAutofit fontScale="32500" lnSpcReduction="20000"/>
-          </a:bodyPr>
-          <a:lstStyle/>
-          <a:p>
-            <a:pPr>
-              <a:buFontTx/>
-              <a:buChar char="-"/>
-            </a:pPr>
-            <a:endParaRPr lang="en-US" dirty="0"/>
-          </a:p>
-          <a:p>
-            <a:pPr lvl="1"/>
-            <a:r>
-              <a:rPr lang="en-US" sz="6000" dirty="0"/>
-              <a:t>Related with the last contact of the current campaign:</a:t>
-            </a:r>
-          </a:p>
-          <a:p>
-            <a:pPr lvl="2"/>
-            <a:r>
-              <a:rPr lang="en-US" sz="5000" dirty="0"/>
-              <a:t>Contact: contact communication type (categorical: "</a:t>
-            </a:r>
-            <a:r>
-              <a:rPr lang="en-US" sz="5000" dirty="0" err="1"/>
-              <a:t>cellular","telephone</a:t>
-            </a:r>
-            <a:r>
-              <a:rPr lang="en-US" sz="5000" dirty="0"/>
-              <a:t>")</a:t>
-            </a:r>
-          </a:p>
-          <a:p>
-            <a:pPr lvl="2"/>
-            <a:r>
-              <a:rPr lang="en-US" sz="5000" dirty="0"/>
-              <a:t>Month: last contact month of year (categorical: "</a:t>
-            </a:r>
-            <a:r>
-              <a:rPr lang="en-US" sz="5000" dirty="0" err="1"/>
-              <a:t>jan</a:t>
-            </a:r>
-            <a:r>
-              <a:rPr lang="en-US" sz="5000" dirty="0"/>
-              <a:t>", …, "</a:t>
-            </a:r>
-            <a:r>
-              <a:rPr lang="en-US" sz="5000" dirty="0" err="1"/>
-              <a:t>nov</a:t>
-            </a:r>
-            <a:r>
-              <a:rPr lang="en-US" sz="5000" dirty="0"/>
-              <a:t>", "</a:t>
-            </a:r>
-            <a:r>
-              <a:rPr lang="en-US" sz="5000" dirty="0" err="1"/>
-              <a:t>dec</a:t>
-            </a:r>
-            <a:r>
-              <a:rPr lang="en-US" sz="5000" dirty="0"/>
-              <a:t>")</a:t>
-            </a:r>
-          </a:p>
-          <a:p>
-            <a:pPr lvl="2"/>
-            <a:r>
-              <a:rPr lang="en-US" sz="5000" dirty="0" err="1"/>
-              <a:t>Dayofweek</a:t>
-            </a:r>
-            <a:r>
-              <a:rPr lang="en-US" sz="5000" dirty="0"/>
-              <a:t>: last contact day of the week (categorical: "mon","</a:t>
-            </a:r>
-            <a:r>
-              <a:rPr lang="en-US" sz="5000" dirty="0" err="1"/>
-              <a:t>tue</a:t>
-            </a:r>
-            <a:r>
-              <a:rPr lang="en-US" sz="5000" dirty="0"/>
-              <a:t>",...)</a:t>
-            </a:r>
-          </a:p>
-          <a:p>
-            <a:pPr lvl="2"/>
-            <a:r>
-              <a:rPr lang="en-US" sz="5000" dirty="0"/>
-              <a:t>Duration: last contact duration, in seconds (numeric).</a:t>
-            </a:r>
-          </a:p>
-          <a:p>
-            <a:pPr lvl="3"/>
-            <a:r>
-              <a:rPr lang="en-US" sz="5000" dirty="0"/>
-              <a:t>Important note: this attribute highly affects the output target (e.g., if duration=0 then y="no"). , Can not get this feature before the campaign</a:t>
-            </a:r>
-          </a:p>
-          <a:p>
-            <a:pPr>
-              <a:buFontTx/>
-              <a:buChar char="-"/>
-            </a:pPr>
-            <a:endParaRPr lang="en-US" dirty="0"/>
-          </a:p>
-          <a:p>
-            <a:pPr lvl="1"/>
-            <a:r>
-              <a:rPr lang="en-US" sz="6000" dirty="0"/>
-              <a:t>Other attributes:</a:t>
-            </a:r>
-          </a:p>
-          <a:p>
-            <a:pPr lvl="2"/>
-            <a:r>
-              <a:rPr lang="en-US" sz="5000" dirty="0"/>
-              <a:t>Campaign: number of contacts performed during this campaign and for this client (numeric, includes last contact)</a:t>
-            </a:r>
-          </a:p>
-          <a:p>
-            <a:pPr lvl="3"/>
-            <a:r>
-              <a:rPr lang="en-US" sz="5000" dirty="0"/>
-              <a:t>Important note: Can not get this feature before the campaign</a:t>
-            </a:r>
-          </a:p>
-          <a:p>
-            <a:pPr lvl="2"/>
-            <a:r>
-              <a:rPr lang="en-US" sz="5000" dirty="0" err="1"/>
-              <a:t>Pdays</a:t>
-            </a:r>
-            <a:r>
-              <a:rPr lang="en-US" sz="5000" dirty="0"/>
-              <a:t>: number of days that passed by after the client was last contacted from a previous campaign (numeric; 999 means client was not previously contacted)</a:t>
-            </a:r>
-          </a:p>
-          <a:p>
-            <a:pPr lvl="2"/>
-            <a:r>
-              <a:rPr lang="en-US" sz="5000" dirty="0"/>
-              <a:t>Previous: number of contacts performed before this campaign and for this client (numeric)</a:t>
-            </a:r>
-          </a:p>
-          <a:p>
-            <a:pPr lvl="2"/>
-            <a:r>
-              <a:rPr lang="en-US" sz="5000" dirty="0" err="1"/>
-              <a:t>Poutcome</a:t>
-            </a:r>
-            <a:r>
-              <a:rPr lang="en-US" sz="5000" dirty="0"/>
-              <a:t>: outcome of the previous marketing campaign (categorical: "</a:t>
-            </a:r>
-            <a:r>
-              <a:rPr lang="en-US" sz="5000" dirty="0" err="1"/>
-              <a:t>failure","nonexistent","success</a:t>
-            </a:r>
-            <a:r>
-              <a:rPr lang="en-US" sz="5000" dirty="0"/>
-              <a:t>")</a:t>
-            </a:r>
-          </a:p>
-          <a:p>
-            <a:pPr>
-              <a:buFontTx/>
-              <a:buChar char="-"/>
-            </a:pPr>
-            <a:endParaRPr lang="en-US" dirty="0"/>
-          </a:p>
-        </p:txBody>
-      </p:sp>
-    </p:spTree>
-    <p:extLst>
-      <p:ext uri="{BB962C8B-B14F-4D97-AF65-F5344CB8AC3E}">
-        <p14:creationId xmlns:p14="http://schemas.microsoft.com/office/powerpoint/2010/main" val="3114688720"/>
-      </p:ext>
-    </p:extLst>
-  </p:cSld>
-  <p:clrMapOvr>
-    <a:masterClrMapping/>
-  </p:clrMapOvr>
-</p:sld>
-</file>
-
-<file path=ppt/slides/slide40.xml><?xml version="1.0" encoding="utf-8"?>
+<file path=ppt/slides/slide37.xml><?xml version="1.0" encoding="utf-8"?>
 <p:sld xmlns:a="http://schemas.openxmlformats.org/drawingml/2006/main" xmlns:r="http://schemas.openxmlformats.org/officeDocument/2006/relationships" xmlns:p="http://schemas.openxmlformats.org/presentationml/2006/main">
   <p:cSld>
     <p:spTree>
@@ -26569,7 +25694,7 @@
 </p:sld>
 </file>
 
-<file path=ppt/slides/slide41.xml><?xml version="1.0" encoding="utf-8"?>
+<file path=ppt/slides/slide38.xml><?xml version="1.0" encoding="utf-8"?>
 <p:sld xmlns:a="http://schemas.openxmlformats.org/drawingml/2006/main" xmlns:r="http://schemas.openxmlformats.org/officeDocument/2006/relationships" xmlns:p="http://schemas.openxmlformats.org/presentationml/2006/main">
   <p:cSld>
     <p:spTree>
@@ -27497,7 +26622,7 @@
 </p:sld>
 </file>
 
-<file path=ppt/slides/slide42.xml><?xml version="1.0" encoding="utf-8"?>
+<file path=ppt/slides/slide39.xml><?xml version="1.0" encoding="utf-8"?>
 <p:sld xmlns:a="http://schemas.openxmlformats.org/drawingml/2006/main" xmlns:r="http://schemas.openxmlformats.org/officeDocument/2006/relationships" xmlns:p="http://schemas.openxmlformats.org/presentationml/2006/main">
   <p:cSld>
     <p:spTree>
@@ -29270,7 +28395,254 @@
 </p:sld>
 </file>
 
-<file path=ppt/slides/slide43.xml><?xml version="1.0" encoding="utf-8"?>
+<file path=ppt/slides/slide4.xml><?xml version="1.0" encoding="utf-8"?>
+<p:sld xmlns:a="http://schemas.openxmlformats.org/drawingml/2006/main" xmlns:r="http://schemas.openxmlformats.org/officeDocument/2006/relationships" xmlns:p="http://schemas.openxmlformats.org/presentationml/2006/main">
+  <p:cSld>
+    <p:spTree>
+      <p:nvGrpSpPr>
+        <p:cNvPr id="1" name=""/>
+        <p:cNvGrpSpPr/>
+        <p:nvPr/>
+      </p:nvGrpSpPr>
+      <p:grpSpPr>
+        <a:xfrm>
+          <a:off x="0" y="0"/>
+          <a:ext cx="0" cy="0"/>
+          <a:chOff x="0" y="0"/>
+          <a:chExt cx="0" cy="0"/>
+        </a:xfrm>
+      </p:grpSpPr>
+      <p:sp>
+        <p:nvSpPr>
+          <p:cNvPr id="2" name="Title 1">
+            <a:extLst>
+              <a:ext uri="{FF2B5EF4-FFF2-40B4-BE49-F238E27FC236}">
+                <a16:creationId xmlns:a16="http://schemas.microsoft.com/office/drawing/2014/main" id="{84EEC1A3-E984-4881-B54A-F1C5E73F7696}"/>
+              </a:ext>
+            </a:extLst>
+          </p:cNvPr>
+          <p:cNvSpPr>
+            <a:spLocks noGrp="1"/>
+          </p:cNvSpPr>
+          <p:nvPr>
+            <p:ph type="title"/>
+          </p:nvPr>
+        </p:nvSpPr>
+        <p:spPr/>
+        <p:txBody>
+          <a:bodyPr/>
+          <a:lstStyle/>
+          <a:p>
+            <a:r>
+              <a:rPr lang="en-US" dirty="0"/>
+              <a:t>Dataset &amp; Case</a:t>
+            </a:r>
+          </a:p>
+        </p:txBody>
+      </p:sp>
+      <p:sp>
+        <p:nvSpPr>
+          <p:cNvPr id="3" name="Content Placeholder 2">
+            <a:extLst>
+              <a:ext uri="{FF2B5EF4-FFF2-40B4-BE49-F238E27FC236}">
+                <a16:creationId xmlns:a16="http://schemas.microsoft.com/office/drawing/2014/main" id="{6454B748-3B9E-49AD-A4D5-FC6C95CAE875}"/>
+              </a:ext>
+            </a:extLst>
+          </p:cNvPr>
+          <p:cNvSpPr>
+            <a:spLocks noGrp="1"/>
+          </p:cNvSpPr>
+          <p:nvPr>
+            <p:ph idx="1"/>
+          </p:nvPr>
+        </p:nvSpPr>
+        <p:spPr/>
+        <p:txBody>
+          <a:bodyPr>
+            <a:normAutofit fontScale="32500" lnSpcReduction="20000"/>
+          </a:bodyPr>
+          <a:lstStyle/>
+          <a:p>
+            <a:pPr>
+              <a:buFontTx/>
+              <a:buChar char="-"/>
+            </a:pPr>
+            <a:endParaRPr lang="en-US" dirty="0"/>
+          </a:p>
+          <a:p>
+            <a:pPr lvl="1"/>
+            <a:r>
+              <a:rPr lang="en-US" sz="6000" dirty="0"/>
+              <a:t>Related with the last contact of the current campaign:</a:t>
+            </a:r>
+          </a:p>
+          <a:p>
+            <a:pPr lvl="2"/>
+            <a:r>
+              <a:rPr lang="en-US" sz="5000" dirty="0"/>
+              <a:t>Contact: contact communication type (categorical: "</a:t>
+            </a:r>
+            <a:r>
+              <a:rPr lang="en-US" sz="5000" dirty="0" err="1"/>
+              <a:t>cellular","telephone</a:t>
+            </a:r>
+            <a:r>
+              <a:rPr lang="en-US" sz="5000" dirty="0"/>
+              <a:t>")</a:t>
+            </a:r>
+          </a:p>
+          <a:p>
+            <a:pPr lvl="2"/>
+            <a:r>
+              <a:rPr lang="en-US" sz="5000" dirty="0"/>
+              <a:t>Month: last contact month of year (categorical: "</a:t>
+            </a:r>
+            <a:r>
+              <a:rPr lang="en-US" sz="5000" dirty="0" err="1"/>
+              <a:t>jan</a:t>
+            </a:r>
+            <a:r>
+              <a:rPr lang="en-US" sz="5000" dirty="0"/>
+              <a:t>", …, "</a:t>
+            </a:r>
+            <a:r>
+              <a:rPr lang="en-US" sz="5000" dirty="0" err="1"/>
+              <a:t>nov</a:t>
+            </a:r>
+            <a:r>
+              <a:rPr lang="en-US" sz="5000" dirty="0"/>
+              <a:t>", "</a:t>
+            </a:r>
+            <a:r>
+              <a:rPr lang="en-US" sz="5000" dirty="0" err="1"/>
+              <a:t>dec</a:t>
+            </a:r>
+            <a:r>
+              <a:rPr lang="en-US" sz="5000" dirty="0"/>
+              <a:t>")</a:t>
+            </a:r>
+          </a:p>
+          <a:p>
+            <a:pPr lvl="2"/>
+            <a:r>
+              <a:rPr lang="en-US" sz="5000" dirty="0" err="1"/>
+              <a:t>Dayofweek</a:t>
+            </a:r>
+            <a:r>
+              <a:rPr lang="en-US" sz="5000" dirty="0"/>
+              <a:t>: last contact day of the week (categorical: "mon","</a:t>
+            </a:r>
+            <a:r>
+              <a:rPr lang="en-US" sz="5000" dirty="0" err="1"/>
+              <a:t>tue</a:t>
+            </a:r>
+            <a:r>
+              <a:rPr lang="en-US" sz="5000" dirty="0"/>
+              <a:t>",...)</a:t>
+            </a:r>
+          </a:p>
+          <a:p>
+            <a:pPr lvl="2"/>
+            <a:r>
+              <a:rPr lang="en-US" sz="5000" dirty="0"/>
+              <a:t>Duration: last contact duration, in seconds (numeric).</a:t>
+            </a:r>
+          </a:p>
+          <a:p>
+            <a:pPr lvl="3"/>
+            <a:r>
+              <a:rPr lang="en-US" sz="5000" dirty="0"/>
+              <a:t>Important note: this attribute highly affects the output target (e.g., if duration=0 then y="no"). , Can not get this feature before the campaign</a:t>
+            </a:r>
+          </a:p>
+          <a:p>
+            <a:pPr>
+              <a:buFontTx/>
+              <a:buChar char="-"/>
+            </a:pPr>
+            <a:endParaRPr lang="en-US" dirty="0"/>
+          </a:p>
+          <a:p>
+            <a:pPr lvl="1"/>
+            <a:r>
+              <a:rPr lang="en-US" sz="6000" dirty="0"/>
+              <a:t>Other attributes:</a:t>
+            </a:r>
+          </a:p>
+          <a:p>
+            <a:pPr lvl="2"/>
+            <a:r>
+              <a:rPr lang="en-US" sz="5000" dirty="0"/>
+              <a:t>Campaign: number of contacts performed during this campaign and for this client (numeric, includes last contact)</a:t>
+            </a:r>
+          </a:p>
+          <a:p>
+            <a:pPr lvl="3"/>
+            <a:r>
+              <a:rPr lang="en-US" sz="5000" dirty="0"/>
+              <a:t>Important note: Can not get this feature before the campaign</a:t>
+            </a:r>
+          </a:p>
+          <a:p>
+            <a:pPr lvl="2"/>
+            <a:r>
+              <a:rPr lang="en-US" sz="5000" dirty="0" err="1"/>
+              <a:t>Pdays</a:t>
+            </a:r>
+            <a:r>
+              <a:rPr lang="en-US" sz="5000" dirty="0"/>
+              <a:t>: number of days that passed by after the client was last contacted from a previous campaign (numeric; 999 means client was not previously contacted)</a:t>
+            </a:r>
+          </a:p>
+          <a:p>
+            <a:pPr lvl="2"/>
+            <a:r>
+              <a:rPr lang="en-US" sz="5000" dirty="0"/>
+              <a:t>Previous: number of contacts performed before this campaign and for this client (numeric)</a:t>
+            </a:r>
+          </a:p>
+          <a:p>
+            <a:pPr lvl="2"/>
+            <a:r>
+              <a:rPr lang="en-US" sz="5000" dirty="0" err="1"/>
+              <a:t>Poutcome</a:t>
+            </a:r>
+            <a:r>
+              <a:rPr lang="en-US" sz="5000" dirty="0"/>
+              <a:t>: outcome of the previous marketing campaign (categorical: "</a:t>
+            </a:r>
+            <a:r>
+              <a:rPr lang="en-US" sz="5000" dirty="0" err="1"/>
+              <a:t>failure","nonexistent","success</a:t>
+            </a:r>
+            <a:r>
+              <a:rPr lang="en-US" sz="5000" dirty="0"/>
+              <a:t>")</a:t>
+            </a:r>
+          </a:p>
+          <a:p>
+            <a:pPr>
+              <a:buFontTx/>
+              <a:buChar char="-"/>
+            </a:pPr>
+            <a:endParaRPr lang="en-US" dirty="0"/>
+          </a:p>
+        </p:txBody>
+      </p:sp>
+    </p:spTree>
+    <p:extLst>
+      <p:ext uri="{BB962C8B-B14F-4D97-AF65-F5344CB8AC3E}">
+        <p14:creationId xmlns:p14="http://schemas.microsoft.com/office/powerpoint/2010/main" val="3114688720"/>
+      </p:ext>
+    </p:extLst>
+  </p:cSld>
+  <p:clrMapOvr>
+    <a:masterClrMapping/>
+  </p:clrMapOvr>
+</p:sld>
+</file>
+
+<file path=ppt/slides/slide40.xml><?xml version="1.0" encoding="utf-8"?>
 <p:sld xmlns:a="http://schemas.openxmlformats.org/drawingml/2006/main" xmlns:r="http://schemas.openxmlformats.org/officeDocument/2006/relationships" xmlns:p="http://schemas.openxmlformats.org/presentationml/2006/main">
   <p:cSld>
     <p:spTree>
@@ -31043,7 +30415,7 @@
 </p:sld>
 </file>
 
-<file path=ppt/slides/slide44.xml><?xml version="1.0" encoding="utf-8"?>
+<file path=ppt/slides/slide41.xml><?xml version="1.0" encoding="utf-8"?>
 <p:sld xmlns:a="http://schemas.openxmlformats.org/drawingml/2006/main" xmlns:r="http://schemas.openxmlformats.org/officeDocument/2006/relationships" xmlns:p="http://schemas.openxmlformats.org/presentationml/2006/main">
   <p:cSld>
     <p:spTree>
@@ -31276,7 +30648,7 @@
 </p:sld>
 </file>
 
-<file path=ppt/slides/slide45.xml><?xml version="1.0" encoding="utf-8"?>
+<file path=ppt/slides/slide42.xml><?xml version="1.0" encoding="utf-8"?>
 <p:sld xmlns:a="http://schemas.openxmlformats.org/drawingml/2006/main" xmlns:r="http://schemas.openxmlformats.org/officeDocument/2006/relationships" xmlns:p="http://schemas.openxmlformats.org/presentationml/2006/main">
   <p:cSld>
     <p:spTree>
@@ -32201,6 +31573,634 @@
     <p:extLst>
       <p:ext uri="{BB962C8B-B14F-4D97-AF65-F5344CB8AC3E}">
         <p14:creationId xmlns:p14="http://schemas.microsoft.com/office/powerpoint/2010/main" val="970648176"/>
+      </p:ext>
+    </p:extLst>
+  </p:cSld>
+  <p:clrMapOvr>
+    <a:masterClrMapping/>
+  </p:clrMapOvr>
+</p:sld>
+</file>
+
+<file path=ppt/slides/slide43.xml><?xml version="1.0" encoding="utf-8"?>
+<p:sld xmlns:a="http://schemas.openxmlformats.org/drawingml/2006/main" xmlns:r="http://schemas.openxmlformats.org/officeDocument/2006/relationships" xmlns:p="http://schemas.openxmlformats.org/presentationml/2006/main">
+  <p:cSld>
+    <p:spTree>
+      <p:nvGrpSpPr>
+        <p:cNvPr id="1" name=""/>
+        <p:cNvGrpSpPr/>
+        <p:nvPr/>
+      </p:nvGrpSpPr>
+      <p:grpSpPr>
+        <a:xfrm>
+          <a:off x="0" y="0"/>
+          <a:ext cx="0" cy="0"/>
+          <a:chOff x="0" y="0"/>
+          <a:chExt cx="0" cy="0"/>
+        </a:xfrm>
+      </p:grpSpPr>
+      <p:sp>
+        <p:nvSpPr>
+          <p:cNvPr id="2" name="Title 1">
+            <a:extLst>
+              <a:ext uri="{FF2B5EF4-FFF2-40B4-BE49-F238E27FC236}">
+                <a16:creationId xmlns:a16="http://schemas.microsoft.com/office/drawing/2014/main" id="{EB17C270-45DA-420A-A5CC-3782A3552124}"/>
+              </a:ext>
+            </a:extLst>
+          </p:cNvPr>
+          <p:cNvSpPr>
+            <a:spLocks noGrp="1"/>
+          </p:cNvSpPr>
+          <p:nvPr>
+            <p:ph type="ctrTitle"/>
+          </p:nvPr>
+        </p:nvSpPr>
+        <p:spPr/>
+        <p:txBody>
+          <a:bodyPr>
+            <a:normAutofit/>
+          </a:bodyPr>
+          <a:lstStyle/>
+          <a:p>
+            <a:r>
+              <a:rPr lang="en-US" dirty="0"/>
+              <a:t>MODELLING</a:t>
+            </a:r>
+          </a:p>
+        </p:txBody>
+      </p:sp>
+    </p:spTree>
+    <p:extLst>
+      <p:ext uri="{BB962C8B-B14F-4D97-AF65-F5344CB8AC3E}">
+        <p14:creationId xmlns:p14="http://schemas.microsoft.com/office/powerpoint/2010/main" val="2076187630"/>
+      </p:ext>
+    </p:extLst>
+  </p:cSld>
+  <p:clrMapOvr>
+    <a:masterClrMapping/>
+  </p:clrMapOvr>
+</p:sld>
+</file>
+
+<file path=ppt/slides/slide44.xml><?xml version="1.0" encoding="utf-8"?>
+<p:sld xmlns:a="http://schemas.openxmlformats.org/drawingml/2006/main" xmlns:r="http://schemas.openxmlformats.org/officeDocument/2006/relationships" xmlns:p="http://schemas.openxmlformats.org/presentationml/2006/main">
+  <p:cSld>
+    <p:spTree>
+      <p:nvGrpSpPr>
+        <p:cNvPr id="1" name=""/>
+        <p:cNvGrpSpPr/>
+        <p:nvPr/>
+      </p:nvGrpSpPr>
+      <p:grpSpPr>
+        <a:xfrm>
+          <a:off x="0" y="0"/>
+          <a:ext cx="0" cy="0"/>
+          <a:chOff x="0" y="0"/>
+          <a:chExt cx="0" cy="0"/>
+        </a:xfrm>
+      </p:grpSpPr>
+      <p:sp>
+        <p:nvSpPr>
+          <p:cNvPr id="2" name="Title 1">
+            <a:extLst>
+              <a:ext uri="{FF2B5EF4-FFF2-40B4-BE49-F238E27FC236}">
+                <a16:creationId xmlns:a16="http://schemas.microsoft.com/office/drawing/2014/main" id="{84EEC1A3-E984-4881-B54A-F1C5E73F7696}"/>
+              </a:ext>
+            </a:extLst>
+          </p:cNvPr>
+          <p:cNvSpPr>
+            <a:spLocks noGrp="1"/>
+          </p:cNvSpPr>
+          <p:nvPr>
+            <p:ph type="title"/>
+          </p:nvPr>
+        </p:nvSpPr>
+        <p:spPr/>
+        <p:txBody>
+          <a:bodyPr/>
+          <a:lstStyle/>
+          <a:p>
+            <a:r>
+              <a:rPr lang="en-US" dirty="0"/>
+              <a:t>Overview</a:t>
+            </a:r>
+          </a:p>
+        </p:txBody>
+      </p:sp>
+      <p:sp>
+        <p:nvSpPr>
+          <p:cNvPr id="3" name="Content Placeholder 2">
+            <a:extLst>
+              <a:ext uri="{FF2B5EF4-FFF2-40B4-BE49-F238E27FC236}">
+                <a16:creationId xmlns:a16="http://schemas.microsoft.com/office/drawing/2014/main" id="{6454B748-3B9E-49AD-A4D5-FC6C95CAE875}"/>
+              </a:ext>
+            </a:extLst>
+          </p:cNvPr>
+          <p:cNvSpPr>
+            <a:spLocks noGrp="1"/>
+          </p:cNvSpPr>
+          <p:nvPr>
+            <p:ph idx="1"/>
+          </p:nvPr>
+        </p:nvSpPr>
+        <p:spPr>
+          <a:xfrm>
+            <a:off x="838200" y="1825625"/>
+            <a:ext cx="10515600" cy="1173214"/>
+          </a:xfrm>
+        </p:spPr>
+        <p:txBody>
+          <a:bodyPr/>
+          <a:lstStyle/>
+          <a:p>
+            <a:pPr>
+              <a:buFontTx/>
+              <a:buChar char="-"/>
+            </a:pPr>
+            <a:r>
+              <a:rPr lang="en-US" dirty="0"/>
+              <a:t>The model used before running the campaign</a:t>
+            </a:r>
+          </a:p>
+          <a:p>
+            <a:pPr>
+              <a:buFontTx/>
+              <a:buChar char="-"/>
+            </a:pPr>
+            <a:r>
+              <a:rPr lang="en-US" dirty="0"/>
+              <a:t>Use Features/column that can be obtained before the campaign</a:t>
+            </a:r>
+          </a:p>
+        </p:txBody>
+      </p:sp>
+      <p:sp>
+        <p:nvSpPr>
+          <p:cNvPr id="4" name="Title 1">
+            <a:extLst>
+              <a:ext uri="{FF2B5EF4-FFF2-40B4-BE49-F238E27FC236}">
+                <a16:creationId xmlns:a16="http://schemas.microsoft.com/office/drawing/2014/main" id="{FB21B705-7B39-4124-88DA-6AEBA6F15425}"/>
+              </a:ext>
+            </a:extLst>
+          </p:cNvPr>
+          <p:cNvSpPr txBox="1">
+            <a:spLocks/>
+          </p:cNvSpPr>
+          <p:nvPr/>
+        </p:nvSpPr>
+        <p:spPr>
+          <a:xfrm>
+            <a:off x="838200" y="2998839"/>
+            <a:ext cx="10515600" cy="1325563"/>
+          </a:xfrm>
+          <a:prstGeom prst="rect">
+            <a:avLst/>
+          </a:prstGeom>
+        </p:spPr>
+        <p:txBody>
+          <a:bodyPr vert="horz" lIns="91440" tIns="45720" rIns="91440" bIns="45720" rtlCol="0" anchor="ctr">
+            <a:normAutofit/>
+          </a:bodyPr>
+          <a:lstStyle>
+            <a:lvl1pPr algn="l" defTabSz="914400" rtl="0" eaLnBrk="1" latinLnBrk="0" hangingPunct="1">
+              <a:lnSpc>
+                <a:spcPct val="90000"/>
+              </a:lnSpc>
+              <a:spcBef>
+                <a:spcPct val="0"/>
+              </a:spcBef>
+              <a:buNone/>
+              <a:defRPr sz="4400" kern="1200">
+                <a:solidFill>
+                  <a:schemeClr val="tx1"/>
+                </a:solidFill>
+                <a:latin typeface="+mj-lt"/>
+                <a:ea typeface="+mj-ea"/>
+                <a:cs typeface="+mj-cs"/>
+              </a:defRPr>
+            </a:lvl1pPr>
+          </a:lstStyle>
+          <a:p>
+            <a:r>
+              <a:rPr lang="en-US" dirty="0"/>
+              <a:t>Data Preparation</a:t>
+            </a:r>
+          </a:p>
+        </p:txBody>
+      </p:sp>
+      <p:sp>
+        <p:nvSpPr>
+          <p:cNvPr id="5" name="Content Placeholder 2">
+            <a:extLst>
+              <a:ext uri="{FF2B5EF4-FFF2-40B4-BE49-F238E27FC236}">
+                <a16:creationId xmlns:a16="http://schemas.microsoft.com/office/drawing/2014/main" id="{EAD6E45E-C78A-42EE-BD8B-1CEB80D52A78}"/>
+              </a:ext>
+            </a:extLst>
+          </p:cNvPr>
+          <p:cNvSpPr txBox="1">
+            <a:spLocks/>
+          </p:cNvSpPr>
+          <p:nvPr/>
+        </p:nvSpPr>
+        <p:spPr>
+          <a:xfrm>
+            <a:off x="838200" y="4327577"/>
+            <a:ext cx="10515600" cy="1965067"/>
+          </a:xfrm>
+          <a:prstGeom prst="rect">
+            <a:avLst/>
+          </a:prstGeom>
+        </p:spPr>
+        <p:txBody>
+          <a:bodyPr vert="horz" lIns="91440" tIns="45720" rIns="91440" bIns="45720" rtlCol="0">
+            <a:normAutofit/>
+          </a:bodyPr>
+          <a:lstStyle>
+            <a:lvl1pPr marL="228600" indent="-228600" algn="l" defTabSz="914400" rtl="0" eaLnBrk="1" latinLnBrk="0" hangingPunct="1">
+              <a:lnSpc>
+                <a:spcPct val="90000"/>
+              </a:lnSpc>
+              <a:spcBef>
+                <a:spcPts val="1000"/>
+              </a:spcBef>
+              <a:buFont typeface="Arial" panose="020B0604020202020204" pitchFamily="34" charset="0"/>
+              <a:buChar char="•"/>
+              <a:defRPr sz="2800" kern="1200">
+                <a:solidFill>
+                  <a:schemeClr val="tx1"/>
+                </a:solidFill>
+                <a:latin typeface="+mn-lt"/>
+                <a:ea typeface="+mn-ea"/>
+                <a:cs typeface="+mn-cs"/>
+              </a:defRPr>
+            </a:lvl1pPr>
+            <a:lvl2pPr marL="685800" indent="-228600" algn="l" defTabSz="914400" rtl="0" eaLnBrk="1" latinLnBrk="0" hangingPunct="1">
+              <a:lnSpc>
+                <a:spcPct val="90000"/>
+              </a:lnSpc>
+              <a:spcBef>
+                <a:spcPts val="500"/>
+              </a:spcBef>
+              <a:buFont typeface="Arial" panose="020B0604020202020204" pitchFamily="34" charset="0"/>
+              <a:buChar char="•"/>
+              <a:defRPr sz="2400" kern="1200">
+                <a:solidFill>
+                  <a:schemeClr val="tx1"/>
+                </a:solidFill>
+                <a:latin typeface="+mn-lt"/>
+                <a:ea typeface="+mn-ea"/>
+                <a:cs typeface="+mn-cs"/>
+              </a:defRPr>
+            </a:lvl2pPr>
+            <a:lvl3pPr marL="1143000" indent="-228600" algn="l" defTabSz="914400" rtl="0" eaLnBrk="1" latinLnBrk="0" hangingPunct="1">
+              <a:lnSpc>
+                <a:spcPct val="90000"/>
+              </a:lnSpc>
+              <a:spcBef>
+                <a:spcPts val="500"/>
+              </a:spcBef>
+              <a:buFont typeface="Arial" panose="020B0604020202020204" pitchFamily="34" charset="0"/>
+              <a:buChar char="•"/>
+              <a:defRPr sz="2000" kern="1200">
+                <a:solidFill>
+                  <a:schemeClr val="tx1"/>
+                </a:solidFill>
+                <a:latin typeface="+mn-lt"/>
+                <a:ea typeface="+mn-ea"/>
+                <a:cs typeface="+mn-cs"/>
+              </a:defRPr>
+            </a:lvl3pPr>
+            <a:lvl4pPr marL="1600200" indent="-228600" algn="l" defTabSz="914400" rtl="0" eaLnBrk="1" latinLnBrk="0" hangingPunct="1">
+              <a:lnSpc>
+                <a:spcPct val="90000"/>
+              </a:lnSpc>
+              <a:spcBef>
+                <a:spcPts val="500"/>
+              </a:spcBef>
+              <a:buFont typeface="Arial" panose="020B0604020202020204" pitchFamily="34" charset="0"/>
+              <a:buChar char="•"/>
+              <a:defRPr sz="1800" kern="1200">
+                <a:solidFill>
+                  <a:schemeClr val="tx1"/>
+                </a:solidFill>
+                <a:latin typeface="+mn-lt"/>
+                <a:ea typeface="+mn-ea"/>
+                <a:cs typeface="+mn-cs"/>
+              </a:defRPr>
+            </a:lvl4pPr>
+            <a:lvl5pPr marL="2057400" indent="-228600" algn="l" defTabSz="914400" rtl="0" eaLnBrk="1" latinLnBrk="0" hangingPunct="1">
+              <a:lnSpc>
+                <a:spcPct val="90000"/>
+              </a:lnSpc>
+              <a:spcBef>
+                <a:spcPts val="500"/>
+              </a:spcBef>
+              <a:buFont typeface="Arial" panose="020B0604020202020204" pitchFamily="34" charset="0"/>
+              <a:buChar char="•"/>
+              <a:defRPr sz="1800" kern="1200">
+                <a:solidFill>
+                  <a:schemeClr val="tx1"/>
+                </a:solidFill>
+                <a:latin typeface="+mn-lt"/>
+                <a:ea typeface="+mn-ea"/>
+                <a:cs typeface="+mn-cs"/>
+              </a:defRPr>
+            </a:lvl5pPr>
+            <a:lvl6pPr marL="2514600" indent="-228600" algn="l" defTabSz="914400" rtl="0" eaLnBrk="1" latinLnBrk="0" hangingPunct="1">
+              <a:lnSpc>
+                <a:spcPct val="90000"/>
+              </a:lnSpc>
+              <a:spcBef>
+                <a:spcPts val="500"/>
+              </a:spcBef>
+              <a:buFont typeface="Arial" panose="020B0604020202020204" pitchFamily="34" charset="0"/>
+              <a:buChar char="•"/>
+              <a:defRPr sz="1800" kern="1200">
+                <a:solidFill>
+                  <a:schemeClr val="tx1"/>
+                </a:solidFill>
+                <a:latin typeface="+mn-lt"/>
+                <a:ea typeface="+mn-ea"/>
+                <a:cs typeface="+mn-cs"/>
+              </a:defRPr>
+            </a:lvl6pPr>
+            <a:lvl7pPr marL="2971800" indent="-228600" algn="l" defTabSz="914400" rtl="0" eaLnBrk="1" latinLnBrk="0" hangingPunct="1">
+              <a:lnSpc>
+                <a:spcPct val="90000"/>
+              </a:lnSpc>
+              <a:spcBef>
+                <a:spcPts val="500"/>
+              </a:spcBef>
+              <a:buFont typeface="Arial" panose="020B0604020202020204" pitchFamily="34" charset="0"/>
+              <a:buChar char="•"/>
+              <a:defRPr sz="1800" kern="1200">
+                <a:solidFill>
+                  <a:schemeClr val="tx1"/>
+                </a:solidFill>
+                <a:latin typeface="+mn-lt"/>
+                <a:ea typeface="+mn-ea"/>
+                <a:cs typeface="+mn-cs"/>
+              </a:defRPr>
+            </a:lvl7pPr>
+            <a:lvl8pPr marL="3429000" indent="-228600" algn="l" defTabSz="914400" rtl="0" eaLnBrk="1" latinLnBrk="0" hangingPunct="1">
+              <a:lnSpc>
+                <a:spcPct val="90000"/>
+              </a:lnSpc>
+              <a:spcBef>
+                <a:spcPts val="500"/>
+              </a:spcBef>
+              <a:buFont typeface="Arial" panose="020B0604020202020204" pitchFamily="34" charset="0"/>
+              <a:buChar char="•"/>
+              <a:defRPr sz="1800" kern="1200">
+                <a:solidFill>
+                  <a:schemeClr val="tx1"/>
+                </a:solidFill>
+                <a:latin typeface="+mn-lt"/>
+                <a:ea typeface="+mn-ea"/>
+                <a:cs typeface="+mn-cs"/>
+              </a:defRPr>
+            </a:lvl8pPr>
+            <a:lvl9pPr marL="3886200" indent="-228600" algn="l" defTabSz="914400" rtl="0" eaLnBrk="1" latinLnBrk="0" hangingPunct="1">
+              <a:lnSpc>
+                <a:spcPct val="90000"/>
+              </a:lnSpc>
+              <a:spcBef>
+                <a:spcPts val="500"/>
+              </a:spcBef>
+              <a:buFont typeface="Arial" panose="020B0604020202020204" pitchFamily="34" charset="0"/>
+              <a:buChar char="•"/>
+              <a:defRPr sz="1800" kern="1200">
+                <a:solidFill>
+                  <a:schemeClr val="tx1"/>
+                </a:solidFill>
+                <a:latin typeface="+mn-lt"/>
+                <a:ea typeface="+mn-ea"/>
+                <a:cs typeface="+mn-cs"/>
+              </a:defRPr>
+            </a:lvl9pPr>
+          </a:lstStyle>
+          <a:p>
+            <a:pPr>
+              <a:buFontTx/>
+              <a:buChar char="-"/>
+            </a:pPr>
+            <a:r>
+              <a:rPr lang="en-US" dirty="0"/>
+              <a:t>Drop Columns ‘duration’ &amp; ‘campaign’</a:t>
+            </a:r>
+          </a:p>
+          <a:p>
+            <a:pPr>
+              <a:buFontTx/>
+              <a:buChar char="-"/>
+            </a:pPr>
+            <a:r>
+              <a:rPr lang="en-US" dirty="0"/>
+              <a:t>Check Null values</a:t>
+            </a:r>
+          </a:p>
+          <a:p>
+            <a:pPr>
+              <a:buFontTx/>
+              <a:buChar char="-"/>
+            </a:pPr>
+            <a:r>
+              <a:rPr lang="en-US" dirty="0"/>
+              <a:t>Change the values in target column (‘y’) into numerical value</a:t>
+            </a:r>
+          </a:p>
+        </p:txBody>
+      </p:sp>
+    </p:spTree>
+    <p:extLst>
+      <p:ext uri="{BB962C8B-B14F-4D97-AF65-F5344CB8AC3E}">
+        <p14:creationId xmlns:p14="http://schemas.microsoft.com/office/powerpoint/2010/main" val="3872314036"/>
+      </p:ext>
+    </p:extLst>
+  </p:cSld>
+  <p:clrMapOvr>
+    <a:masterClrMapping/>
+  </p:clrMapOvr>
+</p:sld>
+</file>
+
+<file path=ppt/slides/slide45.xml><?xml version="1.0" encoding="utf-8"?>
+<p:sld xmlns:a="http://schemas.openxmlformats.org/drawingml/2006/main" xmlns:r="http://schemas.openxmlformats.org/officeDocument/2006/relationships" xmlns:p="http://schemas.openxmlformats.org/presentationml/2006/main">
+  <p:cSld>
+    <p:spTree>
+      <p:nvGrpSpPr>
+        <p:cNvPr id="1" name=""/>
+        <p:cNvGrpSpPr/>
+        <p:nvPr/>
+      </p:nvGrpSpPr>
+      <p:grpSpPr>
+        <a:xfrm>
+          <a:off x="0" y="0"/>
+          <a:ext cx="0" cy="0"/>
+          <a:chOff x="0" y="0"/>
+          <a:chExt cx="0" cy="0"/>
+        </a:xfrm>
+      </p:grpSpPr>
+      <p:sp>
+        <p:nvSpPr>
+          <p:cNvPr id="2" name="Title 1">
+            <a:extLst>
+              <a:ext uri="{FF2B5EF4-FFF2-40B4-BE49-F238E27FC236}">
+                <a16:creationId xmlns:a16="http://schemas.microsoft.com/office/drawing/2014/main" id="{84EEC1A3-E984-4881-B54A-F1C5E73F7696}"/>
+              </a:ext>
+            </a:extLst>
+          </p:cNvPr>
+          <p:cNvSpPr>
+            <a:spLocks noGrp="1"/>
+          </p:cNvSpPr>
+          <p:nvPr>
+            <p:ph type="title"/>
+          </p:nvPr>
+        </p:nvSpPr>
+        <p:spPr/>
+        <p:txBody>
+          <a:bodyPr/>
+          <a:lstStyle/>
+          <a:p>
+            <a:r>
+              <a:rPr lang="en-US" dirty="0"/>
+              <a:t>Data Imbalance Check</a:t>
+            </a:r>
+          </a:p>
+        </p:txBody>
+      </p:sp>
+      <p:sp>
+        <p:nvSpPr>
+          <p:cNvPr id="3" name="Content Placeholder 2">
+            <a:extLst>
+              <a:ext uri="{FF2B5EF4-FFF2-40B4-BE49-F238E27FC236}">
+                <a16:creationId xmlns:a16="http://schemas.microsoft.com/office/drawing/2014/main" id="{6454B748-3B9E-49AD-A4D5-FC6C95CAE875}"/>
+              </a:ext>
+            </a:extLst>
+          </p:cNvPr>
+          <p:cNvSpPr>
+            <a:spLocks noGrp="1"/>
+          </p:cNvSpPr>
+          <p:nvPr>
+            <p:ph idx="1"/>
+          </p:nvPr>
+        </p:nvSpPr>
+        <p:spPr>
+          <a:xfrm>
+            <a:off x="6789512" y="3291348"/>
+            <a:ext cx="1856730" cy="1173214"/>
+          </a:xfrm>
+        </p:spPr>
+        <p:txBody>
+          <a:bodyPr/>
+          <a:lstStyle/>
+          <a:p>
+            <a:pPr>
+              <a:buFontTx/>
+              <a:buChar char="-"/>
+            </a:pPr>
+            <a:r>
+              <a:rPr lang="en-US" dirty="0"/>
+              <a:t>0 </a:t>
+            </a:r>
+            <a:r>
+              <a:rPr lang="en-US" dirty="0">
+                <a:sym typeface="Wingdings" panose="05000000000000000000" pitchFamily="2" charset="2"/>
+              </a:rPr>
+              <a:t> No</a:t>
+            </a:r>
+          </a:p>
+          <a:p>
+            <a:pPr>
+              <a:buFontTx/>
+              <a:buChar char="-"/>
+            </a:pPr>
+            <a:r>
+              <a:rPr lang="en-US" dirty="0">
+                <a:sym typeface="Wingdings" panose="05000000000000000000" pitchFamily="2" charset="2"/>
+              </a:rPr>
+              <a:t>1  Yes</a:t>
+            </a:r>
+            <a:endParaRPr lang="en-US" dirty="0"/>
+          </a:p>
+        </p:txBody>
+      </p:sp>
+      <p:pic>
+        <p:nvPicPr>
+          <p:cNvPr id="6" name="Picture 5">
+            <a:extLst>
+              <a:ext uri="{FF2B5EF4-FFF2-40B4-BE49-F238E27FC236}">
+                <a16:creationId xmlns:a16="http://schemas.microsoft.com/office/drawing/2014/main" id="{7077AF4C-7961-4EF6-8BD6-C18F31145915}"/>
+              </a:ext>
+            </a:extLst>
+          </p:cNvPr>
+          <p:cNvPicPr>
+            <a:picLocks noChangeAspect="1"/>
+          </p:cNvPicPr>
+          <p:nvPr/>
+        </p:nvPicPr>
+        <p:blipFill>
+          <a:blip r:embed="rId2">
+            <a:extLst>
+              <a:ext uri="{28A0092B-C50C-407E-A947-70E740481C1C}">
+                <a14:useLocalDpi xmlns:a14="http://schemas.microsoft.com/office/drawing/2010/main" val="0"/>
+              </a:ext>
+            </a:extLst>
+          </a:blip>
+          <a:stretch>
+            <a:fillRect/>
+          </a:stretch>
+        </p:blipFill>
+        <p:spPr>
+          <a:xfrm>
+            <a:off x="1056568" y="1690688"/>
+            <a:ext cx="4882116" cy="4767916"/>
+          </a:xfrm>
+          <a:prstGeom prst="rect">
+            <a:avLst/>
+          </a:prstGeom>
+        </p:spPr>
+      </p:pic>
+      <p:pic>
+        <p:nvPicPr>
+          <p:cNvPr id="8" name="Picture 7">
+            <a:extLst>
+              <a:ext uri="{FF2B5EF4-FFF2-40B4-BE49-F238E27FC236}">
+                <a16:creationId xmlns:a16="http://schemas.microsoft.com/office/drawing/2014/main" id="{AC094924-4301-41EA-8102-BAD37A7C6DBD}"/>
+              </a:ext>
+            </a:extLst>
+          </p:cNvPr>
+          <p:cNvPicPr>
+            <a:picLocks noChangeAspect="1"/>
+          </p:cNvPicPr>
+          <p:nvPr/>
+        </p:nvPicPr>
+        <p:blipFill>
+          <a:blip r:embed="rId3">
+            <a:extLst>
+              <a:ext uri="{28A0092B-C50C-407E-A947-70E740481C1C}">
+                <a14:useLocalDpi xmlns:a14="http://schemas.microsoft.com/office/drawing/2010/main" val="0"/>
+              </a:ext>
+            </a:extLst>
+          </a:blip>
+          <a:stretch>
+            <a:fillRect/>
+          </a:stretch>
+        </p:blipFill>
+        <p:spPr>
+          <a:xfrm>
+            <a:off x="6368537" y="2103436"/>
+            <a:ext cx="3737755" cy="973701"/>
+          </a:xfrm>
+          <a:prstGeom prst="rect">
+            <a:avLst/>
+          </a:prstGeom>
+        </p:spPr>
+      </p:pic>
+    </p:spTree>
+    <p:extLst>
+      <p:ext uri="{BB962C8B-B14F-4D97-AF65-F5344CB8AC3E}">
+        <p14:creationId xmlns:p14="http://schemas.microsoft.com/office/powerpoint/2010/main" val="551530734"/>
       </p:ext>
     </p:extLst>
   </p:cSld>

--- a/Presentation-1.pptx
+++ b/Presentation-1.pptx
@@ -5,7 +5,7 @@
     <p:sldMasterId id="2147483648" r:id="rId1"/>
   </p:sldMasterIdLst>
   <p:notesMasterIdLst>
-    <p:notesMasterId r:id="rId66"/>
+    <p:notesMasterId r:id="rId68"/>
   </p:notesMasterIdLst>
   <p:sldIdLst>
     <p:sldId id="266" r:id="rId2"/>
@@ -14,64 +14,66 @@
     <p:sldId id="293" r:id="rId5"/>
     <p:sldId id="294" r:id="rId6"/>
     <p:sldId id="272" r:id="rId7"/>
-    <p:sldId id="257" r:id="rId8"/>
-    <p:sldId id="258" r:id="rId9"/>
-    <p:sldId id="273" r:id="rId10"/>
-    <p:sldId id="296" r:id="rId11"/>
-    <p:sldId id="297" r:id="rId12"/>
-    <p:sldId id="274" r:id="rId13"/>
-    <p:sldId id="282" r:id="rId14"/>
-    <p:sldId id="283" r:id="rId15"/>
-    <p:sldId id="284" r:id="rId16"/>
-    <p:sldId id="285" r:id="rId17"/>
-    <p:sldId id="288" r:id="rId18"/>
-    <p:sldId id="287" r:id="rId19"/>
-    <p:sldId id="289" r:id="rId20"/>
-    <p:sldId id="290" r:id="rId21"/>
-    <p:sldId id="291" r:id="rId22"/>
-    <p:sldId id="292" r:id="rId23"/>
-    <p:sldId id="278" r:id="rId24"/>
-    <p:sldId id="317" r:id="rId25"/>
-    <p:sldId id="318" r:id="rId26"/>
-    <p:sldId id="319" r:id="rId27"/>
-    <p:sldId id="320" r:id="rId28"/>
-    <p:sldId id="321" r:id="rId29"/>
-    <p:sldId id="322" r:id="rId30"/>
-    <p:sldId id="323" r:id="rId31"/>
-    <p:sldId id="324" r:id="rId32"/>
-    <p:sldId id="295" r:id="rId33"/>
-    <p:sldId id="325" r:id="rId34"/>
-    <p:sldId id="286" r:id="rId35"/>
-    <p:sldId id="326" r:id="rId36"/>
-    <p:sldId id="327" r:id="rId37"/>
-    <p:sldId id="328" r:id="rId38"/>
-    <p:sldId id="329" r:id="rId39"/>
-    <p:sldId id="330" r:id="rId40"/>
-    <p:sldId id="331" r:id="rId41"/>
-    <p:sldId id="332" r:id="rId42"/>
-    <p:sldId id="333" r:id="rId43"/>
-    <p:sldId id="298" r:id="rId44"/>
-    <p:sldId id="275" r:id="rId45"/>
-    <p:sldId id="299" r:id="rId46"/>
-    <p:sldId id="300" r:id="rId47"/>
-    <p:sldId id="301" r:id="rId48"/>
-    <p:sldId id="302" r:id="rId49"/>
-    <p:sldId id="303" r:id="rId50"/>
-    <p:sldId id="304" r:id="rId51"/>
-    <p:sldId id="305" r:id="rId52"/>
-    <p:sldId id="306" r:id="rId53"/>
-    <p:sldId id="307" r:id="rId54"/>
-    <p:sldId id="308" r:id="rId55"/>
-    <p:sldId id="309" r:id="rId56"/>
-    <p:sldId id="310" r:id="rId57"/>
-    <p:sldId id="311" r:id="rId58"/>
-    <p:sldId id="312" r:id="rId59"/>
-    <p:sldId id="313" r:id="rId60"/>
-    <p:sldId id="276" r:id="rId61"/>
-    <p:sldId id="314" r:id="rId62"/>
-    <p:sldId id="315" r:id="rId63"/>
-    <p:sldId id="316" r:id="rId64"/>
-    <p:sldId id="277" r:id="rId65"/>
+    <p:sldId id="273" r:id="rId8"/>
+    <p:sldId id="296" r:id="rId9"/>
+    <p:sldId id="334" r:id="rId10"/>
+    <p:sldId id="257" r:id="rId11"/>
+    <p:sldId id="258" r:id="rId12"/>
+    <p:sldId id="297" r:id="rId13"/>
+    <p:sldId id="274" r:id="rId14"/>
+    <p:sldId id="282" r:id="rId15"/>
+    <p:sldId id="283" r:id="rId16"/>
+    <p:sldId id="284" r:id="rId17"/>
+    <p:sldId id="285" r:id="rId18"/>
+    <p:sldId id="288" r:id="rId19"/>
+    <p:sldId id="287" r:id="rId20"/>
+    <p:sldId id="289" r:id="rId21"/>
+    <p:sldId id="290" r:id="rId22"/>
+    <p:sldId id="291" r:id="rId23"/>
+    <p:sldId id="292" r:id="rId24"/>
+    <p:sldId id="278" r:id="rId25"/>
+    <p:sldId id="317" r:id="rId26"/>
+    <p:sldId id="318" r:id="rId27"/>
+    <p:sldId id="319" r:id="rId28"/>
+    <p:sldId id="320" r:id="rId29"/>
+    <p:sldId id="321" r:id="rId30"/>
+    <p:sldId id="322" r:id="rId31"/>
+    <p:sldId id="323" r:id="rId32"/>
+    <p:sldId id="324" r:id="rId33"/>
+    <p:sldId id="295" r:id="rId34"/>
+    <p:sldId id="325" r:id="rId35"/>
+    <p:sldId id="286" r:id="rId36"/>
+    <p:sldId id="326" r:id="rId37"/>
+    <p:sldId id="327" r:id="rId38"/>
+    <p:sldId id="328" r:id="rId39"/>
+    <p:sldId id="329" r:id="rId40"/>
+    <p:sldId id="330" r:id="rId41"/>
+    <p:sldId id="331" r:id="rId42"/>
+    <p:sldId id="332" r:id="rId43"/>
+    <p:sldId id="333" r:id="rId44"/>
+    <p:sldId id="298" r:id="rId45"/>
+    <p:sldId id="275" r:id="rId46"/>
+    <p:sldId id="299" r:id="rId47"/>
+    <p:sldId id="300" r:id="rId48"/>
+    <p:sldId id="301" r:id="rId49"/>
+    <p:sldId id="302" r:id="rId50"/>
+    <p:sldId id="303" r:id="rId51"/>
+    <p:sldId id="304" r:id="rId52"/>
+    <p:sldId id="305" r:id="rId53"/>
+    <p:sldId id="306" r:id="rId54"/>
+    <p:sldId id="307" r:id="rId55"/>
+    <p:sldId id="308" r:id="rId56"/>
+    <p:sldId id="309" r:id="rId57"/>
+    <p:sldId id="310" r:id="rId58"/>
+    <p:sldId id="311" r:id="rId59"/>
+    <p:sldId id="312" r:id="rId60"/>
+    <p:sldId id="313" r:id="rId61"/>
+    <p:sldId id="276" r:id="rId62"/>
+    <p:sldId id="314" r:id="rId63"/>
+    <p:sldId id="315" r:id="rId64"/>
+    <p:sldId id="316" r:id="rId65"/>
+    <p:sldId id="277" r:id="rId66"/>
+    <p:sldId id="335" r:id="rId67"/>
   </p:sldIdLst>
   <p:sldSz cx="12192000" cy="6858000"/>
   <p:notesSz cx="6858000" cy="9144000"/>
@@ -176,6 +178,32 @@
     </p:ext>
   </p:extLst>
 </p:presentation>
+</file>
+
+<file path=ppt/commentAuthors.xml><?xml version="1.0" encoding="utf-8"?>
+<p:cmAuthorLst xmlns:a="http://schemas.openxmlformats.org/drawingml/2006/main" xmlns:r="http://schemas.openxmlformats.org/officeDocument/2006/relationships" xmlns:p="http://schemas.openxmlformats.org/presentationml/2006/main">
+  <p:cmAuthor id="1" name="Abdullah ayas" initials="Aa" lastIdx="1" clrIdx="0">
+    <p:extLst>
+      <p:ext uri="{19B8F6BF-5375-455C-9EA6-DF929625EA0E}">
+        <p15:presenceInfo xmlns:p15="http://schemas.microsoft.com/office/powerpoint/2012/main" userId="4d83caf670d637c1" providerId="Windows Live"/>
+      </p:ext>
+    </p:extLst>
+  </p:cmAuthor>
+</p:cmAuthorLst>
+</file>
+
+<file path=ppt/comments/comment1.xml><?xml version="1.0" encoding="utf-8"?>
+<p:cmLst xmlns:a="http://schemas.openxmlformats.org/drawingml/2006/main" xmlns:r="http://schemas.openxmlformats.org/officeDocument/2006/relationships" xmlns:p="http://schemas.openxmlformats.org/presentationml/2006/main">
+  <p:cm authorId="1" dt="2021-06-03T10:29:15.560" idx="1">
+    <p:pos x="10" y="10"/>
+    <p:text>perlu atau tidak</p:text>
+    <p:extLst>
+      <p:ext uri="{C676402C-5697-4E1C-873F-D02D1690AC5C}">
+        <p15:threadingInfo xmlns:p15="http://schemas.microsoft.com/office/powerpoint/2012/main" timeZoneBias="-390"/>
+      </p:ext>
+    </p:extLst>
+  </p:cm>
+</p:cmLst>
 </file>
 
 <file path=ppt/diagrams/colors1.xml><?xml version="1.0" encoding="utf-8"?>
@@ -12737,7 +12765,7 @@
           <a:p>
             <a:fld id="{58ABA864-E84D-4E33-B46F-8D6429F53A25}" type="slidenum">
               <a:rPr lang="en-US" smtClean="0"/>
-              <a:t>61</a:t>
+              <a:t>62</a:t>
             </a:fld>
             <a:endParaRPr lang="en-US"/>
           </a:p>
@@ -12850,7 +12878,7 @@
           <a:p>
             <a:fld id="{58ABA864-E84D-4E33-B46F-8D6429F53A25}" type="slidenum">
               <a:rPr lang="en-US" smtClean="0"/>
-              <a:t>62</a:t>
+              <a:t>63</a:t>
             </a:fld>
             <a:endParaRPr lang="en-US"/>
           </a:p>
@@ -12963,7 +12991,7 @@
           <a:p>
             <a:fld id="{58ABA864-E84D-4E33-B46F-8D6429F53A25}" type="slidenum">
               <a:rPr lang="en-US" smtClean="0"/>
-              <a:t>63</a:t>
+              <a:t>64</a:t>
             </a:fld>
             <a:endParaRPr lang="en-US"/>
           </a:p>
@@ -16285,302 +16313,729 @@
       </p:grpSpPr>
       <p:sp>
         <p:nvSpPr>
-          <p:cNvPr id="2" name="Title 1">
+          <p:cNvPr id="6" name="Rectangle 5">
             <a:extLst>
               <a:ext uri="{FF2B5EF4-FFF2-40B4-BE49-F238E27FC236}">
-                <a16:creationId xmlns:a16="http://schemas.microsoft.com/office/drawing/2014/main" id="{84EEC1A3-E984-4881-B54A-F1C5E73F7696}"/>
+                <a16:creationId xmlns:a16="http://schemas.microsoft.com/office/drawing/2014/main" id="{B69F860C-3DD8-4B3C-9AD3-19A463E43850}"/>
               </a:ext>
             </a:extLst>
           </p:cNvPr>
-          <p:cNvSpPr>
-            <a:spLocks noGrp="1"/>
-          </p:cNvSpPr>
-          <p:nvPr>
-            <p:ph type="title"/>
-          </p:nvPr>
+          <p:cNvSpPr/>
+          <p:nvPr/>
         </p:nvSpPr>
-        <p:spPr/>
+        <p:spPr>
+          <a:xfrm>
+            <a:off x="245805" y="176982"/>
+            <a:ext cx="4640827" cy="924231"/>
+          </a:xfrm>
+          <a:prstGeom prst="rect">
+            <a:avLst/>
+          </a:prstGeom>
+        </p:spPr>
+        <p:style>
+          <a:lnRef idx="2">
+            <a:schemeClr val="accent1">
+              <a:shade val="50000"/>
+            </a:schemeClr>
+          </a:lnRef>
+          <a:fillRef idx="1">
+            <a:schemeClr val="accent1"/>
+          </a:fillRef>
+          <a:effectRef idx="0">
+            <a:schemeClr val="accent1"/>
+          </a:effectRef>
+          <a:fontRef idx="minor">
+            <a:schemeClr val="lt1"/>
+          </a:fontRef>
+        </p:style>
         <p:txBody>
-          <a:bodyPr/>
+          <a:bodyPr rtlCol="0" anchor="ctr"/>
           <a:lstStyle/>
           <a:p>
+            <a:pPr algn="ctr"/>
             <a:r>
               <a:rPr lang="en-US" dirty="0"/>
-              <a:t>Business Problems and Goals</a:t>
+              <a:t>TIM DATA SCIENCE</a:t>
             </a:r>
           </a:p>
         </p:txBody>
       </p:sp>
       <p:sp>
         <p:nvSpPr>
-          <p:cNvPr id="5" name="Title 1">
+          <p:cNvPr id="7" name="Rectangle 6">
             <a:extLst>
               <a:ext uri="{FF2B5EF4-FFF2-40B4-BE49-F238E27FC236}">
-                <a16:creationId xmlns:a16="http://schemas.microsoft.com/office/drawing/2014/main" id="{4CAAB499-8E77-48CE-BADB-1277D94D7B15}"/>
+                <a16:creationId xmlns:a16="http://schemas.microsoft.com/office/drawing/2014/main" id="{DC7A9CFE-7D7A-4C6B-806D-32870BC47BAE}"/>
               </a:ext>
             </a:extLst>
           </p:cNvPr>
-          <p:cNvSpPr txBox="1">
-            <a:spLocks/>
-          </p:cNvSpPr>
+          <p:cNvSpPr/>
           <p:nvPr/>
         </p:nvSpPr>
         <p:spPr>
           <a:xfrm>
-            <a:off x="838200" y="1329149"/>
-            <a:ext cx="10515600" cy="1325563"/>
+            <a:off x="245806" y="1248697"/>
+            <a:ext cx="2418736" cy="2772697"/>
           </a:xfrm>
           <a:prstGeom prst="rect">
             <a:avLst/>
           </a:prstGeom>
         </p:spPr>
+        <p:style>
+          <a:lnRef idx="2">
+            <a:schemeClr val="accent6"/>
+          </a:lnRef>
+          <a:fillRef idx="1">
+            <a:schemeClr val="lt1"/>
+          </a:fillRef>
+          <a:effectRef idx="0">
+            <a:schemeClr val="accent6"/>
+          </a:effectRef>
+          <a:fontRef idx="minor">
+            <a:schemeClr val="dk1"/>
+          </a:fontRef>
+        </p:style>
         <p:txBody>
-          <a:bodyPr vert="horz" lIns="91440" tIns="45720" rIns="91440" bIns="45720" rtlCol="0" anchor="ctr">
-            <a:normAutofit/>
-          </a:bodyPr>
-          <a:lstStyle>
-            <a:lvl1pPr algn="l" defTabSz="914400" rtl="0" eaLnBrk="1" latinLnBrk="0" hangingPunct="1">
-              <a:lnSpc>
-                <a:spcPct val="90000"/>
-              </a:lnSpc>
-              <a:spcBef>
-                <a:spcPct val="0"/>
-              </a:spcBef>
-              <a:buNone/>
-              <a:defRPr sz="4400" kern="1200">
-                <a:solidFill>
-                  <a:schemeClr val="tx1"/>
-                </a:solidFill>
-                <a:latin typeface="+mj-lt"/>
-                <a:ea typeface="+mj-ea"/>
-                <a:cs typeface="+mj-cs"/>
-              </a:defRPr>
-            </a:lvl1pPr>
-          </a:lstStyle>
+          <a:bodyPr rtlCol="0" anchor="ctr"/>
+          <a:lstStyle/>
           <a:p>
-            <a:r>
-              <a:rPr lang="en-US" sz="3200" b="1" dirty="0"/>
-              <a:t>Business Goals</a:t>
-            </a:r>
+            <a:pPr marL="342900" indent="-342900" algn="ctr">
+              <a:buAutoNum type="arabicPeriod"/>
+            </a:pPr>
+            <a:r>
+              <a:rPr lang="en-US" dirty="0" err="1"/>
+              <a:t>Terima</a:t>
+            </a:r>
+            <a:r>
+              <a:rPr lang="en-US" dirty="0"/>
+              <a:t> report </a:t>
+            </a:r>
+            <a:r>
+              <a:rPr lang="en-US" dirty="0" err="1"/>
+              <a:t>dari</a:t>
+            </a:r>
+            <a:r>
+              <a:rPr lang="en-US" dirty="0"/>
+              <a:t> </a:t>
+            </a:r>
+            <a:r>
+              <a:rPr lang="en-US" dirty="0" err="1"/>
+              <a:t>tim</a:t>
+            </a:r>
+            <a:r>
+              <a:rPr lang="en-US" dirty="0"/>
+              <a:t> marketing</a:t>
+            </a:r>
+          </a:p>
+          <a:p>
+            <a:pPr marL="342900" indent="-342900" algn="ctr">
+              <a:buAutoNum type="arabicPeriod"/>
+            </a:pPr>
+            <a:r>
+              <a:rPr lang="en-US" dirty="0"/>
+              <a:t>Dari report </a:t>
+            </a:r>
+            <a:r>
+              <a:rPr lang="en-US" dirty="0" err="1"/>
+              <a:t>tersebut</a:t>
+            </a:r>
+            <a:r>
+              <a:rPr lang="en-US" dirty="0"/>
+              <a:t> </a:t>
+            </a:r>
+            <a:r>
+              <a:rPr lang="en-US" dirty="0" err="1"/>
+              <a:t>didaptkan</a:t>
+            </a:r>
+            <a:r>
+              <a:rPr lang="en-US" dirty="0"/>
+              <a:t> </a:t>
+            </a:r>
+            <a:r>
+              <a:rPr lang="en-US" dirty="0" err="1"/>
+              <a:t>masih</a:t>
+            </a:r>
+            <a:r>
+              <a:rPr lang="en-US" dirty="0"/>
+              <a:t> </a:t>
+            </a:r>
+            <a:r>
+              <a:rPr lang="en-US" dirty="0" err="1"/>
+              <a:t>gagal</a:t>
+            </a:r>
+            <a:r>
+              <a:rPr lang="en-US" dirty="0"/>
+              <a:t> (88% </a:t>
+            </a:r>
+            <a:r>
+              <a:rPr lang="en-US" dirty="0" err="1"/>
+              <a:t>tdk</a:t>
+            </a:r>
+            <a:r>
+              <a:rPr lang="en-US" dirty="0"/>
+              <a:t> </a:t>
+            </a:r>
+            <a:r>
+              <a:rPr lang="en-US" dirty="0" err="1"/>
+              <a:t>beli</a:t>
+            </a:r>
+            <a:r>
+              <a:rPr lang="en-US" dirty="0"/>
+              <a:t> </a:t>
+            </a:r>
+            <a:r>
+              <a:rPr lang="en-US" dirty="0" err="1"/>
+              <a:t>deposito</a:t>
+            </a:r>
+            <a:r>
+              <a:rPr lang="en-US" dirty="0"/>
+              <a:t>)</a:t>
+            </a:r>
+          </a:p>
+          <a:p>
+            <a:pPr marL="342900" indent="-342900" algn="ctr">
+              <a:buAutoNum type="arabicPeriod"/>
+            </a:pPr>
+            <a:r>
+              <a:rPr lang="en-US" dirty="0" err="1"/>
+              <a:t>Evaluasi</a:t>
+            </a:r>
+            <a:endParaRPr lang="en-US" dirty="0"/>
           </a:p>
         </p:txBody>
       </p:sp>
       <p:sp>
         <p:nvSpPr>
-          <p:cNvPr id="7" name="Content Placeholder 2">
+          <p:cNvPr id="8" name="Arrow: Right 7">
             <a:extLst>
               <a:ext uri="{FF2B5EF4-FFF2-40B4-BE49-F238E27FC236}">
-                <a16:creationId xmlns:a16="http://schemas.microsoft.com/office/drawing/2014/main" id="{A8FD379D-E819-491D-A3EE-B1C6A1C410B1}"/>
+                <a16:creationId xmlns:a16="http://schemas.microsoft.com/office/drawing/2014/main" id="{5230BFF4-90C0-448F-8655-E62BB29256A3}"/>
               </a:ext>
             </a:extLst>
           </p:cNvPr>
-          <p:cNvSpPr txBox="1">
-            <a:spLocks/>
-          </p:cNvSpPr>
+          <p:cNvSpPr/>
           <p:nvPr/>
         </p:nvSpPr>
         <p:spPr>
           <a:xfrm>
-            <a:off x="838200" y="2448231"/>
-            <a:ext cx="10515600" cy="4119717"/>
+            <a:off x="5048865" y="1248698"/>
+            <a:ext cx="1047135" cy="914400"/>
+          </a:xfrm>
+          <a:prstGeom prst="rightArrow">
+            <a:avLst/>
+          </a:prstGeom>
+        </p:spPr>
+        <p:style>
+          <a:lnRef idx="2">
+            <a:schemeClr val="accent1">
+              <a:shade val="50000"/>
+            </a:schemeClr>
+          </a:lnRef>
+          <a:fillRef idx="1">
+            <a:schemeClr val="accent1"/>
+          </a:fillRef>
+          <a:effectRef idx="0">
+            <a:schemeClr val="accent1"/>
+          </a:effectRef>
+          <a:fontRef idx="minor">
+            <a:schemeClr val="lt1"/>
+          </a:fontRef>
+        </p:style>
+        <p:txBody>
+          <a:bodyPr rtlCol="0" anchor="ctr"/>
+          <a:lstStyle/>
+          <a:p>
+            <a:pPr algn="ctr"/>
+            <a:endParaRPr lang="en-US"/>
+          </a:p>
+        </p:txBody>
+      </p:sp>
+      <p:sp>
+        <p:nvSpPr>
+          <p:cNvPr id="10" name="Star: 6 Points 9">
+            <a:extLst>
+              <a:ext uri="{FF2B5EF4-FFF2-40B4-BE49-F238E27FC236}">
+                <a16:creationId xmlns:a16="http://schemas.microsoft.com/office/drawing/2014/main" id="{50B4BDF3-4192-47A7-B59C-EE4FAD5DE0B0}"/>
+              </a:ext>
+            </a:extLst>
+          </p:cNvPr>
+          <p:cNvSpPr/>
+          <p:nvPr/>
+        </p:nvSpPr>
+        <p:spPr>
+          <a:xfrm>
+            <a:off x="6422923" y="442452"/>
+            <a:ext cx="2330245" cy="2330245"/>
+          </a:xfrm>
+          <a:prstGeom prst="star6">
+            <a:avLst/>
+          </a:prstGeom>
+        </p:spPr>
+        <p:style>
+          <a:lnRef idx="2">
+            <a:schemeClr val="accent1">
+              <a:shade val="50000"/>
+            </a:schemeClr>
+          </a:lnRef>
+          <a:fillRef idx="1">
+            <a:schemeClr val="accent1"/>
+          </a:fillRef>
+          <a:effectRef idx="0">
+            <a:schemeClr val="accent1"/>
+          </a:effectRef>
+          <a:fontRef idx="minor">
+            <a:schemeClr val="lt1"/>
+          </a:fontRef>
+        </p:style>
+        <p:txBody>
+          <a:bodyPr rtlCol="0" anchor="ctr"/>
+          <a:lstStyle/>
+          <a:p>
+            <a:pPr algn="ctr"/>
+            <a:r>
+              <a:rPr lang="en-US" dirty="0"/>
+              <a:t>PERLU DIBUAT MODEL</a:t>
+            </a:r>
+          </a:p>
+        </p:txBody>
+      </p:sp>
+      <p:sp>
+        <p:nvSpPr>
+          <p:cNvPr id="11" name="Rectangle 10">
+            <a:extLst>
+              <a:ext uri="{FF2B5EF4-FFF2-40B4-BE49-F238E27FC236}">
+                <a16:creationId xmlns:a16="http://schemas.microsoft.com/office/drawing/2014/main" id="{7B8F2F6E-973E-431B-8946-9ED27879C274}"/>
+              </a:ext>
+            </a:extLst>
+          </p:cNvPr>
+          <p:cNvSpPr/>
+          <p:nvPr/>
+        </p:nvSpPr>
+        <p:spPr>
+          <a:xfrm>
+            <a:off x="6378677" y="2871019"/>
+            <a:ext cx="2418736" cy="1347020"/>
           </a:xfrm>
           <a:prstGeom prst="rect">
             <a:avLst/>
           </a:prstGeom>
         </p:spPr>
+        <p:style>
+          <a:lnRef idx="2">
+            <a:schemeClr val="accent6"/>
+          </a:lnRef>
+          <a:fillRef idx="1">
+            <a:schemeClr val="lt1"/>
+          </a:fillRef>
+          <a:effectRef idx="0">
+            <a:schemeClr val="accent6"/>
+          </a:effectRef>
+          <a:fontRef idx="minor">
+            <a:schemeClr val="dk1"/>
+          </a:fontRef>
+        </p:style>
         <p:txBody>
-          <a:bodyPr vert="horz" lIns="91440" tIns="45720" rIns="91440" bIns="45720" rtlCol="0">
-            <a:normAutofit/>
-          </a:bodyPr>
-          <a:lstStyle>
-            <a:lvl1pPr marL="228600" indent="-228600" algn="l" defTabSz="914400" rtl="0" eaLnBrk="1" latinLnBrk="0" hangingPunct="1">
-              <a:lnSpc>
-                <a:spcPct val="90000"/>
-              </a:lnSpc>
-              <a:spcBef>
-                <a:spcPts val="1000"/>
-              </a:spcBef>
-              <a:buFont typeface="Arial" panose="020B0604020202020204" pitchFamily="34" charset="0"/>
-              <a:buChar char="•"/>
-              <a:defRPr sz="2800" kern="1200">
-                <a:solidFill>
-                  <a:schemeClr val="tx1"/>
-                </a:solidFill>
-                <a:latin typeface="+mn-lt"/>
-                <a:ea typeface="+mn-ea"/>
-                <a:cs typeface="+mn-cs"/>
-              </a:defRPr>
-            </a:lvl1pPr>
-            <a:lvl2pPr marL="685800" indent="-228600" algn="l" defTabSz="914400" rtl="0" eaLnBrk="1" latinLnBrk="0" hangingPunct="1">
-              <a:lnSpc>
-                <a:spcPct val="90000"/>
-              </a:lnSpc>
-              <a:spcBef>
-                <a:spcPts val="500"/>
-              </a:spcBef>
-              <a:buFont typeface="Arial" panose="020B0604020202020204" pitchFamily="34" charset="0"/>
-              <a:buChar char="•"/>
-              <a:defRPr sz="2400" kern="1200">
-                <a:solidFill>
-                  <a:schemeClr val="tx1"/>
-                </a:solidFill>
-                <a:latin typeface="+mn-lt"/>
-                <a:ea typeface="+mn-ea"/>
-                <a:cs typeface="+mn-cs"/>
-              </a:defRPr>
-            </a:lvl2pPr>
-            <a:lvl3pPr marL="1143000" indent="-228600" algn="l" defTabSz="914400" rtl="0" eaLnBrk="1" latinLnBrk="0" hangingPunct="1">
-              <a:lnSpc>
-                <a:spcPct val="90000"/>
-              </a:lnSpc>
-              <a:spcBef>
-                <a:spcPts val="500"/>
-              </a:spcBef>
-              <a:buFont typeface="Arial" panose="020B0604020202020204" pitchFamily="34" charset="0"/>
-              <a:buChar char="•"/>
-              <a:defRPr sz="2000" kern="1200">
-                <a:solidFill>
-                  <a:schemeClr val="tx1"/>
-                </a:solidFill>
-                <a:latin typeface="+mn-lt"/>
-                <a:ea typeface="+mn-ea"/>
-                <a:cs typeface="+mn-cs"/>
-              </a:defRPr>
-            </a:lvl3pPr>
-            <a:lvl4pPr marL="1600200" indent="-228600" algn="l" defTabSz="914400" rtl="0" eaLnBrk="1" latinLnBrk="0" hangingPunct="1">
-              <a:lnSpc>
-                <a:spcPct val="90000"/>
-              </a:lnSpc>
-              <a:spcBef>
-                <a:spcPts val="500"/>
-              </a:spcBef>
-              <a:buFont typeface="Arial" panose="020B0604020202020204" pitchFamily="34" charset="0"/>
-              <a:buChar char="•"/>
-              <a:defRPr sz="1800" kern="1200">
-                <a:solidFill>
-                  <a:schemeClr val="tx1"/>
-                </a:solidFill>
-                <a:latin typeface="+mn-lt"/>
-                <a:ea typeface="+mn-ea"/>
-                <a:cs typeface="+mn-cs"/>
-              </a:defRPr>
-            </a:lvl4pPr>
-            <a:lvl5pPr marL="2057400" indent="-228600" algn="l" defTabSz="914400" rtl="0" eaLnBrk="1" latinLnBrk="0" hangingPunct="1">
-              <a:lnSpc>
-                <a:spcPct val="90000"/>
-              </a:lnSpc>
-              <a:spcBef>
-                <a:spcPts val="500"/>
-              </a:spcBef>
-              <a:buFont typeface="Arial" panose="020B0604020202020204" pitchFamily="34" charset="0"/>
-              <a:buChar char="•"/>
-              <a:defRPr sz="1800" kern="1200">
-                <a:solidFill>
-                  <a:schemeClr val="tx1"/>
-                </a:solidFill>
-                <a:latin typeface="+mn-lt"/>
-                <a:ea typeface="+mn-ea"/>
-                <a:cs typeface="+mn-cs"/>
-              </a:defRPr>
-            </a:lvl5pPr>
-            <a:lvl6pPr marL="2514600" indent="-228600" algn="l" defTabSz="914400" rtl="0" eaLnBrk="1" latinLnBrk="0" hangingPunct="1">
-              <a:lnSpc>
-                <a:spcPct val="90000"/>
-              </a:lnSpc>
-              <a:spcBef>
-                <a:spcPts val="500"/>
-              </a:spcBef>
-              <a:buFont typeface="Arial" panose="020B0604020202020204" pitchFamily="34" charset="0"/>
-              <a:buChar char="•"/>
-              <a:defRPr sz="1800" kern="1200">
-                <a:solidFill>
-                  <a:schemeClr val="tx1"/>
-                </a:solidFill>
-                <a:latin typeface="+mn-lt"/>
-                <a:ea typeface="+mn-ea"/>
-                <a:cs typeface="+mn-cs"/>
-              </a:defRPr>
-            </a:lvl6pPr>
-            <a:lvl7pPr marL="2971800" indent="-228600" algn="l" defTabSz="914400" rtl="0" eaLnBrk="1" latinLnBrk="0" hangingPunct="1">
-              <a:lnSpc>
-                <a:spcPct val="90000"/>
-              </a:lnSpc>
-              <a:spcBef>
-                <a:spcPts val="500"/>
-              </a:spcBef>
-              <a:buFont typeface="Arial" panose="020B0604020202020204" pitchFamily="34" charset="0"/>
-              <a:buChar char="•"/>
-              <a:defRPr sz="1800" kern="1200">
-                <a:solidFill>
-                  <a:schemeClr val="tx1"/>
-                </a:solidFill>
-                <a:latin typeface="+mn-lt"/>
-                <a:ea typeface="+mn-ea"/>
-                <a:cs typeface="+mn-cs"/>
-              </a:defRPr>
-            </a:lvl7pPr>
-            <a:lvl8pPr marL="3429000" indent="-228600" algn="l" defTabSz="914400" rtl="0" eaLnBrk="1" latinLnBrk="0" hangingPunct="1">
-              <a:lnSpc>
-                <a:spcPct val="90000"/>
-              </a:lnSpc>
-              <a:spcBef>
-                <a:spcPts val="500"/>
-              </a:spcBef>
-              <a:buFont typeface="Arial" panose="020B0604020202020204" pitchFamily="34" charset="0"/>
-              <a:buChar char="•"/>
-              <a:defRPr sz="1800" kern="1200">
-                <a:solidFill>
-                  <a:schemeClr val="tx1"/>
-                </a:solidFill>
-                <a:latin typeface="+mn-lt"/>
-                <a:ea typeface="+mn-ea"/>
-                <a:cs typeface="+mn-cs"/>
-              </a:defRPr>
-            </a:lvl8pPr>
-            <a:lvl9pPr marL="3886200" indent="-228600" algn="l" defTabSz="914400" rtl="0" eaLnBrk="1" latinLnBrk="0" hangingPunct="1">
-              <a:lnSpc>
-                <a:spcPct val="90000"/>
-              </a:lnSpc>
-              <a:spcBef>
-                <a:spcPts val="500"/>
-              </a:spcBef>
-              <a:buFont typeface="Arial" panose="020B0604020202020204" pitchFamily="34" charset="0"/>
-              <a:buChar char="•"/>
-              <a:defRPr sz="1800" kern="1200">
-                <a:solidFill>
-                  <a:schemeClr val="tx1"/>
-                </a:solidFill>
-                <a:latin typeface="+mn-lt"/>
-                <a:ea typeface="+mn-ea"/>
-                <a:cs typeface="+mn-cs"/>
-              </a:defRPr>
-            </a:lvl9pPr>
-          </a:lstStyle>
+          <a:bodyPr rtlCol="0" anchor="ctr"/>
+          <a:lstStyle/>
           <a:p>
+            <a:pPr algn="ctr"/>
             <a:r>
               <a:rPr lang="en-US" dirty="0"/>
-              <a:t>Predict Potential Bank Customer that will buy deposit or not with Machine Learning Method</a:t>
+              <a:t>[PENTING] model </a:t>
+            </a:r>
+            <a:r>
+              <a:rPr lang="en-US" dirty="0" err="1"/>
+              <a:t>digunakan</a:t>
+            </a:r>
+            <a:r>
+              <a:rPr lang="en-US" dirty="0"/>
+              <a:t> </a:t>
+            </a:r>
+            <a:r>
+              <a:rPr lang="en-US" dirty="0" err="1"/>
+              <a:t>sebelum</a:t>
+            </a:r>
+            <a:r>
+              <a:rPr lang="en-US" dirty="0"/>
+              <a:t> </a:t>
+            </a:r>
+            <a:r>
+              <a:rPr lang="en-US" dirty="0" err="1"/>
+              <a:t>melakukan</a:t>
+            </a:r>
+            <a:r>
+              <a:rPr lang="en-US" dirty="0"/>
+              <a:t> campaign/program marketing</a:t>
+            </a:r>
+          </a:p>
+        </p:txBody>
+      </p:sp>
+      <p:sp>
+        <p:nvSpPr>
+          <p:cNvPr id="12" name="Rectangle 11">
+            <a:extLst>
+              <a:ext uri="{FF2B5EF4-FFF2-40B4-BE49-F238E27FC236}">
+                <a16:creationId xmlns:a16="http://schemas.microsoft.com/office/drawing/2014/main" id="{825980B7-833F-401F-A9FF-1110D070F93F}"/>
+              </a:ext>
+            </a:extLst>
+          </p:cNvPr>
+          <p:cNvSpPr/>
+          <p:nvPr/>
+        </p:nvSpPr>
+        <p:spPr>
+          <a:xfrm>
+            <a:off x="6378677" y="4360607"/>
+            <a:ext cx="2418736" cy="2241756"/>
+          </a:xfrm>
+          <a:prstGeom prst="rect">
+            <a:avLst/>
+          </a:prstGeom>
+        </p:spPr>
+        <p:style>
+          <a:lnRef idx="2">
+            <a:schemeClr val="accent6"/>
+          </a:lnRef>
+          <a:fillRef idx="1">
+            <a:schemeClr val="lt1"/>
+          </a:fillRef>
+          <a:effectRef idx="0">
+            <a:schemeClr val="accent6"/>
+          </a:effectRef>
+          <a:fontRef idx="minor">
+            <a:schemeClr val="dk1"/>
+          </a:fontRef>
+        </p:style>
+        <p:txBody>
+          <a:bodyPr rtlCol="0" anchor="ctr"/>
+          <a:lstStyle/>
+          <a:p>
+            <a:pPr algn="ctr"/>
+            <a:r>
+              <a:rPr lang="en-US" dirty="0"/>
+              <a:t>Kolom di dataset model yang </a:t>
+            </a:r>
+            <a:r>
+              <a:rPr lang="en-US" dirty="0" err="1"/>
+              <a:t>dipakai</a:t>
+            </a:r>
+            <a:r>
+              <a:rPr lang="en-US" dirty="0"/>
+              <a:t> </a:t>
+            </a:r>
+            <a:r>
+              <a:rPr lang="en-US" dirty="0" err="1"/>
+              <a:t>adalah</a:t>
+            </a:r>
+            <a:r>
+              <a:rPr lang="en-US" dirty="0"/>
+              <a:t> KOLOM YG BISA DIDAPATKAN </a:t>
+            </a:r>
+            <a:r>
+              <a:rPr lang="en-US" dirty="0" err="1"/>
+              <a:t>Sebelum</a:t>
+            </a:r>
+            <a:r>
+              <a:rPr lang="en-US" dirty="0"/>
+              <a:t> </a:t>
+            </a:r>
+            <a:r>
+              <a:rPr lang="en-US" dirty="0" err="1"/>
+              <a:t>melakukan</a:t>
+            </a:r>
+            <a:r>
+              <a:rPr lang="en-US" dirty="0"/>
+              <a:t> Campaign</a:t>
+            </a:r>
+          </a:p>
+        </p:txBody>
+      </p:sp>
+      <p:sp>
+        <p:nvSpPr>
+          <p:cNvPr id="13" name="Rectangle 12">
+            <a:extLst>
+              <a:ext uri="{FF2B5EF4-FFF2-40B4-BE49-F238E27FC236}">
+                <a16:creationId xmlns:a16="http://schemas.microsoft.com/office/drawing/2014/main" id="{6DC299E1-1B01-4DC8-A1D6-3365EC8ED552}"/>
+              </a:ext>
+            </a:extLst>
+          </p:cNvPr>
+          <p:cNvSpPr/>
+          <p:nvPr/>
+        </p:nvSpPr>
+        <p:spPr>
+          <a:xfrm>
+            <a:off x="776749" y="4606414"/>
+            <a:ext cx="3244645" cy="1750142"/>
+          </a:xfrm>
+          <a:prstGeom prst="rect">
+            <a:avLst/>
+          </a:prstGeom>
+          <a:ln w="57150">
+            <a:solidFill>
+              <a:schemeClr val="tx1"/>
+            </a:solidFill>
+            <a:prstDash val="dashDot"/>
+          </a:ln>
+        </p:spPr>
+        <p:style>
+          <a:lnRef idx="2">
+            <a:schemeClr val="accent6"/>
+          </a:lnRef>
+          <a:fillRef idx="1">
+            <a:schemeClr val="lt1"/>
+          </a:fillRef>
+          <a:effectRef idx="0">
+            <a:schemeClr val="accent6"/>
+          </a:effectRef>
+          <a:fontRef idx="minor">
+            <a:schemeClr val="dk1"/>
+          </a:fontRef>
+        </p:style>
+        <p:txBody>
+          <a:bodyPr rtlCol="0" anchor="ctr"/>
+          <a:lstStyle/>
+          <a:p>
+            <a:pPr algn="ctr"/>
+            <a:r>
+              <a:rPr lang="en-US" dirty="0"/>
+              <a:t>!!  INGAT  !!</a:t>
             </a:r>
           </a:p>
           <a:p>
-            <a:r>
-              <a:rPr lang="en-US" dirty="0"/>
-              <a:t>Give Cost Reduction Simulation after and before using Machine Learning</a:t>
-            </a:r>
+            <a:pPr algn="ctr"/>
+            <a:endParaRPr lang="en-US" dirty="0"/>
           </a:p>
           <a:p>
-            <a:pPr>
-              <a:buFontTx/>
-              <a:buChar char="-"/>
-            </a:pPr>
+            <a:pPr algn="ctr"/>
+            <a:r>
+              <a:rPr lang="en-US" dirty="0"/>
+              <a:t>Calon customer yang di approach </a:t>
+            </a:r>
+            <a:r>
+              <a:rPr lang="en-US" dirty="0" err="1"/>
+              <a:t>adalah</a:t>
+            </a:r>
+            <a:r>
+              <a:rPr lang="en-US" dirty="0"/>
+              <a:t> </a:t>
+            </a:r>
+            <a:r>
+              <a:rPr lang="en-US" dirty="0" err="1"/>
+              <a:t>nasabah</a:t>
+            </a:r>
+            <a:r>
+              <a:rPr lang="en-US" dirty="0"/>
+              <a:t> bank </a:t>
+            </a:r>
+            <a:r>
+              <a:rPr lang="en-US" dirty="0" err="1"/>
+              <a:t>tersebut</a:t>
+            </a:r>
             <a:endParaRPr lang="en-US" dirty="0"/>
+          </a:p>
+        </p:txBody>
+      </p:sp>
+      <p:sp>
+        <p:nvSpPr>
+          <p:cNvPr id="9" name="Arrow: Right 8">
+            <a:extLst>
+              <a:ext uri="{FF2B5EF4-FFF2-40B4-BE49-F238E27FC236}">
+                <a16:creationId xmlns:a16="http://schemas.microsoft.com/office/drawing/2014/main" id="{199FF53C-44D6-4140-BA6D-4BFCB9D42FCF}"/>
+              </a:ext>
+            </a:extLst>
+          </p:cNvPr>
+          <p:cNvSpPr/>
+          <p:nvPr/>
+        </p:nvSpPr>
+        <p:spPr>
+          <a:xfrm>
+            <a:off x="8819536" y="1106130"/>
+            <a:ext cx="752168" cy="914400"/>
+          </a:xfrm>
+          <a:prstGeom prst="rightArrow">
+            <a:avLst/>
+          </a:prstGeom>
+        </p:spPr>
+        <p:style>
+          <a:lnRef idx="2">
+            <a:schemeClr val="accent1">
+              <a:shade val="50000"/>
+            </a:schemeClr>
+          </a:lnRef>
+          <a:fillRef idx="1">
+            <a:schemeClr val="accent1"/>
+          </a:fillRef>
+          <a:effectRef idx="0">
+            <a:schemeClr val="accent1"/>
+          </a:effectRef>
+          <a:fontRef idx="minor">
+            <a:schemeClr val="lt1"/>
+          </a:fontRef>
+        </p:style>
+        <p:txBody>
+          <a:bodyPr rtlCol="0" anchor="ctr"/>
+          <a:lstStyle/>
+          <a:p>
+            <a:pPr algn="ctr"/>
+            <a:endParaRPr lang="en-US"/>
+          </a:p>
+        </p:txBody>
+      </p:sp>
+      <p:sp>
+        <p:nvSpPr>
+          <p:cNvPr id="2" name="Oval 1">
+            <a:extLst>
+              <a:ext uri="{FF2B5EF4-FFF2-40B4-BE49-F238E27FC236}">
+                <a16:creationId xmlns:a16="http://schemas.microsoft.com/office/drawing/2014/main" id="{5E49095A-1E8E-4BD3-922A-E2010D50DAE2}"/>
+              </a:ext>
+            </a:extLst>
+          </p:cNvPr>
+          <p:cNvSpPr/>
+          <p:nvPr/>
+        </p:nvSpPr>
+        <p:spPr>
+          <a:xfrm>
+            <a:off x="9615949" y="550606"/>
+            <a:ext cx="2330245" cy="2330245"/>
+          </a:xfrm>
+          <a:prstGeom prst="ellipse">
+            <a:avLst/>
+          </a:prstGeom>
+        </p:spPr>
+        <p:style>
+          <a:lnRef idx="2">
+            <a:schemeClr val="accent1">
+              <a:shade val="50000"/>
+            </a:schemeClr>
+          </a:lnRef>
+          <a:fillRef idx="1">
+            <a:schemeClr val="accent1"/>
+          </a:fillRef>
+          <a:effectRef idx="0">
+            <a:schemeClr val="accent1"/>
+          </a:effectRef>
+          <a:fontRef idx="minor">
+            <a:schemeClr val="lt1"/>
+          </a:fontRef>
+        </p:style>
+        <p:txBody>
+          <a:bodyPr rtlCol="0" anchor="ctr"/>
+          <a:lstStyle/>
+          <a:p>
+            <a:pPr algn="ctr"/>
+            <a:r>
+              <a:rPr lang="en-US" dirty="0"/>
+              <a:t>Model </a:t>
+            </a:r>
+            <a:r>
+              <a:rPr lang="en-US" dirty="0" err="1"/>
+              <a:t>untuk</a:t>
+            </a:r>
+            <a:r>
+              <a:rPr lang="en-US" dirty="0"/>
+              <a:t> </a:t>
+            </a:r>
+            <a:r>
+              <a:rPr lang="en-US" dirty="0" err="1"/>
+              <a:t>prediksi</a:t>
+            </a:r>
+            <a:r>
+              <a:rPr lang="en-US" dirty="0"/>
+              <a:t> </a:t>
+            </a:r>
+            <a:r>
+              <a:rPr lang="en-US" dirty="0" err="1"/>
+              <a:t>calon</a:t>
+            </a:r>
+            <a:r>
+              <a:rPr lang="en-US" dirty="0"/>
+              <a:t> customer </a:t>
+            </a:r>
+            <a:r>
+              <a:rPr lang="en-US" dirty="0" err="1"/>
+              <a:t>untuk</a:t>
+            </a:r>
+            <a:r>
+              <a:rPr lang="en-US" dirty="0"/>
+              <a:t> program marketing </a:t>
+            </a:r>
+            <a:r>
+              <a:rPr lang="en-US" dirty="0" err="1"/>
+              <a:t>selanjutnya</a:t>
+            </a:r>
+            <a:endParaRPr lang="en-US" dirty="0"/>
+          </a:p>
+        </p:txBody>
+      </p:sp>
+      <p:sp>
+        <p:nvSpPr>
+          <p:cNvPr id="14" name="Rectangle 13">
+            <a:extLst>
+              <a:ext uri="{FF2B5EF4-FFF2-40B4-BE49-F238E27FC236}">
+                <a16:creationId xmlns:a16="http://schemas.microsoft.com/office/drawing/2014/main" id="{C19BF0DA-F8BE-4200-8063-53905AE628CC}"/>
+              </a:ext>
+            </a:extLst>
+          </p:cNvPr>
+          <p:cNvSpPr/>
+          <p:nvPr/>
+        </p:nvSpPr>
+        <p:spPr>
+          <a:xfrm>
+            <a:off x="2846439" y="1248697"/>
+            <a:ext cx="2040193" cy="2772697"/>
+          </a:xfrm>
+          <a:prstGeom prst="rect">
+            <a:avLst/>
+          </a:prstGeom>
+        </p:spPr>
+        <p:style>
+          <a:lnRef idx="2">
+            <a:schemeClr val="accent6"/>
+          </a:lnRef>
+          <a:fillRef idx="1">
+            <a:schemeClr val="lt1"/>
+          </a:fillRef>
+          <a:effectRef idx="0">
+            <a:schemeClr val="accent6"/>
+          </a:effectRef>
+          <a:fontRef idx="minor">
+            <a:schemeClr val="dk1"/>
+          </a:fontRef>
+        </p:style>
+        <p:txBody>
+          <a:bodyPr rtlCol="0" anchor="ctr"/>
+          <a:lstStyle/>
+          <a:p>
+            <a:pPr algn="ctr"/>
+            <a:r>
+              <a:rPr lang="en-US" dirty="0" err="1"/>
+              <a:t>Tambahan</a:t>
+            </a:r>
+            <a:r>
+              <a:rPr lang="en-US" dirty="0"/>
+              <a:t> :</a:t>
+            </a:r>
+          </a:p>
+          <a:p>
+            <a:pPr algn="ctr"/>
+            <a:r>
+              <a:rPr lang="en-US" dirty="0"/>
+              <a:t>Concern </a:t>
+            </a:r>
+            <a:r>
+              <a:rPr lang="en-US" dirty="0" err="1"/>
+              <a:t>tim</a:t>
+            </a:r>
+            <a:r>
+              <a:rPr lang="en-US" dirty="0"/>
+              <a:t> marketing di cost campaign</a:t>
+            </a:r>
           </a:p>
         </p:txBody>
       </p:sp>
     </p:spTree>
     <p:extLst>
       <p:ext uri="{BB962C8B-B14F-4D97-AF65-F5344CB8AC3E}">
-        <p14:creationId xmlns:p14="http://schemas.microsoft.com/office/powerpoint/2010/main" val="3405541367"/>
+        <p14:creationId xmlns:p14="http://schemas.microsoft.com/office/powerpoint/2010/main" val="3754076498"/>
       </p:ext>
     </p:extLst>
   </p:cSld>
@@ -16591,6 +17046,1607 @@
 </file>
 
 <file path=ppt/slides/slide11.xml><?xml version="1.0" encoding="utf-8"?>
+<p:sld xmlns:a="http://schemas.openxmlformats.org/drawingml/2006/main" xmlns:r="http://schemas.openxmlformats.org/officeDocument/2006/relationships" xmlns:p="http://schemas.openxmlformats.org/presentationml/2006/main">
+  <p:cSld>
+    <p:spTree>
+      <p:nvGrpSpPr>
+        <p:cNvPr id="1" name=""/>
+        <p:cNvGrpSpPr/>
+        <p:nvPr/>
+      </p:nvGrpSpPr>
+      <p:grpSpPr>
+        <a:xfrm>
+          <a:off x="0" y="0"/>
+          <a:ext cx="0" cy="0"/>
+          <a:chOff x="0" y="0"/>
+          <a:chExt cx="0" cy="0"/>
+        </a:xfrm>
+      </p:grpSpPr>
+      <p:sp>
+        <p:nvSpPr>
+          <p:cNvPr id="8" name="Rectangle 7">
+            <a:extLst>
+              <a:ext uri="{FF2B5EF4-FFF2-40B4-BE49-F238E27FC236}">
+                <a16:creationId xmlns:a16="http://schemas.microsoft.com/office/drawing/2014/main" id="{8515B476-9AE4-4AAD-AE67-BDA429550E09}"/>
+              </a:ext>
+            </a:extLst>
+          </p:cNvPr>
+          <p:cNvSpPr/>
+          <p:nvPr/>
+        </p:nvSpPr>
+        <p:spPr>
+          <a:xfrm>
+            <a:off x="9539183" y="2318357"/>
+            <a:ext cx="2429033" cy="3090588"/>
+          </a:xfrm>
+          <a:prstGeom prst="rect">
+            <a:avLst/>
+          </a:prstGeom>
+          <a:ln w="57150">
+            <a:solidFill>
+              <a:schemeClr val="tx1"/>
+            </a:solidFill>
+            <a:prstDash val="dashDot"/>
+          </a:ln>
+        </p:spPr>
+        <p:style>
+          <a:lnRef idx="2">
+            <a:schemeClr val="accent6"/>
+          </a:lnRef>
+          <a:fillRef idx="1">
+            <a:schemeClr val="lt1"/>
+          </a:fillRef>
+          <a:effectRef idx="0">
+            <a:schemeClr val="accent6"/>
+          </a:effectRef>
+          <a:fontRef idx="minor">
+            <a:schemeClr val="dk1"/>
+          </a:fontRef>
+        </p:style>
+        <p:txBody>
+          <a:bodyPr rtlCol="0" anchor="ctr"/>
+          <a:lstStyle/>
+          <a:p>
+            <a:pPr algn="ctr"/>
+            <a:r>
+              <a:rPr lang="en-US" dirty="0"/>
+              <a:t>!!  INGAT  !!</a:t>
+            </a:r>
+          </a:p>
+          <a:p>
+            <a:pPr algn="ctr"/>
+            <a:r>
+              <a:rPr lang="en-US" dirty="0"/>
+              <a:t> </a:t>
+            </a:r>
+            <a:r>
+              <a:rPr lang="en-US" b="1" dirty="0" err="1"/>
+              <a:t>patokan</a:t>
+            </a:r>
+            <a:r>
+              <a:rPr lang="en-US" b="1" dirty="0"/>
+              <a:t> di 500 </a:t>
+            </a:r>
+            <a:r>
+              <a:rPr lang="en-US" b="1" dirty="0" err="1"/>
+              <a:t>jt</a:t>
+            </a:r>
+            <a:r>
+              <a:rPr lang="en-US" b="1" dirty="0"/>
+              <a:t> rupiah/ 30,000 euro</a:t>
+            </a:r>
+          </a:p>
+          <a:p>
+            <a:pPr algn="ctr"/>
+            <a:endParaRPr lang="en-US" b="1" dirty="0"/>
+          </a:p>
+          <a:p>
+            <a:pPr algn="ctr"/>
+            <a:r>
+              <a:rPr lang="en-US" dirty="0" err="1"/>
+              <a:t>Rekening</a:t>
+            </a:r>
+            <a:r>
+              <a:rPr lang="en-US" dirty="0"/>
+              <a:t> &gt;= </a:t>
+            </a:r>
+            <a:r>
+              <a:rPr lang="en-US" dirty="0" err="1"/>
+              <a:t>patokan</a:t>
+            </a:r>
+            <a:r>
+              <a:rPr lang="en-US" dirty="0"/>
+              <a:t> (SABI)</a:t>
+            </a:r>
+          </a:p>
+          <a:p>
+            <a:pPr algn="ctr"/>
+            <a:endParaRPr lang="en-US" dirty="0"/>
+          </a:p>
+          <a:p>
+            <a:pPr algn="ctr"/>
+            <a:r>
+              <a:rPr lang="en-US" dirty="0" err="1"/>
+              <a:t>Rekening</a:t>
+            </a:r>
+            <a:r>
+              <a:rPr lang="en-US" dirty="0"/>
+              <a:t> &lt; </a:t>
+            </a:r>
+            <a:r>
+              <a:rPr lang="en-US" dirty="0" err="1"/>
+              <a:t>Patokan</a:t>
+            </a:r>
+            <a:r>
+              <a:rPr lang="en-US" dirty="0"/>
+              <a:t> (</a:t>
+            </a:r>
+            <a:r>
+              <a:rPr lang="en-US" dirty="0" err="1"/>
+              <a:t>tidak</a:t>
+            </a:r>
+            <a:r>
+              <a:rPr lang="en-US" dirty="0"/>
+              <a:t> </a:t>
+            </a:r>
+            <a:r>
+              <a:rPr lang="en-US" dirty="0" err="1"/>
+              <a:t>sabi</a:t>
+            </a:r>
+            <a:r>
+              <a:rPr lang="en-US" dirty="0"/>
+              <a:t>)</a:t>
+            </a:r>
+          </a:p>
+        </p:txBody>
+      </p:sp>
+      <p:sp>
+        <p:nvSpPr>
+          <p:cNvPr id="13" name="Rectangle 12">
+            <a:extLst>
+              <a:ext uri="{FF2B5EF4-FFF2-40B4-BE49-F238E27FC236}">
+                <a16:creationId xmlns:a16="http://schemas.microsoft.com/office/drawing/2014/main" id="{192540AC-FAB7-4396-8CB5-2C7D20F3F54C}"/>
+              </a:ext>
+            </a:extLst>
+          </p:cNvPr>
+          <p:cNvSpPr/>
+          <p:nvPr/>
+        </p:nvSpPr>
+        <p:spPr>
+          <a:xfrm>
+            <a:off x="167148" y="2182761"/>
+            <a:ext cx="1406013" cy="909482"/>
+          </a:xfrm>
+          <a:prstGeom prst="rect">
+            <a:avLst/>
+          </a:prstGeom>
+        </p:spPr>
+        <p:style>
+          <a:lnRef idx="2">
+            <a:schemeClr val="accent1">
+              <a:shade val="50000"/>
+            </a:schemeClr>
+          </a:lnRef>
+          <a:fillRef idx="1">
+            <a:schemeClr val="accent1"/>
+          </a:fillRef>
+          <a:effectRef idx="0">
+            <a:schemeClr val="accent1"/>
+          </a:effectRef>
+          <a:fontRef idx="minor">
+            <a:schemeClr val="lt1"/>
+          </a:fontRef>
+        </p:style>
+        <p:txBody>
+          <a:bodyPr rtlCol="0" anchor="ctr"/>
+          <a:lstStyle/>
+          <a:p>
+            <a:pPr algn="ctr"/>
+            <a:r>
+              <a:rPr lang="en-US" dirty="0"/>
+              <a:t>Data </a:t>
+            </a:r>
+            <a:r>
+              <a:rPr lang="en-US" dirty="0" err="1"/>
+              <a:t>baru</a:t>
+            </a:r>
+            <a:endParaRPr lang="en-US" dirty="0"/>
+          </a:p>
+        </p:txBody>
+      </p:sp>
+      <p:sp>
+        <p:nvSpPr>
+          <p:cNvPr id="14" name="Heart 13">
+            <a:extLst>
+              <a:ext uri="{FF2B5EF4-FFF2-40B4-BE49-F238E27FC236}">
+                <a16:creationId xmlns:a16="http://schemas.microsoft.com/office/drawing/2014/main" id="{392E5D61-A213-4BB0-8A6C-3891D20A1E63}"/>
+              </a:ext>
+            </a:extLst>
+          </p:cNvPr>
+          <p:cNvSpPr/>
+          <p:nvPr/>
+        </p:nvSpPr>
+        <p:spPr>
+          <a:xfrm>
+            <a:off x="2482645" y="1892625"/>
+            <a:ext cx="1406013" cy="1406013"/>
+          </a:xfrm>
+          <a:prstGeom prst="heart">
+            <a:avLst/>
+          </a:prstGeom>
+        </p:spPr>
+        <p:style>
+          <a:lnRef idx="2">
+            <a:schemeClr val="accent1">
+              <a:shade val="50000"/>
+            </a:schemeClr>
+          </a:lnRef>
+          <a:fillRef idx="1">
+            <a:schemeClr val="accent1"/>
+          </a:fillRef>
+          <a:effectRef idx="0">
+            <a:schemeClr val="accent1"/>
+          </a:effectRef>
+          <a:fontRef idx="minor">
+            <a:schemeClr val="lt1"/>
+          </a:fontRef>
+        </p:style>
+        <p:txBody>
+          <a:bodyPr rtlCol="0" anchor="ctr"/>
+          <a:lstStyle/>
+          <a:p>
+            <a:pPr algn="ctr"/>
+            <a:r>
+              <a:rPr lang="en-US" dirty="0"/>
+              <a:t>Model</a:t>
+            </a:r>
+          </a:p>
+        </p:txBody>
+      </p:sp>
+      <p:cxnSp>
+        <p:nvCxnSpPr>
+          <p:cNvPr id="16" name="Straight Arrow Connector 15">
+            <a:extLst>
+              <a:ext uri="{FF2B5EF4-FFF2-40B4-BE49-F238E27FC236}">
+                <a16:creationId xmlns:a16="http://schemas.microsoft.com/office/drawing/2014/main" id="{83322147-18E6-47FF-A565-61C82D440560}"/>
+              </a:ext>
+            </a:extLst>
+          </p:cNvPr>
+          <p:cNvCxnSpPr/>
+          <p:nvPr/>
+        </p:nvCxnSpPr>
+        <p:spPr>
+          <a:xfrm flipV="1">
+            <a:off x="3864077" y="2049310"/>
+            <a:ext cx="1347020" cy="516909"/>
+          </a:xfrm>
+          <a:prstGeom prst="straightConnector1">
+            <a:avLst/>
+          </a:prstGeom>
+          <a:ln>
+            <a:tailEnd type="triangle"/>
+          </a:ln>
+        </p:spPr>
+        <p:style>
+          <a:lnRef idx="1">
+            <a:schemeClr val="accent1"/>
+          </a:lnRef>
+          <a:fillRef idx="0">
+            <a:schemeClr val="accent1"/>
+          </a:fillRef>
+          <a:effectRef idx="0">
+            <a:schemeClr val="accent1"/>
+          </a:effectRef>
+          <a:fontRef idx="minor">
+            <a:schemeClr val="tx1"/>
+          </a:fontRef>
+        </p:style>
+      </p:cxnSp>
+      <p:cxnSp>
+        <p:nvCxnSpPr>
+          <p:cNvPr id="18" name="Straight Arrow Connector 17">
+            <a:extLst>
+              <a:ext uri="{FF2B5EF4-FFF2-40B4-BE49-F238E27FC236}">
+                <a16:creationId xmlns:a16="http://schemas.microsoft.com/office/drawing/2014/main" id="{AB6CADEF-896F-46F4-AA50-D5EF02B4A05E}"/>
+              </a:ext>
+            </a:extLst>
+          </p:cNvPr>
+          <p:cNvCxnSpPr>
+            <a:cxnSpLocks/>
+            <a:endCxn id="20" idx="1"/>
+          </p:cNvCxnSpPr>
+          <p:nvPr/>
+        </p:nvCxnSpPr>
+        <p:spPr>
+          <a:xfrm>
+            <a:off x="3888658" y="2595631"/>
+            <a:ext cx="1052253" cy="1317152"/>
+          </a:xfrm>
+          <a:prstGeom prst="straightConnector1">
+            <a:avLst/>
+          </a:prstGeom>
+          <a:ln>
+            <a:tailEnd type="triangle"/>
+          </a:ln>
+        </p:spPr>
+        <p:style>
+          <a:lnRef idx="1">
+            <a:schemeClr val="accent1"/>
+          </a:lnRef>
+          <a:fillRef idx="0">
+            <a:schemeClr val="accent1"/>
+          </a:fillRef>
+          <a:effectRef idx="0">
+            <a:schemeClr val="accent1"/>
+          </a:effectRef>
+          <a:fontRef idx="minor">
+            <a:schemeClr val="tx1"/>
+          </a:fontRef>
+        </p:style>
+      </p:cxnSp>
+      <p:sp>
+        <p:nvSpPr>
+          <p:cNvPr id="19" name="Rectangle 18">
+            <a:extLst>
+              <a:ext uri="{FF2B5EF4-FFF2-40B4-BE49-F238E27FC236}">
+                <a16:creationId xmlns:a16="http://schemas.microsoft.com/office/drawing/2014/main" id="{D883E966-3ECB-48E2-8C85-6EEFAA30C00E}"/>
+              </a:ext>
+            </a:extLst>
+          </p:cNvPr>
+          <p:cNvSpPr/>
+          <p:nvPr/>
+        </p:nvSpPr>
+        <p:spPr>
+          <a:xfrm>
+            <a:off x="4940911" y="1771192"/>
+            <a:ext cx="1406013" cy="516908"/>
+          </a:xfrm>
+          <a:prstGeom prst="rect">
+            <a:avLst/>
+          </a:prstGeom>
+          <a:noFill/>
+          <a:ln>
+            <a:solidFill>
+              <a:schemeClr val="bg1"/>
+            </a:solidFill>
+          </a:ln>
+        </p:spPr>
+        <p:style>
+          <a:lnRef idx="2">
+            <a:schemeClr val="accent6"/>
+          </a:lnRef>
+          <a:fillRef idx="1">
+            <a:schemeClr val="lt1"/>
+          </a:fillRef>
+          <a:effectRef idx="0">
+            <a:schemeClr val="accent6"/>
+          </a:effectRef>
+          <a:fontRef idx="minor">
+            <a:schemeClr val="dk1"/>
+          </a:fontRef>
+        </p:style>
+        <p:txBody>
+          <a:bodyPr rtlCol="0" anchor="ctr"/>
+          <a:lstStyle/>
+          <a:p>
+            <a:pPr algn="ctr"/>
+            <a:r>
+              <a:rPr lang="en-US" dirty="0" err="1"/>
+              <a:t>Proba</a:t>
+            </a:r>
+            <a:r>
+              <a:rPr lang="en-US" dirty="0"/>
+              <a:t> YA &gt;  0.6</a:t>
+            </a:r>
+          </a:p>
+        </p:txBody>
+      </p:sp>
+      <p:sp>
+        <p:nvSpPr>
+          <p:cNvPr id="20" name="Rectangle 19">
+            <a:extLst>
+              <a:ext uri="{FF2B5EF4-FFF2-40B4-BE49-F238E27FC236}">
+                <a16:creationId xmlns:a16="http://schemas.microsoft.com/office/drawing/2014/main" id="{414D189D-384A-4901-95D0-FA83581327B1}"/>
+              </a:ext>
+            </a:extLst>
+          </p:cNvPr>
+          <p:cNvSpPr/>
+          <p:nvPr/>
+        </p:nvSpPr>
+        <p:spPr>
+          <a:xfrm>
+            <a:off x="4940911" y="3654329"/>
+            <a:ext cx="1406013" cy="516908"/>
+          </a:xfrm>
+          <a:prstGeom prst="rect">
+            <a:avLst/>
+          </a:prstGeom>
+          <a:noFill/>
+          <a:ln>
+            <a:solidFill>
+              <a:schemeClr val="bg1"/>
+            </a:solidFill>
+          </a:ln>
+        </p:spPr>
+        <p:style>
+          <a:lnRef idx="2">
+            <a:schemeClr val="accent6"/>
+          </a:lnRef>
+          <a:fillRef idx="1">
+            <a:schemeClr val="lt1"/>
+          </a:fillRef>
+          <a:effectRef idx="0">
+            <a:schemeClr val="accent6"/>
+          </a:effectRef>
+          <a:fontRef idx="minor">
+            <a:schemeClr val="dk1"/>
+          </a:fontRef>
+        </p:style>
+        <p:txBody>
+          <a:bodyPr rtlCol="0" anchor="ctr"/>
+          <a:lstStyle/>
+          <a:p>
+            <a:pPr algn="ctr"/>
+            <a:r>
+              <a:rPr lang="en-US" dirty="0"/>
+              <a:t>0.6 &gt;=</a:t>
+            </a:r>
+            <a:r>
+              <a:rPr lang="en-US" dirty="0" err="1"/>
+              <a:t>Proba</a:t>
+            </a:r>
+            <a:r>
+              <a:rPr lang="en-US" dirty="0"/>
+              <a:t> </a:t>
+            </a:r>
+            <a:r>
+              <a:rPr lang="en-US" dirty="0" err="1"/>
+              <a:t>Ya</a:t>
+            </a:r>
+            <a:r>
+              <a:rPr lang="en-US" dirty="0"/>
+              <a:t> &gt;= 0.3</a:t>
+            </a:r>
+          </a:p>
+        </p:txBody>
+      </p:sp>
+      <p:sp>
+        <p:nvSpPr>
+          <p:cNvPr id="21" name="Arrow: Right 20">
+            <a:extLst>
+              <a:ext uri="{FF2B5EF4-FFF2-40B4-BE49-F238E27FC236}">
+                <a16:creationId xmlns:a16="http://schemas.microsoft.com/office/drawing/2014/main" id="{B4F29545-C968-4923-AE3D-83B08E50170B}"/>
+              </a:ext>
+            </a:extLst>
+          </p:cNvPr>
+          <p:cNvSpPr/>
+          <p:nvPr/>
+        </p:nvSpPr>
+        <p:spPr>
+          <a:xfrm>
+            <a:off x="1809135" y="2637502"/>
+            <a:ext cx="560439" cy="196285"/>
+          </a:xfrm>
+          <a:prstGeom prst="rightArrow">
+            <a:avLst/>
+          </a:prstGeom>
+        </p:spPr>
+        <p:style>
+          <a:lnRef idx="2">
+            <a:schemeClr val="accent1">
+              <a:shade val="50000"/>
+            </a:schemeClr>
+          </a:lnRef>
+          <a:fillRef idx="1">
+            <a:schemeClr val="accent1"/>
+          </a:fillRef>
+          <a:effectRef idx="0">
+            <a:schemeClr val="accent1"/>
+          </a:effectRef>
+          <a:fontRef idx="minor">
+            <a:schemeClr val="lt1"/>
+          </a:fontRef>
+        </p:style>
+        <p:txBody>
+          <a:bodyPr rtlCol="0" anchor="ctr"/>
+          <a:lstStyle/>
+          <a:p>
+            <a:pPr algn="ctr"/>
+            <a:endParaRPr lang="en-US"/>
+          </a:p>
+        </p:txBody>
+      </p:sp>
+      <p:sp>
+        <p:nvSpPr>
+          <p:cNvPr id="22" name="Rectangle 21">
+            <a:extLst>
+              <a:ext uri="{FF2B5EF4-FFF2-40B4-BE49-F238E27FC236}">
+                <a16:creationId xmlns:a16="http://schemas.microsoft.com/office/drawing/2014/main" id="{5A9157F7-6ABD-4250-9D7C-B0F050202771}"/>
+              </a:ext>
+            </a:extLst>
+          </p:cNvPr>
+          <p:cNvSpPr/>
+          <p:nvPr/>
+        </p:nvSpPr>
+        <p:spPr>
+          <a:xfrm>
+            <a:off x="6980905" y="3530042"/>
+            <a:ext cx="1714850" cy="887002"/>
+          </a:xfrm>
+          <a:prstGeom prst="rect">
+            <a:avLst/>
+          </a:prstGeom>
+          <a:ln>
+            <a:solidFill>
+              <a:srgbClr val="FF0000"/>
+            </a:solidFill>
+          </a:ln>
+        </p:spPr>
+        <p:style>
+          <a:lnRef idx="2">
+            <a:schemeClr val="accent6"/>
+          </a:lnRef>
+          <a:fillRef idx="1">
+            <a:schemeClr val="lt1"/>
+          </a:fillRef>
+          <a:effectRef idx="0">
+            <a:schemeClr val="accent6"/>
+          </a:effectRef>
+          <a:fontRef idx="minor">
+            <a:schemeClr val="dk1"/>
+          </a:fontRef>
+        </p:style>
+        <p:txBody>
+          <a:bodyPr rtlCol="0" anchor="ctr"/>
+          <a:lstStyle/>
+          <a:p>
+            <a:pPr algn="ctr"/>
+            <a:r>
+              <a:rPr lang="en-US" dirty="0" err="1"/>
+              <a:t>Lihat</a:t>
+            </a:r>
+            <a:r>
+              <a:rPr lang="en-US" dirty="0"/>
+              <a:t> </a:t>
+            </a:r>
+            <a:r>
+              <a:rPr lang="en-US" dirty="0" err="1"/>
+              <a:t>isi</a:t>
+            </a:r>
+            <a:r>
+              <a:rPr lang="en-US" dirty="0"/>
+              <a:t> </a:t>
+            </a:r>
+            <a:r>
+              <a:rPr lang="en-US" dirty="0" err="1"/>
+              <a:t>rekeningnya</a:t>
+            </a:r>
+            <a:r>
+              <a:rPr lang="en-US" dirty="0"/>
+              <a:t> </a:t>
+            </a:r>
+            <a:r>
+              <a:rPr lang="en-US" dirty="0" err="1"/>
+              <a:t>sabi</a:t>
+            </a:r>
+            <a:r>
+              <a:rPr lang="en-US" dirty="0"/>
+              <a:t> ga</a:t>
+            </a:r>
+          </a:p>
+        </p:txBody>
+      </p:sp>
+      <p:sp>
+        <p:nvSpPr>
+          <p:cNvPr id="28" name="Rectangle 27">
+            <a:extLst>
+              <a:ext uri="{FF2B5EF4-FFF2-40B4-BE49-F238E27FC236}">
+                <a16:creationId xmlns:a16="http://schemas.microsoft.com/office/drawing/2014/main" id="{B1EB15D2-21A6-4048-9DD4-44D3AB2D1174}"/>
+              </a:ext>
+            </a:extLst>
+          </p:cNvPr>
+          <p:cNvSpPr/>
+          <p:nvPr/>
+        </p:nvSpPr>
+        <p:spPr>
+          <a:xfrm>
+            <a:off x="7008988" y="1590370"/>
+            <a:ext cx="2241756" cy="592391"/>
+          </a:xfrm>
+          <a:prstGeom prst="rect">
+            <a:avLst/>
+          </a:prstGeom>
+          <a:ln>
+            <a:solidFill>
+              <a:schemeClr val="accent6"/>
+            </a:solidFill>
+          </a:ln>
+        </p:spPr>
+        <p:style>
+          <a:lnRef idx="2">
+            <a:schemeClr val="accent6"/>
+          </a:lnRef>
+          <a:fillRef idx="1">
+            <a:schemeClr val="lt1"/>
+          </a:fillRef>
+          <a:effectRef idx="0">
+            <a:schemeClr val="accent6"/>
+          </a:effectRef>
+          <a:fontRef idx="minor">
+            <a:schemeClr val="dk1"/>
+          </a:fontRef>
+        </p:style>
+        <p:txBody>
+          <a:bodyPr rtlCol="0" anchor="ctr"/>
+          <a:lstStyle/>
+          <a:p>
+            <a:pPr algn="ctr"/>
+            <a:r>
+              <a:rPr lang="en-US" dirty="0"/>
+              <a:t>Gas </a:t>
+            </a:r>
+            <a:r>
+              <a:rPr lang="en-US" dirty="0" err="1"/>
+              <a:t>masukin</a:t>
+            </a:r>
+            <a:r>
+              <a:rPr lang="en-US" dirty="0"/>
+              <a:t> </a:t>
+            </a:r>
+            <a:r>
+              <a:rPr lang="en-US" dirty="0" err="1"/>
+              <a:t>ke</a:t>
+            </a:r>
+            <a:r>
+              <a:rPr lang="en-US" dirty="0"/>
+              <a:t> list </a:t>
+            </a:r>
+            <a:r>
+              <a:rPr lang="en-US" dirty="0" err="1"/>
+              <a:t>calon</a:t>
+            </a:r>
+            <a:r>
+              <a:rPr lang="en-US" dirty="0"/>
+              <a:t> customer</a:t>
+            </a:r>
+          </a:p>
+        </p:txBody>
+      </p:sp>
+      <p:sp>
+        <p:nvSpPr>
+          <p:cNvPr id="47" name="Rectangle 46">
+            <a:extLst>
+              <a:ext uri="{FF2B5EF4-FFF2-40B4-BE49-F238E27FC236}">
+                <a16:creationId xmlns:a16="http://schemas.microsoft.com/office/drawing/2014/main" id="{57E843B5-FA73-4782-99AA-E6CF76BCE3F4}"/>
+              </a:ext>
+            </a:extLst>
+          </p:cNvPr>
+          <p:cNvSpPr/>
+          <p:nvPr/>
+        </p:nvSpPr>
+        <p:spPr>
+          <a:xfrm>
+            <a:off x="353961" y="352649"/>
+            <a:ext cx="4680155" cy="712838"/>
+          </a:xfrm>
+          <a:prstGeom prst="rect">
+            <a:avLst/>
+          </a:prstGeom>
+          <a:ln w="57150">
+            <a:solidFill>
+              <a:schemeClr val="tx1"/>
+            </a:solidFill>
+            <a:prstDash val="dashDot"/>
+          </a:ln>
+        </p:spPr>
+        <p:style>
+          <a:lnRef idx="2">
+            <a:schemeClr val="accent6"/>
+          </a:lnRef>
+          <a:fillRef idx="1">
+            <a:schemeClr val="lt1"/>
+          </a:fillRef>
+          <a:effectRef idx="0">
+            <a:schemeClr val="accent6"/>
+          </a:effectRef>
+          <a:fontRef idx="minor">
+            <a:schemeClr val="dk1"/>
+          </a:fontRef>
+        </p:style>
+        <p:txBody>
+          <a:bodyPr rtlCol="0" anchor="ctr"/>
+          <a:lstStyle/>
+          <a:p>
+            <a:pPr algn="ctr"/>
+            <a:r>
+              <a:rPr lang="en-US" dirty="0" err="1"/>
+              <a:t>Analisis</a:t>
+            </a:r>
+            <a:r>
+              <a:rPr lang="en-US" dirty="0"/>
+              <a:t> </a:t>
+            </a:r>
+            <a:r>
+              <a:rPr lang="en-US" dirty="0" err="1"/>
+              <a:t>dilakukan</a:t>
+            </a:r>
+            <a:r>
+              <a:rPr lang="en-US" dirty="0"/>
+              <a:t> di </a:t>
+            </a:r>
+            <a:r>
+              <a:rPr lang="en-US" dirty="0" err="1"/>
+              <a:t>waktu</a:t>
+            </a:r>
+            <a:r>
+              <a:rPr lang="en-US" dirty="0"/>
+              <a:t> </a:t>
+            </a:r>
+            <a:r>
+              <a:rPr lang="en-US" dirty="0" err="1"/>
+              <a:t>jeda</a:t>
+            </a:r>
+            <a:r>
+              <a:rPr lang="en-US" dirty="0"/>
+              <a:t> </a:t>
+            </a:r>
+            <a:r>
+              <a:rPr lang="en-US" dirty="0" err="1"/>
+              <a:t>antar</a:t>
+            </a:r>
+            <a:r>
+              <a:rPr lang="en-US" dirty="0"/>
+              <a:t> program </a:t>
+            </a:r>
+          </a:p>
+        </p:txBody>
+      </p:sp>
+      <p:sp>
+        <p:nvSpPr>
+          <p:cNvPr id="49" name="Rectangle 48">
+            <a:extLst>
+              <a:ext uri="{FF2B5EF4-FFF2-40B4-BE49-F238E27FC236}">
+                <a16:creationId xmlns:a16="http://schemas.microsoft.com/office/drawing/2014/main" id="{31811511-F160-4C5D-A4DC-2DF5D526DBCD}"/>
+              </a:ext>
+            </a:extLst>
+          </p:cNvPr>
+          <p:cNvSpPr/>
+          <p:nvPr/>
+        </p:nvSpPr>
+        <p:spPr>
+          <a:xfrm>
+            <a:off x="7360392" y="2827728"/>
+            <a:ext cx="791697" cy="311017"/>
+          </a:xfrm>
+          <a:prstGeom prst="rect">
+            <a:avLst/>
+          </a:prstGeom>
+          <a:ln>
+            <a:solidFill>
+              <a:schemeClr val="accent6"/>
+            </a:solidFill>
+          </a:ln>
+        </p:spPr>
+        <p:style>
+          <a:lnRef idx="2">
+            <a:schemeClr val="accent6"/>
+          </a:lnRef>
+          <a:fillRef idx="1">
+            <a:schemeClr val="lt1"/>
+          </a:fillRef>
+          <a:effectRef idx="0">
+            <a:schemeClr val="accent6"/>
+          </a:effectRef>
+          <a:fontRef idx="minor">
+            <a:schemeClr val="dk1"/>
+          </a:fontRef>
+        </p:style>
+        <p:txBody>
+          <a:bodyPr rtlCol="0" anchor="ctr"/>
+          <a:lstStyle/>
+          <a:p>
+            <a:pPr algn="ctr"/>
+            <a:r>
+              <a:rPr lang="en-US" dirty="0" err="1"/>
+              <a:t>Sabi</a:t>
+            </a:r>
+            <a:endParaRPr lang="en-US" dirty="0"/>
+          </a:p>
+        </p:txBody>
+      </p:sp>
+      <p:cxnSp>
+        <p:nvCxnSpPr>
+          <p:cNvPr id="11" name="Straight Arrow Connector 10">
+            <a:extLst>
+              <a:ext uri="{FF2B5EF4-FFF2-40B4-BE49-F238E27FC236}">
+                <a16:creationId xmlns:a16="http://schemas.microsoft.com/office/drawing/2014/main" id="{E66695E6-236C-4B52-93C5-AC271882D16A}"/>
+              </a:ext>
+            </a:extLst>
+          </p:cNvPr>
+          <p:cNvCxnSpPr>
+            <a:stCxn id="22" idx="0"/>
+            <a:endCxn id="49" idx="2"/>
+          </p:cNvCxnSpPr>
+          <p:nvPr/>
+        </p:nvCxnSpPr>
+        <p:spPr>
+          <a:xfrm flipH="1" flipV="1">
+            <a:off x="7756241" y="3138745"/>
+            <a:ext cx="82089" cy="391297"/>
+          </a:xfrm>
+          <a:prstGeom prst="straightConnector1">
+            <a:avLst/>
+          </a:prstGeom>
+          <a:ln>
+            <a:tailEnd type="triangle"/>
+          </a:ln>
+        </p:spPr>
+        <p:style>
+          <a:lnRef idx="1">
+            <a:schemeClr val="accent1"/>
+          </a:lnRef>
+          <a:fillRef idx="0">
+            <a:schemeClr val="accent1"/>
+          </a:fillRef>
+          <a:effectRef idx="0">
+            <a:schemeClr val="accent1"/>
+          </a:effectRef>
+          <a:fontRef idx="minor">
+            <a:schemeClr val="tx1"/>
+          </a:fontRef>
+        </p:style>
+      </p:cxnSp>
+      <p:cxnSp>
+        <p:nvCxnSpPr>
+          <p:cNvPr id="15" name="Straight Arrow Connector 14">
+            <a:extLst>
+              <a:ext uri="{FF2B5EF4-FFF2-40B4-BE49-F238E27FC236}">
+                <a16:creationId xmlns:a16="http://schemas.microsoft.com/office/drawing/2014/main" id="{39F2A515-125A-4AA3-B7EB-CF4D191D796B}"/>
+              </a:ext>
+            </a:extLst>
+          </p:cNvPr>
+          <p:cNvCxnSpPr>
+            <a:stCxn id="49" idx="0"/>
+            <a:endCxn id="28" idx="2"/>
+          </p:cNvCxnSpPr>
+          <p:nvPr/>
+        </p:nvCxnSpPr>
+        <p:spPr>
+          <a:xfrm flipV="1">
+            <a:off x="7756241" y="2182761"/>
+            <a:ext cx="373625" cy="644967"/>
+          </a:xfrm>
+          <a:prstGeom prst="straightConnector1">
+            <a:avLst/>
+          </a:prstGeom>
+          <a:ln>
+            <a:tailEnd type="triangle"/>
+          </a:ln>
+        </p:spPr>
+        <p:style>
+          <a:lnRef idx="1">
+            <a:schemeClr val="accent1"/>
+          </a:lnRef>
+          <a:fillRef idx="0">
+            <a:schemeClr val="accent1"/>
+          </a:fillRef>
+          <a:effectRef idx="0">
+            <a:schemeClr val="accent1"/>
+          </a:effectRef>
+          <a:fontRef idx="minor">
+            <a:schemeClr val="tx1"/>
+          </a:fontRef>
+        </p:style>
+      </p:cxnSp>
+      <p:cxnSp>
+        <p:nvCxnSpPr>
+          <p:cNvPr id="27" name="Straight Arrow Connector 26">
+            <a:extLst>
+              <a:ext uri="{FF2B5EF4-FFF2-40B4-BE49-F238E27FC236}">
+                <a16:creationId xmlns:a16="http://schemas.microsoft.com/office/drawing/2014/main" id="{A24912AB-02C2-48EB-A066-84282A8C22E4}"/>
+              </a:ext>
+            </a:extLst>
+          </p:cNvPr>
+          <p:cNvCxnSpPr>
+            <a:cxnSpLocks/>
+            <a:stCxn id="19" idx="3"/>
+            <a:endCxn id="28" idx="1"/>
+          </p:cNvCxnSpPr>
+          <p:nvPr/>
+        </p:nvCxnSpPr>
+        <p:spPr>
+          <a:xfrm flipV="1">
+            <a:off x="6346924" y="1886566"/>
+            <a:ext cx="662064" cy="143080"/>
+          </a:xfrm>
+          <a:prstGeom prst="straightConnector1">
+            <a:avLst/>
+          </a:prstGeom>
+          <a:ln>
+            <a:tailEnd type="triangle"/>
+          </a:ln>
+        </p:spPr>
+        <p:style>
+          <a:lnRef idx="1">
+            <a:schemeClr val="accent1"/>
+          </a:lnRef>
+          <a:fillRef idx="0">
+            <a:schemeClr val="accent1"/>
+          </a:fillRef>
+          <a:effectRef idx="0">
+            <a:schemeClr val="accent1"/>
+          </a:effectRef>
+          <a:fontRef idx="minor">
+            <a:schemeClr val="tx1"/>
+          </a:fontRef>
+        </p:style>
+      </p:cxnSp>
+      <p:sp>
+        <p:nvSpPr>
+          <p:cNvPr id="59" name="Rectangle 58">
+            <a:extLst>
+              <a:ext uri="{FF2B5EF4-FFF2-40B4-BE49-F238E27FC236}">
+                <a16:creationId xmlns:a16="http://schemas.microsoft.com/office/drawing/2014/main" id="{94EBAC42-4394-47E0-AA46-4BB7C3A29DBB}"/>
+              </a:ext>
+            </a:extLst>
+          </p:cNvPr>
+          <p:cNvSpPr/>
+          <p:nvPr/>
+        </p:nvSpPr>
+        <p:spPr>
+          <a:xfrm>
+            <a:off x="7106303" y="4813034"/>
+            <a:ext cx="1122897" cy="378039"/>
+          </a:xfrm>
+          <a:prstGeom prst="rect">
+            <a:avLst/>
+          </a:prstGeom>
+          <a:ln>
+            <a:solidFill>
+              <a:srgbClr val="FF0000"/>
+            </a:solidFill>
+          </a:ln>
+        </p:spPr>
+        <p:style>
+          <a:lnRef idx="2">
+            <a:schemeClr val="accent6"/>
+          </a:lnRef>
+          <a:fillRef idx="1">
+            <a:schemeClr val="lt1"/>
+          </a:fillRef>
+          <a:effectRef idx="0">
+            <a:schemeClr val="accent6"/>
+          </a:effectRef>
+          <a:fontRef idx="minor">
+            <a:schemeClr val="dk1"/>
+          </a:fontRef>
+        </p:style>
+        <p:txBody>
+          <a:bodyPr rtlCol="0" anchor="ctr"/>
+          <a:lstStyle/>
+          <a:p>
+            <a:pPr algn="ctr"/>
+            <a:r>
+              <a:rPr lang="en-US" dirty="0" err="1"/>
+              <a:t>Tidak</a:t>
+            </a:r>
+            <a:r>
+              <a:rPr lang="en-US" dirty="0"/>
+              <a:t> </a:t>
+            </a:r>
+            <a:r>
+              <a:rPr lang="en-US" dirty="0" err="1"/>
+              <a:t>Sabi</a:t>
+            </a:r>
+            <a:endParaRPr lang="en-US" dirty="0"/>
+          </a:p>
+        </p:txBody>
+      </p:sp>
+      <p:cxnSp>
+        <p:nvCxnSpPr>
+          <p:cNvPr id="39" name="Straight Arrow Connector 38">
+            <a:extLst>
+              <a:ext uri="{FF2B5EF4-FFF2-40B4-BE49-F238E27FC236}">
+                <a16:creationId xmlns:a16="http://schemas.microsoft.com/office/drawing/2014/main" id="{56F1E56F-6D08-43C3-9CD0-F9856AB2BFCB}"/>
+              </a:ext>
+            </a:extLst>
+          </p:cNvPr>
+          <p:cNvCxnSpPr>
+            <a:stCxn id="22" idx="2"/>
+            <a:endCxn id="59" idx="0"/>
+          </p:cNvCxnSpPr>
+          <p:nvPr/>
+        </p:nvCxnSpPr>
+        <p:spPr>
+          <a:xfrm flipH="1">
+            <a:off x="7667752" y="4417044"/>
+            <a:ext cx="170578" cy="395990"/>
+          </a:xfrm>
+          <a:prstGeom prst="straightConnector1">
+            <a:avLst/>
+          </a:prstGeom>
+          <a:ln>
+            <a:tailEnd type="triangle"/>
+          </a:ln>
+        </p:spPr>
+        <p:style>
+          <a:lnRef idx="1">
+            <a:schemeClr val="accent1"/>
+          </a:lnRef>
+          <a:fillRef idx="0">
+            <a:schemeClr val="accent1"/>
+          </a:fillRef>
+          <a:effectRef idx="0">
+            <a:schemeClr val="accent1"/>
+          </a:effectRef>
+          <a:fontRef idx="minor">
+            <a:schemeClr val="tx1"/>
+          </a:fontRef>
+        </p:style>
+      </p:cxnSp>
+      <p:sp>
+        <p:nvSpPr>
+          <p:cNvPr id="64" name="Rectangle 63">
+            <a:extLst>
+              <a:ext uri="{FF2B5EF4-FFF2-40B4-BE49-F238E27FC236}">
+                <a16:creationId xmlns:a16="http://schemas.microsoft.com/office/drawing/2014/main" id="{873AB6BD-1DA9-412E-92D4-8E3706AB1162}"/>
+              </a:ext>
+            </a:extLst>
+          </p:cNvPr>
+          <p:cNvSpPr/>
+          <p:nvPr/>
+        </p:nvSpPr>
+        <p:spPr>
+          <a:xfrm>
+            <a:off x="6499603" y="5593122"/>
+            <a:ext cx="2237846" cy="737932"/>
+          </a:xfrm>
+          <a:prstGeom prst="rect">
+            <a:avLst/>
+          </a:prstGeom>
+          <a:ln>
+            <a:solidFill>
+              <a:srgbClr val="FF0000"/>
+            </a:solidFill>
+          </a:ln>
+        </p:spPr>
+        <p:style>
+          <a:lnRef idx="2">
+            <a:schemeClr val="accent6"/>
+          </a:lnRef>
+          <a:fillRef idx="1">
+            <a:schemeClr val="lt1"/>
+          </a:fillRef>
+          <a:effectRef idx="0">
+            <a:schemeClr val="accent6"/>
+          </a:effectRef>
+          <a:fontRef idx="minor">
+            <a:schemeClr val="dk1"/>
+          </a:fontRef>
+        </p:style>
+        <p:txBody>
+          <a:bodyPr rtlCol="0" anchor="ctr"/>
+          <a:lstStyle/>
+          <a:p>
+            <a:pPr algn="ctr"/>
+            <a:r>
+              <a:rPr lang="en-US" dirty="0"/>
+              <a:t>JANGAN </a:t>
+            </a:r>
+            <a:r>
+              <a:rPr lang="en-US" dirty="0" err="1"/>
+              <a:t>masukin</a:t>
+            </a:r>
+            <a:r>
+              <a:rPr lang="en-US" dirty="0"/>
+              <a:t> </a:t>
+            </a:r>
+            <a:r>
+              <a:rPr lang="en-US" dirty="0" err="1"/>
+              <a:t>ke</a:t>
+            </a:r>
+            <a:r>
+              <a:rPr lang="en-US" dirty="0"/>
+              <a:t> list </a:t>
+            </a:r>
+            <a:r>
+              <a:rPr lang="en-US" dirty="0" err="1"/>
+              <a:t>calon</a:t>
+            </a:r>
+            <a:r>
+              <a:rPr lang="en-US" dirty="0"/>
+              <a:t> customer</a:t>
+            </a:r>
+          </a:p>
+        </p:txBody>
+      </p:sp>
+      <p:cxnSp>
+        <p:nvCxnSpPr>
+          <p:cNvPr id="66" name="Straight Arrow Connector 65">
+            <a:extLst>
+              <a:ext uri="{FF2B5EF4-FFF2-40B4-BE49-F238E27FC236}">
+                <a16:creationId xmlns:a16="http://schemas.microsoft.com/office/drawing/2014/main" id="{34FCC3EF-D503-44C7-8236-B4369AC6C71B}"/>
+              </a:ext>
+            </a:extLst>
+          </p:cNvPr>
+          <p:cNvCxnSpPr>
+            <a:cxnSpLocks/>
+            <a:endCxn id="22" idx="1"/>
+          </p:cNvCxnSpPr>
+          <p:nvPr/>
+        </p:nvCxnSpPr>
+        <p:spPr>
+          <a:xfrm>
+            <a:off x="6198233" y="3973458"/>
+            <a:ext cx="782672" cy="85"/>
+          </a:xfrm>
+          <a:prstGeom prst="straightConnector1">
+            <a:avLst/>
+          </a:prstGeom>
+          <a:ln>
+            <a:tailEnd type="triangle"/>
+          </a:ln>
+        </p:spPr>
+        <p:style>
+          <a:lnRef idx="1">
+            <a:schemeClr val="accent1"/>
+          </a:lnRef>
+          <a:fillRef idx="0">
+            <a:schemeClr val="accent1"/>
+          </a:fillRef>
+          <a:effectRef idx="0">
+            <a:schemeClr val="accent1"/>
+          </a:effectRef>
+          <a:fontRef idx="minor">
+            <a:schemeClr val="tx1"/>
+          </a:fontRef>
+        </p:style>
+      </p:cxnSp>
+      <p:cxnSp>
+        <p:nvCxnSpPr>
+          <p:cNvPr id="45" name="Straight Arrow Connector 44">
+            <a:extLst>
+              <a:ext uri="{FF2B5EF4-FFF2-40B4-BE49-F238E27FC236}">
+                <a16:creationId xmlns:a16="http://schemas.microsoft.com/office/drawing/2014/main" id="{948B062E-F9A3-4E06-9C1D-5FE812A34AF1}"/>
+              </a:ext>
+            </a:extLst>
+          </p:cNvPr>
+          <p:cNvCxnSpPr>
+            <a:stCxn id="59" idx="2"/>
+            <a:endCxn id="64" idx="0"/>
+          </p:cNvCxnSpPr>
+          <p:nvPr/>
+        </p:nvCxnSpPr>
+        <p:spPr>
+          <a:xfrm flipH="1">
+            <a:off x="7618526" y="5191073"/>
+            <a:ext cx="49226" cy="402049"/>
+          </a:xfrm>
+          <a:prstGeom prst="straightConnector1">
+            <a:avLst/>
+          </a:prstGeom>
+          <a:ln>
+            <a:tailEnd type="triangle"/>
+          </a:ln>
+        </p:spPr>
+        <p:style>
+          <a:lnRef idx="1">
+            <a:schemeClr val="accent1"/>
+          </a:lnRef>
+          <a:fillRef idx="0">
+            <a:schemeClr val="accent1"/>
+          </a:fillRef>
+          <a:effectRef idx="0">
+            <a:schemeClr val="accent1"/>
+          </a:effectRef>
+          <a:fontRef idx="minor">
+            <a:schemeClr val="tx1"/>
+          </a:fontRef>
+        </p:style>
+      </p:cxnSp>
+      <p:sp>
+        <p:nvSpPr>
+          <p:cNvPr id="29" name="Rectangle 28">
+            <a:extLst>
+              <a:ext uri="{FF2B5EF4-FFF2-40B4-BE49-F238E27FC236}">
+                <a16:creationId xmlns:a16="http://schemas.microsoft.com/office/drawing/2014/main" id="{11F48799-AD9E-4E8A-BD80-7449EDA8548E}"/>
+              </a:ext>
+            </a:extLst>
+          </p:cNvPr>
+          <p:cNvSpPr/>
+          <p:nvPr/>
+        </p:nvSpPr>
+        <p:spPr>
+          <a:xfrm>
+            <a:off x="4933406" y="5002053"/>
+            <a:ext cx="1406013" cy="516908"/>
+          </a:xfrm>
+          <a:prstGeom prst="rect">
+            <a:avLst/>
+          </a:prstGeom>
+          <a:noFill/>
+          <a:ln>
+            <a:solidFill>
+              <a:schemeClr val="bg1"/>
+            </a:solidFill>
+          </a:ln>
+        </p:spPr>
+        <p:style>
+          <a:lnRef idx="2">
+            <a:schemeClr val="accent6"/>
+          </a:lnRef>
+          <a:fillRef idx="1">
+            <a:schemeClr val="lt1"/>
+          </a:fillRef>
+          <a:effectRef idx="0">
+            <a:schemeClr val="accent6"/>
+          </a:effectRef>
+          <a:fontRef idx="minor">
+            <a:schemeClr val="dk1"/>
+          </a:fontRef>
+        </p:style>
+        <p:txBody>
+          <a:bodyPr rtlCol="0" anchor="ctr"/>
+          <a:lstStyle/>
+          <a:p>
+            <a:pPr algn="ctr"/>
+            <a:r>
+              <a:rPr lang="en-US" dirty="0" err="1"/>
+              <a:t>Proba</a:t>
+            </a:r>
+            <a:r>
+              <a:rPr lang="en-US" dirty="0"/>
+              <a:t> </a:t>
+            </a:r>
+            <a:r>
+              <a:rPr lang="en-US" dirty="0" err="1"/>
+              <a:t>Ya</a:t>
+            </a:r>
+            <a:r>
+              <a:rPr lang="en-US" dirty="0"/>
+              <a:t> &lt; 0.3</a:t>
+            </a:r>
+          </a:p>
+        </p:txBody>
+      </p:sp>
+      <p:cxnSp>
+        <p:nvCxnSpPr>
+          <p:cNvPr id="9" name="Straight Arrow Connector 8">
+            <a:extLst>
+              <a:ext uri="{FF2B5EF4-FFF2-40B4-BE49-F238E27FC236}">
+                <a16:creationId xmlns:a16="http://schemas.microsoft.com/office/drawing/2014/main" id="{DC2EF522-2915-437A-9A4B-D966AE1BD8C3}"/>
+              </a:ext>
+            </a:extLst>
+          </p:cNvPr>
+          <p:cNvCxnSpPr>
+            <a:endCxn id="29" idx="1"/>
+          </p:cNvCxnSpPr>
+          <p:nvPr/>
+        </p:nvCxnSpPr>
+        <p:spPr>
+          <a:xfrm>
+            <a:off x="3864077" y="2637502"/>
+            <a:ext cx="1069329" cy="2623005"/>
+          </a:xfrm>
+          <a:prstGeom prst="straightConnector1">
+            <a:avLst/>
+          </a:prstGeom>
+          <a:ln>
+            <a:tailEnd type="triangle"/>
+          </a:ln>
+        </p:spPr>
+        <p:style>
+          <a:lnRef idx="1">
+            <a:schemeClr val="accent1"/>
+          </a:lnRef>
+          <a:fillRef idx="0">
+            <a:schemeClr val="accent1"/>
+          </a:fillRef>
+          <a:effectRef idx="0">
+            <a:schemeClr val="accent1"/>
+          </a:effectRef>
+          <a:fontRef idx="minor">
+            <a:schemeClr val="tx1"/>
+          </a:fontRef>
+        </p:style>
+      </p:cxnSp>
+      <p:cxnSp>
+        <p:nvCxnSpPr>
+          <p:cNvPr id="12" name="Straight Arrow Connector 11">
+            <a:extLst>
+              <a:ext uri="{FF2B5EF4-FFF2-40B4-BE49-F238E27FC236}">
+                <a16:creationId xmlns:a16="http://schemas.microsoft.com/office/drawing/2014/main" id="{C806C0F4-B8A8-4BB9-A419-4F30F0B89D19}"/>
+              </a:ext>
+            </a:extLst>
+          </p:cNvPr>
+          <p:cNvCxnSpPr>
+            <a:stCxn id="29" idx="2"/>
+            <a:endCxn id="64" idx="1"/>
+          </p:cNvCxnSpPr>
+          <p:nvPr/>
+        </p:nvCxnSpPr>
+        <p:spPr>
+          <a:xfrm>
+            <a:off x="5636413" y="5518961"/>
+            <a:ext cx="863190" cy="443127"/>
+          </a:xfrm>
+          <a:prstGeom prst="straightConnector1">
+            <a:avLst/>
+          </a:prstGeom>
+          <a:ln>
+            <a:tailEnd type="triangle"/>
+          </a:ln>
+        </p:spPr>
+        <p:style>
+          <a:lnRef idx="1">
+            <a:schemeClr val="accent1"/>
+          </a:lnRef>
+          <a:fillRef idx="0">
+            <a:schemeClr val="accent1"/>
+          </a:fillRef>
+          <a:effectRef idx="0">
+            <a:schemeClr val="accent1"/>
+          </a:effectRef>
+          <a:fontRef idx="minor">
+            <a:schemeClr val="tx1"/>
+          </a:fontRef>
+        </p:style>
+      </p:cxnSp>
+      <p:cxnSp>
+        <p:nvCxnSpPr>
+          <p:cNvPr id="23" name="Straight Connector 22">
+            <a:extLst>
+              <a:ext uri="{FF2B5EF4-FFF2-40B4-BE49-F238E27FC236}">
+                <a16:creationId xmlns:a16="http://schemas.microsoft.com/office/drawing/2014/main" id="{689CBEFC-E1E8-4392-B5FA-82BD665BABA2}"/>
+              </a:ext>
+            </a:extLst>
+          </p:cNvPr>
+          <p:cNvCxnSpPr/>
+          <p:nvPr/>
+        </p:nvCxnSpPr>
+        <p:spPr>
+          <a:xfrm flipV="1">
+            <a:off x="8664312" y="2288100"/>
+            <a:ext cx="897094" cy="1241942"/>
+          </a:xfrm>
+          <a:prstGeom prst="line">
+            <a:avLst/>
+          </a:prstGeom>
+        </p:spPr>
+        <p:style>
+          <a:lnRef idx="1">
+            <a:schemeClr val="accent1"/>
+          </a:lnRef>
+          <a:fillRef idx="0">
+            <a:schemeClr val="accent1"/>
+          </a:fillRef>
+          <a:effectRef idx="0">
+            <a:schemeClr val="accent1"/>
+          </a:effectRef>
+          <a:fontRef idx="minor">
+            <a:schemeClr val="tx1"/>
+          </a:fontRef>
+        </p:style>
+      </p:cxnSp>
+      <p:cxnSp>
+        <p:nvCxnSpPr>
+          <p:cNvPr id="25" name="Straight Connector 24">
+            <a:extLst>
+              <a:ext uri="{FF2B5EF4-FFF2-40B4-BE49-F238E27FC236}">
+                <a16:creationId xmlns:a16="http://schemas.microsoft.com/office/drawing/2014/main" id="{2170B41E-8F17-4A71-8A40-AC53F84BBE26}"/>
+              </a:ext>
+            </a:extLst>
+          </p:cNvPr>
+          <p:cNvCxnSpPr/>
+          <p:nvPr/>
+        </p:nvCxnSpPr>
+        <p:spPr>
+          <a:xfrm>
+            <a:off x="8695755" y="4417044"/>
+            <a:ext cx="821205" cy="1066062"/>
+          </a:xfrm>
+          <a:prstGeom prst="line">
+            <a:avLst/>
+          </a:prstGeom>
+        </p:spPr>
+        <p:style>
+          <a:lnRef idx="1">
+            <a:schemeClr val="accent1"/>
+          </a:lnRef>
+          <a:fillRef idx="0">
+            <a:schemeClr val="accent1"/>
+          </a:fillRef>
+          <a:effectRef idx="0">
+            <a:schemeClr val="accent1"/>
+          </a:effectRef>
+          <a:fontRef idx="minor">
+            <a:schemeClr val="tx1"/>
+          </a:fontRef>
+        </p:style>
+      </p:cxnSp>
+      <p:sp>
+        <p:nvSpPr>
+          <p:cNvPr id="26" name="Rectangle 25">
+            <a:extLst>
+              <a:ext uri="{FF2B5EF4-FFF2-40B4-BE49-F238E27FC236}">
+                <a16:creationId xmlns:a16="http://schemas.microsoft.com/office/drawing/2014/main" id="{661AE275-EA5D-4A5E-8498-2CBF6FE01557}"/>
+              </a:ext>
+            </a:extLst>
+          </p:cNvPr>
+          <p:cNvSpPr/>
+          <p:nvPr/>
+        </p:nvSpPr>
+        <p:spPr>
+          <a:xfrm>
+            <a:off x="9709355" y="1145253"/>
+            <a:ext cx="2241756" cy="1037508"/>
+          </a:xfrm>
+          <a:prstGeom prst="rect">
+            <a:avLst/>
+          </a:prstGeom>
+        </p:spPr>
+        <p:style>
+          <a:lnRef idx="2">
+            <a:schemeClr val="accent1">
+              <a:shade val="50000"/>
+            </a:schemeClr>
+          </a:lnRef>
+          <a:fillRef idx="1">
+            <a:schemeClr val="accent1"/>
+          </a:fillRef>
+          <a:effectRef idx="0">
+            <a:schemeClr val="accent1"/>
+          </a:effectRef>
+          <a:fontRef idx="minor">
+            <a:schemeClr val="lt1"/>
+          </a:fontRef>
+        </p:style>
+        <p:txBody>
+          <a:bodyPr rtlCol="0" anchor="ctr"/>
+          <a:lstStyle/>
+          <a:p>
+            <a:pPr algn="ctr"/>
+            <a:r>
+              <a:rPr lang="en-US" dirty="0" err="1"/>
+              <a:t>Mengacu</a:t>
+            </a:r>
+            <a:r>
+              <a:rPr lang="en-US" dirty="0"/>
+              <a:t> pada </a:t>
+            </a:r>
+            <a:r>
+              <a:rPr lang="en-US" dirty="0" err="1"/>
+              <a:t>jumlah</a:t>
+            </a:r>
+            <a:r>
+              <a:rPr lang="en-US" dirty="0"/>
+              <a:t> minimal </a:t>
+            </a:r>
+            <a:r>
+              <a:rPr lang="en-US" dirty="0" err="1"/>
+              <a:t>rekening</a:t>
+            </a:r>
+            <a:r>
+              <a:rPr lang="en-US" dirty="0"/>
+              <a:t> </a:t>
+            </a:r>
+            <a:r>
+              <a:rPr lang="en-US" dirty="0" err="1"/>
+              <a:t>nasabah</a:t>
+            </a:r>
+            <a:r>
+              <a:rPr lang="en-US" dirty="0"/>
+              <a:t> premium </a:t>
+            </a:r>
+          </a:p>
+        </p:txBody>
+      </p:sp>
+      <p:sp>
+        <p:nvSpPr>
+          <p:cNvPr id="2" name="Parallelogram 1">
+            <a:extLst>
+              <a:ext uri="{FF2B5EF4-FFF2-40B4-BE49-F238E27FC236}">
+                <a16:creationId xmlns:a16="http://schemas.microsoft.com/office/drawing/2014/main" id="{E10213B5-92D1-4BB5-9993-044E94AD57F1}"/>
+              </a:ext>
+            </a:extLst>
+          </p:cNvPr>
+          <p:cNvSpPr/>
+          <p:nvPr/>
+        </p:nvSpPr>
+        <p:spPr>
+          <a:xfrm>
+            <a:off x="2393566" y="3415734"/>
+            <a:ext cx="1535009" cy="577349"/>
+          </a:xfrm>
+          <a:prstGeom prst="parallelogram">
+            <a:avLst/>
+          </a:prstGeom>
+        </p:spPr>
+        <p:style>
+          <a:lnRef idx="2">
+            <a:schemeClr val="accent1">
+              <a:shade val="50000"/>
+            </a:schemeClr>
+          </a:lnRef>
+          <a:fillRef idx="1">
+            <a:schemeClr val="accent1"/>
+          </a:fillRef>
+          <a:effectRef idx="0">
+            <a:schemeClr val="accent1"/>
+          </a:effectRef>
+          <a:fontRef idx="minor">
+            <a:schemeClr val="lt1"/>
+          </a:fontRef>
+        </p:style>
+        <p:txBody>
+          <a:bodyPr rtlCol="0" anchor="ctr"/>
+          <a:lstStyle/>
+          <a:p>
+            <a:pPr algn="ctr"/>
+            <a:endParaRPr lang="en-US"/>
+          </a:p>
+        </p:txBody>
+      </p:sp>
+      <p:sp>
+        <p:nvSpPr>
+          <p:cNvPr id="3" name="Diamond 2">
+            <a:extLst>
+              <a:ext uri="{FF2B5EF4-FFF2-40B4-BE49-F238E27FC236}">
+                <a16:creationId xmlns:a16="http://schemas.microsoft.com/office/drawing/2014/main" id="{C9DB4964-141C-4CD0-BE13-D02CDB7026C5}"/>
+              </a:ext>
+            </a:extLst>
+          </p:cNvPr>
+          <p:cNvSpPr/>
+          <p:nvPr/>
+        </p:nvSpPr>
+        <p:spPr>
+          <a:xfrm>
+            <a:off x="8525177" y="3415734"/>
+            <a:ext cx="905183" cy="1066540"/>
+          </a:xfrm>
+          <a:prstGeom prst="diamond">
+            <a:avLst/>
+          </a:prstGeom>
+        </p:spPr>
+        <p:style>
+          <a:lnRef idx="2">
+            <a:schemeClr val="accent1">
+              <a:shade val="50000"/>
+            </a:schemeClr>
+          </a:lnRef>
+          <a:fillRef idx="1">
+            <a:schemeClr val="accent1"/>
+          </a:fillRef>
+          <a:effectRef idx="0">
+            <a:schemeClr val="accent1"/>
+          </a:effectRef>
+          <a:fontRef idx="minor">
+            <a:schemeClr val="lt1"/>
+          </a:fontRef>
+        </p:style>
+        <p:txBody>
+          <a:bodyPr rtlCol="0" anchor="ctr"/>
+          <a:lstStyle/>
+          <a:p>
+            <a:pPr algn="ctr"/>
+            <a:endParaRPr lang="en-US"/>
+          </a:p>
+        </p:txBody>
+      </p:sp>
+    </p:spTree>
+    <p:extLst>
+      <p:ext uri="{BB962C8B-B14F-4D97-AF65-F5344CB8AC3E}">
+        <p14:creationId xmlns:p14="http://schemas.microsoft.com/office/powerpoint/2010/main" val="2862501326"/>
+      </p:ext>
+    </p:extLst>
+  </p:cSld>
+  <p:clrMapOvr>
+    <a:masterClrMapping/>
+  </p:clrMapOvr>
+</p:sld>
+</file>
+
+<file path=ppt/slides/slide12.xml><?xml version="1.0" encoding="utf-8"?>
 <p:sld xmlns:a="http://schemas.openxmlformats.org/drawingml/2006/main" xmlns:r="http://schemas.openxmlformats.org/officeDocument/2006/relationships" xmlns:p="http://schemas.openxmlformats.org/presentationml/2006/main">
   <p:cSld>
     <p:spTree>
@@ -16761,7 +18817,7 @@
 </p:sld>
 </file>
 
-<file path=ppt/slides/slide12.xml><?xml version="1.0" encoding="utf-8"?>
+<file path=ppt/slides/slide13.xml><?xml version="1.0" encoding="utf-8"?>
 <p:sld xmlns:a="http://schemas.openxmlformats.org/drawingml/2006/main" xmlns:r="http://schemas.openxmlformats.org/officeDocument/2006/relationships" xmlns:p="http://schemas.openxmlformats.org/presentationml/2006/main">
   <p:cSld>
     <p:spTree>
@@ -16928,137 +18984,6 @@
 </p:sld>
 </file>
 
-<file path=ppt/slides/slide13.xml><?xml version="1.0" encoding="utf-8"?>
-<p:sld xmlns:a="http://schemas.openxmlformats.org/drawingml/2006/main" xmlns:r="http://schemas.openxmlformats.org/officeDocument/2006/relationships" xmlns:p="http://schemas.openxmlformats.org/presentationml/2006/main">
-  <p:cSld>
-    <p:spTree>
-      <p:nvGrpSpPr>
-        <p:cNvPr id="1" name=""/>
-        <p:cNvGrpSpPr/>
-        <p:nvPr/>
-      </p:nvGrpSpPr>
-      <p:grpSpPr>
-        <a:xfrm>
-          <a:off x="0" y="0"/>
-          <a:ext cx="0" cy="0"/>
-          <a:chOff x="0" y="0"/>
-          <a:chExt cx="0" cy="0"/>
-        </a:xfrm>
-      </p:grpSpPr>
-      <p:sp>
-        <p:nvSpPr>
-          <p:cNvPr id="2" name="Title 1">
-            <a:extLst>
-              <a:ext uri="{FF2B5EF4-FFF2-40B4-BE49-F238E27FC236}">
-                <a16:creationId xmlns:a16="http://schemas.microsoft.com/office/drawing/2014/main" id="{84EEC1A3-E984-4881-B54A-F1C5E73F7696}"/>
-              </a:ext>
-            </a:extLst>
-          </p:cNvPr>
-          <p:cNvSpPr>
-            <a:spLocks noGrp="1"/>
-          </p:cNvSpPr>
-          <p:nvPr>
-            <p:ph type="title"/>
-          </p:nvPr>
-        </p:nvSpPr>
-        <p:spPr/>
-        <p:txBody>
-          <a:bodyPr/>
-          <a:lstStyle/>
-          <a:p>
-            <a:pPr algn="ctr"/>
-            <a:r>
-              <a:rPr lang="en-US" dirty="0"/>
-              <a:t>EDA – Univariate (2)</a:t>
-            </a:r>
-          </a:p>
-        </p:txBody>
-      </p:sp>
-      <p:sp>
-        <p:nvSpPr>
-          <p:cNvPr id="3" name="Content Placeholder 2">
-            <a:extLst>
-              <a:ext uri="{FF2B5EF4-FFF2-40B4-BE49-F238E27FC236}">
-                <a16:creationId xmlns:a16="http://schemas.microsoft.com/office/drawing/2014/main" id="{6454B748-3B9E-49AD-A4D5-FC6C95CAE875}"/>
-              </a:ext>
-            </a:extLst>
-          </p:cNvPr>
-          <p:cNvSpPr>
-            <a:spLocks noGrp="1"/>
-          </p:cNvSpPr>
-          <p:nvPr>
-            <p:ph idx="1"/>
-          </p:nvPr>
-        </p:nvSpPr>
-        <p:spPr>
-          <a:xfrm>
-            <a:off x="7770340" y="2181259"/>
-            <a:ext cx="3802593" cy="4351338"/>
-          </a:xfrm>
-        </p:spPr>
-        <p:txBody>
-          <a:bodyPr/>
-          <a:lstStyle/>
-          <a:p>
-            <a:pPr>
-              <a:buFontTx/>
-              <a:buChar char="-"/>
-            </a:pPr>
-            <a:r>
-              <a:rPr lang="en-US" dirty="0"/>
-              <a:t>Most customers are working as </a:t>
-            </a:r>
-            <a:r>
-              <a:rPr lang="en-ID" dirty="0"/>
-              <a:t>admin, blue-collar, and technician</a:t>
-            </a:r>
-            <a:endParaRPr lang="en-US" dirty="0"/>
-          </a:p>
-        </p:txBody>
-      </p:sp>
-      <p:pic>
-        <p:nvPicPr>
-          <p:cNvPr id="7" name="Picture 6"/>
-          <p:cNvPicPr>
-            <a:picLocks noChangeAspect="1"/>
-          </p:cNvPicPr>
-          <p:nvPr/>
-        </p:nvPicPr>
-        <p:blipFill>
-          <a:blip r:embed="rId2">
-            <a:extLst>
-              <a:ext uri="{28A0092B-C50C-407E-A947-70E740481C1C}">
-                <a14:useLocalDpi xmlns:a14="http://schemas.microsoft.com/office/drawing/2010/main" val="0"/>
-              </a:ext>
-            </a:extLst>
-          </a:blip>
-          <a:stretch>
-            <a:fillRect/>
-          </a:stretch>
-        </p:blipFill>
-        <p:spPr>
-          <a:xfrm>
-            <a:off x="650789" y="1445484"/>
-            <a:ext cx="6889922" cy="4593281"/>
-          </a:xfrm>
-          <a:prstGeom prst="rect">
-            <a:avLst/>
-          </a:prstGeom>
-        </p:spPr>
-      </p:pic>
-    </p:spTree>
-    <p:extLst>
-      <p:ext uri="{BB962C8B-B14F-4D97-AF65-F5344CB8AC3E}">
-        <p14:creationId xmlns:p14="http://schemas.microsoft.com/office/powerpoint/2010/main" val="2788330252"/>
-      </p:ext>
-    </p:extLst>
-  </p:cSld>
-  <p:clrMapOvr>
-    <a:masterClrMapping/>
-  </p:clrMapOvr>
-</p:sld>
-</file>
-
 <file path=ppt/slides/slide14.xml><?xml version="1.0" encoding="utf-8"?>
 <p:sld xmlns:a="http://schemas.openxmlformats.org/drawingml/2006/main" xmlns:r="http://schemas.openxmlformats.org/officeDocument/2006/relationships" xmlns:p="http://schemas.openxmlformats.org/presentationml/2006/main">
   <p:cSld>
@@ -17100,7 +19025,7 @@
             <a:pPr algn="ctr"/>
             <a:r>
               <a:rPr lang="en-US" dirty="0"/>
-              <a:t>EDA – Univariate (3)</a:t>
+              <a:t>EDA – Univariate (2)</a:t>
             </a:r>
           </a:p>
         </p:txBody>
@@ -17137,11 +19062,11 @@
             </a:pPr>
             <a:r>
               <a:rPr lang="en-US" dirty="0"/>
-              <a:t>Most customers are </a:t>
+              <a:t>Most customers are working as </a:t>
             </a:r>
             <a:r>
               <a:rPr lang="en-ID" dirty="0"/>
-              <a:t>married</a:t>
+              <a:t>admin, blue-collar, and technician</a:t>
             </a:r>
             <a:endParaRPr lang="en-US" dirty="0"/>
           </a:p>
@@ -17149,7 +19074,7 @@
       </p:sp>
       <p:pic>
         <p:nvPicPr>
-          <p:cNvPr id="6" name="Picture 5"/>
+          <p:cNvPr id="7" name="Picture 6"/>
           <p:cNvPicPr>
             <a:picLocks noChangeAspect="1"/>
           </p:cNvPicPr>
@@ -17169,7 +19094,7 @@
         </p:blipFill>
         <p:spPr>
           <a:xfrm>
-            <a:off x="650789" y="1445483"/>
+            <a:off x="650789" y="1445484"/>
             <a:ext cx="6889922" cy="4593281"/>
           </a:xfrm>
           <a:prstGeom prst="rect">
@@ -17180,7 +19105,7 @@
     </p:spTree>
     <p:extLst>
       <p:ext uri="{BB962C8B-B14F-4D97-AF65-F5344CB8AC3E}">
-        <p14:creationId xmlns:p14="http://schemas.microsoft.com/office/powerpoint/2010/main" val="140633096"/>
+        <p14:creationId xmlns:p14="http://schemas.microsoft.com/office/powerpoint/2010/main" val="2788330252"/>
       </p:ext>
     </p:extLst>
   </p:cSld>
@@ -17231,6 +19156,137 @@
             <a:pPr algn="ctr"/>
             <a:r>
               <a:rPr lang="en-US" dirty="0"/>
+              <a:t>EDA – Univariate (3)</a:t>
+            </a:r>
+          </a:p>
+        </p:txBody>
+      </p:sp>
+      <p:sp>
+        <p:nvSpPr>
+          <p:cNvPr id="3" name="Content Placeholder 2">
+            <a:extLst>
+              <a:ext uri="{FF2B5EF4-FFF2-40B4-BE49-F238E27FC236}">
+                <a16:creationId xmlns:a16="http://schemas.microsoft.com/office/drawing/2014/main" id="{6454B748-3B9E-49AD-A4D5-FC6C95CAE875}"/>
+              </a:ext>
+            </a:extLst>
+          </p:cNvPr>
+          <p:cNvSpPr>
+            <a:spLocks noGrp="1"/>
+          </p:cNvSpPr>
+          <p:nvPr>
+            <p:ph idx="1"/>
+          </p:nvPr>
+        </p:nvSpPr>
+        <p:spPr>
+          <a:xfrm>
+            <a:off x="7770340" y="2181259"/>
+            <a:ext cx="3802593" cy="4351338"/>
+          </a:xfrm>
+        </p:spPr>
+        <p:txBody>
+          <a:bodyPr/>
+          <a:lstStyle/>
+          <a:p>
+            <a:pPr>
+              <a:buFontTx/>
+              <a:buChar char="-"/>
+            </a:pPr>
+            <a:r>
+              <a:rPr lang="en-US" dirty="0"/>
+              <a:t>Most customers are </a:t>
+            </a:r>
+            <a:r>
+              <a:rPr lang="en-ID" dirty="0"/>
+              <a:t>married</a:t>
+            </a:r>
+            <a:endParaRPr lang="en-US" dirty="0"/>
+          </a:p>
+        </p:txBody>
+      </p:sp>
+      <p:pic>
+        <p:nvPicPr>
+          <p:cNvPr id="6" name="Picture 5"/>
+          <p:cNvPicPr>
+            <a:picLocks noChangeAspect="1"/>
+          </p:cNvPicPr>
+          <p:nvPr/>
+        </p:nvPicPr>
+        <p:blipFill>
+          <a:blip r:embed="rId2">
+            <a:extLst>
+              <a:ext uri="{28A0092B-C50C-407E-A947-70E740481C1C}">
+                <a14:useLocalDpi xmlns:a14="http://schemas.microsoft.com/office/drawing/2010/main" val="0"/>
+              </a:ext>
+            </a:extLst>
+          </a:blip>
+          <a:stretch>
+            <a:fillRect/>
+          </a:stretch>
+        </p:blipFill>
+        <p:spPr>
+          <a:xfrm>
+            <a:off x="650789" y="1445483"/>
+            <a:ext cx="6889922" cy="4593281"/>
+          </a:xfrm>
+          <a:prstGeom prst="rect">
+            <a:avLst/>
+          </a:prstGeom>
+        </p:spPr>
+      </p:pic>
+    </p:spTree>
+    <p:extLst>
+      <p:ext uri="{BB962C8B-B14F-4D97-AF65-F5344CB8AC3E}">
+        <p14:creationId xmlns:p14="http://schemas.microsoft.com/office/powerpoint/2010/main" val="140633096"/>
+      </p:ext>
+    </p:extLst>
+  </p:cSld>
+  <p:clrMapOvr>
+    <a:masterClrMapping/>
+  </p:clrMapOvr>
+</p:sld>
+</file>
+
+<file path=ppt/slides/slide16.xml><?xml version="1.0" encoding="utf-8"?>
+<p:sld xmlns:a="http://schemas.openxmlformats.org/drawingml/2006/main" xmlns:r="http://schemas.openxmlformats.org/officeDocument/2006/relationships" xmlns:p="http://schemas.openxmlformats.org/presentationml/2006/main">
+  <p:cSld>
+    <p:spTree>
+      <p:nvGrpSpPr>
+        <p:cNvPr id="1" name=""/>
+        <p:cNvGrpSpPr/>
+        <p:nvPr/>
+      </p:nvGrpSpPr>
+      <p:grpSpPr>
+        <a:xfrm>
+          <a:off x="0" y="0"/>
+          <a:ext cx="0" cy="0"/>
+          <a:chOff x="0" y="0"/>
+          <a:chExt cx="0" cy="0"/>
+        </a:xfrm>
+      </p:grpSpPr>
+      <p:sp>
+        <p:nvSpPr>
+          <p:cNvPr id="2" name="Title 1">
+            <a:extLst>
+              <a:ext uri="{FF2B5EF4-FFF2-40B4-BE49-F238E27FC236}">
+                <a16:creationId xmlns:a16="http://schemas.microsoft.com/office/drawing/2014/main" id="{84EEC1A3-E984-4881-B54A-F1C5E73F7696}"/>
+              </a:ext>
+            </a:extLst>
+          </p:cNvPr>
+          <p:cNvSpPr>
+            <a:spLocks noGrp="1"/>
+          </p:cNvSpPr>
+          <p:nvPr>
+            <p:ph type="title"/>
+          </p:nvPr>
+        </p:nvSpPr>
+        <p:spPr/>
+        <p:txBody>
+          <a:bodyPr/>
+          <a:lstStyle/>
+          <a:p>
+            <a:pPr algn="ctr"/>
+            <a:r>
+              <a:rPr lang="en-US" dirty="0"/>
               <a:t>EDA – Univariate (4)</a:t>
             </a:r>
           </a:p>
@@ -17316,7 +19372,7 @@
 </p:sld>
 </file>
 
-<file path=ppt/slides/slide16.xml><?xml version="1.0" encoding="utf-8"?>
+<file path=ppt/slides/slide17.xml><?xml version="1.0" encoding="utf-8"?>
 <p:sld xmlns:a="http://schemas.openxmlformats.org/drawingml/2006/main" xmlns:r="http://schemas.openxmlformats.org/officeDocument/2006/relationships" xmlns:p="http://schemas.openxmlformats.org/presentationml/2006/main">
   <p:cSld>
     <p:spTree>
@@ -17515,7 +19571,7 @@
 </p:sld>
 </file>
 
-<file path=ppt/slides/slide17.xml><?xml version="1.0" encoding="utf-8"?>
+<file path=ppt/slides/slide18.xml><?xml version="1.0" encoding="utf-8"?>
 <p:sld xmlns:a="http://schemas.openxmlformats.org/drawingml/2006/main" xmlns:r="http://schemas.openxmlformats.org/officeDocument/2006/relationships" xmlns:p="http://schemas.openxmlformats.org/presentationml/2006/main">
   <p:cSld>
     <p:spTree>
@@ -17714,7 +19770,7 @@
 </p:sld>
 </file>
 
-<file path=ppt/slides/slide18.xml><?xml version="1.0" encoding="utf-8"?>
+<file path=ppt/slides/slide19.xml><?xml version="1.0" encoding="utf-8"?>
 <p:sld xmlns:a="http://schemas.openxmlformats.org/drawingml/2006/main" xmlns:r="http://schemas.openxmlformats.org/officeDocument/2006/relationships" xmlns:p="http://schemas.openxmlformats.org/presentationml/2006/main">
   <p:cSld>
     <p:spTree>
@@ -18047,7 +20103,163 @@
 </p:sld>
 </file>
 
-<file path=ppt/slides/slide19.xml><?xml version="1.0" encoding="utf-8"?>
+<file path=ppt/slides/slide2.xml><?xml version="1.0" encoding="utf-8"?>
+<p:sld xmlns:a="http://schemas.openxmlformats.org/drawingml/2006/main" xmlns:r="http://schemas.openxmlformats.org/officeDocument/2006/relationships" xmlns:p="http://schemas.openxmlformats.org/presentationml/2006/main">
+  <p:cSld>
+    <p:spTree>
+      <p:nvGrpSpPr>
+        <p:cNvPr id="1" name=""/>
+        <p:cNvGrpSpPr/>
+        <p:nvPr/>
+      </p:nvGrpSpPr>
+      <p:grpSpPr>
+        <a:xfrm>
+          <a:off x="0" y="0"/>
+          <a:ext cx="0" cy="0"/>
+          <a:chOff x="0" y="0"/>
+          <a:chExt cx="0" cy="0"/>
+        </a:xfrm>
+      </p:grpSpPr>
+      <p:sp>
+        <p:nvSpPr>
+          <p:cNvPr id="2" name="Title 1">
+            <a:extLst>
+              <a:ext uri="{FF2B5EF4-FFF2-40B4-BE49-F238E27FC236}">
+                <a16:creationId xmlns:a16="http://schemas.microsoft.com/office/drawing/2014/main" id="{556FE829-20DB-4FB3-8A9D-EB99BC1FD9C6}"/>
+              </a:ext>
+            </a:extLst>
+          </p:cNvPr>
+          <p:cNvSpPr>
+            <a:spLocks noGrp="1"/>
+          </p:cNvSpPr>
+          <p:nvPr>
+            <p:ph type="title"/>
+          </p:nvPr>
+        </p:nvSpPr>
+        <p:spPr/>
+        <p:txBody>
+          <a:bodyPr/>
+          <a:lstStyle/>
+          <a:p>
+            <a:r>
+              <a:rPr lang="en-US" dirty="0"/>
+              <a:t>OUTLINE</a:t>
+            </a:r>
+          </a:p>
+        </p:txBody>
+      </p:sp>
+      <p:sp>
+        <p:nvSpPr>
+          <p:cNvPr id="3" name="Content Placeholder 2">
+            <a:extLst>
+              <a:ext uri="{FF2B5EF4-FFF2-40B4-BE49-F238E27FC236}">
+                <a16:creationId xmlns:a16="http://schemas.microsoft.com/office/drawing/2014/main" id="{8498BF82-36D7-48C6-8463-A47CB522F514}"/>
+              </a:ext>
+            </a:extLst>
+          </p:cNvPr>
+          <p:cNvSpPr>
+            <a:spLocks noGrp="1"/>
+          </p:cNvSpPr>
+          <p:nvPr>
+            <p:ph idx="1"/>
+          </p:nvPr>
+        </p:nvSpPr>
+        <p:spPr/>
+        <p:txBody>
+          <a:bodyPr/>
+          <a:lstStyle/>
+          <a:p>
+            <a:pPr marL="514350" indent="-514350">
+              <a:buFont typeface="+mj-lt"/>
+              <a:buAutoNum type="arabicPeriod"/>
+            </a:pPr>
+            <a:r>
+              <a:rPr lang="en-US" dirty="0"/>
+              <a:t>Dataset &amp; Case</a:t>
+            </a:r>
+          </a:p>
+          <a:p>
+            <a:pPr marL="514350" indent="-514350">
+              <a:buFont typeface="+mj-lt"/>
+              <a:buAutoNum type="arabicPeriod"/>
+            </a:pPr>
+            <a:r>
+              <a:rPr lang="en-US" dirty="0"/>
+              <a:t>Scenario</a:t>
+            </a:r>
+          </a:p>
+          <a:p>
+            <a:pPr marL="514350" indent="-514350">
+              <a:buFont typeface="+mj-lt"/>
+              <a:buAutoNum type="arabicPeriod"/>
+            </a:pPr>
+            <a:r>
+              <a:rPr lang="en-US" dirty="0"/>
+              <a:t>Business problem and goals</a:t>
+            </a:r>
+          </a:p>
+          <a:p>
+            <a:pPr marL="514350" indent="-514350">
+              <a:buFont typeface="+mj-lt"/>
+              <a:buAutoNum type="arabicPeriod"/>
+            </a:pPr>
+            <a:r>
+              <a:rPr lang="en-US" dirty="0"/>
+              <a:t>EDA</a:t>
+            </a:r>
+          </a:p>
+          <a:p>
+            <a:pPr marL="514350" indent="-514350">
+              <a:buFont typeface="+mj-lt"/>
+              <a:buAutoNum type="arabicPeriod"/>
+            </a:pPr>
+            <a:r>
+              <a:rPr lang="en-US" dirty="0"/>
+              <a:t>Modelling</a:t>
+            </a:r>
+          </a:p>
+          <a:p>
+            <a:pPr marL="514350" indent="-514350">
+              <a:buFont typeface="+mj-lt"/>
+              <a:buAutoNum type="arabicPeriod"/>
+            </a:pPr>
+            <a:r>
+              <a:rPr lang="en-US" dirty="0"/>
+              <a:t>Simulation</a:t>
+            </a:r>
+          </a:p>
+          <a:p>
+            <a:pPr marL="514350" indent="-514350">
+              <a:buFont typeface="+mj-lt"/>
+              <a:buAutoNum type="arabicPeriod"/>
+            </a:pPr>
+            <a:r>
+              <a:rPr lang="en-US" dirty="0"/>
+              <a:t>Conclusion</a:t>
+            </a:r>
+          </a:p>
+          <a:p>
+            <a:pPr marL="0" indent="0">
+              <a:buNone/>
+            </a:pPr>
+            <a:endParaRPr lang="en-US" dirty="0"/>
+          </a:p>
+        </p:txBody>
+      </p:sp>
+    </p:spTree>
+    <p:extLst>
+      <p:ext uri="{BB962C8B-B14F-4D97-AF65-F5344CB8AC3E}">
+        <p14:creationId xmlns:p14="http://schemas.microsoft.com/office/powerpoint/2010/main" val="639967895"/>
+      </p:ext>
+    </p:extLst>
+  </p:cSld>
+  <p:clrMapOvr>
+    <a:masterClrMapping/>
+  </p:clrMapOvr>
+</p:sld>
+</file>
+
+<file path=ppt/slides/slide20.xml><?xml version="1.0" encoding="utf-8"?>
 <p:sld xmlns:a="http://schemas.openxmlformats.org/drawingml/2006/main" xmlns:r="http://schemas.openxmlformats.org/officeDocument/2006/relationships" xmlns:p="http://schemas.openxmlformats.org/presentationml/2006/main">
   <p:cSld>
     <p:spTree>
@@ -18380,163 +20592,7 @@
 </p:sld>
 </file>
 
-<file path=ppt/slides/slide2.xml><?xml version="1.0" encoding="utf-8"?>
-<p:sld xmlns:a="http://schemas.openxmlformats.org/drawingml/2006/main" xmlns:r="http://schemas.openxmlformats.org/officeDocument/2006/relationships" xmlns:p="http://schemas.openxmlformats.org/presentationml/2006/main">
-  <p:cSld>
-    <p:spTree>
-      <p:nvGrpSpPr>
-        <p:cNvPr id="1" name=""/>
-        <p:cNvGrpSpPr/>
-        <p:nvPr/>
-      </p:nvGrpSpPr>
-      <p:grpSpPr>
-        <a:xfrm>
-          <a:off x="0" y="0"/>
-          <a:ext cx="0" cy="0"/>
-          <a:chOff x="0" y="0"/>
-          <a:chExt cx="0" cy="0"/>
-        </a:xfrm>
-      </p:grpSpPr>
-      <p:sp>
-        <p:nvSpPr>
-          <p:cNvPr id="2" name="Title 1">
-            <a:extLst>
-              <a:ext uri="{FF2B5EF4-FFF2-40B4-BE49-F238E27FC236}">
-                <a16:creationId xmlns:a16="http://schemas.microsoft.com/office/drawing/2014/main" id="{556FE829-20DB-4FB3-8A9D-EB99BC1FD9C6}"/>
-              </a:ext>
-            </a:extLst>
-          </p:cNvPr>
-          <p:cNvSpPr>
-            <a:spLocks noGrp="1"/>
-          </p:cNvSpPr>
-          <p:nvPr>
-            <p:ph type="title"/>
-          </p:nvPr>
-        </p:nvSpPr>
-        <p:spPr/>
-        <p:txBody>
-          <a:bodyPr/>
-          <a:lstStyle/>
-          <a:p>
-            <a:r>
-              <a:rPr lang="en-US" dirty="0"/>
-              <a:t>OUTLINE</a:t>
-            </a:r>
-          </a:p>
-        </p:txBody>
-      </p:sp>
-      <p:sp>
-        <p:nvSpPr>
-          <p:cNvPr id="3" name="Content Placeholder 2">
-            <a:extLst>
-              <a:ext uri="{FF2B5EF4-FFF2-40B4-BE49-F238E27FC236}">
-                <a16:creationId xmlns:a16="http://schemas.microsoft.com/office/drawing/2014/main" id="{8498BF82-36D7-48C6-8463-A47CB522F514}"/>
-              </a:ext>
-            </a:extLst>
-          </p:cNvPr>
-          <p:cNvSpPr>
-            <a:spLocks noGrp="1"/>
-          </p:cNvSpPr>
-          <p:nvPr>
-            <p:ph idx="1"/>
-          </p:nvPr>
-        </p:nvSpPr>
-        <p:spPr/>
-        <p:txBody>
-          <a:bodyPr/>
-          <a:lstStyle/>
-          <a:p>
-            <a:pPr marL="514350" indent="-514350">
-              <a:buFont typeface="+mj-lt"/>
-              <a:buAutoNum type="arabicPeriod"/>
-            </a:pPr>
-            <a:r>
-              <a:rPr lang="en-US" dirty="0"/>
-              <a:t>Dataset &amp; Case</a:t>
-            </a:r>
-          </a:p>
-          <a:p>
-            <a:pPr marL="514350" indent="-514350">
-              <a:buFont typeface="+mj-lt"/>
-              <a:buAutoNum type="arabicPeriod"/>
-            </a:pPr>
-            <a:r>
-              <a:rPr lang="en-US" dirty="0"/>
-              <a:t>Scenario</a:t>
-            </a:r>
-          </a:p>
-          <a:p>
-            <a:pPr marL="514350" indent="-514350">
-              <a:buFont typeface="+mj-lt"/>
-              <a:buAutoNum type="arabicPeriod"/>
-            </a:pPr>
-            <a:r>
-              <a:rPr lang="en-US" dirty="0"/>
-              <a:t>Business problem dan goals</a:t>
-            </a:r>
-          </a:p>
-          <a:p>
-            <a:pPr marL="514350" indent="-514350">
-              <a:buFont typeface="+mj-lt"/>
-              <a:buAutoNum type="arabicPeriod"/>
-            </a:pPr>
-            <a:r>
-              <a:rPr lang="en-US" dirty="0"/>
-              <a:t>EDA</a:t>
-            </a:r>
-          </a:p>
-          <a:p>
-            <a:pPr marL="514350" indent="-514350">
-              <a:buFont typeface="+mj-lt"/>
-              <a:buAutoNum type="arabicPeriod"/>
-            </a:pPr>
-            <a:r>
-              <a:rPr lang="en-US" dirty="0"/>
-              <a:t>Modelling</a:t>
-            </a:r>
-          </a:p>
-          <a:p>
-            <a:pPr marL="514350" indent="-514350">
-              <a:buFont typeface="+mj-lt"/>
-              <a:buAutoNum type="arabicPeriod"/>
-            </a:pPr>
-            <a:r>
-              <a:rPr lang="en-US" dirty="0"/>
-              <a:t>Simulation</a:t>
-            </a:r>
-          </a:p>
-          <a:p>
-            <a:pPr marL="514350" indent="-514350">
-              <a:buFont typeface="+mj-lt"/>
-              <a:buAutoNum type="arabicPeriod"/>
-            </a:pPr>
-            <a:r>
-              <a:rPr lang="en-US" dirty="0"/>
-              <a:t>Conclusion</a:t>
-            </a:r>
-          </a:p>
-          <a:p>
-            <a:pPr marL="0" indent="0">
-              <a:buNone/>
-            </a:pPr>
-            <a:endParaRPr lang="en-US" dirty="0"/>
-          </a:p>
-        </p:txBody>
-      </p:sp>
-    </p:spTree>
-    <p:extLst>
-      <p:ext uri="{BB962C8B-B14F-4D97-AF65-F5344CB8AC3E}">
-        <p14:creationId xmlns:p14="http://schemas.microsoft.com/office/powerpoint/2010/main" val="639967895"/>
-      </p:ext>
-    </p:extLst>
-  </p:cSld>
-  <p:clrMapOvr>
-    <a:masterClrMapping/>
-  </p:clrMapOvr>
-</p:sld>
-</file>
-
-<file path=ppt/slides/slide20.xml><?xml version="1.0" encoding="utf-8"?>
+<file path=ppt/slides/slide21.xml><?xml version="1.0" encoding="utf-8"?>
 <p:sld xmlns:a="http://schemas.openxmlformats.org/drawingml/2006/main" xmlns:r="http://schemas.openxmlformats.org/officeDocument/2006/relationships" xmlns:p="http://schemas.openxmlformats.org/presentationml/2006/main">
   <p:cSld>
     <p:spTree>
@@ -18662,7 +20718,7 @@
 </p:sld>
 </file>
 
-<file path=ppt/slides/slide21.xml><?xml version="1.0" encoding="utf-8"?>
+<file path=ppt/slides/slide22.xml><?xml version="1.0" encoding="utf-8"?>
 <p:sld xmlns:a="http://schemas.openxmlformats.org/drawingml/2006/main" xmlns:r="http://schemas.openxmlformats.org/officeDocument/2006/relationships" xmlns:p="http://schemas.openxmlformats.org/presentationml/2006/main">
   <p:cSld>
     <p:spTree>
@@ -18841,7 +20897,7 @@
 </p:sld>
 </file>
 
-<file path=ppt/slides/slide22.xml><?xml version="1.0" encoding="utf-8"?>
+<file path=ppt/slides/slide23.xml><?xml version="1.0" encoding="utf-8"?>
 <p:sld xmlns:a="http://schemas.openxmlformats.org/drawingml/2006/main" xmlns:r="http://schemas.openxmlformats.org/officeDocument/2006/relationships" xmlns:p="http://schemas.openxmlformats.org/presentationml/2006/main">
   <p:cSld>
     <p:spTree>
@@ -19174,7 +21230,7 @@
 </p:sld>
 </file>
 
-<file path=ppt/slides/slide23.xml><?xml version="1.0" encoding="utf-8"?>
+<file path=ppt/slides/slide24.xml><?xml version="1.0" encoding="utf-8"?>
 <p:sld xmlns:a="http://schemas.openxmlformats.org/drawingml/2006/main" xmlns:r="http://schemas.openxmlformats.org/officeDocument/2006/relationships" xmlns:p="http://schemas.openxmlformats.org/presentationml/2006/main">
   <p:cSld>
     <p:spTree>
@@ -19380,7 +21436,7 @@
 </p:sld>
 </file>
 
-<file path=ppt/slides/slide24.xml><?xml version="1.0" encoding="utf-8"?>
+<file path=ppt/slides/slide25.xml><?xml version="1.0" encoding="utf-8"?>
 <p:sld xmlns:a="http://schemas.openxmlformats.org/drawingml/2006/main" xmlns:r="http://schemas.openxmlformats.org/officeDocument/2006/relationships" xmlns:p="http://schemas.openxmlformats.org/presentationml/2006/main">
   <p:cSld>
     <p:spTree>
@@ -20333,7 +22389,7 @@
 </p:sld>
 </file>
 
-<file path=ppt/slides/slide25.xml><?xml version="1.0" encoding="utf-8"?>
+<file path=ppt/slides/slide26.xml><?xml version="1.0" encoding="utf-8"?>
 <p:sld xmlns:a="http://schemas.openxmlformats.org/drawingml/2006/main" xmlns:r="http://schemas.openxmlformats.org/officeDocument/2006/relationships" xmlns:p="http://schemas.openxmlformats.org/presentationml/2006/main">
   <p:cSld>
     <p:spTree>
@@ -20550,7 +22606,7 @@
 </p:sld>
 </file>
 
-<file path=ppt/slides/slide26.xml><?xml version="1.0" encoding="utf-8"?>
+<file path=ppt/slides/slide27.xml><?xml version="1.0" encoding="utf-8"?>
 <p:sld xmlns:a="http://schemas.openxmlformats.org/drawingml/2006/main" xmlns:r="http://schemas.openxmlformats.org/officeDocument/2006/relationships" xmlns:p="http://schemas.openxmlformats.org/presentationml/2006/main">
   <p:cSld>
     <p:spTree>
@@ -21340,7 +23396,7 @@
 </p:sld>
 </file>
 
-<file path=ppt/slides/slide27.xml><?xml version="1.0" encoding="utf-8"?>
+<file path=ppt/slides/slide28.xml><?xml version="1.0" encoding="utf-8"?>
 <p:sld xmlns:a="http://schemas.openxmlformats.org/drawingml/2006/main" xmlns:r="http://schemas.openxmlformats.org/officeDocument/2006/relationships" xmlns:p="http://schemas.openxmlformats.org/presentationml/2006/main">
   <p:cSld>
     <p:spTree>
@@ -21547,7 +23603,7 @@
 </p:sld>
 </file>
 
-<file path=ppt/slides/slide28.xml><?xml version="1.0" encoding="utf-8"?>
+<file path=ppt/slides/slide29.xml><?xml version="1.0" encoding="utf-8"?>
 <p:sld xmlns:a="http://schemas.openxmlformats.org/drawingml/2006/main" xmlns:r="http://schemas.openxmlformats.org/officeDocument/2006/relationships" xmlns:p="http://schemas.openxmlformats.org/presentationml/2006/main">
   <p:cSld>
     <p:spTree>
@@ -21754,7 +23810,221 @@
 </p:sld>
 </file>
 
-<file path=ppt/slides/slide29.xml><?xml version="1.0" encoding="utf-8"?>
+<file path=ppt/slides/slide3.xml><?xml version="1.0" encoding="utf-8"?>
+<p:sld xmlns:a="http://schemas.openxmlformats.org/drawingml/2006/main" xmlns:r="http://schemas.openxmlformats.org/officeDocument/2006/relationships" xmlns:p="http://schemas.openxmlformats.org/presentationml/2006/main">
+  <p:cSld>
+    <p:spTree>
+      <p:nvGrpSpPr>
+        <p:cNvPr id="1" name=""/>
+        <p:cNvGrpSpPr/>
+        <p:nvPr/>
+      </p:nvGrpSpPr>
+      <p:grpSpPr>
+        <a:xfrm>
+          <a:off x="0" y="0"/>
+          <a:ext cx="0" cy="0"/>
+          <a:chOff x="0" y="0"/>
+          <a:chExt cx="0" cy="0"/>
+        </a:xfrm>
+      </p:grpSpPr>
+      <p:sp>
+        <p:nvSpPr>
+          <p:cNvPr id="2" name="Title 1">
+            <a:extLst>
+              <a:ext uri="{FF2B5EF4-FFF2-40B4-BE49-F238E27FC236}">
+                <a16:creationId xmlns:a16="http://schemas.microsoft.com/office/drawing/2014/main" id="{84EEC1A3-E984-4881-B54A-F1C5E73F7696}"/>
+              </a:ext>
+            </a:extLst>
+          </p:cNvPr>
+          <p:cNvSpPr>
+            <a:spLocks noGrp="1"/>
+          </p:cNvSpPr>
+          <p:nvPr>
+            <p:ph type="title"/>
+          </p:nvPr>
+        </p:nvSpPr>
+        <p:spPr/>
+        <p:txBody>
+          <a:bodyPr/>
+          <a:lstStyle/>
+          <a:p>
+            <a:r>
+              <a:rPr lang="en-US" dirty="0"/>
+              <a:t>Dataset &amp; Case</a:t>
+            </a:r>
+          </a:p>
+        </p:txBody>
+      </p:sp>
+      <p:sp>
+        <p:nvSpPr>
+          <p:cNvPr id="3" name="Content Placeholder 2">
+            <a:extLst>
+              <a:ext uri="{FF2B5EF4-FFF2-40B4-BE49-F238E27FC236}">
+                <a16:creationId xmlns:a16="http://schemas.microsoft.com/office/drawing/2014/main" id="{6454B748-3B9E-49AD-A4D5-FC6C95CAE875}"/>
+              </a:ext>
+            </a:extLst>
+          </p:cNvPr>
+          <p:cNvSpPr>
+            <a:spLocks noGrp="1"/>
+          </p:cNvSpPr>
+          <p:nvPr>
+            <p:ph idx="1"/>
+          </p:nvPr>
+        </p:nvSpPr>
+        <p:spPr/>
+        <p:txBody>
+          <a:bodyPr>
+            <a:normAutofit/>
+          </a:bodyPr>
+          <a:lstStyle/>
+          <a:p>
+            <a:pPr>
+              <a:buFontTx/>
+              <a:buChar char="-"/>
+            </a:pPr>
+            <a:r>
+              <a:rPr lang="en-US" sz="2400" dirty="0"/>
+              <a:t>Dataset used was bank marketing campaign dataset from </a:t>
+            </a:r>
+            <a:r>
+              <a:rPr lang="en-US" sz="2400" dirty="0" err="1"/>
+              <a:t>Kaggle</a:t>
+            </a:r>
+            <a:r>
+              <a:rPr lang="en-US" sz="2400" dirty="0"/>
+              <a:t> (https://www.kaggle.com/volodymyrgavrysh/bank-marketing-campaigns-dataset)</a:t>
+            </a:r>
+          </a:p>
+          <a:p>
+            <a:pPr>
+              <a:buFontTx/>
+              <a:buChar char="-"/>
+            </a:pPr>
+            <a:r>
+              <a:rPr lang="en-US" sz="2400" dirty="0"/>
+              <a:t>Features Description</a:t>
+            </a:r>
+          </a:p>
+          <a:p>
+            <a:pPr lvl="1"/>
+            <a:r>
+              <a:rPr lang="en-US" sz="2000" dirty="0"/>
+              <a:t>Bank client data:</a:t>
+            </a:r>
+          </a:p>
+          <a:p>
+            <a:pPr lvl="2"/>
+            <a:r>
+              <a:rPr lang="en-US" sz="1600" dirty="0"/>
+              <a:t>Age (numerical continuous)</a:t>
+            </a:r>
+          </a:p>
+          <a:p>
+            <a:pPr lvl="2"/>
+            <a:r>
+              <a:rPr lang="en-US" sz="1600" dirty="0"/>
+              <a:t>Job : type of job (categorical: "</a:t>
+            </a:r>
+            <a:r>
+              <a:rPr lang="en-US" sz="1600" dirty="0" err="1"/>
+              <a:t>admin.","blue-collar","entrepreneur</a:t>
+            </a:r>
+            <a:r>
+              <a:rPr lang="en-US" sz="1600" dirty="0"/>
+              <a:t>",...,"unknown")</a:t>
+            </a:r>
+          </a:p>
+          <a:p>
+            <a:pPr lvl="2"/>
+            <a:r>
+              <a:rPr lang="en-US" sz="1600" dirty="0"/>
+              <a:t>Marital : marital status (categorical: "</a:t>
+            </a:r>
+            <a:r>
+              <a:rPr lang="en-US" sz="1600" dirty="0" err="1"/>
+              <a:t>divorced","married","single","unknown</a:t>
+            </a:r>
+            <a:r>
+              <a:rPr lang="en-US" sz="1600" dirty="0"/>
+              <a:t>")</a:t>
+            </a:r>
+          </a:p>
+          <a:p>
+            <a:pPr lvl="2"/>
+            <a:r>
+              <a:rPr lang="en-US" sz="1600" dirty="0"/>
+              <a:t>Education : (categorical: "illiterate",...,"</a:t>
+            </a:r>
+            <a:r>
+              <a:rPr lang="en-US" sz="1600" dirty="0" err="1"/>
+              <a:t>university.degree","unknown</a:t>
+            </a:r>
+            <a:r>
+              <a:rPr lang="en-US" sz="1600" dirty="0"/>
+              <a:t>")</a:t>
+            </a:r>
+          </a:p>
+          <a:p>
+            <a:pPr lvl="2"/>
+            <a:r>
+              <a:rPr lang="en-US" sz="1600" dirty="0"/>
+              <a:t>Default: has credit in default? (categorical: "</a:t>
+            </a:r>
+            <a:r>
+              <a:rPr lang="en-US" sz="1600" dirty="0" err="1"/>
+              <a:t>no","yes","unknown</a:t>
+            </a:r>
+            <a:r>
+              <a:rPr lang="en-US" sz="1600" dirty="0"/>
+              <a:t>")</a:t>
+            </a:r>
+          </a:p>
+          <a:p>
+            <a:pPr lvl="2"/>
+            <a:r>
+              <a:rPr lang="en-US" sz="1600" dirty="0"/>
+              <a:t>Housing: has housing loan? (categorical: "</a:t>
+            </a:r>
+            <a:r>
+              <a:rPr lang="en-US" sz="1600" dirty="0" err="1"/>
+              <a:t>no","yes","unknown</a:t>
+            </a:r>
+            <a:r>
+              <a:rPr lang="en-US" sz="1600" dirty="0"/>
+              <a:t>")</a:t>
+            </a:r>
+          </a:p>
+          <a:p>
+            <a:pPr lvl="2"/>
+            <a:r>
+              <a:rPr lang="en-US" sz="1600" dirty="0"/>
+              <a:t>Loan: has personal loan? (categorical: "</a:t>
+            </a:r>
+            <a:r>
+              <a:rPr lang="en-US" sz="1600" dirty="0" err="1"/>
+              <a:t>no","yes","unknown</a:t>
+            </a:r>
+            <a:r>
+              <a:rPr lang="en-US" sz="1600" dirty="0"/>
+              <a:t>")</a:t>
+            </a:r>
+          </a:p>
+        </p:txBody>
+      </p:sp>
+    </p:spTree>
+    <p:extLst>
+      <p:ext uri="{BB962C8B-B14F-4D97-AF65-F5344CB8AC3E}">
+        <p14:creationId xmlns:p14="http://schemas.microsoft.com/office/powerpoint/2010/main" val="984482081"/>
+      </p:ext>
+    </p:extLst>
+  </p:cSld>
+  <p:clrMapOvr>
+    <a:masterClrMapping/>
+  </p:clrMapOvr>
+</p:sld>
+</file>
+
+<file path=ppt/slides/slide30.xml><?xml version="1.0" encoding="utf-8"?>
 <p:sld xmlns:a="http://schemas.openxmlformats.org/drawingml/2006/main" xmlns:r="http://schemas.openxmlformats.org/officeDocument/2006/relationships" xmlns:p="http://schemas.openxmlformats.org/presentationml/2006/main">
   <p:cSld>
     <p:spTree>
@@ -21961,221 +24231,7 @@
 </p:sld>
 </file>
 
-<file path=ppt/slides/slide3.xml><?xml version="1.0" encoding="utf-8"?>
-<p:sld xmlns:a="http://schemas.openxmlformats.org/drawingml/2006/main" xmlns:r="http://schemas.openxmlformats.org/officeDocument/2006/relationships" xmlns:p="http://schemas.openxmlformats.org/presentationml/2006/main">
-  <p:cSld>
-    <p:spTree>
-      <p:nvGrpSpPr>
-        <p:cNvPr id="1" name=""/>
-        <p:cNvGrpSpPr/>
-        <p:nvPr/>
-      </p:nvGrpSpPr>
-      <p:grpSpPr>
-        <a:xfrm>
-          <a:off x="0" y="0"/>
-          <a:ext cx="0" cy="0"/>
-          <a:chOff x="0" y="0"/>
-          <a:chExt cx="0" cy="0"/>
-        </a:xfrm>
-      </p:grpSpPr>
-      <p:sp>
-        <p:nvSpPr>
-          <p:cNvPr id="2" name="Title 1">
-            <a:extLst>
-              <a:ext uri="{FF2B5EF4-FFF2-40B4-BE49-F238E27FC236}">
-                <a16:creationId xmlns:a16="http://schemas.microsoft.com/office/drawing/2014/main" id="{84EEC1A3-E984-4881-B54A-F1C5E73F7696}"/>
-              </a:ext>
-            </a:extLst>
-          </p:cNvPr>
-          <p:cNvSpPr>
-            <a:spLocks noGrp="1"/>
-          </p:cNvSpPr>
-          <p:nvPr>
-            <p:ph type="title"/>
-          </p:nvPr>
-        </p:nvSpPr>
-        <p:spPr/>
-        <p:txBody>
-          <a:bodyPr/>
-          <a:lstStyle/>
-          <a:p>
-            <a:r>
-              <a:rPr lang="en-US" dirty="0"/>
-              <a:t>Dataset &amp; Case</a:t>
-            </a:r>
-          </a:p>
-        </p:txBody>
-      </p:sp>
-      <p:sp>
-        <p:nvSpPr>
-          <p:cNvPr id="3" name="Content Placeholder 2">
-            <a:extLst>
-              <a:ext uri="{FF2B5EF4-FFF2-40B4-BE49-F238E27FC236}">
-                <a16:creationId xmlns:a16="http://schemas.microsoft.com/office/drawing/2014/main" id="{6454B748-3B9E-49AD-A4D5-FC6C95CAE875}"/>
-              </a:ext>
-            </a:extLst>
-          </p:cNvPr>
-          <p:cNvSpPr>
-            <a:spLocks noGrp="1"/>
-          </p:cNvSpPr>
-          <p:nvPr>
-            <p:ph idx="1"/>
-          </p:nvPr>
-        </p:nvSpPr>
-        <p:spPr/>
-        <p:txBody>
-          <a:bodyPr>
-            <a:normAutofit/>
-          </a:bodyPr>
-          <a:lstStyle/>
-          <a:p>
-            <a:pPr>
-              <a:buFontTx/>
-              <a:buChar char="-"/>
-            </a:pPr>
-            <a:r>
-              <a:rPr lang="en-US" sz="2400" dirty="0"/>
-              <a:t>Dataset used was bank marketing campaign dataset from </a:t>
-            </a:r>
-            <a:r>
-              <a:rPr lang="en-US" sz="2400" dirty="0" err="1"/>
-              <a:t>Kaggle</a:t>
-            </a:r>
-            <a:r>
-              <a:rPr lang="en-US" sz="2400" dirty="0"/>
-              <a:t> (https://www.kaggle.com/volodymyrgavrysh/bank-marketing-campaigns-dataset)</a:t>
-            </a:r>
-          </a:p>
-          <a:p>
-            <a:pPr>
-              <a:buFontTx/>
-              <a:buChar char="-"/>
-            </a:pPr>
-            <a:r>
-              <a:rPr lang="en-US" sz="2400" dirty="0"/>
-              <a:t>Features Description</a:t>
-            </a:r>
-          </a:p>
-          <a:p>
-            <a:pPr lvl="1"/>
-            <a:r>
-              <a:rPr lang="en-US" sz="2000" dirty="0"/>
-              <a:t>Bank client data:</a:t>
-            </a:r>
-          </a:p>
-          <a:p>
-            <a:pPr lvl="2"/>
-            <a:r>
-              <a:rPr lang="en-US" sz="1600" dirty="0"/>
-              <a:t>Age (numerical continuous)</a:t>
-            </a:r>
-          </a:p>
-          <a:p>
-            <a:pPr lvl="2"/>
-            <a:r>
-              <a:rPr lang="en-US" sz="1600" dirty="0"/>
-              <a:t>Job : type of job (categorical: "</a:t>
-            </a:r>
-            <a:r>
-              <a:rPr lang="en-US" sz="1600" dirty="0" err="1"/>
-              <a:t>admin.","blue-collar","entrepreneur</a:t>
-            </a:r>
-            <a:r>
-              <a:rPr lang="en-US" sz="1600" dirty="0"/>
-              <a:t>",...,"unknown")</a:t>
-            </a:r>
-          </a:p>
-          <a:p>
-            <a:pPr lvl="2"/>
-            <a:r>
-              <a:rPr lang="en-US" sz="1600" dirty="0"/>
-              <a:t>Marital : marital status (categorical: "</a:t>
-            </a:r>
-            <a:r>
-              <a:rPr lang="en-US" sz="1600" dirty="0" err="1"/>
-              <a:t>divorced","married","single","unknown</a:t>
-            </a:r>
-            <a:r>
-              <a:rPr lang="en-US" sz="1600" dirty="0"/>
-              <a:t>")</a:t>
-            </a:r>
-          </a:p>
-          <a:p>
-            <a:pPr lvl="2"/>
-            <a:r>
-              <a:rPr lang="en-US" sz="1600" dirty="0"/>
-              <a:t>Education : (categorical: "illiterate",...,"</a:t>
-            </a:r>
-            <a:r>
-              <a:rPr lang="en-US" sz="1600" dirty="0" err="1"/>
-              <a:t>university.degree","unknown</a:t>
-            </a:r>
-            <a:r>
-              <a:rPr lang="en-US" sz="1600" dirty="0"/>
-              <a:t>")</a:t>
-            </a:r>
-          </a:p>
-          <a:p>
-            <a:pPr lvl="2"/>
-            <a:r>
-              <a:rPr lang="en-US" sz="1600" dirty="0"/>
-              <a:t>Default: has credit in default? (categorical: "</a:t>
-            </a:r>
-            <a:r>
-              <a:rPr lang="en-US" sz="1600" dirty="0" err="1"/>
-              <a:t>no","yes","unknown</a:t>
-            </a:r>
-            <a:r>
-              <a:rPr lang="en-US" sz="1600" dirty="0"/>
-              <a:t>")</a:t>
-            </a:r>
-          </a:p>
-          <a:p>
-            <a:pPr lvl="2"/>
-            <a:r>
-              <a:rPr lang="en-US" sz="1600" dirty="0"/>
-              <a:t>Housing: has housing loan? (categorical: "</a:t>
-            </a:r>
-            <a:r>
-              <a:rPr lang="en-US" sz="1600" dirty="0" err="1"/>
-              <a:t>no","yes","unknown</a:t>
-            </a:r>
-            <a:r>
-              <a:rPr lang="en-US" sz="1600" dirty="0"/>
-              <a:t>")</a:t>
-            </a:r>
-          </a:p>
-          <a:p>
-            <a:pPr lvl="2"/>
-            <a:r>
-              <a:rPr lang="en-US" sz="1600" dirty="0"/>
-              <a:t>Loan: has personal loan? (categorical: "</a:t>
-            </a:r>
-            <a:r>
-              <a:rPr lang="en-US" sz="1600" dirty="0" err="1"/>
-              <a:t>no","yes","unknown</a:t>
-            </a:r>
-            <a:r>
-              <a:rPr lang="en-US" sz="1600" dirty="0"/>
-              <a:t>")</a:t>
-            </a:r>
-          </a:p>
-        </p:txBody>
-      </p:sp>
-    </p:spTree>
-    <p:extLst>
-      <p:ext uri="{BB962C8B-B14F-4D97-AF65-F5344CB8AC3E}">
-        <p14:creationId xmlns:p14="http://schemas.microsoft.com/office/powerpoint/2010/main" val="984482081"/>
-      </p:ext>
-    </p:extLst>
-  </p:cSld>
-  <p:clrMapOvr>
-    <a:masterClrMapping/>
-  </p:clrMapOvr>
-</p:sld>
-</file>
-
-<file path=ppt/slides/slide30.xml><?xml version="1.0" encoding="utf-8"?>
+<file path=ppt/slides/slide31.xml><?xml version="1.0" encoding="utf-8"?>
 <p:sld xmlns:a="http://schemas.openxmlformats.org/drawingml/2006/main" xmlns:r="http://schemas.openxmlformats.org/officeDocument/2006/relationships" xmlns:p="http://schemas.openxmlformats.org/presentationml/2006/main">
   <p:cSld>
     <p:spTree>
@@ -22382,7 +24438,7 @@
 </p:sld>
 </file>
 
-<file path=ppt/slides/slide31.xml><?xml version="1.0" encoding="utf-8"?>
+<file path=ppt/slides/slide32.xml><?xml version="1.0" encoding="utf-8"?>
 <p:sld xmlns:a="http://schemas.openxmlformats.org/drawingml/2006/main" xmlns:r="http://schemas.openxmlformats.org/officeDocument/2006/relationships" xmlns:p="http://schemas.openxmlformats.org/presentationml/2006/main">
   <p:cSld>
     <p:spTree>
@@ -23310,7 +25366,7 @@
 </p:sld>
 </file>
 
-<file path=ppt/slides/slide32.xml><?xml version="1.0" encoding="utf-8"?>
+<file path=ppt/slides/slide33.xml><?xml version="1.0" encoding="utf-8"?>
 <p:sld xmlns:a="http://schemas.openxmlformats.org/drawingml/2006/main" xmlns:r="http://schemas.openxmlformats.org/officeDocument/2006/relationships" xmlns:p="http://schemas.openxmlformats.org/presentationml/2006/main">
   <p:cSld>
     <p:spTree>
@@ -24029,7 +26085,7 @@
 </p:sld>
 </file>
 
-<file path=ppt/slides/slide33.xml><?xml version="1.0" encoding="utf-8"?>
+<file path=ppt/slides/slide34.xml><?xml version="1.0" encoding="utf-8"?>
 <p:sld xmlns:a="http://schemas.openxmlformats.org/drawingml/2006/main" xmlns:r="http://schemas.openxmlformats.org/officeDocument/2006/relationships" xmlns:p="http://schemas.openxmlformats.org/presentationml/2006/main">
   <p:cSld>
     <p:spTree>
@@ -24064,7 +26120,7 @@
         </p:nvSpPr>
         <p:spPr>
           <a:xfrm>
-            <a:off x="838200" y="365125"/>
+            <a:off x="838200" y="133904"/>
             <a:ext cx="11016916" cy="1325563"/>
           </a:xfrm>
         </p:spPr>
@@ -24104,7 +26160,12 @@
             <p:ph idx="1"/>
           </p:nvPr>
         </p:nvSpPr>
-        <p:spPr/>
+        <p:spPr>
+          <a:xfrm>
+            <a:off x="838200" y="1594404"/>
+            <a:ext cx="10515600" cy="4351338"/>
+          </a:xfrm>
+        </p:spPr>
         <p:txBody>
           <a:bodyPr>
             <a:normAutofit/>
@@ -24136,10 +26197,16 @@
           <p:cNvGraphicFramePr>
             <a:graphicFrameLocks noGrp="1"/>
           </p:cNvGraphicFramePr>
-          <p:nvPr/>
+          <p:nvPr>
+            <p:extLst>
+              <p:ext uri="{D42A27DB-BD31-4B8C-83A1-F6EECF244321}">
+                <p14:modId xmlns:p14="http://schemas.microsoft.com/office/powerpoint/2010/main" val="2013875415"/>
+              </p:ext>
+            </p:extLst>
+          </p:nvPr>
         </p:nvGraphicFramePr>
         <p:xfrm>
-          <a:off x="1124712" y="1436497"/>
+          <a:off x="1124712" y="1205276"/>
           <a:ext cx="10122408" cy="914400"/>
         </p:xfrm>
         <a:graphic>
@@ -24732,7 +26799,7 @@
         </p:nvSpPr>
         <p:spPr>
           <a:xfrm>
-            <a:off x="1531095" y="6331952"/>
+            <a:off x="1531095" y="6279402"/>
             <a:ext cx="9558668" cy="523220"/>
           </a:xfrm>
           <a:prstGeom prst="rect">
@@ -24789,7 +26856,7 @@
         </p:blipFill>
         <p:spPr>
           <a:xfrm>
-            <a:off x="329605" y="2373828"/>
+            <a:off x="329605" y="2205668"/>
             <a:ext cx="11557591" cy="4062175"/>
           </a:xfrm>
           <a:prstGeom prst="rect">
@@ -24810,7 +26877,7 @@
 </p:sld>
 </file>
 
-<file path=ppt/slides/slide34.xml><?xml version="1.0" encoding="utf-8"?>
+<file path=ppt/slides/slide35.xml><?xml version="1.0" encoding="utf-8"?>
 <p:sld xmlns:a="http://schemas.openxmlformats.org/drawingml/2006/main" xmlns:r="http://schemas.openxmlformats.org/officeDocument/2006/relationships" xmlns:p="http://schemas.openxmlformats.org/presentationml/2006/main">
   <p:cSld>
     <p:spTree>
@@ -25043,7 +27110,7 @@
 </p:sld>
 </file>
 
-<file path=ppt/slides/slide35.xml><?xml version="1.0" encoding="utf-8"?>
+<file path=ppt/slides/slide36.xml><?xml version="1.0" encoding="utf-8"?>
 <p:sld xmlns:a="http://schemas.openxmlformats.org/drawingml/2006/main" xmlns:r="http://schemas.openxmlformats.org/officeDocument/2006/relationships" xmlns:p="http://schemas.openxmlformats.org/presentationml/2006/main">
   <p:cSld>
     <p:spTree>
@@ -25260,7 +27327,7 @@
 </p:sld>
 </file>
 
-<file path=ppt/slides/slide36.xml><?xml version="1.0" encoding="utf-8"?>
+<file path=ppt/slides/slide37.xml><?xml version="1.0" encoding="utf-8"?>
 <p:sld xmlns:a="http://schemas.openxmlformats.org/drawingml/2006/main" xmlns:r="http://schemas.openxmlformats.org/officeDocument/2006/relationships" xmlns:p="http://schemas.openxmlformats.org/presentationml/2006/main">
   <p:cSld>
     <p:spTree>
@@ -25477,7 +27544,7 @@
 </p:sld>
 </file>
 
-<file path=ppt/slides/slide37.xml><?xml version="1.0" encoding="utf-8"?>
+<file path=ppt/slides/slide38.xml><?xml version="1.0" encoding="utf-8"?>
 <p:sld xmlns:a="http://schemas.openxmlformats.org/drawingml/2006/main" xmlns:r="http://schemas.openxmlformats.org/officeDocument/2006/relationships" xmlns:p="http://schemas.openxmlformats.org/presentationml/2006/main">
   <p:cSld>
     <p:spTree>
@@ -25694,7 +27761,7 @@
 </p:sld>
 </file>
 
-<file path=ppt/slides/slide38.xml><?xml version="1.0" encoding="utf-8"?>
+<file path=ppt/slides/slide39.xml><?xml version="1.0" encoding="utf-8"?>
 <p:sld xmlns:a="http://schemas.openxmlformats.org/drawingml/2006/main" xmlns:r="http://schemas.openxmlformats.org/officeDocument/2006/relationships" xmlns:p="http://schemas.openxmlformats.org/presentationml/2006/main">
   <p:cSld>
     <p:spTree>
@@ -26622,7 +28689,254 @@
 </p:sld>
 </file>
 
-<file path=ppt/slides/slide39.xml><?xml version="1.0" encoding="utf-8"?>
+<file path=ppt/slides/slide4.xml><?xml version="1.0" encoding="utf-8"?>
+<p:sld xmlns:a="http://schemas.openxmlformats.org/drawingml/2006/main" xmlns:r="http://schemas.openxmlformats.org/officeDocument/2006/relationships" xmlns:p="http://schemas.openxmlformats.org/presentationml/2006/main">
+  <p:cSld>
+    <p:spTree>
+      <p:nvGrpSpPr>
+        <p:cNvPr id="1" name=""/>
+        <p:cNvGrpSpPr/>
+        <p:nvPr/>
+      </p:nvGrpSpPr>
+      <p:grpSpPr>
+        <a:xfrm>
+          <a:off x="0" y="0"/>
+          <a:ext cx="0" cy="0"/>
+          <a:chOff x="0" y="0"/>
+          <a:chExt cx="0" cy="0"/>
+        </a:xfrm>
+      </p:grpSpPr>
+      <p:sp>
+        <p:nvSpPr>
+          <p:cNvPr id="2" name="Title 1">
+            <a:extLst>
+              <a:ext uri="{FF2B5EF4-FFF2-40B4-BE49-F238E27FC236}">
+                <a16:creationId xmlns:a16="http://schemas.microsoft.com/office/drawing/2014/main" id="{84EEC1A3-E984-4881-B54A-F1C5E73F7696}"/>
+              </a:ext>
+            </a:extLst>
+          </p:cNvPr>
+          <p:cNvSpPr>
+            <a:spLocks noGrp="1"/>
+          </p:cNvSpPr>
+          <p:nvPr>
+            <p:ph type="title"/>
+          </p:nvPr>
+        </p:nvSpPr>
+        <p:spPr/>
+        <p:txBody>
+          <a:bodyPr/>
+          <a:lstStyle/>
+          <a:p>
+            <a:r>
+              <a:rPr lang="en-US" dirty="0"/>
+              <a:t>Dataset &amp; Case</a:t>
+            </a:r>
+          </a:p>
+        </p:txBody>
+      </p:sp>
+      <p:sp>
+        <p:nvSpPr>
+          <p:cNvPr id="3" name="Content Placeholder 2">
+            <a:extLst>
+              <a:ext uri="{FF2B5EF4-FFF2-40B4-BE49-F238E27FC236}">
+                <a16:creationId xmlns:a16="http://schemas.microsoft.com/office/drawing/2014/main" id="{6454B748-3B9E-49AD-A4D5-FC6C95CAE875}"/>
+              </a:ext>
+            </a:extLst>
+          </p:cNvPr>
+          <p:cNvSpPr>
+            <a:spLocks noGrp="1"/>
+          </p:cNvSpPr>
+          <p:nvPr>
+            <p:ph idx="1"/>
+          </p:nvPr>
+        </p:nvSpPr>
+        <p:spPr/>
+        <p:txBody>
+          <a:bodyPr>
+            <a:normAutofit fontScale="32500" lnSpcReduction="20000"/>
+          </a:bodyPr>
+          <a:lstStyle/>
+          <a:p>
+            <a:pPr>
+              <a:buFontTx/>
+              <a:buChar char="-"/>
+            </a:pPr>
+            <a:endParaRPr lang="en-US" dirty="0"/>
+          </a:p>
+          <a:p>
+            <a:pPr lvl="1"/>
+            <a:r>
+              <a:rPr lang="en-US" sz="6000" dirty="0"/>
+              <a:t>Related with the last contact of the current campaign:</a:t>
+            </a:r>
+          </a:p>
+          <a:p>
+            <a:pPr lvl="2"/>
+            <a:r>
+              <a:rPr lang="en-US" sz="5000" dirty="0"/>
+              <a:t>Contact: contact communication type (categorical: "</a:t>
+            </a:r>
+            <a:r>
+              <a:rPr lang="en-US" sz="5000" dirty="0" err="1"/>
+              <a:t>cellular","telephone</a:t>
+            </a:r>
+            <a:r>
+              <a:rPr lang="en-US" sz="5000" dirty="0"/>
+              <a:t>")</a:t>
+            </a:r>
+          </a:p>
+          <a:p>
+            <a:pPr lvl="2"/>
+            <a:r>
+              <a:rPr lang="en-US" sz="5000" dirty="0"/>
+              <a:t>Month: last contact month of year (categorical: "</a:t>
+            </a:r>
+            <a:r>
+              <a:rPr lang="en-US" sz="5000" dirty="0" err="1"/>
+              <a:t>jan</a:t>
+            </a:r>
+            <a:r>
+              <a:rPr lang="en-US" sz="5000" dirty="0"/>
+              <a:t>", …, "</a:t>
+            </a:r>
+            <a:r>
+              <a:rPr lang="en-US" sz="5000" dirty="0" err="1"/>
+              <a:t>nov</a:t>
+            </a:r>
+            <a:r>
+              <a:rPr lang="en-US" sz="5000" dirty="0"/>
+              <a:t>", "</a:t>
+            </a:r>
+            <a:r>
+              <a:rPr lang="en-US" sz="5000" dirty="0" err="1"/>
+              <a:t>dec</a:t>
+            </a:r>
+            <a:r>
+              <a:rPr lang="en-US" sz="5000" dirty="0"/>
+              <a:t>")</a:t>
+            </a:r>
+          </a:p>
+          <a:p>
+            <a:pPr lvl="2"/>
+            <a:r>
+              <a:rPr lang="en-US" sz="5000" dirty="0" err="1"/>
+              <a:t>Dayofweek</a:t>
+            </a:r>
+            <a:r>
+              <a:rPr lang="en-US" sz="5000" dirty="0"/>
+              <a:t>: last contact day of the week (categorical: "mon","</a:t>
+            </a:r>
+            <a:r>
+              <a:rPr lang="en-US" sz="5000" dirty="0" err="1"/>
+              <a:t>tue</a:t>
+            </a:r>
+            <a:r>
+              <a:rPr lang="en-US" sz="5000" dirty="0"/>
+              <a:t>",...)</a:t>
+            </a:r>
+          </a:p>
+          <a:p>
+            <a:pPr lvl="2"/>
+            <a:r>
+              <a:rPr lang="en-US" sz="5000" dirty="0"/>
+              <a:t>Duration: last contact duration, in seconds (numeric).</a:t>
+            </a:r>
+          </a:p>
+          <a:p>
+            <a:pPr lvl="3"/>
+            <a:r>
+              <a:rPr lang="en-US" sz="5000" dirty="0"/>
+              <a:t>Important note: this attribute highly affects the output target (e.g., if duration=0 then y="no"). , Can not get this feature before the campaign</a:t>
+            </a:r>
+          </a:p>
+          <a:p>
+            <a:pPr>
+              <a:buFontTx/>
+              <a:buChar char="-"/>
+            </a:pPr>
+            <a:endParaRPr lang="en-US" dirty="0"/>
+          </a:p>
+          <a:p>
+            <a:pPr lvl="1"/>
+            <a:r>
+              <a:rPr lang="en-US" sz="6000" dirty="0"/>
+              <a:t>Other attributes:</a:t>
+            </a:r>
+          </a:p>
+          <a:p>
+            <a:pPr lvl="2"/>
+            <a:r>
+              <a:rPr lang="en-US" sz="5000" dirty="0"/>
+              <a:t>Campaign: number of contacts performed during this campaign and for this client (numeric, includes last contact)</a:t>
+            </a:r>
+          </a:p>
+          <a:p>
+            <a:pPr lvl="3"/>
+            <a:r>
+              <a:rPr lang="en-US" sz="5000" dirty="0"/>
+              <a:t>Important note: Can not get this feature before the campaign</a:t>
+            </a:r>
+          </a:p>
+          <a:p>
+            <a:pPr lvl="2"/>
+            <a:r>
+              <a:rPr lang="en-US" sz="5000" dirty="0" err="1"/>
+              <a:t>Pdays</a:t>
+            </a:r>
+            <a:r>
+              <a:rPr lang="en-US" sz="5000" dirty="0"/>
+              <a:t>: number of days that passed by after the client was last contacted from a previous campaign (numeric; 999 means client was not previously contacted)</a:t>
+            </a:r>
+          </a:p>
+          <a:p>
+            <a:pPr lvl="2"/>
+            <a:r>
+              <a:rPr lang="en-US" sz="5000" dirty="0"/>
+              <a:t>Previous: number of contacts performed before this campaign and for this client (numeric)</a:t>
+            </a:r>
+          </a:p>
+          <a:p>
+            <a:pPr lvl="2"/>
+            <a:r>
+              <a:rPr lang="en-US" sz="5000" dirty="0" err="1"/>
+              <a:t>Poutcome</a:t>
+            </a:r>
+            <a:r>
+              <a:rPr lang="en-US" sz="5000" dirty="0"/>
+              <a:t>: outcome of the previous marketing campaign (categorical: "</a:t>
+            </a:r>
+            <a:r>
+              <a:rPr lang="en-US" sz="5000" dirty="0" err="1"/>
+              <a:t>failure","nonexistent","success</a:t>
+            </a:r>
+            <a:r>
+              <a:rPr lang="en-US" sz="5000" dirty="0"/>
+              <a:t>")</a:t>
+            </a:r>
+          </a:p>
+          <a:p>
+            <a:pPr>
+              <a:buFontTx/>
+              <a:buChar char="-"/>
+            </a:pPr>
+            <a:endParaRPr lang="en-US" dirty="0"/>
+          </a:p>
+        </p:txBody>
+      </p:sp>
+    </p:spTree>
+    <p:extLst>
+      <p:ext uri="{BB962C8B-B14F-4D97-AF65-F5344CB8AC3E}">
+        <p14:creationId xmlns:p14="http://schemas.microsoft.com/office/powerpoint/2010/main" val="3114688720"/>
+      </p:ext>
+    </p:extLst>
+  </p:cSld>
+  <p:clrMapOvr>
+    <a:masterClrMapping/>
+  </p:clrMapOvr>
+</p:sld>
+</file>
+
+<file path=ppt/slides/slide40.xml><?xml version="1.0" encoding="utf-8"?>
 <p:sld xmlns:a="http://schemas.openxmlformats.org/drawingml/2006/main" xmlns:r="http://schemas.openxmlformats.org/officeDocument/2006/relationships" xmlns:p="http://schemas.openxmlformats.org/presentationml/2006/main">
   <p:cSld>
     <p:spTree>
@@ -28395,254 +30709,7 @@
 </p:sld>
 </file>
 
-<file path=ppt/slides/slide4.xml><?xml version="1.0" encoding="utf-8"?>
-<p:sld xmlns:a="http://schemas.openxmlformats.org/drawingml/2006/main" xmlns:r="http://schemas.openxmlformats.org/officeDocument/2006/relationships" xmlns:p="http://schemas.openxmlformats.org/presentationml/2006/main">
-  <p:cSld>
-    <p:spTree>
-      <p:nvGrpSpPr>
-        <p:cNvPr id="1" name=""/>
-        <p:cNvGrpSpPr/>
-        <p:nvPr/>
-      </p:nvGrpSpPr>
-      <p:grpSpPr>
-        <a:xfrm>
-          <a:off x="0" y="0"/>
-          <a:ext cx="0" cy="0"/>
-          <a:chOff x="0" y="0"/>
-          <a:chExt cx="0" cy="0"/>
-        </a:xfrm>
-      </p:grpSpPr>
-      <p:sp>
-        <p:nvSpPr>
-          <p:cNvPr id="2" name="Title 1">
-            <a:extLst>
-              <a:ext uri="{FF2B5EF4-FFF2-40B4-BE49-F238E27FC236}">
-                <a16:creationId xmlns:a16="http://schemas.microsoft.com/office/drawing/2014/main" id="{84EEC1A3-E984-4881-B54A-F1C5E73F7696}"/>
-              </a:ext>
-            </a:extLst>
-          </p:cNvPr>
-          <p:cNvSpPr>
-            <a:spLocks noGrp="1"/>
-          </p:cNvSpPr>
-          <p:nvPr>
-            <p:ph type="title"/>
-          </p:nvPr>
-        </p:nvSpPr>
-        <p:spPr/>
-        <p:txBody>
-          <a:bodyPr/>
-          <a:lstStyle/>
-          <a:p>
-            <a:r>
-              <a:rPr lang="en-US" dirty="0"/>
-              <a:t>Dataset &amp; Case</a:t>
-            </a:r>
-          </a:p>
-        </p:txBody>
-      </p:sp>
-      <p:sp>
-        <p:nvSpPr>
-          <p:cNvPr id="3" name="Content Placeholder 2">
-            <a:extLst>
-              <a:ext uri="{FF2B5EF4-FFF2-40B4-BE49-F238E27FC236}">
-                <a16:creationId xmlns:a16="http://schemas.microsoft.com/office/drawing/2014/main" id="{6454B748-3B9E-49AD-A4D5-FC6C95CAE875}"/>
-              </a:ext>
-            </a:extLst>
-          </p:cNvPr>
-          <p:cNvSpPr>
-            <a:spLocks noGrp="1"/>
-          </p:cNvSpPr>
-          <p:nvPr>
-            <p:ph idx="1"/>
-          </p:nvPr>
-        </p:nvSpPr>
-        <p:spPr/>
-        <p:txBody>
-          <a:bodyPr>
-            <a:normAutofit fontScale="32500" lnSpcReduction="20000"/>
-          </a:bodyPr>
-          <a:lstStyle/>
-          <a:p>
-            <a:pPr>
-              <a:buFontTx/>
-              <a:buChar char="-"/>
-            </a:pPr>
-            <a:endParaRPr lang="en-US" dirty="0"/>
-          </a:p>
-          <a:p>
-            <a:pPr lvl="1"/>
-            <a:r>
-              <a:rPr lang="en-US" sz="6000" dirty="0"/>
-              <a:t>Related with the last contact of the current campaign:</a:t>
-            </a:r>
-          </a:p>
-          <a:p>
-            <a:pPr lvl="2"/>
-            <a:r>
-              <a:rPr lang="en-US" sz="5000" dirty="0"/>
-              <a:t>Contact: contact communication type (categorical: "</a:t>
-            </a:r>
-            <a:r>
-              <a:rPr lang="en-US" sz="5000" dirty="0" err="1"/>
-              <a:t>cellular","telephone</a:t>
-            </a:r>
-            <a:r>
-              <a:rPr lang="en-US" sz="5000" dirty="0"/>
-              <a:t>")</a:t>
-            </a:r>
-          </a:p>
-          <a:p>
-            <a:pPr lvl="2"/>
-            <a:r>
-              <a:rPr lang="en-US" sz="5000" dirty="0"/>
-              <a:t>Month: last contact month of year (categorical: "</a:t>
-            </a:r>
-            <a:r>
-              <a:rPr lang="en-US" sz="5000" dirty="0" err="1"/>
-              <a:t>jan</a:t>
-            </a:r>
-            <a:r>
-              <a:rPr lang="en-US" sz="5000" dirty="0"/>
-              <a:t>", …, "</a:t>
-            </a:r>
-            <a:r>
-              <a:rPr lang="en-US" sz="5000" dirty="0" err="1"/>
-              <a:t>nov</a:t>
-            </a:r>
-            <a:r>
-              <a:rPr lang="en-US" sz="5000" dirty="0"/>
-              <a:t>", "</a:t>
-            </a:r>
-            <a:r>
-              <a:rPr lang="en-US" sz="5000" dirty="0" err="1"/>
-              <a:t>dec</a:t>
-            </a:r>
-            <a:r>
-              <a:rPr lang="en-US" sz="5000" dirty="0"/>
-              <a:t>")</a:t>
-            </a:r>
-          </a:p>
-          <a:p>
-            <a:pPr lvl="2"/>
-            <a:r>
-              <a:rPr lang="en-US" sz="5000" dirty="0" err="1"/>
-              <a:t>Dayofweek</a:t>
-            </a:r>
-            <a:r>
-              <a:rPr lang="en-US" sz="5000" dirty="0"/>
-              <a:t>: last contact day of the week (categorical: "mon","</a:t>
-            </a:r>
-            <a:r>
-              <a:rPr lang="en-US" sz="5000" dirty="0" err="1"/>
-              <a:t>tue</a:t>
-            </a:r>
-            <a:r>
-              <a:rPr lang="en-US" sz="5000" dirty="0"/>
-              <a:t>",...)</a:t>
-            </a:r>
-          </a:p>
-          <a:p>
-            <a:pPr lvl="2"/>
-            <a:r>
-              <a:rPr lang="en-US" sz="5000" dirty="0"/>
-              <a:t>Duration: last contact duration, in seconds (numeric).</a:t>
-            </a:r>
-          </a:p>
-          <a:p>
-            <a:pPr lvl="3"/>
-            <a:r>
-              <a:rPr lang="en-US" sz="5000" dirty="0"/>
-              <a:t>Important note: this attribute highly affects the output target (e.g., if duration=0 then y="no"). , Can not get this feature before the campaign</a:t>
-            </a:r>
-          </a:p>
-          <a:p>
-            <a:pPr>
-              <a:buFontTx/>
-              <a:buChar char="-"/>
-            </a:pPr>
-            <a:endParaRPr lang="en-US" dirty="0"/>
-          </a:p>
-          <a:p>
-            <a:pPr lvl="1"/>
-            <a:r>
-              <a:rPr lang="en-US" sz="6000" dirty="0"/>
-              <a:t>Other attributes:</a:t>
-            </a:r>
-          </a:p>
-          <a:p>
-            <a:pPr lvl="2"/>
-            <a:r>
-              <a:rPr lang="en-US" sz="5000" dirty="0"/>
-              <a:t>Campaign: number of contacts performed during this campaign and for this client (numeric, includes last contact)</a:t>
-            </a:r>
-          </a:p>
-          <a:p>
-            <a:pPr lvl="3"/>
-            <a:r>
-              <a:rPr lang="en-US" sz="5000" dirty="0"/>
-              <a:t>Important note: Can not get this feature before the campaign</a:t>
-            </a:r>
-          </a:p>
-          <a:p>
-            <a:pPr lvl="2"/>
-            <a:r>
-              <a:rPr lang="en-US" sz="5000" dirty="0" err="1"/>
-              <a:t>Pdays</a:t>
-            </a:r>
-            <a:r>
-              <a:rPr lang="en-US" sz="5000" dirty="0"/>
-              <a:t>: number of days that passed by after the client was last contacted from a previous campaign (numeric; 999 means client was not previously contacted)</a:t>
-            </a:r>
-          </a:p>
-          <a:p>
-            <a:pPr lvl="2"/>
-            <a:r>
-              <a:rPr lang="en-US" sz="5000" dirty="0"/>
-              <a:t>Previous: number of contacts performed before this campaign and for this client (numeric)</a:t>
-            </a:r>
-          </a:p>
-          <a:p>
-            <a:pPr lvl="2"/>
-            <a:r>
-              <a:rPr lang="en-US" sz="5000" dirty="0" err="1"/>
-              <a:t>Poutcome</a:t>
-            </a:r>
-            <a:r>
-              <a:rPr lang="en-US" sz="5000" dirty="0"/>
-              <a:t>: outcome of the previous marketing campaign (categorical: "</a:t>
-            </a:r>
-            <a:r>
-              <a:rPr lang="en-US" sz="5000" dirty="0" err="1"/>
-              <a:t>failure","nonexistent","success</a:t>
-            </a:r>
-            <a:r>
-              <a:rPr lang="en-US" sz="5000" dirty="0"/>
-              <a:t>")</a:t>
-            </a:r>
-          </a:p>
-          <a:p>
-            <a:pPr>
-              <a:buFontTx/>
-              <a:buChar char="-"/>
-            </a:pPr>
-            <a:endParaRPr lang="en-US" dirty="0"/>
-          </a:p>
-        </p:txBody>
-      </p:sp>
-    </p:spTree>
-    <p:extLst>
-      <p:ext uri="{BB962C8B-B14F-4D97-AF65-F5344CB8AC3E}">
-        <p14:creationId xmlns:p14="http://schemas.microsoft.com/office/powerpoint/2010/main" val="3114688720"/>
-      </p:ext>
-    </p:extLst>
-  </p:cSld>
-  <p:clrMapOvr>
-    <a:masterClrMapping/>
-  </p:clrMapOvr>
-</p:sld>
-</file>
-
-<file path=ppt/slides/slide40.xml><?xml version="1.0" encoding="utf-8"?>
+<file path=ppt/slides/slide41.xml><?xml version="1.0" encoding="utf-8"?>
 <p:sld xmlns:a="http://schemas.openxmlformats.org/drawingml/2006/main" xmlns:r="http://schemas.openxmlformats.org/officeDocument/2006/relationships" xmlns:p="http://schemas.openxmlformats.org/presentationml/2006/main">
   <p:cSld>
     <p:spTree>
@@ -30415,7 +32482,7 @@
 </p:sld>
 </file>
 
-<file path=ppt/slides/slide41.xml><?xml version="1.0" encoding="utf-8"?>
+<file path=ppt/slides/slide42.xml><?xml version="1.0" encoding="utf-8"?>
 <p:sld xmlns:a="http://schemas.openxmlformats.org/drawingml/2006/main" xmlns:r="http://schemas.openxmlformats.org/officeDocument/2006/relationships" xmlns:p="http://schemas.openxmlformats.org/presentationml/2006/main">
   <p:cSld>
     <p:spTree>
@@ -30648,7 +32715,7 @@
 </p:sld>
 </file>
 
-<file path=ppt/slides/slide42.xml><?xml version="1.0" encoding="utf-8"?>
+<file path=ppt/slides/slide43.xml><?xml version="1.0" encoding="utf-8"?>
 <p:sld xmlns:a="http://schemas.openxmlformats.org/drawingml/2006/main" xmlns:r="http://schemas.openxmlformats.org/officeDocument/2006/relationships" xmlns:p="http://schemas.openxmlformats.org/presentationml/2006/main">
   <p:cSld>
     <p:spTree>
@@ -31582,7 +33649,7 @@
 </p:sld>
 </file>
 
-<file path=ppt/slides/slide43.xml><?xml version="1.0" encoding="utf-8"?>
+<file path=ppt/slides/slide44.xml><?xml version="1.0" encoding="utf-8"?>
 <p:sld xmlns:a="http://schemas.openxmlformats.org/drawingml/2006/main" xmlns:r="http://schemas.openxmlformats.org/officeDocument/2006/relationships" xmlns:p="http://schemas.openxmlformats.org/presentationml/2006/main">
   <p:cSld>
     <p:spTree>
@@ -31642,7 +33709,7 @@
 </p:sld>
 </file>
 
-<file path=ppt/slides/slide44.xml><?xml version="1.0" encoding="utf-8"?>
+<file path=ppt/slides/slide45.xml><?xml version="1.0" encoding="utf-8"?>
 <p:sld xmlns:a="http://schemas.openxmlformats.org/drawingml/2006/main" xmlns:r="http://schemas.openxmlformats.org/officeDocument/2006/relationships" xmlns:p="http://schemas.openxmlformats.org/presentationml/2006/main">
   <p:cSld>
     <p:spTree>
@@ -32024,7 +34091,7 @@
 </p:sld>
 </file>
 
-<file path=ppt/slides/slide45.xml><?xml version="1.0" encoding="utf-8"?>
+<file path=ppt/slides/slide46.xml><?xml version="1.0" encoding="utf-8"?>
 <p:sld xmlns:a="http://schemas.openxmlformats.org/drawingml/2006/main" xmlns:r="http://schemas.openxmlformats.org/officeDocument/2006/relationships" xmlns:p="http://schemas.openxmlformats.org/presentationml/2006/main">
   <p:cSld>
     <p:spTree>
@@ -32210,7 +34277,7 @@
 </p:sld>
 </file>
 
-<file path=ppt/slides/slide46.xml><?xml version="1.0" encoding="utf-8"?>
+<file path=ppt/slides/slide47.xml><?xml version="1.0" encoding="utf-8"?>
 <p:sld xmlns:a="http://schemas.openxmlformats.org/drawingml/2006/main" xmlns:r="http://schemas.openxmlformats.org/officeDocument/2006/relationships" xmlns:p="http://schemas.openxmlformats.org/presentationml/2006/main">
   <p:cSld>
     <p:spTree>
@@ -32506,7 +34573,7 @@
 </p:sld>
 </file>
 
-<file path=ppt/slides/slide47.xml><?xml version="1.0" encoding="utf-8"?>
+<file path=ppt/slides/slide48.xml><?xml version="1.0" encoding="utf-8"?>
 <p:sld xmlns:a="http://schemas.openxmlformats.org/drawingml/2006/main" xmlns:r="http://schemas.openxmlformats.org/officeDocument/2006/relationships" xmlns:p="http://schemas.openxmlformats.org/presentationml/2006/main">
   <p:cSld>
     <p:spTree>
@@ -32813,7 +34880,7 @@
 </p:sld>
 </file>
 
-<file path=ppt/slides/slide48.xml><?xml version="1.0" encoding="utf-8"?>
+<file path=ppt/slides/slide49.xml><?xml version="1.0" encoding="utf-8"?>
 <p:sld xmlns:a="http://schemas.openxmlformats.org/drawingml/2006/main" xmlns:r="http://schemas.openxmlformats.org/officeDocument/2006/relationships" xmlns:p="http://schemas.openxmlformats.org/presentationml/2006/main">
   <p:cSld>
     <p:spTree>
@@ -33130,7 +35197,205 @@
 </p:sld>
 </file>
 
-<file path=ppt/slides/slide49.xml><?xml version="1.0" encoding="utf-8"?>
+<file path=ppt/slides/slide5.xml><?xml version="1.0" encoding="utf-8"?>
+<p:sld xmlns:a="http://schemas.openxmlformats.org/drawingml/2006/main" xmlns:r="http://schemas.openxmlformats.org/officeDocument/2006/relationships" xmlns:p="http://schemas.openxmlformats.org/presentationml/2006/main">
+  <p:cSld>
+    <p:spTree>
+      <p:nvGrpSpPr>
+        <p:cNvPr id="1" name=""/>
+        <p:cNvGrpSpPr/>
+        <p:nvPr/>
+      </p:nvGrpSpPr>
+      <p:grpSpPr>
+        <a:xfrm>
+          <a:off x="0" y="0"/>
+          <a:ext cx="0" cy="0"/>
+          <a:chOff x="0" y="0"/>
+          <a:chExt cx="0" cy="0"/>
+        </a:xfrm>
+      </p:grpSpPr>
+      <p:sp>
+        <p:nvSpPr>
+          <p:cNvPr id="2" name="Title 1">
+            <a:extLst>
+              <a:ext uri="{FF2B5EF4-FFF2-40B4-BE49-F238E27FC236}">
+                <a16:creationId xmlns:a16="http://schemas.microsoft.com/office/drawing/2014/main" id="{84EEC1A3-E984-4881-B54A-F1C5E73F7696}"/>
+              </a:ext>
+            </a:extLst>
+          </p:cNvPr>
+          <p:cNvSpPr>
+            <a:spLocks noGrp="1"/>
+          </p:cNvSpPr>
+          <p:nvPr>
+            <p:ph type="title"/>
+          </p:nvPr>
+        </p:nvSpPr>
+        <p:spPr/>
+        <p:txBody>
+          <a:bodyPr/>
+          <a:lstStyle/>
+          <a:p>
+            <a:r>
+              <a:rPr lang="en-US" dirty="0"/>
+              <a:t>Dataset &amp; Case</a:t>
+            </a:r>
+          </a:p>
+        </p:txBody>
+      </p:sp>
+      <p:sp>
+        <p:nvSpPr>
+          <p:cNvPr id="3" name="Content Placeholder 2">
+            <a:extLst>
+              <a:ext uri="{FF2B5EF4-FFF2-40B4-BE49-F238E27FC236}">
+                <a16:creationId xmlns:a16="http://schemas.microsoft.com/office/drawing/2014/main" id="{6454B748-3B9E-49AD-A4D5-FC6C95CAE875}"/>
+              </a:ext>
+            </a:extLst>
+          </p:cNvPr>
+          <p:cNvSpPr>
+            <a:spLocks noGrp="1"/>
+          </p:cNvSpPr>
+          <p:nvPr>
+            <p:ph idx="1"/>
+          </p:nvPr>
+        </p:nvSpPr>
+        <p:spPr/>
+        <p:txBody>
+          <a:bodyPr>
+            <a:normAutofit fontScale="92500" lnSpcReduction="10000"/>
+          </a:bodyPr>
+          <a:lstStyle/>
+          <a:p>
+            <a:pPr lvl="1"/>
+            <a:r>
+              <a:rPr lang="en-US" dirty="0"/>
+              <a:t>Social and economic context attributes</a:t>
+            </a:r>
+          </a:p>
+          <a:p>
+            <a:pPr lvl="2"/>
+            <a:r>
+              <a:rPr lang="en-US" dirty="0"/>
+              <a:t>- </a:t>
+            </a:r>
+            <a:r>
+              <a:rPr lang="en-US" dirty="0" err="1"/>
+              <a:t>Emp.var.rate</a:t>
+            </a:r>
+            <a:r>
+              <a:rPr lang="en-US" dirty="0"/>
+              <a:t>: employment variation rate - quarterly indicator (numeric)</a:t>
+            </a:r>
+          </a:p>
+          <a:p>
+            <a:pPr lvl="2"/>
+            <a:r>
+              <a:rPr lang="en-US" dirty="0"/>
+              <a:t>- </a:t>
+            </a:r>
+            <a:r>
+              <a:rPr lang="en-US" dirty="0" err="1"/>
+              <a:t>Cons.price.idx</a:t>
+            </a:r>
+            <a:r>
+              <a:rPr lang="en-US" dirty="0"/>
+              <a:t>: consumer price index - monthly indicator (changes in the price level of a weighted average market basket of consumer goods and services purchased by households, affect inflation (numeric))</a:t>
+            </a:r>
+          </a:p>
+          <a:p>
+            <a:pPr lvl="2"/>
+            <a:r>
+              <a:rPr lang="en-US" dirty="0"/>
+              <a:t>- </a:t>
+            </a:r>
+            <a:r>
+              <a:rPr lang="en-US" dirty="0" err="1"/>
+              <a:t>Cons.conf.idx</a:t>
+            </a:r>
+            <a:r>
+              <a:rPr lang="en-US" dirty="0"/>
+              <a:t>: consumer confidence index - monthly indicator (degree of consumers optimism are expressing through their activities of savings and spending. affect consumer behavior (numeric))</a:t>
+            </a:r>
+          </a:p>
+          <a:p>
+            <a:pPr lvl="2"/>
+            <a:r>
+              <a:rPr lang="en-US" dirty="0"/>
+              <a:t>- Euribor3m: </a:t>
+            </a:r>
+            <a:r>
+              <a:rPr lang="en-US" dirty="0" err="1"/>
+              <a:t>euribor</a:t>
+            </a:r>
+            <a:r>
+              <a:rPr lang="en-US" dirty="0"/>
+              <a:t> 3 month rate - daily indicator (</a:t>
+            </a:r>
+            <a:r>
+              <a:rPr lang="en-US" dirty="0" err="1"/>
+              <a:t>Euribor</a:t>
+            </a:r>
+            <a:r>
+              <a:rPr lang="en-US" dirty="0"/>
+              <a:t> (euro interbank offered rate) (numeric))</a:t>
+            </a:r>
+          </a:p>
+          <a:p>
+            <a:pPr lvl="2"/>
+            <a:r>
+              <a:rPr lang="en-US" dirty="0"/>
+              <a:t>- </a:t>
+            </a:r>
+            <a:r>
+              <a:rPr lang="en-US" dirty="0" err="1"/>
+              <a:t>Nr.employed</a:t>
+            </a:r>
+            <a:r>
+              <a:rPr lang="en-US" dirty="0"/>
+              <a:t>: number of employees - quarterly indicator (Number of employed persons for a quarter (numeric))</a:t>
+            </a:r>
+          </a:p>
+          <a:p>
+            <a:pPr lvl="1"/>
+            <a:endParaRPr lang="en-US" dirty="0"/>
+          </a:p>
+          <a:p>
+            <a:pPr lvl="1"/>
+            <a:r>
+              <a:rPr lang="en-US" dirty="0"/>
+              <a:t>Output variable (desired target):</a:t>
+            </a:r>
+          </a:p>
+          <a:p>
+            <a:pPr lvl="2"/>
+            <a:r>
+              <a:rPr lang="en-US" dirty="0"/>
+              <a:t>- y - has the client subscribed a term deposit? (binary: "</a:t>
+            </a:r>
+            <a:r>
+              <a:rPr lang="en-US" dirty="0" err="1"/>
+              <a:t>yes","no</a:t>
+            </a:r>
+            <a:r>
+              <a:rPr lang="en-US" dirty="0"/>
+              <a:t>")</a:t>
+            </a:r>
+          </a:p>
+        </p:txBody>
+      </p:sp>
+    </p:spTree>
+    <p:extLst>
+      <p:ext uri="{BB962C8B-B14F-4D97-AF65-F5344CB8AC3E}">
+        <p14:creationId xmlns:p14="http://schemas.microsoft.com/office/powerpoint/2010/main" val="3303592919"/>
+      </p:ext>
+    </p:extLst>
+  </p:cSld>
+  <p:clrMapOvr>
+    <a:masterClrMapping/>
+  </p:clrMapOvr>
+</p:sld>
+</file>
+
+<file path=ppt/slides/slide50.xml><?xml version="1.0" encoding="utf-8"?>
 <p:sld xmlns:a="http://schemas.openxmlformats.org/drawingml/2006/main" xmlns:r="http://schemas.openxmlformats.org/officeDocument/2006/relationships" xmlns:p="http://schemas.openxmlformats.org/presentationml/2006/main">
   <p:cSld>
     <p:spTree>
@@ -33426,205 +35691,7 @@
 </p:sld>
 </file>
 
-<file path=ppt/slides/slide5.xml><?xml version="1.0" encoding="utf-8"?>
-<p:sld xmlns:a="http://schemas.openxmlformats.org/drawingml/2006/main" xmlns:r="http://schemas.openxmlformats.org/officeDocument/2006/relationships" xmlns:p="http://schemas.openxmlformats.org/presentationml/2006/main">
-  <p:cSld>
-    <p:spTree>
-      <p:nvGrpSpPr>
-        <p:cNvPr id="1" name=""/>
-        <p:cNvGrpSpPr/>
-        <p:nvPr/>
-      </p:nvGrpSpPr>
-      <p:grpSpPr>
-        <a:xfrm>
-          <a:off x="0" y="0"/>
-          <a:ext cx="0" cy="0"/>
-          <a:chOff x="0" y="0"/>
-          <a:chExt cx="0" cy="0"/>
-        </a:xfrm>
-      </p:grpSpPr>
-      <p:sp>
-        <p:nvSpPr>
-          <p:cNvPr id="2" name="Title 1">
-            <a:extLst>
-              <a:ext uri="{FF2B5EF4-FFF2-40B4-BE49-F238E27FC236}">
-                <a16:creationId xmlns:a16="http://schemas.microsoft.com/office/drawing/2014/main" id="{84EEC1A3-E984-4881-B54A-F1C5E73F7696}"/>
-              </a:ext>
-            </a:extLst>
-          </p:cNvPr>
-          <p:cNvSpPr>
-            <a:spLocks noGrp="1"/>
-          </p:cNvSpPr>
-          <p:nvPr>
-            <p:ph type="title"/>
-          </p:nvPr>
-        </p:nvSpPr>
-        <p:spPr/>
-        <p:txBody>
-          <a:bodyPr/>
-          <a:lstStyle/>
-          <a:p>
-            <a:r>
-              <a:rPr lang="en-US" dirty="0"/>
-              <a:t>Dataset &amp; Case</a:t>
-            </a:r>
-          </a:p>
-        </p:txBody>
-      </p:sp>
-      <p:sp>
-        <p:nvSpPr>
-          <p:cNvPr id="3" name="Content Placeholder 2">
-            <a:extLst>
-              <a:ext uri="{FF2B5EF4-FFF2-40B4-BE49-F238E27FC236}">
-                <a16:creationId xmlns:a16="http://schemas.microsoft.com/office/drawing/2014/main" id="{6454B748-3B9E-49AD-A4D5-FC6C95CAE875}"/>
-              </a:ext>
-            </a:extLst>
-          </p:cNvPr>
-          <p:cNvSpPr>
-            <a:spLocks noGrp="1"/>
-          </p:cNvSpPr>
-          <p:nvPr>
-            <p:ph idx="1"/>
-          </p:nvPr>
-        </p:nvSpPr>
-        <p:spPr/>
-        <p:txBody>
-          <a:bodyPr>
-            <a:normAutofit fontScale="92500" lnSpcReduction="10000"/>
-          </a:bodyPr>
-          <a:lstStyle/>
-          <a:p>
-            <a:pPr lvl="1"/>
-            <a:r>
-              <a:rPr lang="en-US" dirty="0"/>
-              <a:t>Social and economic context attributes</a:t>
-            </a:r>
-          </a:p>
-          <a:p>
-            <a:pPr lvl="2"/>
-            <a:r>
-              <a:rPr lang="en-US" dirty="0"/>
-              <a:t>- </a:t>
-            </a:r>
-            <a:r>
-              <a:rPr lang="en-US" dirty="0" err="1"/>
-              <a:t>Emp.var.rate</a:t>
-            </a:r>
-            <a:r>
-              <a:rPr lang="en-US" dirty="0"/>
-              <a:t>: employment variation rate - quarterly indicator (numeric)</a:t>
-            </a:r>
-          </a:p>
-          <a:p>
-            <a:pPr lvl="2"/>
-            <a:r>
-              <a:rPr lang="en-US" dirty="0"/>
-              <a:t>- </a:t>
-            </a:r>
-            <a:r>
-              <a:rPr lang="en-US" dirty="0" err="1"/>
-              <a:t>Cons.price.idx</a:t>
-            </a:r>
-            <a:r>
-              <a:rPr lang="en-US" dirty="0"/>
-              <a:t>: consumer price index - monthly indicator (changes in the price level of a weighted average market basket of consumer goods and services purchased by households, affect inflation (numeric))</a:t>
-            </a:r>
-          </a:p>
-          <a:p>
-            <a:pPr lvl="2"/>
-            <a:r>
-              <a:rPr lang="en-US" dirty="0"/>
-              <a:t>- </a:t>
-            </a:r>
-            <a:r>
-              <a:rPr lang="en-US" dirty="0" err="1"/>
-              <a:t>Cons.conf.idx</a:t>
-            </a:r>
-            <a:r>
-              <a:rPr lang="en-US" dirty="0"/>
-              <a:t>: consumer confidence index - monthly indicator (degree of consumers optimism are expressing through their activities of savings and spending. affect consumer behavior (numeric))</a:t>
-            </a:r>
-          </a:p>
-          <a:p>
-            <a:pPr lvl="2"/>
-            <a:r>
-              <a:rPr lang="en-US" dirty="0"/>
-              <a:t>- Euribor3m: </a:t>
-            </a:r>
-            <a:r>
-              <a:rPr lang="en-US" dirty="0" err="1"/>
-              <a:t>euribor</a:t>
-            </a:r>
-            <a:r>
-              <a:rPr lang="en-US" dirty="0"/>
-              <a:t> 3 month rate - daily indicator (</a:t>
-            </a:r>
-            <a:r>
-              <a:rPr lang="en-US" dirty="0" err="1"/>
-              <a:t>Euribor</a:t>
-            </a:r>
-            <a:r>
-              <a:rPr lang="en-US" dirty="0"/>
-              <a:t> (euro interbank offered rate) (numeric))</a:t>
-            </a:r>
-          </a:p>
-          <a:p>
-            <a:pPr lvl="2"/>
-            <a:r>
-              <a:rPr lang="en-US" dirty="0"/>
-              <a:t>- </a:t>
-            </a:r>
-            <a:r>
-              <a:rPr lang="en-US" dirty="0" err="1"/>
-              <a:t>Nr.employed</a:t>
-            </a:r>
-            <a:r>
-              <a:rPr lang="en-US" dirty="0"/>
-              <a:t>: number of employees - quarterly indicator (Number of employed persons for a quarter (numeric))</a:t>
-            </a:r>
-          </a:p>
-          <a:p>
-            <a:pPr lvl="1"/>
-            <a:endParaRPr lang="en-US" dirty="0"/>
-          </a:p>
-          <a:p>
-            <a:pPr lvl="1"/>
-            <a:r>
-              <a:rPr lang="en-US" dirty="0"/>
-              <a:t>Output variable (desired target):</a:t>
-            </a:r>
-          </a:p>
-          <a:p>
-            <a:pPr lvl="2"/>
-            <a:r>
-              <a:rPr lang="en-US" dirty="0"/>
-              <a:t>- y - has the client subscribed a term deposit? (binary: "</a:t>
-            </a:r>
-            <a:r>
-              <a:rPr lang="en-US" dirty="0" err="1"/>
-              <a:t>yes","no</a:t>
-            </a:r>
-            <a:r>
-              <a:rPr lang="en-US" dirty="0"/>
-              <a:t>")</a:t>
-            </a:r>
-          </a:p>
-        </p:txBody>
-      </p:sp>
-    </p:spTree>
-    <p:extLst>
-      <p:ext uri="{BB962C8B-B14F-4D97-AF65-F5344CB8AC3E}">
-        <p14:creationId xmlns:p14="http://schemas.microsoft.com/office/powerpoint/2010/main" val="3303592919"/>
-      </p:ext>
-    </p:extLst>
-  </p:cSld>
-  <p:clrMapOvr>
-    <a:masterClrMapping/>
-  </p:clrMapOvr>
-</p:sld>
-</file>
-
-<file path=ppt/slides/slide50.xml><?xml version="1.0" encoding="utf-8"?>
+<file path=ppt/slides/slide51.xml><?xml version="1.0" encoding="utf-8"?>
 <p:sld xmlns:a="http://schemas.openxmlformats.org/drawingml/2006/main" xmlns:r="http://schemas.openxmlformats.org/officeDocument/2006/relationships" xmlns:p="http://schemas.openxmlformats.org/presentationml/2006/main">
   <p:cSld>
     <p:spTree>
@@ -33710,7 +35777,7 @@
 </p:sld>
 </file>
 
-<file path=ppt/slides/slide51.xml><?xml version="1.0" encoding="utf-8"?>
+<file path=ppt/slides/slide52.xml><?xml version="1.0" encoding="utf-8"?>
 <p:sld xmlns:a="http://schemas.openxmlformats.org/drawingml/2006/main" xmlns:r="http://schemas.openxmlformats.org/officeDocument/2006/relationships" xmlns:p="http://schemas.openxmlformats.org/presentationml/2006/main">
   <p:cSld>
     <p:spTree>
@@ -33796,7 +35863,7 @@
 </p:sld>
 </file>
 
-<file path=ppt/slides/slide52.xml><?xml version="1.0" encoding="utf-8"?>
+<file path=ppt/slides/slide53.xml><?xml version="1.0" encoding="utf-8"?>
 <p:sld xmlns:a="http://schemas.openxmlformats.org/drawingml/2006/main" xmlns:r="http://schemas.openxmlformats.org/officeDocument/2006/relationships" xmlns:p="http://schemas.openxmlformats.org/presentationml/2006/main">
   <p:cSld>
     <p:spTree>
@@ -34115,7 +36182,7 @@
 </p:sld>
 </file>
 
-<file path=ppt/slides/slide53.xml><?xml version="1.0" encoding="utf-8"?>
+<file path=ppt/slides/slide54.xml><?xml version="1.0" encoding="utf-8"?>
 <p:sld xmlns:a="http://schemas.openxmlformats.org/drawingml/2006/main" xmlns:r="http://schemas.openxmlformats.org/officeDocument/2006/relationships" xmlns:p="http://schemas.openxmlformats.org/presentationml/2006/main">
   <p:cSld>
     <p:spTree>
@@ -34392,6 +36459,106 @@
           </a:p>
         </p:txBody>
       </p:sp>
+      <p:sp>
+        <p:nvSpPr>
+          <p:cNvPr id="3" name="Rectangle 2">
+            <a:extLst>
+              <a:ext uri="{FF2B5EF4-FFF2-40B4-BE49-F238E27FC236}">
+                <a16:creationId xmlns:a16="http://schemas.microsoft.com/office/drawing/2014/main" id="{70AE03DF-FEDE-4334-BCCE-6A497B77320F}"/>
+              </a:ext>
+            </a:extLst>
+          </p:cNvPr>
+          <p:cNvSpPr/>
+          <p:nvPr/>
+        </p:nvSpPr>
+        <p:spPr>
+          <a:xfrm>
+            <a:off x="6705600" y="3678621"/>
+            <a:ext cx="3153103" cy="462455"/>
+          </a:xfrm>
+          <a:prstGeom prst="rect">
+            <a:avLst/>
+          </a:prstGeom>
+          <a:noFill/>
+          <a:ln w="38100">
+            <a:solidFill>
+              <a:srgbClr val="C00000"/>
+            </a:solidFill>
+          </a:ln>
+        </p:spPr>
+        <p:style>
+          <a:lnRef idx="2">
+            <a:schemeClr val="accent6"/>
+          </a:lnRef>
+          <a:fillRef idx="1">
+            <a:schemeClr val="lt1"/>
+          </a:fillRef>
+          <a:effectRef idx="0">
+            <a:schemeClr val="accent6"/>
+          </a:effectRef>
+          <a:fontRef idx="minor">
+            <a:schemeClr val="dk1"/>
+          </a:fontRef>
+        </p:style>
+        <p:txBody>
+          <a:bodyPr rtlCol="0" anchor="ctr"/>
+          <a:lstStyle/>
+          <a:p>
+            <a:pPr algn="ctr"/>
+            <a:endParaRPr lang="en-US"/>
+          </a:p>
+        </p:txBody>
+      </p:sp>
+      <p:sp>
+        <p:nvSpPr>
+          <p:cNvPr id="8" name="Rectangle 7">
+            <a:extLst>
+              <a:ext uri="{FF2B5EF4-FFF2-40B4-BE49-F238E27FC236}">
+                <a16:creationId xmlns:a16="http://schemas.microsoft.com/office/drawing/2014/main" id="{48F4025C-5388-4BC8-AF80-AFA76079E6CB}"/>
+              </a:ext>
+            </a:extLst>
+          </p:cNvPr>
+          <p:cNvSpPr/>
+          <p:nvPr/>
+        </p:nvSpPr>
+        <p:spPr>
+          <a:xfrm>
+            <a:off x="3234718" y="3678621"/>
+            <a:ext cx="1011461" cy="462455"/>
+          </a:xfrm>
+          <a:prstGeom prst="rect">
+            <a:avLst/>
+          </a:prstGeom>
+          <a:noFill/>
+          <a:ln w="38100">
+            <a:solidFill>
+              <a:srgbClr val="C00000"/>
+            </a:solidFill>
+          </a:ln>
+        </p:spPr>
+        <p:style>
+          <a:lnRef idx="2">
+            <a:schemeClr val="accent6"/>
+          </a:lnRef>
+          <a:fillRef idx="1">
+            <a:schemeClr val="lt1"/>
+          </a:fillRef>
+          <a:effectRef idx="0">
+            <a:schemeClr val="accent6"/>
+          </a:effectRef>
+          <a:fontRef idx="minor">
+            <a:schemeClr val="dk1"/>
+          </a:fontRef>
+        </p:style>
+        <p:txBody>
+          <a:bodyPr rtlCol="0" anchor="ctr"/>
+          <a:lstStyle/>
+          <a:p>
+            <a:pPr algn="ctr"/>
+            <a:endParaRPr lang="en-US"/>
+          </a:p>
+        </p:txBody>
+      </p:sp>
     </p:spTree>
     <p:extLst>
       <p:ext uri="{BB962C8B-B14F-4D97-AF65-F5344CB8AC3E}">
@@ -34405,7 +36572,7 @@
 </p:sld>
 </file>
 
-<file path=ppt/slides/slide54.xml><?xml version="1.0" encoding="utf-8"?>
+<file path=ppt/slides/slide55.xml><?xml version="1.0" encoding="utf-8"?>
 <p:sld xmlns:a="http://schemas.openxmlformats.org/drawingml/2006/main" xmlns:r="http://schemas.openxmlformats.org/officeDocument/2006/relationships" xmlns:p="http://schemas.openxmlformats.org/presentationml/2006/main">
   <p:cSld>
     <p:spTree>
@@ -34706,7 +36873,7 @@
 </p:sld>
 </file>
 
-<file path=ppt/slides/slide55.xml><?xml version="1.0" encoding="utf-8"?>
+<file path=ppt/slides/slide56.xml><?xml version="1.0" encoding="utf-8"?>
 <p:sld xmlns:a="http://schemas.openxmlformats.org/drawingml/2006/main" xmlns:r="http://schemas.openxmlformats.org/officeDocument/2006/relationships" xmlns:p="http://schemas.openxmlformats.org/presentationml/2006/main">
   <p:cSld>
     <p:spTree>
@@ -35217,7 +37384,7 @@
 </p:sld>
 </file>
 
-<file path=ppt/slides/slide56.xml><?xml version="1.0" encoding="utf-8"?>
+<file path=ppt/slides/slide57.xml><?xml version="1.0" encoding="utf-8"?>
 <p:sld xmlns:a="http://schemas.openxmlformats.org/drawingml/2006/main" xmlns:r="http://schemas.openxmlformats.org/officeDocument/2006/relationships" xmlns:p="http://schemas.openxmlformats.org/presentationml/2006/main">
   <p:cSld>
     <p:spTree>
@@ -35493,7 +37660,7 @@
 </p:sld>
 </file>
 
-<file path=ppt/slides/slide57.xml><?xml version="1.0" encoding="utf-8"?>
+<file path=ppt/slides/slide58.xml><?xml version="1.0" encoding="utf-8"?>
 <p:sld xmlns:a="http://schemas.openxmlformats.org/drawingml/2006/main" xmlns:r="http://schemas.openxmlformats.org/officeDocument/2006/relationships" xmlns:p="http://schemas.openxmlformats.org/presentationml/2006/main">
   <p:cSld>
     <p:spTree>
@@ -35768,7 +37935,7 @@
 </p:sld>
 </file>
 
-<file path=ppt/slides/slide58.xml><?xml version="1.0" encoding="utf-8"?>
+<file path=ppt/slides/slide59.xml><?xml version="1.0" encoding="utf-8"?>
 <p:sld xmlns:a="http://schemas.openxmlformats.org/drawingml/2006/main" xmlns:r="http://schemas.openxmlformats.org/officeDocument/2006/relationships" xmlns:p="http://schemas.openxmlformats.org/presentationml/2006/main">
   <p:cSld>
     <p:spTree>
@@ -36105,7 +38272,130 @@
 </p:sld>
 </file>
 
-<file path=ppt/slides/slide59.xml><?xml version="1.0" encoding="utf-8"?>
+<file path=ppt/slides/slide6.xml><?xml version="1.0" encoding="utf-8"?>
+<p:sld xmlns:a="http://schemas.openxmlformats.org/drawingml/2006/main" xmlns:r="http://schemas.openxmlformats.org/officeDocument/2006/relationships" xmlns:p="http://schemas.openxmlformats.org/presentationml/2006/main">
+  <p:cSld>
+    <p:spTree>
+      <p:nvGrpSpPr>
+        <p:cNvPr id="1" name=""/>
+        <p:cNvGrpSpPr/>
+        <p:nvPr/>
+      </p:nvGrpSpPr>
+      <p:grpSpPr>
+        <a:xfrm>
+          <a:off x="0" y="0"/>
+          <a:ext cx="0" cy="0"/>
+          <a:chOff x="0" y="0"/>
+          <a:chExt cx="0" cy="0"/>
+        </a:xfrm>
+      </p:grpSpPr>
+      <p:sp>
+        <p:nvSpPr>
+          <p:cNvPr id="2" name="Title 1">
+            <a:extLst>
+              <a:ext uri="{FF2B5EF4-FFF2-40B4-BE49-F238E27FC236}">
+                <a16:creationId xmlns:a16="http://schemas.microsoft.com/office/drawing/2014/main" id="{84EEC1A3-E984-4881-B54A-F1C5E73F7696}"/>
+              </a:ext>
+            </a:extLst>
+          </p:cNvPr>
+          <p:cNvSpPr>
+            <a:spLocks noGrp="1"/>
+          </p:cNvSpPr>
+          <p:nvPr>
+            <p:ph type="title"/>
+          </p:nvPr>
+        </p:nvSpPr>
+        <p:spPr/>
+        <p:txBody>
+          <a:bodyPr/>
+          <a:lstStyle/>
+          <a:p>
+            <a:r>
+              <a:rPr lang="en-US" dirty="0"/>
+              <a:t>Scenario</a:t>
+            </a:r>
+          </a:p>
+        </p:txBody>
+      </p:sp>
+      <p:sp>
+        <p:nvSpPr>
+          <p:cNvPr id="3" name="Content Placeholder 2">
+            <a:extLst>
+              <a:ext uri="{FF2B5EF4-FFF2-40B4-BE49-F238E27FC236}">
+                <a16:creationId xmlns:a16="http://schemas.microsoft.com/office/drawing/2014/main" id="{6454B748-3B9E-49AD-A4D5-FC6C95CAE875}"/>
+              </a:ext>
+            </a:extLst>
+          </p:cNvPr>
+          <p:cNvSpPr>
+            <a:spLocks noGrp="1"/>
+          </p:cNvSpPr>
+          <p:nvPr>
+            <p:ph idx="1"/>
+          </p:nvPr>
+        </p:nvSpPr>
+        <p:spPr/>
+        <p:txBody>
+          <a:bodyPr>
+            <a:normAutofit/>
+          </a:bodyPr>
+          <a:lstStyle/>
+          <a:p>
+            <a:pPr>
+              <a:buFontTx/>
+              <a:buChar char="-"/>
+            </a:pPr>
+            <a:r>
+              <a:rPr lang="en-US" dirty="0"/>
+              <a:t>We are data scientist team working at XYZ Bank in Portugal</a:t>
+            </a:r>
+          </a:p>
+          <a:p>
+            <a:pPr>
+              <a:buFontTx/>
+              <a:buChar char="-"/>
+            </a:pPr>
+            <a:r>
+              <a:rPr lang="en-US" dirty="0"/>
+              <a:t>The business development team came to us and told us that they needed improvement on marketing campaign result because the result was not good enough compared to the cost</a:t>
+            </a:r>
+          </a:p>
+          <a:p>
+            <a:pPr>
+              <a:buFontTx/>
+              <a:buChar char="-"/>
+            </a:pPr>
+            <a:r>
+              <a:rPr lang="en-US" dirty="0"/>
+              <a:t>They are asking if we can propose solutions to either reduce the cost or increase the income generated or both</a:t>
+            </a:r>
+          </a:p>
+          <a:p>
+            <a:pPr>
+              <a:buFontTx/>
+              <a:buChar char="-"/>
+            </a:pPr>
+            <a:r>
+              <a:rPr lang="en-ID" dirty="0"/>
+              <a:t>They gave us customer dataset used at the recent campaign which consist of the bank’s customer data</a:t>
+            </a:r>
+            <a:endParaRPr lang="en-US" dirty="0"/>
+          </a:p>
+        </p:txBody>
+      </p:sp>
+    </p:spTree>
+    <p:extLst>
+      <p:ext uri="{BB962C8B-B14F-4D97-AF65-F5344CB8AC3E}">
+        <p14:creationId xmlns:p14="http://schemas.microsoft.com/office/powerpoint/2010/main" val="2956074595"/>
+      </p:ext>
+    </p:extLst>
+  </p:cSld>
+  <p:clrMapOvr>
+    <a:masterClrMapping/>
+  </p:clrMapOvr>
+</p:sld>
+</file>
+
+<file path=ppt/slides/slide60.xml><?xml version="1.0" encoding="utf-8"?>
 <p:sld xmlns:a="http://schemas.openxmlformats.org/drawingml/2006/main" xmlns:r="http://schemas.openxmlformats.org/officeDocument/2006/relationships" xmlns:p="http://schemas.openxmlformats.org/presentationml/2006/main">
   <p:cSld>
     <p:spTree>
@@ -36165,130 +38455,7 @@
 </p:sld>
 </file>
 
-<file path=ppt/slides/slide6.xml><?xml version="1.0" encoding="utf-8"?>
-<p:sld xmlns:a="http://schemas.openxmlformats.org/drawingml/2006/main" xmlns:r="http://schemas.openxmlformats.org/officeDocument/2006/relationships" xmlns:p="http://schemas.openxmlformats.org/presentationml/2006/main">
-  <p:cSld>
-    <p:spTree>
-      <p:nvGrpSpPr>
-        <p:cNvPr id="1" name=""/>
-        <p:cNvGrpSpPr/>
-        <p:nvPr/>
-      </p:nvGrpSpPr>
-      <p:grpSpPr>
-        <a:xfrm>
-          <a:off x="0" y="0"/>
-          <a:ext cx="0" cy="0"/>
-          <a:chOff x="0" y="0"/>
-          <a:chExt cx="0" cy="0"/>
-        </a:xfrm>
-      </p:grpSpPr>
-      <p:sp>
-        <p:nvSpPr>
-          <p:cNvPr id="2" name="Title 1">
-            <a:extLst>
-              <a:ext uri="{FF2B5EF4-FFF2-40B4-BE49-F238E27FC236}">
-                <a16:creationId xmlns:a16="http://schemas.microsoft.com/office/drawing/2014/main" id="{84EEC1A3-E984-4881-B54A-F1C5E73F7696}"/>
-              </a:ext>
-            </a:extLst>
-          </p:cNvPr>
-          <p:cNvSpPr>
-            <a:spLocks noGrp="1"/>
-          </p:cNvSpPr>
-          <p:nvPr>
-            <p:ph type="title"/>
-          </p:nvPr>
-        </p:nvSpPr>
-        <p:spPr/>
-        <p:txBody>
-          <a:bodyPr/>
-          <a:lstStyle/>
-          <a:p>
-            <a:r>
-              <a:rPr lang="en-US" dirty="0"/>
-              <a:t>Scenario</a:t>
-            </a:r>
-          </a:p>
-        </p:txBody>
-      </p:sp>
-      <p:sp>
-        <p:nvSpPr>
-          <p:cNvPr id="3" name="Content Placeholder 2">
-            <a:extLst>
-              <a:ext uri="{FF2B5EF4-FFF2-40B4-BE49-F238E27FC236}">
-                <a16:creationId xmlns:a16="http://schemas.microsoft.com/office/drawing/2014/main" id="{6454B748-3B9E-49AD-A4D5-FC6C95CAE875}"/>
-              </a:ext>
-            </a:extLst>
-          </p:cNvPr>
-          <p:cNvSpPr>
-            <a:spLocks noGrp="1"/>
-          </p:cNvSpPr>
-          <p:nvPr>
-            <p:ph idx="1"/>
-          </p:nvPr>
-        </p:nvSpPr>
-        <p:spPr/>
-        <p:txBody>
-          <a:bodyPr>
-            <a:normAutofit/>
-          </a:bodyPr>
-          <a:lstStyle/>
-          <a:p>
-            <a:pPr>
-              <a:buFontTx/>
-              <a:buChar char="-"/>
-            </a:pPr>
-            <a:r>
-              <a:rPr lang="en-US" dirty="0"/>
-              <a:t>We are data scientist team working at XYZ Bank in Portugal</a:t>
-            </a:r>
-          </a:p>
-          <a:p>
-            <a:pPr>
-              <a:buFontTx/>
-              <a:buChar char="-"/>
-            </a:pPr>
-            <a:r>
-              <a:rPr lang="en-US" dirty="0"/>
-              <a:t>The business development team came to us and told us that they needed improvement on marketing campaign result because the result was not good enough compared to the cost</a:t>
-            </a:r>
-          </a:p>
-          <a:p>
-            <a:pPr>
-              <a:buFontTx/>
-              <a:buChar char="-"/>
-            </a:pPr>
-            <a:r>
-              <a:rPr lang="en-US" dirty="0"/>
-              <a:t>They are asking if we can propose solutions to either reduce the cost or increase the income generated or both</a:t>
-            </a:r>
-          </a:p>
-          <a:p>
-            <a:pPr>
-              <a:buFontTx/>
-              <a:buChar char="-"/>
-            </a:pPr>
-            <a:r>
-              <a:rPr lang="en-ID" dirty="0"/>
-              <a:t>They gave us customer dataset used at the recent campaign which consist of the bank’s customer data</a:t>
-            </a:r>
-            <a:endParaRPr lang="en-US" dirty="0"/>
-          </a:p>
-        </p:txBody>
-      </p:sp>
-    </p:spTree>
-    <p:extLst>
-      <p:ext uri="{BB962C8B-B14F-4D97-AF65-F5344CB8AC3E}">
-        <p14:creationId xmlns:p14="http://schemas.microsoft.com/office/powerpoint/2010/main" val="2956074595"/>
-      </p:ext>
-    </p:extLst>
-  </p:cSld>
-  <p:clrMapOvr>
-    <a:masterClrMapping/>
-  </p:clrMapOvr>
-</p:sld>
-</file>
-
-<file path=ppt/slides/slide60.xml><?xml version="1.0" encoding="utf-8"?>
+<file path=ppt/slides/slide61.xml><?xml version="1.0" encoding="utf-8"?>
 <p:sld xmlns:a="http://schemas.openxmlformats.org/drawingml/2006/main" xmlns:r="http://schemas.openxmlformats.org/officeDocument/2006/relationships" xmlns:p="http://schemas.openxmlformats.org/presentationml/2006/main">
   <p:cSld>
     <p:spTree>
@@ -36374,7 +38541,7 @@
 </p:sld>
 </file>
 
-<file path=ppt/slides/slide61.xml><?xml version="1.0" encoding="utf-8"?>
+<file path=ppt/slides/slide62.xml><?xml version="1.0" encoding="utf-8"?>
 <p:sld xmlns:a="http://schemas.openxmlformats.org/drawingml/2006/main" xmlns:r="http://schemas.openxmlformats.org/officeDocument/2006/relationships" xmlns:p="http://schemas.openxmlformats.org/presentationml/2006/main">
   <p:cSld>
     <p:spTree>
@@ -36668,7 +38835,7 @@
 </p:sld>
 </file>
 
-<file path=ppt/slides/slide62.xml><?xml version="1.0" encoding="utf-8"?>
+<file path=ppt/slides/slide63.xml><?xml version="1.0" encoding="utf-8"?>
 <p:sld xmlns:a="http://schemas.openxmlformats.org/drawingml/2006/main" xmlns:r="http://schemas.openxmlformats.org/officeDocument/2006/relationships" xmlns:p="http://schemas.openxmlformats.org/presentationml/2006/main">
   <p:cSld>
     <p:spTree>
@@ -36965,7 +39132,7 @@
 </p:sld>
 </file>
 
-<file path=ppt/slides/slide63.xml><?xml version="1.0" encoding="utf-8"?>
+<file path=ppt/slides/slide64.xml><?xml version="1.0" encoding="utf-8"?>
 <p:sld xmlns:a="http://schemas.openxmlformats.org/drawingml/2006/main" xmlns:r="http://schemas.openxmlformats.org/officeDocument/2006/relationships" xmlns:p="http://schemas.openxmlformats.org/presentationml/2006/main">
   <p:cSld>
     <p:spTree>
@@ -37005,7 +39172,7 @@
           <a:p>
             <a:r>
               <a:rPr lang="en-US" dirty="0"/>
-              <a:t>Before using the model</a:t>
+              <a:t>Before &amp; After using the model</a:t>
             </a:r>
           </a:p>
         </p:txBody>
@@ -38088,7 +40255,7 @@
 </p:sld>
 </file>
 
-<file path=ppt/slides/slide64.xml><?xml version="1.0" encoding="utf-8"?>
+<file path=ppt/slides/slide65.xml><?xml version="1.0" encoding="utf-8"?>
 <p:sld xmlns:a="http://schemas.openxmlformats.org/drawingml/2006/main" xmlns:r="http://schemas.openxmlformats.org/officeDocument/2006/relationships" xmlns:p="http://schemas.openxmlformats.org/presentationml/2006/main">
   <p:cSld>
     <p:spTree>
@@ -38159,18 +40326,111 @@
               <a:buChar char="-"/>
             </a:pPr>
             <a:r>
+              <a:rPr lang="en-US" dirty="0"/>
+              <a:t>Based on our model, we got </a:t>
+            </a:r>
+            <a:r>
+              <a:rPr lang="en-US" b="1" dirty="0"/>
+              <a:t>1515</a:t>
+            </a:r>
+            <a:r>
+              <a:rPr lang="en-US" dirty="0"/>
+              <a:t> People want to buy (</a:t>
+            </a:r>
+            <a:r>
+              <a:rPr lang="en-US" b="1" dirty="0"/>
+              <a:t>y predict=1</a:t>
+            </a:r>
+            <a:r>
+              <a:rPr lang="en-US" dirty="0"/>
+              <a:t>) and </a:t>
+            </a:r>
+            <a:r>
+              <a:rPr lang="en-US" b="1" dirty="0"/>
+              <a:t>39673</a:t>
+            </a:r>
+            <a:r>
+              <a:rPr lang="en-US" dirty="0"/>
+              <a:t> People don’t want to buy (</a:t>
+            </a:r>
+            <a:r>
+              <a:rPr lang="en-US" b="1" dirty="0"/>
+              <a:t>y predict = 0</a:t>
+            </a:r>
+            <a:r>
+              <a:rPr lang="en-US" dirty="0"/>
+              <a:t>). If we look on the probability of wanting to buy (y predict </a:t>
+            </a:r>
+            <a:r>
               <a:rPr lang="en-US" dirty="0" err="1"/>
-              <a:t>Menjawab</a:t>
+              <a:t>proba</a:t>
             </a:r>
             <a:r>
               <a:rPr lang="en-US" dirty="0"/>
-              <a:t> Business </a:t>
-            </a:r>
-            <a:r>
-              <a:rPr lang="en-US" dirty="0" err="1"/>
-              <a:t>Goalss</a:t>
-            </a:r>
-            <a:endParaRPr lang="en-US" dirty="0"/>
+              <a:t> 1) for every person, with threshold 0,3 and 0,6 there are </a:t>
+            </a:r>
+            <a:r>
+              <a:rPr lang="en-US" b="1" dirty="0"/>
+              <a:t>0</a:t>
+            </a:r>
+            <a:r>
+              <a:rPr lang="en-US" dirty="0"/>
+              <a:t> People that have the probability </a:t>
+            </a:r>
+            <a:r>
+              <a:rPr lang="en-US" b="1" dirty="0"/>
+              <a:t>&lt; 0.3</a:t>
+            </a:r>
+            <a:r>
+              <a:rPr lang="en-US" dirty="0"/>
+              <a:t>, </a:t>
+            </a:r>
+            <a:r>
+              <a:rPr lang="en-US" b="1" dirty="0"/>
+              <a:t>39673</a:t>
+            </a:r>
+            <a:r>
+              <a:rPr lang="en-US" dirty="0"/>
+              <a:t> People </a:t>
+            </a:r>
+            <a:r>
+              <a:rPr lang="en-US" b="1" dirty="0"/>
+              <a:t>0.3 – 0.6</a:t>
+            </a:r>
+            <a:r>
+              <a:rPr lang="en-US" dirty="0"/>
+              <a:t> and </a:t>
+            </a:r>
+            <a:r>
+              <a:rPr lang="en-US" b="1" dirty="0"/>
+              <a:t>1515</a:t>
+            </a:r>
+            <a:r>
+              <a:rPr lang="en-US" dirty="0"/>
+              <a:t> People </a:t>
+            </a:r>
+            <a:r>
+              <a:rPr lang="en-US" b="1" dirty="0"/>
+              <a:t>&gt; 0.6</a:t>
+            </a:r>
+            <a:r>
+              <a:rPr lang="en-US" dirty="0"/>
+              <a:t>.</a:t>
+            </a:r>
+          </a:p>
+          <a:p>
+            <a:pPr>
+              <a:buFontTx/>
+              <a:buChar char="-"/>
+            </a:pPr>
+            <a:r>
+              <a:rPr lang="en-US" dirty="0"/>
+              <a:t>After we use the model, estimation of cost reduction up to </a:t>
+            </a:r>
+            <a:r>
+              <a:rPr lang="en-US" b="1" dirty="0"/>
+              <a:t>76.2 %</a:t>
+            </a:r>
           </a:p>
         </p:txBody>
       </p:sp>
@@ -38187,7 +40447,7 @@
 </p:sld>
 </file>
 
-<file path=ppt/slides/slide7.xml><?xml version="1.0" encoding="utf-8"?>
+<file path=ppt/slides/slide66.xml><?xml version="1.0" encoding="utf-8"?>
 <p:sld xmlns:a="http://schemas.openxmlformats.org/drawingml/2006/main" xmlns:r="http://schemas.openxmlformats.org/officeDocument/2006/relationships" xmlns:p="http://schemas.openxmlformats.org/presentationml/2006/main">
   <p:cSld>
     <p:spTree>
@@ -38206,729 +40466,42 @@
       </p:grpSpPr>
       <p:sp>
         <p:nvSpPr>
-          <p:cNvPr id="6" name="Rectangle 5">
+          <p:cNvPr id="2" name="Title 1">
             <a:extLst>
               <a:ext uri="{FF2B5EF4-FFF2-40B4-BE49-F238E27FC236}">
-                <a16:creationId xmlns:a16="http://schemas.microsoft.com/office/drawing/2014/main" id="{B69F860C-3DD8-4B3C-9AD3-19A463E43850}"/>
+                <a16:creationId xmlns:a16="http://schemas.microsoft.com/office/drawing/2014/main" id="{EB17C270-45DA-420A-A5CC-3782A3552124}"/>
               </a:ext>
             </a:extLst>
           </p:cNvPr>
-          <p:cNvSpPr/>
-          <p:nvPr/>
+          <p:cNvSpPr>
+            <a:spLocks noGrp="1"/>
+          </p:cNvSpPr>
+          <p:nvPr>
+            <p:ph type="ctrTitle"/>
+          </p:nvPr>
         </p:nvSpPr>
-        <p:spPr>
-          <a:xfrm>
-            <a:off x="245805" y="176982"/>
-            <a:ext cx="5019369" cy="924231"/>
-          </a:xfrm>
-          <a:prstGeom prst="rect">
-            <a:avLst/>
-          </a:prstGeom>
-        </p:spPr>
-        <p:style>
-          <a:lnRef idx="2">
-            <a:schemeClr val="accent1">
-              <a:shade val="50000"/>
-            </a:schemeClr>
-          </a:lnRef>
-          <a:fillRef idx="1">
-            <a:schemeClr val="accent1"/>
-          </a:fillRef>
-          <a:effectRef idx="0">
-            <a:schemeClr val="accent1"/>
-          </a:effectRef>
-          <a:fontRef idx="minor">
-            <a:schemeClr val="lt1"/>
-          </a:fontRef>
-        </p:style>
+        <p:spPr/>
         <p:txBody>
-          <a:bodyPr rtlCol="0" anchor="ctr"/>
+          <a:bodyPr>
+            <a:normAutofit/>
+          </a:bodyPr>
           <a:lstStyle/>
           <a:p>
-            <a:pPr algn="ctr"/>
             <a:r>
               <a:rPr lang="en-US" dirty="0"/>
-              <a:t>TIM DATA SCIENCE</a:t>
-            </a:r>
-          </a:p>
-        </p:txBody>
-      </p:sp>
-      <p:sp>
-        <p:nvSpPr>
-          <p:cNvPr id="7" name="Rectangle 6">
-            <a:extLst>
-              <a:ext uri="{FF2B5EF4-FFF2-40B4-BE49-F238E27FC236}">
-                <a16:creationId xmlns:a16="http://schemas.microsoft.com/office/drawing/2014/main" id="{DC7A9CFE-7D7A-4C6B-806D-32870BC47BAE}"/>
-              </a:ext>
-            </a:extLst>
-          </p:cNvPr>
-          <p:cNvSpPr/>
-          <p:nvPr/>
-        </p:nvSpPr>
-        <p:spPr>
-          <a:xfrm>
-            <a:off x="245806" y="1248697"/>
-            <a:ext cx="2418736" cy="2772697"/>
-          </a:xfrm>
-          <a:prstGeom prst="rect">
-            <a:avLst/>
-          </a:prstGeom>
-        </p:spPr>
-        <p:style>
-          <a:lnRef idx="2">
-            <a:schemeClr val="accent6"/>
-          </a:lnRef>
-          <a:fillRef idx="1">
-            <a:schemeClr val="lt1"/>
-          </a:fillRef>
-          <a:effectRef idx="0">
-            <a:schemeClr val="accent6"/>
-          </a:effectRef>
-          <a:fontRef idx="minor">
-            <a:schemeClr val="dk1"/>
-          </a:fontRef>
-        </p:style>
-        <p:txBody>
-          <a:bodyPr rtlCol="0" anchor="ctr"/>
-          <a:lstStyle/>
-          <a:p>
-            <a:pPr marL="342900" indent="-342900" algn="ctr">
-              <a:buAutoNum type="arabicPeriod"/>
-            </a:pPr>
-            <a:r>
-              <a:rPr lang="en-US" dirty="0" err="1"/>
-              <a:t>Terima</a:t>
-            </a:r>
-            <a:r>
+              <a:t>THANKS</a:t>
+            </a:r>
+            <a:br>
               <a:rPr lang="en-US" dirty="0"/>
-              <a:t> report </a:t>
-            </a:r>
-            <a:r>
-              <a:rPr lang="en-US" dirty="0" err="1"/>
-              <a:t>dari</a:t>
-            </a:r>
-            <a:r>
-              <a:rPr lang="en-US" dirty="0"/>
-              <a:t> </a:t>
-            </a:r>
-            <a:r>
-              <a:rPr lang="en-US" dirty="0" err="1"/>
-              <a:t>tim</a:t>
-            </a:r>
-            <a:r>
-              <a:rPr lang="en-US" dirty="0"/>
-              <a:t> marketing</a:t>
-            </a:r>
-          </a:p>
-          <a:p>
-            <a:pPr marL="342900" indent="-342900" algn="ctr">
-              <a:buAutoNum type="arabicPeriod"/>
-            </a:pPr>
-            <a:r>
-              <a:rPr lang="en-US" dirty="0"/>
-              <a:t>Dari report </a:t>
-            </a:r>
-            <a:r>
-              <a:rPr lang="en-US" dirty="0" err="1"/>
-              <a:t>tersebut</a:t>
-            </a:r>
-            <a:r>
-              <a:rPr lang="en-US" dirty="0"/>
-              <a:t> </a:t>
-            </a:r>
-            <a:r>
-              <a:rPr lang="en-US" dirty="0" err="1"/>
-              <a:t>didaptkan</a:t>
-            </a:r>
-            <a:r>
-              <a:rPr lang="en-US" dirty="0"/>
-              <a:t> </a:t>
-            </a:r>
-            <a:r>
-              <a:rPr lang="en-US" dirty="0" err="1"/>
-              <a:t>masih</a:t>
-            </a:r>
-            <a:r>
-              <a:rPr lang="en-US" dirty="0"/>
-              <a:t> </a:t>
-            </a:r>
-            <a:r>
-              <a:rPr lang="en-US" dirty="0" err="1"/>
-              <a:t>gagal</a:t>
-            </a:r>
-            <a:r>
-              <a:rPr lang="en-US" dirty="0"/>
-              <a:t> (88% </a:t>
-            </a:r>
-            <a:r>
-              <a:rPr lang="en-US" dirty="0" err="1"/>
-              <a:t>tdk</a:t>
-            </a:r>
-            <a:r>
-              <a:rPr lang="en-US" dirty="0"/>
-              <a:t> </a:t>
-            </a:r>
-            <a:r>
-              <a:rPr lang="en-US" dirty="0" err="1"/>
-              <a:t>beli</a:t>
-            </a:r>
-            <a:r>
-              <a:rPr lang="en-US" dirty="0"/>
-              <a:t> </a:t>
-            </a:r>
-            <a:r>
-              <a:rPr lang="en-US" dirty="0" err="1"/>
-              <a:t>deposito</a:t>
-            </a:r>
-            <a:r>
-              <a:rPr lang="en-US" dirty="0"/>
-              <a:t>)</a:t>
-            </a:r>
-          </a:p>
-          <a:p>
-            <a:pPr marL="342900" indent="-342900" algn="ctr">
-              <a:buAutoNum type="arabicPeriod"/>
-            </a:pPr>
-            <a:r>
-              <a:rPr lang="en-US" dirty="0" err="1"/>
-              <a:t>Evaluasi</a:t>
-            </a:r>
+            </a:br>
             <a:endParaRPr lang="en-US" dirty="0"/>
-          </a:p>
-        </p:txBody>
-      </p:sp>
-      <p:sp>
-        <p:nvSpPr>
-          <p:cNvPr id="8" name="Arrow: Right 7">
-            <a:extLst>
-              <a:ext uri="{FF2B5EF4-FFF2-40B4-BE49-F238E27FC236}">
-                <a16:creationId xmlns:a16="http://schemas.microsoft.com/office/drawing/2014/main" id="{5230BFF4-90C0-448F-8655-E62BB29256A3}"/>
-              </a:ext>
-            </a:extLst>
-          </p:cNvPr>
-          <p:cNvSpPr/>
-          <p:nvPr/>
-        </p:nvSpPr>
-        <p:spPr>
-          <a:xfrm>
-            <a:off x="5048865" y="1248698"/>
-            <a:ext cx="1307690" cy="914400"/>
-          </a:xfrm>
-          <a:prstGeom prst="rightArrow">
-            <a:avLst/>
-          </a:prstGeom>
-        </p:spPr>
-        <p:style>
-          <a:lnRef idx="2">
-            <a:schemeClr val="accent1">
-              <a:shade val="50000"/>
-            </a:schemeClr>
-          </a:lnRef>
-          <a:fillRef idx="1">
-            <a:schemeClr val="accent1"/>
-          </a:fillRef>
-          <a:effectRef idx="0">
-            <a:schemeClr val="accent1"/>
-          </a:effectRef>
-          <a:fontRef idx="minor">
-            <a:schemeClr val="lt1"/>
-          </a:fontRef>
-        </p:style>
-        <p:txBody>
-          <a:bodyPr rtlCol="0" anchor="ctr"/>
-          <a:lstStyle/>
-          <a:p>
-            <a:pPr algn="ctr"/>
-            <a:endParaRPr lang="en-US"/>
-          </a:p>
-        </p:txBody>
-      </p:sp>
-      <p:sp>
-        <p:nvSpPr>
-          <p:cNvPr id="10" name="Star: 6 Points 9">
-            <a:extLst>
-              <a:ext uri="{FF2B5EF4-FFF2-40B4-BE49-F238E27FC236}">
-                <a16:creationId xmlns:a16="http://schemas.microsoft.com/office/drawing/2014/main" id="{50B4BDF3-4192-47A7-B59C-EE4FAD5DE0B0}"/>
-              </a:ext>
-            </a:extLst>
-          </p:cNvPr>
-          <p:cNvSpPr/>
-          <p:nvPr/>
-        </p:nvSpPr>
-        <p:spPr>
-          <a:xfrm>
-            <a:off x="6422923" y="442452"/>
-            <a:ext cx="2330245" cy="2330245"/>
-          </a:xfrm>
-          <a:prstGeom prst="star6">
-            <a:avLst/>
-          </a:prstGeom>
-        </p:spPr>
-        <p:style>
-          <a:lnRef idx="2">
-            <a:schemeClr val="accent1">
-              <a:shade val="50000"/>
-            </a:schemeClr>
-          </a:lnRef>
-          <a:fillRef idx="1">
-            <a:schemeClr val="accent1"/>
-          </a:fillRef>
-          <a:effectRef idx="0">
-            <a:schemeClr val="accent1"/>
-          </a:effectRef>
-          <a:fontRef idx="minor">
-            <a:schemeClr val="lt1"/>
-          </a:fontRef>
-        </p:style>
-        <p:txBody>
-          <a:bodyPr rtlCol="0" anchor="ctr"/>
-          <a:lstStyle/>
-          <a:p>
-            <a:pPr algn="ctr"/>
-            <a:r>
-              <a:rPr lang="en-US" dirty="0"/>
-              <a:t>PERLU DIBUAT MODEL</a:t>
-            </a:r>
-          </a:p>
-        </p:txBody>
-      </p:sp>
-      <p:sp>
-        <p:nvSpPr>
-          <p:cNvPr id="11" name="Rectangle 10">
-            <a:extLst>
-              <a:ext uri="{FF2B5EF4-FFF2-40B4-BE49-F238E27FC236}">
-                <a16:creationId xmlns:a16="http://schemas.microsoft.com/office/drawing/2014/main" id="{7B8F2F6E-973E-431B-8946-9ED27879C274}"/>
-              </a:ext>
-            </a:extLst>
-          </p:cNvPr>
-          <p:cNvSpPr/>
-          <p:nvPr/>
-        </p:nvSpPr>
-        <p:spPr>
-          <a:xfrm>
-            <a:off x="6378677" y="2871019"/>
-            <a:ext cx="2418736" cy="1347020"/>
-          </a:xfrm>
-          <a:prstGeom prst="rect">
-            <a:avLst/>
-          </a:prstGeom>
-        </p:spPr>
-        <p:style>
-          <a:lnRef idx="2">
-            <a:schemeClr val="accent6"/>
-          </a:lnRef>
-          <a:fillRef idx="1">
-            <a:schemeClr val="lt1"/>
-          </a:fillRef>
-          <a:effectRef idx="0">
-            <a:schemeClr val="accent6"/>
-          </a:effectRef>
-          <a:fontRef idx="minor">
-            <a:schemeClr val="dk1"/>
-          </a:fontRef>
-        </p:style>
-        <p:txBody>
-          <a:bodyPr rtlCol="0" anchor="ctr"/>
-          <a:lstStyle/>
-          <a:p>
-            <a:pPr algn="ctr"/>
-            <a:r>
-              <a:rPr lang="en-US" dirty="0"/>
-              <a:t>[PENTING] model </a:t>
-            </a:r>
-            <a:r>
-              <a:rPr lang="en-US" dirty="0" err="1"/>
-              <a:t>digunakan</a:t>
-            </a:r>
-            <a:r>
-              <a:rPr lang="en-US" dirty="0"/>
-              <a:t> </a:t>
-            </a:r>
-            <a:r>
-              <a:rPr lang="en-US" dirty="0" err="1"/>
-              <a:t>sebelum</a:t>
-            </a:r>
-            <a:r>
-              <a:rPr lang="en-US" dirty="0"/>
-              <a:t> </a:t>
-            </a:r>
-            <a:r>
-              <a:rPr lang="en-US" dirty="0" err="1"/>
-              <a:t>melakukan</a:t>
-            </a:r>
-            <a:r>
-              <a:rPr lang="en-US" dirty="0"/>
-              <a:t> campaign/program marketing</a:t>
-            </a:r>
-          </a:p>
-        </p:txBody>
-      </p:sp>
-      <p:sp>
-        <p:nvSpPr>
-          <p:cNvPr id="12" name="Rectangle 11">
-            <a:extLst>
-              <a:ext uri="{FF2B5EF4-FFF2-40B4-BE49-F238E27FC236}">
-                <a16:creationId xmlns:a16="http://schemas.microsoft.com/office/drawing/2014/main" id="{825980B7-833F-401F-A9FF-1110D070F93F}"/>
-              </a:ext>
-            </a:extLst>
-          </p:cNvPr>
-          <p:cNvSpPr/>
-          <p:nvPr/>
-        </p:nvSpPr>
-        <p:spPr>
-          <a:xfrm>
-            <a:off x="6378677" y="4360607"/>
-            <a:ext cx="2418736" cy="2241756"/>
-          </a:xfrm>
-          <a:prstGeom prst="rect">
-            <a:avLst/>
-          </a:prstGeom>
-        </p:spPr>
-        <p:style>
-          <a:lnRef idx="2">
-            <a:schemeClr val="accent6"/>
-          </a:lnRef>
-          <a:fillRef idx="1">
-            <a:schemeClr val="lt1"/>
-          </a:fillRef>
-          <a:effectRef idx="0">
-            <a:schemeClr val="accent6"/>
-          </a:effectRef>
-          <a:fontRef idx="minor">
-            <a:schemeClr val="dk1"/>
-          </a:fontRef>
-        </p:style>
-        <p:txBody>
-          <a:bodyPr rtlCol="0" anchor="ctr"/>
-          <a:lstStyle/>
-          <a:p>
-            <a:pPr algn="ctr"/>
-            <a:r>
-              <a:rPr lang="en-US" dirty="0"/>
-              <a:t>Kolom di dataset model yang </a:t>
-            </a:r>
-            <a:r>
-              <a:rPr lang="en-US" dirty="0" err="1"/>
-              <a:t>dipakai</a:t>
-            </a:r>
-            <a:r>
-              <a:rPr lang="en-US" dirty="0"/>
-              <a:t> </a:t>
-            </a:r>
-            <a:r>
-              <a:rPr lang="en-US" dirty="0" err="1"/>
-              <a:t>adalah</a:t>
-            </a:r>
-            <a:r>
-              <a:rPr lang="en-US" dirty="0"/>
-              <a:t> KOLOM YG BISA DIDAPATKAN </a:t>
-            </a:r>
-            <a:r>
-              <a:rPr lang="en-US" dirty="0" err="1"/>
-              <a:t>Sebelum</a:t>
-            </a:r>
-            <a:r>
-              <a:rPr lang="en-US" dirty="0"/>
-              <a:t> </a:t>
-            </a:r>
-            <a:r>
-              <a:rPr lang="en-US" dirty="0" err="1"/>
-              <a:t>melakukan</a:t>
-            </a:r>
-            <a:r>
-              <a:rPr lang="en-US" dirty="0"/>
-              <a:t> Campaign</a:t>
-            </a:r>
-          </a:p>
-        </p:txBody>
-      </p:sp>
-      <p:sp>
-        <p:nvSpPr>
-          <p:cNvPr id="13" name="Rectangle 12">
-            <a:extLst>
-              <a:ext uri="{FF2B5EF4-FFF2-40B4-BE49-F238E27FC236}">
-                <a16:creationId xmlns:a16="http://schemas.microsoft.com/office/drawing/2014/main" id="{6DC299E1-1B01-4DC8-A1D6-3365EC8ED552}"/>
-              </a:ext>
-            </a:extLst>
-          </p:cNvPr>
-          <p:cNvSpPr/>
-          <p:nvPr/>
-        </p:nvSpPr>
-        <p:spPr>
-          <a:xfrm>
-            <a:off x="776749" y="4606414"/>
-            <a:ext cx="3244645" cy="1750142"/>
-          </a:xfrm>
-          <a:prstGeom prst="rect">
-            <a:avLst/>
-          </a:prstGeom>
-          <a:ln w="57150">
-            <a:solidFill>
-              <a:schemeClr val="tx1"/>
-            </a:solidFill>
-            <a:prstDash val="dashDot"/>
-          </a:ln>
-        </p:spPr>
-        <p:style>
-          <a:lnRef idx="2">
-            <a:schemeClr val="accent6"/>
-          </a:lnRef>
-          <a:fillRef idx="1">
-            <a:schemeClr val="lt1"/>
-          </a:fillRef>
-          <a:effectRef idx="0">
-            <a:schemeClr val="accent6"/>
-          </a:effectRef>
-          <a:fontRef idx="minor">
-            <a:schemeClr val="dk1"/>
-          </a:fontRef>
-        </p:style>
-        <p:txBody>
-          <a:bodyPr rtlCol="0" anchor="ctr"/>
-          <a:lstStyle/>
-          <a:p>
-            <a:pPr algn="ctr"/>
-            <a:r>
-              <a:rPr lang="en-US" dirty="0"/>
-              <a:t>!!  INGAT  !!</a:t>
-            </a:r>
-          </a:p>
-          <a:p>
-            <a:pPr algn="ctr"/>
-            <a:endParaRPr lang="en-US" dirty="0"/>
-          </a:p>
-          <a:p>
-            <a:pPr algn="ctr"/>
-            <a:r>
-              <a:rPr lang="en-US" dirty="0"/>
-              <a:t>Calon customer yang di approach </a:t>
-            </a:r>
-            <a:r>
-              <a:rPr lang="en-US" dirty="0" err="1"/>
-              <a:t>adalah</a:t>
-            </a:r>
-            <a:r>
-              <a:rPr lang="en-US" dirty="0"/>
-              <a:t> </a:t>
-            </a:r>
-            <a:r>
-              <a:rPr lang="en-US" dirty="0" err="1"/>
-              <a:t>nasabah</a:t>
-            </a:r>
-            <a:r>
-              <a:rPr lang="en-US" dirty="0"/>
-              <a:t> bank </a:t>
-            </a:r>
-            <a:r>
-              <a:rPr lang="en-US" dirty="0" err="1"/>
-              <a:t>tersebut</a:t>
-            </a:r>
-            <a:endParaRPr lang="en-US" dirty="0"/>
-          </a:p>
-        </p:txBody>
-      </p:sp>
-      <p:sp>
-        <p:nvSpPr>
-          <p:cNvPr id="9" name="Arrow: Right 8">
-            <a:extLst>
-              <a:ext uri="{FF2B5EF4-FFF2-40B4-BE49-F238E27FC236}">
-                <a16:creationId xmlns:a16="http://schemas.microsoft.com/office/drawing/2014/main" id="{199FF53C-44D6-4140-BA6D-4BFCB9D42FCF}"/>
-              </a:ext>
-            </a:extLst>
-          </p:cNvPr>
-          <p:cNvSpPr/>
-          <p:nvPr/>
-        </p:nvSpPr>
-        <p:spPr>
-          <a:xfrm>
-            <a:off x="8819536" y="1106130"/>
-            <a:ext cx="752168" cy="914400"/>
-          </a:xfrm>
-          <a:prstGeom prst="rightArrow">
-            <a:avLst/>
-          </a:prstGeom>
-        </p:spPr>
-        <p:style>
-          <a:lnRef idx="2">
-            <a:schemeClr val="accent1">
-              <a:shade val="50000"/>
-            </a:schemeClr>
-          </a:lnRef>
-          <a:fillRef idx="1">
-            <a:schemeClr val="accent1"/>
-          </a:fillRef>
-          <a:effectRef idx="0">
-            <a:schemeClr val="accent1"/>
-          </a:effectRef>
-          <a:fontRef idx="minor">
-            <a:schemeClr val="lt1"/>
-          </a:fontRef>
-        </p:style>
-        <p:txBody>
-          <a:bodyPr rtlCol="0" anchor="ctr"/>
-          <a:lstStyle/>
-          <a:p>
-            <a:pPr algn="ctr"/>
-            <a:endParaRPr lang="en-US"/>
-          </a:p>
-        </p:txBody>
-      </p:sp>
-      <p:sp>
-        <p:nvSpPr>
-          <p:cNvPr id="2" name="Oval 1">
-            <a:extLst>
-              <a:ext uri="{FF2B5EF4-FFF2-40B4-BE49-F238E27FC236}">
-                <a16:creationId xmlns:a16="http://schemas.microsoft.com/office/drawing/2014/main" id="{5E49095A-1E8E-4BD3-922A-E2010D50DAE2}"/>
-              </a:ext>
-            </a:extLst>
-          </p:cNvPr>
-          <p:cNvSpPr/>
-          <p:nvPr/>
-        </p:nvSpPr>
-        <p:spPr>
-          <a:xfrm>
-            <a:off x="9615949" y="550606"/>
-            <a:ext cx="2330245" cy="2330245"/>
-          </a:xfrm>
-          <a:prstGeom prst="ellipse">
-            <a:avLst/>
-          </a:prstGeom>
-        </p:spPr>
-        <p:style>
-          <a:lnRef idx="2">
-            <a:schemeClr val="accent1">
-              <a:shade val="50000"/>
-            </a:schemeClr>
-          </a:lnRef>
-          <a:fillRef idx="1">
-            <a:schemeClr val="accent1"/>
-          </a:fillRef>
-          <a:effectRef idx="0">
-            <a:schemeClr val="accent1"/>
-          </a:effectRef>
-          <a:fontRef idx="minor">
-            <a:schemeClr val="lt1"/>
-          </a:fontRef>
-        </p:style>
-        <p:txBody>
-          <a:bodyPr rtlCol="0" anchor="ctr"/>
-          <a:lstStyle/>
-          <a:p>
-            <a:pPr algn="ctr"/>
-            <a:r>
-              <a:rPr lang="en-US" dirty="0"/>
-              <a:t>Model </a:t>
-            </a:r>
-            <a:r>
-              <a:rPr lang="en-US" dirty="0" err="1"/>
-              <a:t>untuk</a:t>
-            </a:r>
-            <a:r>
-              <a:rPr lang="en-US" dirty="0"/>
-              <a:t> </a:t>
-            </a:r>
-            <a:r>
-              <a:rPr lang="en-US" dirty="0" err="1"/>
-              <a:t>prediksi</a:t>
-            </a:r>
-            <a:r>
-              <a:rPr lang="en-US" dirty="0"/>
-              <a:t> </a:t>
-            </a:r>
-            <a:r>
-              <a:rPr lang="en-US" dirty="0" err="1"/>
-              <a:t>calon</a:t>
-            </a:r>
-            <a:r>
-              <a:rPr lang="en-US" dirty="0"/>
-              <a:t> customer </a:t>
-            </a:r>
-            <a:r>
-              <a:rPr lang="en-US" dirty="0" err="1"/>
-              <a:t>untuk</a:t>
-            </a:r>
-            <a:r>
-              <a:rPr lang="en-US" dirty="0"/>
-              <a:t> program marketing </a:t>
-            </a:r>
-            <a:r>
-              <a:rPr lang="en-US" dirty="0" err="1"/>
-              <a:t>selanjutnya</a:t>
-            </a:r>
-            <a:endParaRPr lang="en-US" dirty="0"/>
-          </a:p>
-        </p:txBody>
-      </p:sp>
-      <p:sp>
-        <p:nvSpPr>
-          <p:cNvPr id="14" name="Rectangle 13">
-            <a:extLst>
-              <a:ext uri="{FF2B5EF4-FFF2-40B4-BE49-F238E27FC236}">
-                <a16:creationId xmlns:a16="http://schemas.microsoft.com/office/drawing/2014/main" id="{C19BF0DA-F8BE-4200-8063-53905AE628CC}"/>
-              </a:ext>
-            </a:extLst>
-          </p:cNvPr>
-          <p:cNvSpPr/>
-          <p:nvPr/>
-        </p:nvSpPr>
-        <p:spPr>
-          <a:xfrm>
-            <a:off x="2846439" y="1248697"/>
-            <a:ext cx="2040193" cy="2772697"/>
-          </a:xfrm>
-          <a:prstGeom prst="rect">
-            <a:avLst/>
-          </a:prstGeom>
-        </p:spPr>
-        <p:style>
-          <a:lnRef idx="2">
-            <a:schemeClr val="accent6"/>
-          </a:lnRef>
-          <a:fillRef idx="1">
-            <a:schemeClr val="lt1"/>
-          </a:fillRef>
-          <a:effectRef idx="0">
-            <a:schemeClr val="accent6"/>
-          </a:effectRef>
-          <a:fontRef idx="minor">
-            <a:schemeClr val="dk1"/>
-          </a:fontRef>
-        </p:style>
-        <p:txBody>
-          <a:bodyPr rtlCol="0" anchor="ctr"/>
-          <a:lstStyle/>
-          <a:p>
-            <a:pPr algn="ctr"/>
-            <a:r>
-              <a:rPr lang="en-US" dirty="0" err="1"/>
-              <a:t>Tambahan</a:t>
-            </a:r>
-            <a:r>
-              <a:rPr lang="en-US" dirty="0"/>
-              <a:t> :</a:t>
-            </a:r>
-          </a:p>
-          <a:p>
-            <a:pPr algn="ctr"/>
-            <a:r>
-              <a:rPr lang="en-US" dirty="0"/>
-              <a:t>Concern </a:t>
-            </a:r>
-            <a:r>
-              <a:rPr lang="en-US" dirty="0" err="1"/>
-              <a:t>tim</a:t>
-            </a:r>
-            <a:r>
-              <a:rPr lang="en-US" dirty="0"/>
-              <a:t> marketing di cost campaign</a:t>
-            </a:r>
           </a:p>
         </p:txBody>
       </p:sp>
     </p:spTree>
     <p:extLst>
       <p:ext uri="{BB962C8B-B14F-4D97-AF65-F5344CB8AC3E}">
-        <p14:creationId xmlns:p14="http://schemas.microsoft.com/office/powerpoint/2010/main" val="3754076498"/>
+        <p14:creationId xmlns:p14="http://schemas.microsoft.com/office/powerpoint/2010/main" val="466256242"/>
       </p:ext>
     </p:extLst>
   </p:cSld>
@@ -38938,1516 +40511,7 @@
 </p:sld>
 </file>
 
-<file path=ppt/slides/slide8.xml><?xml version="1.0" encoding="utf-8"?>
-<p:sld xmlns:a="http://schemas.openxmlformats.org/drawingml/2006/main" xmlns:r="http://schemas.openxmlformats.org/officeDocument/2006/relationships" xmlns:p="http://schemas.openxmlformats.org/presentationml/2006/main">
-  <p:cSld>
-    <p:spTree>
-      <p:nvGrpSpPr>
-        <p:cNvPr id="1" name=""/>
-        <p:cNvGrpSpPr/>
-        <p:nvPr/>
-      </p:nvGrpSpPr>
-      <p:grpSpPr>
-        <a:xfrm>
-          <a:off x="0" y="0"/>
-          <a:ext cx="0" cy="0"/>
-          <a:chOff x="0" y="0"/>
-          <a:chExt cx="0" cy="0"/>
-        </a:xfrm>
-      </p:grpSpPr>
-      <p:sp>
-        <p:nvSpPr>
-          <p:cNvPr id="8" name="Rectangle 7">
-            <a:extLst>
-              <a:ext uri="{FF2B5EF4-FFF2-40B4-BE49-F238E27FC236}">
-                <a16:creationId xmlns:a16="http://schemas.microsoft.com/office/drawing/2014/main" id="{8515B476-9AE4-4AAD-AE67-BDA429550E09}"/>
-              </a:ext>
-            </a:extLst>
-          </p:cNvPr>
-          <p:cNvSpPr/>
-          <p:nvPr/>
-        </p:nvSpPr>
-        <p:spPr>
-          <a:xfrm>
-            <a:off x="9539183" y="2318357"/>
-            <a:ext cx="2429033" cy="3090588"/>
-          </a:xfrm>
-          <a:prstGeom prst="rect">
-            <a:avLst/>
-          </a:prstGeom>
-          <a:ln w="57150">
-            <a:solidFill>
-              <a:schemeClr val="tx1"/>
-            </a:solidFill>
-            <a:prstDash val="dashDot"/>
-          </a:ln>
-        </p:spPr>
-        <p:style>
-          <a:lnRef idx="2">
-            <a:schemeClr val="accent6"/>
-          </a:lnRef>
-          <a:fillRef idx="1">
-            <a:schemeClr val="lt1"/>
-          </a:fillRef>
-          <a:effectRef idx="0">
-            <a:schemeClr val="accent6"/>
-          </a:effectRef>
-          <a:fontRef idx="minor">
-            <a:schemeClr val="dk1"/>
-          </a:fontRef>
-        </p:style>
-        <p:txBody>
-          <a:bodyPr rtlCol="0" anchor="ctr"/>
-          <a:lstStyle/>
-          <a:p>
-            <a:pPr algn="ctr"/>
-            <a:r>
-              <a:rPr lang="en-US" dirty="0"/>
-              <a:t>!!  INGAT  !!</a:t>
-            </a:r>
-          </a:p>
-          <a:p>
-            <a:pPr algn="ctr"/>
-            <a:r>
-              <a:rPr lang="en-US" dirty="0"/>
-              <a:t> </a:t>
-            </a:r>
-            <a:r>
-              <a:rPr lang="en-US" b="1" dirty="0" err="1"/>
-              <a:t>patokan</a:t>
-            </a:r>
-            <a:r>
-              <a:rPr lang="en-US" b="1" dirty="0"/>
-              <a:t> di 500 </a:t>
-            </a:r>
-            <a:r>
-              <a:rPr lang="en-US" b="1" dirty="0" err="1"/>
-              <a:t>jt</a:t>
-            </a:r>
-            <a:r>
-              <a:rPr lang="en-US" b="1" dirty="0"/>
-              <a:t> rupiah/ 30,000 euro</a:t>
-            </a:r>
-          </a:p>
-          <a:p>
-            <a:pPr algn="ctr"/>
-            <a:endParaRPr lang="en-US" b="1" dirty="0"/>
-          </a:p>
-          <a:p>
-            <a:pPr algn="ctr"/>
-            <a:r>
-              <a:rPr lang="en-US" dirty="0" err="1"/>
-              <a:t>Rekening</a:t>
-            </a:r>
-            <a:r>
-              <a:rPr lang="en-US" dirty="0"/>
-              <a:t> &gt;= </a:t>
-            </a:r>
-            <a:r>
-              <a:rPr lang="en-US" dirty="0" err="1"/>
-              <a:t>patokan</a:t>
-            </a:r>
-            <a:r>
-              <a:rPr lang="en-US" dirty="0"/>
-              <a:t> (SABI)</a:t>
-            </a:r>
-          </a:p>
-          <a:p>
-            <a:pPr algn="ctr"/>
-            <a:endParaRPr lang="en-US" dirty="0"/>
-          </a:p>
-          <a:p>
-            <a:pPr algn="ctr"/>
-            <a:r>
-              <a:rPr lang="en-US" dirty="0" err="1"/>
-              <a:t>Rekening</a:t>
-            </a:r>
-            <a:r>
-              <a:rPr lang="en-US" dirty="0"/>
-              <a:t> &lt; </a:t>
-            </a:r>
-            <a:r>
-              <a:rPr lang="en-US" dirty="0" err="1"/>
-              <a:t>Patokan</a:t>
-            </a:r>
-            <a:r>
-              <a:rPr lang="en-US" dirty="0"/>
-              <a:t> (</a:t>
-            </a:r>
-            <a:r>
-              <a:rPr lang="en-US" dirty="0" err="1"/>
-              <a:t>tidak</a:t>
-            </a:r>
-            <a:r>
-              <a:rPr lang="en-US" dirty="0"/>
-              <a:t> </a:t>
-            </a:r>
-            <a:r>
-              <a:rPr lang="en-US" dirty="0" err="1"/>
-              <a:t>sabi</a:t>
-            </a:r>
-            <a:r>
-              <a:rPr lang="en-US" dirty="0"/>
-              <a:t>)</a:t>
-            </a:r>
-          </a:p>
-        </p:txBody>
-      </p:sp>
-      <p:sp>
-        <p:nvSpPr>
-          <p:cNvPr id="13" name="Rectangle 12">
-            <a:extLst>
-              <a:ext uri="{FF2B5EF4-FFF2-40B4-BE49-F238E27FC236}">
-                <a16:creationId xmlns:a16="http://schemas.microsoft.com/office/drawing/2014/main" id="{192540AC-FAB7-4396-8CB5-2C7D20F3F54C}"/>
-              </a:ext>
-            </a:extLst>
-          </p:cNvPr>
-          <p:cNvSpPr/>
-          <p:nvPr/>
-        </p:nvSpPr>
-        <p:spPr>
-          <a:xfrm>
-            <a:off x="167148" y="2182761"/>
-            <a:ext cx="1406013" cy="909482"/>
-          </a:xfrm>
-          <a:prstGeom prst="rect">
-            <a:avLst/>
-          </a:prstGeom>
-        </p:spPr>
-        <p:style>
-          <a:lnRef idx="2">
-            <a:schemeClr val="accent1">
-              <a:shade val="50000"/>
-            </a:schemeClr>
-          </a:lnRef>
-          <a:fillRef idx="1">
-            <a:schemeClr val="accent1"/>
-          </a:fillRef>
-          <a:effectRef idx="0">
-            <a:schemeClr val="accent1"/>
-          </a:effectRef>
-          <a:fontRef idx="minor">
-            <a:schemeClr val="lt1"/>
-          </a:fontRef>
-        </p:style>
-        <p:txBody>
-          <a:bodyPr rtlCol="0" anchor="ctr"/>
-          <a:lstStyle/>
-          <a:p>
-            <a:pPr algn="ctr"/>
-            <a:r>
-              <a:rPr lang="en-US" dirty="0"/>
-              <a:t>Data </a:t>
-            </a:r>
-            <a:r>
-              <a:rPr lang="en-US" dirty="0" err="1"/>
-              <a:t>baru</a:t>
-            </a:r>
-            <a:endParaRPr lang="en-US" dirty="0"/>
-          </a:p>
-        </p:txBody>
-      </p:sp>
-      <p:sp>
-        <p:nvSpPr>
-          <p:cNvPr id="14" name="Heart 13">
-            <a:extLst>
-              <a:ext uri="{FF2B5EF4-FFF2-40B4-BE49-F238E27FC236}">
-                <a16:creationId xmlns:a16="http://schemas.microsoft.com/office/drawing/2014/main" id="{392E5D61-A213-4BB0-8A6C-3891D20A1E63}"/>
-              </a:ext>
-            </a:extLst>
-          </p:cNvPr>
-          <p:cNvSpPr/>
-          <p:nvPr/>
-        </p:nvSpPr>
-        <p:spPr>
-          <a:xfrm>
-            <a:off x="2482645" y="1892625"/>
-            <a:ext cx="1406013" cy="1406013"/>
-          </a:xfrm>
-          <a:prstGeom prst="heart">
-            <a:avLst/>
-          </a:prstGeom>
-        </p:spPr>
-        <p:style>
-          <a:lnRef idx="2">
-            <a:schemeClr val="accent1">
-              <a:shade val="50000"/>
-            </a:schemeClr>
-          </a:lnRef>
-          <a:fillRef idx="1">
-            <a:schemeClr val="accent1"/>
-          </a:fillRef>
-          <a:effectRef idx="0">
-            <a:schemeClr val="accent1"/>
-          </a:effectRef>
-          <a:fontRef idx="minor">
-            <a:schemeClr val="lt1"/>
-          </a:fontRef>
-        </p:style>
-        <p:txBody>
-          <a:bodyPr rtlCol="0" anchor="ctr"/>
-          <a:lstStyle/>
-          <a:p>
-            <a:pPr algn="ctr"/>
-            <a:r>
-              <a:rPr lang="en-US" dirty="0"/>
-              <a:t>Model</a:t>
-            </a:r>
-          </a:p>
-        </p:txBody>
-      </p:sp>
-      <p:cxnSp>
-        <p:nvCxnSpPr>
-          <p:cNvPr id="16" name="Straight Arrow Connector 15">
-            <a:extLst>
-              <a:ext uri="{FF2B5EF4-FFF2-40B4-BE49-F238E27FC236}">
-                <a16:creationId xmlns:a16="http://schemas.microsoft.com/office/drawing/2014/main" id="{83322147-18E6-47FF-A565-61C82D440560}"/>
-              </a:ext>
-            </a:extLst>
-          </p:cNvPr>
-          <p:cNvCxnSpPr/>
-          <p:nvPr/>
-        </p:nvCxnSpPr>
-        <p:spPr>
-          <a:xfrm flipV="1">
-            <a:off x="3864077" y="2049310"/>
-            <a:ext cx="1347020" cy="516909"/>
-          </a:xfrm>
-          <a:prstGeom prst="straightConnector1">
-            <a:avLst/>
-          </a:prstGeom>
-          <a:ln>
-            <a:tailEnd type="triangle"/>
-          </a:ln>
-        </p:spPr>
-        <p:style>
-          <a:lnRef idx="1">
-            <a:schemeClr val="accent1"/>
-          </a:lnRef>
-          <a:fillRef idx="0">
-            <a:schemeClr val="accent1"/>
-          </a:fillRef>
-          <a:effectRef idx="0">
-            <a:schemeClr val="accent1"/>
-          </a:effectRef>
-          <a:fontRef idx="minor">
-            <a:schemeClr val="tx1"/>
-          </a:fontRef>
-        </p:style>
-      </p:cxnSp>
-      <p:cxnSp>
-        <p:nvCxnSpPr>
-          <p:cNvPr id="18" name="Straight Arrow Connector 17">
-            <a:extLst>
-              <a:ext uri="{FF2B5EF4-FFF2-40B4-BE49-F238E27FC236}">
-                <a16:creationId xmlns:a16="http://schemas.microsoft.com/office/drawing/2014/main" id="{AB6CADEF-896F-46F4-AA50-D5EF02B4A05E}"/>
-              </a:ext>
-            </a:extLst>
-          </p:cNvPr>
-          <p:cNvCxnSpPr>
-            <a:cxnSpLocks/>
-            <a:endCxn id="20" idx="1"/>
-          </p:cNvCxnSpPr>
-          <p:nvPr/>
-        </p:nvCxnSpPr>
-        <p:spPr>
-          <a:xfrm>
-            <a:off x="3888658" y="2595631"/>
-            <a:ext cx="1052253" cy="1317152"/>
-          </a:xfrm>
-          <a:prstGeom prst="straightConnector1">
-            <a:avLst/>
-          </a:prstGeom>
-          <a:ln>
-            <a:tailEnd type="triangle"/>
-          </a:ln>
-        </p:spPr>
-        <p:style>
-          <a:lnRef idx="1">
-            <a:schemeClr val="accent1"/>
-          </a:lnRef>
-          <a:fillRef idx="0">
-            <a:schemeClr val="accent1"/>
-          </a:fillRef>
-          <a:effectRef idx="0">
-            <a:schemeClr val="accent1"/>
-          </a:effectRef>
-          <a:fontRef idx="minor">
-            <a:schemeClr val="tx1"/>
-          </a:fontRef>
-        </p:style>
-      </p:cxnSp>
-      <p:sp>
-        <p:nvSpPr>
-          <p:cNvPr id="19" name="Rectangle 18">
-            <a:extLst>
-              <a:ext uri="{FF2B5EF4-FFF2-40B4-BE49-F238E27FC236}">
-                <a16:creationId xmlns:a16="http://schemas.microsoft.com/office/drawing/2014/main" id="{D883E966-3ECB-48E2-8C85-6EEFAA30C00E}"/>
-              </a:ext>
-            </a:extLst>
-          </p:cNvPr>
-          <p:cNvSpPr/>
-          <p:nvPr/>
-        </p:nvSpPr>
-        <p:spPr>
-          <a:xfrm>
-            <a:off x="4940911" y="1771192"/>
-            <a:ext cx="1406013" cy="516908"/>
-          </a:xfrm>
-          <a:prstGeom prst="rect">
-            <a:avLst/>
-          </a:prstGeom>
-          <a:noFill/>
-          <a:ln>
-            <a:solidFill>
-              <a:schemeClr val="bg1"/>
-            </a:solidFill>
-          </a:ln>
-        </p:spPr>
-        <p:style>
-          <a:lnRef idx="2">
-            <a:schemeClr val="accent6"/>
-          </a:lnRef>
-          <a:fillRef idx="1">
-            <a:schemeClr val="lt1"/>
-          </a:fillRef>
-          <a:effectRef idx="0">
-            <a:schemeClr val="accent6"/>
-          </a:effectRef>
-          <a:fontRef idx="minor">
-            <a:schemeClr val="dk1"/>
-          </a:fontRef>
-        </p:style>
-        <p:txBody>
-          <a:bodyPr rtlCol="0" anchor="ctr"/>
-          <a:lstStyle/>
-          <a:p>
-            <a:pPr algn="ctr"/>
-            <a:r>
-              <a:rPr lang="en-US" dirty="0" err="1"/>
-              <a:t>Proba</a:t>
-            </a:r>
-            <a:r>
-              <a:rPr lang="en-US" dirty="0"/>
-              <a:t> YA &gt;  0.6</a:t>
-            </a:r>
-          </a:p>
-        </p:txBody>
-      </p:sp>
-      <p:sp>
-        <p:nvSpPr>
-          <p:cNvPr id="20" name="Rectangle 19">
-            <a:extLst>
-              <a:ext uri="{FF2B5EF4-FFF2-40B4-BE49-F238E27FC236}">
-                <a16:creationId xmlns:a16="http://schemas.microsoft.com/office/drawing/2014/main" id="{414D189D-384A-4901-95D0-FA83581327B1}"/>
-              </a:ext>
-            </a:extLst>
-          </p:cNvPr>
-          <p:cNvSpPr/>
-          <p:nvPr/>
-        </p:nvSpPr>
-        <p:spPr>
-          <a:xfrm>
-            <a:off x="4940911" y="3654329"/>
-            <a:ext cx="1406013" cy="516908"/>
-          </a:xfrm>
-          <a:prstGeom prst="rect">
-            <a:avLst/>
-          </a:prstGeom>
-          <a:noFill/>
-          <a:ln>
-            <a:solidFill>
-              <a:schemeClr val="bg1"/>
-            </a:solidFill>
-          </a:ln>
-        </p:spPr>
-        <p:style>
-          <a:lnRef idx="2">
-            <a:schemeClr val="accent6"/>
-          </a:lnRef>
-          <a:fillRef idx="1">
-            <a:schemeClr val="lt1"/>
-          </a:fillRef>
-          <a:effectRef idx="0">
-            <a:schemeClr val="accent6"/>
-          </a:effectRef>
-          <a:fontRef idx="minor">
-            <a:schemeClr val="dk1"/>
-          </a:fontRef>
-        </p:style>
-        <p:txBody>
-          <a:bodyPr rtlCol="0" anchor="ctr"/>
-          <a:lstStyle/>
-          <a:p>
-            <a:pPr algn="ctr"/>
-            <a:r>
-              <a:rPr lang="en-US" dirty="0"/>
-              <a:t>0.6 &gt;=</a:t>
-            </a:r>
-            <a:r>
-              <a:rPr lang="en-US" dirty="0" err="1"/>
-              <a:t>Proba</a:t>
-            </a:r>
-            <a:r>
-              <a:rPr lang="en-US" dirty="0"/>
-              <a:t> </a:t>
-            </a:r>
-            <a:r>
-              <a:rPr lang="en-US" dirty="0" err="1"/>
-              <a:t>Ya</a:t>
-            </a:r>
-            <a:r>
-              <a:rPr lang="en-US" dirty="0"/>
-              <a:t> &gt;= 0.3</a:t>
-            </a:r>
-          </a:p>
-        </p:txBody>
-      </p:sp>
-      <p:sp>
-        <p:nvSpPr>
-          <p:cNvPr id="21" name="Arrow: Right 20">
-            <a:extLst>
-              <a:ext uri="{FF2B5EF4-FFF2-40B4-BE49-F238E27FC236}">
-                <a16:creationId xmlns:a16="http://schemas.microsoft.com/office/drawing/2014/main" id="{B4F29545-C968-4923-AE3D-83B08E50170B}"/>
-              </a:ext>
-            </a:extLst>
-          </p:cNvPr>
-          <p:cNvSpPr/>
-          <p:nvPr/>
-        </p:nvSpPr>
-        <p:spPr>
-          <a:xfrm>
-            <a:off x="1809135" y="2637502"/>
-            <a:ext cx="560439" cy="196285"/>
-          </a:xfrm>
-          <a:prstGeom prst="rightArrow">
-            <a:avLst/>
-          </a:prstGeom>
-        </p:spPr>
-        <p:style>
-          <a:lnRef idx="2">
-            <a:schemeClr val="accent1">
-              <a:shade val="50000"/>
-            </a:schemeClr>
-          </a:lnRef>
-          <a:fillRef idx="1">
-            <a:schemeClr val="accent1"/>
-          </a:fillRef>
-          <a:effectRef idx="0">
-            <a:schemeClr val="accent1"/>
-          </a:effectRef>
-          <a:fontRef idx="minor">
-            <a:schemeClr val="lt1"/>
-          </a:fontRef>
-        </p:style>
-        <p:txBody>
-          <a:bodyPr rtlCol="0" anchor="ctr"/>
-          <a:lstStyle/>
-          <a:p>
-            <a:pPr algn="ctr"/>
-            <a:endParaRPr lang="en-US"/>
-          </a:p>
-        </p:txBody>
-      </p:sp>
-      <p:sp>
-        <p:nvSpPr>
-          <p:cNvPr id="22" name="Rectangle 21">
-            <a:extLst>
-              <a:ext uri="{FF2B5EF4-FFF2-40B4-BE49-F238E27FC236}">
-                <a16:creationId xmlns:a16="http://schemas.microsoft.com/office/drawing/2014/main" id="{5A9157F7-6ABD-4250-9D7C-B0F050202771}"/>
-              </a:ext>
-            </a:extLst>
-          </p:cNvPr>
-          <p:cNvSpPr/>
-          <p:nvPr/>
-        </p:nvSpPr>
-        <p:spPr>
-          <a:xfrm>
-            <a:off x="6980905" y="3530042"/>
-            <a:ext cx="1714850" cy="887002"/>
-          </a:xfrm>
-          <a:prstGeom prst="rect">
-            <a:avLst/>
-          </a:prstGeom>
-          <a:ln>
-            <a:solidFill>
-              <a:srgbClr val="FF0000"/>
-            </a:solidFill>
-          </a:ln>
-        </p:spPr>
-        <p:style>
-          <a:lnRef idx="2">
-            <a:schemeClr val="accent6"/>
-          </a:lnRef>
-          <a:fillRef idx="1">
-            <a:schemeClr val="lt1"/>
-          </a:fillRef>
-          <a:effectRef idx="0">
-            <a:schemeClr val="accent6"/>
-          </a:effectRef>
-          <a:fontRef idx="minor">
-            <a:schemeClr val="dk1"/>
-          </a:fontRef>
-        </p:style>
-        <p:txBody>
-          <a:bodyPr rtlCol="0" anchor="ctr"/>
-          <a:lstStyle/>
-          <a:p>
-            <a:pPr algn="ctr"/>
-            <a:r>
-              <a:rPr lang="en-US" dirty="0" err="1"/>
-              <a:t>Lihat</a:t>
-            </a:r>
-            <a:r>
-              <a:rPr lang="en-US" dirty="0"/>
-              <a:t> </a:t>
-            </a:r>
-            <a:r>
-              <a:rPr lang="en-US" dirty="0" err="1"/>
-              <a:t>isi</a:t>
-            </a:r>
-            <a:r>
-              <a:rPr lang="en-US" dirty="0"/>
-              <a:t> </a:t>
-            </a:r>
-            <a:r>
-              <a:rPr lang="en-US" dirty="0" err="1"/>
-              <a:t>rekeningnya</a:t>
-            </a:r>
-            <a:r>
-              <a:rPr lang="en-US" dirty="0"/>
-              <a:t> </a:t>
-            </a:r>
-            <a:r>
-              <a:rPr lang="en-US" dirty="0" err="1"/>
-              <a:t>sabi</a:t>
-            </a:r>
-            <a:r>
-              <a:rPr lang="en-US" dirty="0"/>
-              <a:t> ga</a:t>
-            </a:r>
-          </a:p>
-        </p:txBody>
-      </p:sp>
-      <p:sp>
-        <p:nvSpPr>
-          <p:cNvPr id="28" name="Rectangle 27">
-            <a:extLst>
-              <a:ext uri="{FF2B5EF4-FFF2-40B4-BE49-F238E27FC236}">
-                <a16:creationId xmlns:a16="http://schemas.microsoft.com/office/drawing/2014/main" id="{B1EB15D2-21A6-4048-9DD4-44D3AB2D1174}"/>
-              </a:ext>
-            </a:extLst>
-          </p:cNvPr>
-          <p:cNvSpPr/>
-          <p:nvPr/>
-        </p:nvSpPr>
-        <p:spPr>
-          <a:xfrm>
-            <a:off x="7008988" y="1590370"/>
-            <a:ext cx="2241756" cy="592391"/>
-          </a:xfrm>
-          <a:prstGeom prst="rect">
-            <a:avLst/>
-          </a:prstGeom>
-          <a:ln>
-            <a:solidFill>
-              <a:schemeClr val="accent6"/>
-            </a:solidFill>
-          </a:ln>
-        </p:spPr>
-        <p:style>
-          <a:lnRef idx="2">
-            <a:schemeClr val="accent6"/>
-          </a:lnRef>
-          <a:fillRef idx="1">
-            <a:schemeClr val="lt1"/>
-          </a:fillRef>
-          <a:effectRef idx="0">
-            <a:schemeClr val="accent6"/>
-          </a:effectRef>
-          <a:fontRef idx="minor">
-            <a:schemeClr val="dk1"/>
-          </a:fontRef>
-        </p:style>
-        <p:txBody>
-          <a:bodyPr rtlCol="0" anchor="ctr"/>
-          <a:lstStyle/>
-          <a:p>
-            <a:pPr algn="ctr"/>
-            <a:r>
-              <a:rPr lang="en-US" dirty="0"/>
-              <a:t>Gas </a:t>
-            </a:r>
-            <a:r>
-              <a:rPr lang="en-US" dirty="0" err="1"/>
-              <a:t>masukin</a:t>
-            </a:r>
-            <a:r>
-              <a:rPr lang="en-US" dirty="0"/>
-              <a:t> </a:t>
-            </a:r>
-            <a:r>
-              <a:rPr lang="en-US" dirty="0" err="1"/>
-              <a:t>ke</a:t>
-            </a:r>
-            <a:r>
-              <a:rPr lang="en-US" dirty="0"/>
-              <a:t> list </a:t>
-            </a:r>
-            <a:r>
-              <a:rPr lang="en-US" dirty="0" err="1"/>
-              <a:t>calon</a:t>
-            </a:r>
-            <a:r>
-              <a:rPr lang="en-US" dirty="0"/>
-              <a:t> customer</a:t>
-            </a:r>
-          </a:p>
-        </p:txBody>
-      </p:sp>
-      <p:sp>
-        <p:nvSpPr>
-          <p:cNvPr id="47" name="Rectangle 46">
-            <a:extLst>
-              <a:ext uri="{FF2B5EF4-FFF2-40B4-BE49-F238E27FC236}">
-                <a16:creationId xmlns:a16="http://schemas.microsoft.com/office/drawing/2014/main" id="{57E843B5-FA73-4782-99AA-E6CF76BCE3F4}"/>
-              </a:ext>
-            </a:extLst>
-          </p:cNvPr>
-          <p:cNvSpPr/>
-          <p:nvPr/>
-        </p:nvSpPr>
-        <p:spPr>
-          <a:xfrm>
-            <a:off x="353961" y="352649"/>
-            <a:ext cx="4680155" cy="712838"/>
-          </a:xfrm>
-          <a:prstGeom prst="rect">
-            <a:avLst/>
-          </a:prstGeom>
-          <a:ln w="57150">
-            <a:solidFill>
-              <a:schemeClr val="tx1"/>
-            </a:solidFill>
-            <a:prstDash val="dashDot"/>
-          </a:ln>
-        </p:spPr>
-        <p:style>
-          <a:lnRef idx="2">
-            <a:schemeClr val="accent6"/>
-          </a:lnRef>
-          <a:fillRef idx="1">
-            <a:schemeClr val="lt1"/>
-          </a:fillRef>
-          <a:effectRef idx="0">
-            <a:schemeClr val="accent6"/>
-          </a:effectRef>
-          <a:fontRef idx="minor">
-            <a:schemeClr val="dk1"/>
-          </a:fontRef>
-        </p:style>
-        <p:txBody>
-          <a:bodyPr rtlCol="0" anchor="ctr"/>
-          <a:lstStyle/>
-          <a:p>
-            <a:pPr algn="ctr"/>
-            <a:r>
-              <a:rPr lang="en-US" dirty="0" err="1"/>
-              <a:t>Analisis</a:t>
-            </a:r>
-            <a:r>
-              <a:rPr lang="en-US" dirty="0"/>
-              <a:t> </a:t>
-            </a:r>
-            <a:r>
-              <a:rPr lang="en-US" dirty="0" err="1"/>
-              <a:t>dilakukan</a:t>
-            </a:r>
-            <a:r>
-              <a:rPr lang="en-US" dirty="0"/>
-              <a:t> di </a:t>
-            </a:r>
-            <a:r>
-              <a:rPr lang="en-US" dirty="0" err="1"/>
-              <a:t>waktu</a:t>
-            </a:r>
-            <a:r>
-              <a:rPr lang="en-US" dirty="0"/>
-              <a:t> </a:t>
-            </a:r>
-            <a:r>
-              <a:rPr lang="en-US" dirty="0" err="1"/>
-              <a:t>jeda</a:t>
-            </a:r>
-            <a:r>
-              <a:rPr lang="en-US" dirty="0"/>
-              <a:t> </a:t>
-            </a:r>
-            <a:r>
-              <a:rPr lang="en-US" dirty="0" err="1"/>
-              <a:t>antar</a:t>
-            </a:r>
-            <a:r>
-              <a:rPr lang="en-US" dirty="0"/>
-              <a:t> program </a:t>
-            </a:r>
-          </a:p>
-        </p:txBody>
-      </p:sp>
-      <p:sp>
-        <p:nvSpPr>
-          <p:cNvPr id="49" name="Rectangle 48">
-            <a:extLst>
-              <a:ext uri="{FF2B5EF4-FFF2-40B4-BE49-F238E27FC236}">
-                <a16:creationId xmlns:a16="http://schemas.microsoft.com/office/drawing/2014/main" id="{31811511-F160-4C5D-A4DC-2DF5D526DBCD}"/>
-              </a:ext>
-            </a:extLst>
-          </p:cNvPr>
-          <p:cNvSpPr/>
-          <p:nvPr/>
-        </p:nvSpPr>
-        <p:spPr>
-          <a:xfrm>
-            <a:off x="7360392" y="2827728"/>
-            <a:ext cx="791697" cy="311017"/>
-          </a:xfrm>
-          <a:prstGeom prst="rect">
-            <a:avLst/>
-          </a:prstGeom>
-          <a:ln>
-            <a:solidFill>
-              <a:schemeClr val="accent6"/>
-            </a:solidFill>
-          </a:ln>
-        </p:spPr>
-        <p:style>
-          <a:lnRef idx="2">
-            <a:schemeClr val="accent6"/>
-          </a:lnRef>
-          <a:fillRef idx="1">
-            <a:schemeClr val="lt1"/>
-          </a:fillRef>
-          <a:effectRef idx="0">
-            <a:schemeClr val="accent6"/>
-          </a:effectRef>
-          <a:fontRef idx="minor">
-            <a:schemeClr val="dk1"/>
-          </a:fontRef>
-        </p:style>
-        <p:txBody>
-          <a:bodyPr rtlCol="0" anchor="ctr"/>
-          <a:lstStyle/>
-          <a:p>
-            <a:pPr algn="ctr"/>
-            <a:r>
-              <a:rPr lang="en-US" dirty="0" err="1"/>
-              <a:t>Sabi</a:t>
-            </a:r>
-            <a:endParaRPr lang="en-US" dirty="0"/>
-          </a:p>
-        </p:txBody>
-      </p:sp>
-      <p:cxnSp>
-        <p:nvCxnSpPr>
-          <p:cNvPr id="11" name="Straight Arrow Connector 10">
-            <a:extLst>
-              <a:ext uri="{FF2B5EF4-FFF2-40B4-BE49-F238E27FC236}">
-                <a16:creationId xmlns:a16="http://schemas.microsoft.com/office/drawing/2014/main" id="{E66695E6-236C-4B52-93C5-AC271882D16A}"/>
-              </a:ext>
-            </a:extLst>
-          </p:cNvPr>
-          <p:cNvCxnSpPr>
-            <a:stCxn id="22" idx="0"/>
-            <a:endCxn id="49" idx="2"/>
-          </p:cNvCxnSpPr>
-          <p:nvPr/>
-        </p:nvCxnSpPr>
-        <p:spPr>
-          <a:xfrm flipH="1" flipV="1">
-            <a:off x="7756241" y="3138745"/>
-            <a:ext cx="82089" cy="391297"/>
-          </a:xfrm>
-          <a:prstGeom prst="straightConnector1">
-            <a:avLst/>
-          </a:prstGeom>
-          <a:ln>
-            <a:tailEnd type="triangle"/>
-          </a:ln>
-        </p:spPr>
-        <p:style>
-          <a:lnRef idx="1">
-            <a:schemeClr val="accent1"/>
-          </a:lnRef>
-          <a:fillRef idx="0">
-            <a:schemeClr val="accent1"/>
-          </a:fillRef>
-          <a:effectRef idx="0">
-            <a:schemeClr val="accent1"/>
-          </a:effectRef>
-          <a:fontRef idx="minor">
-            <a:schemeClr val="tx1"/>
-          </a:fontRef>
-        </p:style>
-      </p:cxnSp>
-      <p:cxnSp>
-        <p:nvCxnSpPr>
-          <p:cNvPr id="15" name="Straight Arrow Connector 14">
-            <a:extLst>
-              <a:ext uri="{FF2B5EF4-FFF2-40B4-BE49-F238E27FC236}">
-                <a16:creationId xmlns:a16="http://schemas.microsoft.com/office/drawing/2014/main" id="{39F2A515-125A-4AA3-B7EB-CF4D191D796B}"/>
-              </a:ext>
-            </a:extLst>
-          </p:cNvPr>
-          <p:cNvCxnSpPr>
-            <a:stCxn id="49" idx="0"/>
-            <a:endCxn id="28" idx="2"/>
-          </p:cNvCxnSpPr>
-          <p:nvPr/>
-        </p:nvCxnSpPr>
-        <p:spPr>
-          <a:xfrm flipV="1">
-            <a:off x="7756241" y="2182761"/>
-            <a:ext cx="373625" cy="644967"/>
-          </a:xfrm>
-          <a:prstGeom prst="straightConnector1">
-            <a:avLst/>
-          </a:prstGeom>
-          <a:ln>
-            <a:tailEnd type="triangle"/>
-          </a:ln>
-        </p:spPr>
-        <p:style>
-          <a:lnRef idx="1">
-            <a:schemeClr val="accent1"/>
-          </a:lnRef>
-          <a:fillRef idx="0">
-            <a:schemeClr val="accent1"/>
-          </a:fillRef>
-          <a:effectRef idx="0">
-            <a:schemeClr val="accent1"/>
-          </a:effectRef>
-          <a:fontRef idx="minor">
-            <a:schemeClr val="tx1"/>
-          </a:fontRef>
-        </p:style>
-      </p:cxnSp>
-      <p:cxnSp>
-        <p:nvCxnSpPr>
-          <p:cNvPr id="27" name="Straight Arrow Connector 26">
-            <a:extLst>
-              <a:ext uri="{FF2B5EF4-FFF2-40B4-BE49-F238E27FC236}">
-                <a16:creationId xmlns:a16="http://schemas.microsoft.com/office/drawing/2014/main" id="{A24912AB-02C2-48EB-A066-84282A8C22E4}"/>
-              </a:ext>
-            </a:extLst>
-          </p:cNvPr>
-          <p:cNvCxnSpPr>
-            <a:cxnSpLocks/>
-            <a:stCxn id="19" idx="3"/>
-            <a:endCxn id="28" idx="1"/>
-          </p:cNvCxnSpPr>
-          <p:nvPr/>
-        </p:nvCxnSpPr>
-        <p:spPr>
-          <a:xfrm flipV="1">
-            <a:off x="6346924" y="1886566"/>
-            <a:ext cx="662064" cy="143080"/>
-          </a:xfrm>
-          <a:prstGeom prst="straightConnector1">
-            <a:avLst/>
-          </a:prstGeom>
-          <a:ln>
-            <a:tailEnd type="triangle"/>
-          </a:ln>
-        </p:spPr>
-        <p:style>
-          <a:lnRef idx="1">
-            <a:schemeClr val="accent1"/>
-          </a:lnRef>
-          <a:fillRef idx="0">
-            <a:schemeClr val="accent1"/>
-          </a:fillRef>
-          <a:effectRef idx="0">
-            <a:schemeClr val="accent1"/>
-          </a:effectRef>
-          <a:fontRef idx="minor">
-            <a:schemeClr val="tx1"/>
-          </a:fontRef>
-        </p:style>
-      </p:cxnSp>
-      <p:sp>
-        <p:nvSpPr>
-          <p:cNvPr id="59" name="Rectangle 58">
-            <a:extLst>
-              <a:ext uri="{FF2B5EF4-FFF2-40B4-BE49-F238E27FC236}">
-                <a16:creationId xmlns:a16="http://schemas.microsoft.com/office/drawing/2014/main" id="{94EBAC42-4394-47E0-AA46-4BB7C3A29DBB}"/>
-              </a:ext>
-            </a:extLst>
-          </p:cNvPr>
-          <p:cNvSpPr/>
-          <p:nvPr/>
-        </p:nvSpPr>
-        <p:spPr>
-          <a:xfrm>
-            <a:off x="7106303" y="4813034"/>
-            <a:ext cx="1122897" cy="378039"/>
-          </a:xfrm>
-          <a:prstGeom prst="rect">
-            <a:avLst/>
-          </a:prstGeom>
-          <a:ln>
-            <a:solidFill>
-              <a:srgbClr val="FF0000"/>
-            </a:solidFill>
-          </a:ln>
-        </p:spPr>
-        <p:style>
-          <a:lnRef idx="2">
-            <a:schemeClr val="accent6"/>
-          </a:lnRef>
-          <a:fillRef idx="1">
-            <a:schemeClr val="lt1"/>
-          </a:fillRef>
-          <a:effectRef idx="0">
-            <a:schemeClr val="accent6"/>
-          </a:effectRef>
-          <a:fontRef idx="minor">
-            <a:schemeClr val="dk1"/>
-          </a:fontRef>
-        </p:style>
-        <p:txBody>
-          <a:bodyPr rtlCol="0" anchor="ctr"/>
-          <a:lstStyle/>
-          <a:p>
-            <a:pPr algn="ctr"/>
-            <a:r>
-              <a:rPr lang="en-US" dirty="0" err="1"/>
-              <a:t>Tidak</a:t>
-            </a:r>
-            <a:r>
-              <a:rPr lang="en-US" dirty="0"/>
-              <a:t> </a:t>
-            </a:r>
-            <a:r>
-              <a:rPr lang="en-US" dirty="0" err="1"/>
-              <a:t>Sabi</a:t>
-            </a:r>
-            <a:endParaRPr lang="en-US" dirty="0"/>
-          </a:p>
-        </p:txBody>
-      </p:sp>
-      <p:cxnSp>
-        <p:nvCxnSpPr>
-          <p:cNvPr id="39" name="Straight Arrow Connector 38">
-            <a:extLst>
-              <a:ext uri="{FF2B5EF4-FFF2-40B4-BE49-F238E27FC236}">
-                <a16:creationId xmlns:a16="http://schemas.microsoft.com/office/drawing/2014/main" id="{56F1E56F-6D08-43C3-9CD0-F9856AB2BFCB}"/>
-              </a:ext>
-            </a:extLst>
-          </p:cNvPr>
-          <p:cNvCxnSpPr>
-            <a:stCxn id="22" idx="2"/>
-            <a:endCxn id="59" idx="0"/>
-          </p:cNvCxnSpPr>
-          <p:nvPr/>
-        </p:nvCxnSpPr>
-        <p:spPr>
-          <a:xfrm flipH="1">
-            <a:off x="7667752" y="4417044"/>
-            <a:ext cx="170578" cy="395990"/>
-          </a:xfrm>
-          <a:prstGeom prst="straightConnector1">
-            <a:avLst/>
-          </a:prstGeom>
-          <a:ln>
-            <a:tailEnd type="triangle"/>
-          </a:ln>
-        </p:spPr>
-        <p:style>
-          <a:lnRef idx="1">
-            <a:schemeClr val="accent1"/>
-          </a:lnRef>
-          <a:fillRef idx="0">
-            <a:schemeClr val="accent1"/>
-          </a:fillRef>
-          <a:effectRef idx="0">
-            <a:schemeClr val="accent1"/>
-          </a:effectRef>
-          <a:fontRef idx="minor">
-            <a:schemeClr val="tx1"/>
-          </a:fontRef>
-        </p:style>
-      </p:cxnSp>
-      <p:sp>
-        <p:nvSpPr>
-          <p:cNvPr id="64" name="Rectangle 63">
-            <a:extLst>
-              <a:ext uri="{FF2B5EF4-FFF2-40B4-BE49-F238E27FC236}">
-                <a16:creationId xmlns:a16="http://schemas.microsoft.com/office/drawing/2014/main" id="{873AB6BD-1DA9-412E-92D4-8E3706AB1162}"/>
-              </a:ext>
-            </a:extLst>
-          </p:cNvPr>
-          <p:cNvSpPr/>
-          <p:nvPr/>
-        </p:nvSpPr>
-        <p:spPr>
-          <a:xfrm>
-            <a:off x="6499603" y="5593122"/>
-            <a:ext cx="2237846" cy="737932"/>
-          </a:xfrm>
-          <a:prstGeom prst="rect">
-            <a:avLst/>
-          </a:prstGeom>
-          <a:ln>
-            <a:solidFill>
-              <a:srgbClr val="FF0000"/>
-            </a:solidFill>
-          </a:ln>
-        </p:spPr>
-        <p:style>
-          <a:lnRef idx="2">
-            <a:schemeClr val="accent6"/>
-          </a:lnRef>
-          <a:fillRef idx="1">
-            <a:schemeClr val="lt1"/>
-          </a:fillRef>
-          <a:effectRef idx="0">
-            <a:schemeClr val="accent6"/>
-          </a:effectRef>
-          <a:fontRef idx="minor">
-            <a:schemeClr val="dk1"/>
-          </a:fontRef>
-        </p:style>
-        <p:txBody>
-          <a:bodyPr rtlCol="0" anchor="ctr"/>
-          <a:lstStyle/>
-          <a:p>
-            <a:pPr algn="ctr"/>
-            <a:r>
-              <a:rPr lang="en-US" dirty="0"/>
-              <a:t>JANGAN </a:t>
-            </a:r>
-            <a:r>
-              <a:rPr lang="en-US" dirty="0" err="1"/>
-              <a:t>masukin</a:t>
-            </a:r>
-            <a:r>
-              <a:rPr lang="en-US" dirty="0"/>
-              <a:t> </a:t>
-            </a:r>
-            <a:r>
-              <a:rPr lang="en-US" dirty="0" err="1"/>
-              <a:t>ke</a:t>
-            </a:r>
-            <a:r>
-              <a:rPr lang="en-US" dirty="0"/>
-              <a:t> list </a:t>
-            </a:r>
-            <a:r>
-              <a:rPr lang="en-US" dirty="0" err="1"/>
-              <a:t>calon</a:t>
-            </a:r>
-            <a:r>
-              <a:rPr lang="en-US" dirty="0"/>
-              <a:t> customer</a:t>
-            </a:r>
-          </a:p>
-        </p:txBody>
-      </p:sp>
-      <p:cxnSp>
-        <p:nvCxnSpPr>
-          <p:cNvPr id="66" name="Straight Arrow Connector 65">
-            <a:extLst>
-              <a:ext uri="{FF2B5EF4-FFF2-40B4-BE49-F238E27FC236}">
-                <a16:creationId xmlns:a16="http://schemas.microsoft.com/office/drawing/2014/main" id="{34FCC3EF-D503-44C7-8236-B4369AC6C71B}"/>
-              </a:ext>
-            </a:extLst>
-          </p:cNvPr>
-          <p:cNvCxnSpPr>
-            <a:cxnSpLocks/>
-            <a:endCxn id="22" idx="1"/>
-          </p:cNvCxnSpPr>
-          <p:nvPr/>
-        </p:nvCxnSpPr>
-        <p:spPr>
-          <a:xfrm>
-            <a:off x="6198233" y="3973458"/>
-            <a:ext cx="782672" cy="85"/>
-          </a:xfrm>
-          <a:prstGeom prst="straightConnector1">
-            <a:avLst/>
-          </a:prstGeom>
-          <a:ln>
-            <a:tailEnd type="triangle"/>
-          </a:ln>
-        </p:spPr>
-        <p:style>
-          <a:lnRef idx="1">
-            <a:schemeClr val="accent1"/>
-          </a:lnRef>
-          <a:fillRef idx="0">
-            <a:schemeClr val="accent1"/>
-          </a:fillRef>
-          <a:effectRef idx="0">
-            <a:schemeClr val="accent1"/>
-          </a:effectRef>
-          <a:fontRef idx="minor">
-            <a:schemeClr val="tx1"/>
-          </a:fontRef>
-        </p:style>
-      </p:cxnSp>
-      <p:cxnSp>
-        <p:nvCxnSpPr>
-          <p:cNvPr id="45" name="Straight Arrow Connector 44">
-            <a:extLst>
-              <a:ext uri="{FF2B5EF4-FFF2-40B4-BE49-F238E27FC236}">
-                <a16:creationId xmlns:a16="http://schemas.microsoft.com/office/drawing/2014/main" id="{948B062E-F9A3-4E06-9C1D-5FE812A34AF1}"/>
-              </a:ext>
-            </a:extLst>
-          </p:cNvPr>
-          <p:cNvCxnSpPr>
-            <a:stCxn id="59" idx="2"/>
-            <a:endCxn id="64" idx="0"/>
-          </p:cNvCxnSpPr>
-          <p:nvPr/>
-        </p:nvCxnSpPr>
-        <p:spPr>
-          <a:xfrm flipH="1">
-            <a:off x="7618526" y="5191073"/>
-            <a:ext cx="49226" cy="402049"/>
-          </a:xfrm>
-          <a:prstGeom prst="straightConnector1">
-            <a:avLst/>
-          </a:prstGeom>
-          <a:ln>
-            <a:tailEnd type="triangle"/>
-          </a:ln>
-        </p:spPr>
-        <p:style>
-          <a:lnRef idx="1">
-            <a:schemeClr val="accent1"/>
-          </a:lnRef>
-          <a:fillRef idx="0">
-            <a:schemeClr val="accent1"/>
-          </a:fillRef>
-          <a:effectRef idx="0">
-            <a:schemeClr val="accent1"/>
-          </a:effectRef>
-          <a:fontRef idx="minor">
-            <a:schemeClr val="tx1"/>
-          </a:fontRef>
-        </p:style>
-      </p:cxnSp>
-      <p:sp>
-        <p:nvSpPr>
-          <p:cNvPr id="29" name="Rectangle 28">
-            <a:extLst>
-              <a:ext uri="{FF2B5EF4-FFF2-40B4-BE49-F238E27FC236}">
-                <a16:creationId xmlns:a16="http://schemas.microsoft.com/office/drawing/2014/main" id="{11F48799-AD9E-4E8A-BD80-7449EDA8548E}"/>
-              </a:ext>
-            </a:extLst>
-          </p:cNvPr>
-          <p:cNvSpPr/>
-          <p:nvPr/>
-        </p:nvSpPr>
-        <p:spPr>
-          <a:xfrm>
-            <a:off x="4933406" y="5002053"/>
-            <a:ext cx="1406013" cy="516908"/>
-          </a:xfrm>
-          <a:prstGeom prst="rect">
-            <a:avLst/>
-          </a:prstGeom>
-          <a:noFill/>
-          <a:ln>
-            <a:solidFill>
-              <a:schemeClr val="bg1"/>
-            </a:solidFill>
-          </a:ln>
-        </p:spPr>
-        <p:style>
-          <a:lnRef idx="2">
-            <a:schemeClr val="accent6"/>
-          </a:lnRef>
-          <a:fillRef idx="1">
-            <a:schemeClr val="lt1"/>
-          </a:fillRef>
-          <a:effectRef idx="0">
-            <a:schemeClr val="accent6"/>
-          </a:effectRef>
-          <a:fontRef idx="minor">
-            <a:schemeClr val="dk1"/>
-          </a:fontRef>
-        </p:style>
-        <p:txBody>
-          <a:bodyPr rtlCol="0" anchor="ctr"/>
-          <a:lstStyle/>
-          <a:p>
-            <a:pPr algn="ctr"/>
-            <a:r>
-              <a:rPr lang="en-US" dirty="0" err="1"/>
-              <a:t>Proba</a:t>
-            </a:r>
-            <a:r>
-              <a:rPr lang="en-US" dirty="0"/>
-              <a:t> </a:t>
-            </a:r>
-            <a:r>
-              <a:rPr lang="en-US" dirty="0" err="1"/>
-              <a:t>Ya</a:t>
-            </a:r>
-            <a:r>
-              <a:rPr lang="en-US" dirty="0"/>
-              <a:t> &lt; 0.3</a:t>
-            </a:r>
-          </a:p>
-        </p:txBody>
-      </p:sp>
-      <p:cxnSp>
-        <p:nvCxnSpPr>
-          <p:cNvPr id="9" name="Straight Arrow Connector 8">
-            <a:extLst>
-              <a:ext uri="{FF2B5EF4-FFF2-40B4-BE49-F238E27FC236}">
-                <a16:creationId xmlns:a16="http://schemas.microsoft.com/office/drawing/2014/main" id="{DC2EF522-2915-437A-9A4B-D966AE1BD8C3}"/>
-              </a:ext>
-            </a:extLst>
-          </p:cNvPr>
-          <p:cNvCxnSpPr>
-            <a:endCxn id="29" idx="1"/>
-          </p:cNvCxnSpPr>
-          <p:nvPr/>
-        </p:nvCxnSpPr>
-        <p:spPr>
-          <a:xfrm>
-            <a:off x="3864077" y="2637502"/>
-            <a:ext cx="1069329" cy="2623005"/>
-          </a:xfrm>
-          <a:prstGeom prst="straightConnector1">
-            <a:avLst/>
-          </a:prstGeom>
-          <a:ln>
-            <a:tailEnd type="triangle"/>
-          </a:ln>
-        </p:spPr>
-        <p:style>
-          <a:lnRef idx="1">
-            <a:schemeClr val="accent1"/>
-          </a:lnRef>
-          <a:fillRef idx="0">
-            <a:schemeClr val="accent1"/>
-          </a:fillRef>
-          <a:effectRef idx="0">
-            <a:schemeClr val="accent1"/>
-          </a:effectRef>
-          <a:fontRef idx="minor">
-            <a:schemeClr val="tx1"/>
-          </a:fontRef>
-        </p:style>
-      </p:cxnSp>
-      <p:cxnSp>
-        <p:nvCxnSpPr>
-          <p:cNvPr id="12" name="Straight Arrow Connector 11">
-            <a:extLst>
-              <a:ext uri="{FF2B5EF4-FFF2-40B4-BE49-F238E27FC236}">
-                <a16:creationId xmlns:a16="http://schemas.microsoft.com/office/drawing/2014/main" id="{C806C0F4-B8A8-4BB9-A419-4F30F0B89D19}"/>
-              </a:ext>
-            </a:extLst>
-          </p:cNvPr>
-          <p:cNvCxnSpPr>
-            <a:stCxn id="29" idx="2"/>
-            <a:endCxn id="64" idx="1"/>
-          </p:cNvCxnSpPr>
-          <p:nvPr/>
-        </p:nvCxnSpPr>
-        <p:spPr>
-          <a:xfrm>
-            <a:off x="5636413" y="5518961"/>
-            <a:ext cx="863190" cy="443127"/>
-          </a:xfrm>
-          <a:prstGeom prst="straightConnector1">
-            <a:avLst/>
-          </a:prstGeom>
-          <a:ln>
-            <a:tailEnd type="triangle"/>
-          </a:ln>
-        </p:spPr>
-        <p:style>
-          <a:lnRef idx="1">
-            <a:schemeClr val="accent1"/>
-          </a:lnRef>
-          <a:fillRef idx="0">
-            <a:schemeClr val="accent1"/>
-          </a:fillRef>
-          <a:effectRef idx="0">
-            <a:schemeClr val="accent1"/>
-          </a:effectRef>
-          <a:fontRef idx="minor">
-            <a:schemeClr val="tx1"/>
-          </a:fontRef>
-        </p:style>
-      </p:cxnSp>
-      <p:cxnSp>
-        <p:nvCxnSpPr>
-          <p:cNvPr id="23" name="Straight Connector 22">
-            <a:extLst>
-              <a:ext uri="{FF2B5EF4-FFF2-40B4-BE49-F238E27FC236}">
-                <a16:creationId xmlns:a16="http://schemas.microsoft.com/office/drawing/2014/main" id="{689CBEFC-E1E8-4392-B5FA-82BD665BABA2}"/>
-              </a:ext>
-            </a:extLst>
-          </p:cNvPr>
-          <p:cNvCxnSpPr/>
-          <p:nvPr/>
-        </p:nvCxnSpPr>
-        <p:spPr>
-          <a:xfrm flipV="1">
-            <a:off x="8664312" y="2288100"/>
-            <a:ext cx="897094" cy="1241942"/>
-          </a:xfrm>
-          <a:prstGeom prst="line">
-            <a:avLst/>
-          </a:prstGeom>
-        </p:spPr>
-        <p:style>
-          <a:lnRef idx="1">
-            <a:schemeClr val="accent1"/>
-          </a:lnRef>
-          <a:fillRef idx="0">
-            <a:schemeClr val="accent1"/>
-          </a:fillRef>
-          <a:effectRef idx="0">
-            <a:schemeClr val="accent1"/>
-          </a:effectRef>
-          <a:fontRef idx="minor">
-            <a:schemeClr val="tx1"/>
-          </a:fontRef>
-        </p:style>
-      </p:cxnSp>
-      <p:cxnSp>
-        <p:nvCxnSpPr>
-          <p:cNvPr id="25" name="Straight Connector 24">
-            <a:extLst>
-              <a:ext uri="{FF2B5EF4-FFF2-40B4-BE49-F238E27FC236}">
-                <a16:creationId xmlns:a16="http://schemas.microsoft.com/office/drawing/2014/main" id="{2170B41E-8F17-4A71-8A40-AC53F84BBE26}"/>
-              </a:ext>
-            </a:extLst>
-          </p:cNvPr>
-          <p:cNvCxnSpPr/>
-          <p:nvPr/>
-        </p:nvCxnSpPr>
-        <p:spPr>
-          <a:xfrm>
-            <a:off x="8695755" y="4417044"/>
-            <a:ext cx="821205" cy="1066062"/>
-          </a:xfrm>
-          <a:prstGeom prst="line">
-            <a:avLst/>
-          </a:prstGeom>
-        </p:spPr>
-        <p:style>
-          <a:lnRef idx="1">
-            <a:schemeClr val="accent1"/>
-          </a:lnRef>
-          <a:fillRef idx="0">
-            <a:schemeClr val="accent1"/>
-          </a:fillRef>
-          <a:effectRef idx="0">
-            <a:schemeClr val="accent1"/>
-          </a:effectRef>
-          <a:fontRef idx="minor">
-            <a:schemeClr val="tx1"/>
-          </a:fontRef>
-        </p:style>
-      </p:cxnSp>
-      <p:sp>
-        <p:nvSpPr>
-          <p:cNvPr id="26" name="Rectangle 25">
-            <a:extLst>
-              <a:ext uri="{FF2B5EF4-FFF2-40B4-BE49-F238E27FC236}">
-                <a16:creationId xmlns:a16="http://schemas.microsoft.com/office/drawing/2014/main" id="{661AE275-EA5D-4A5E-8498-2CBF6FE01557}"/>
-              </a:ext>
-            </a:extLst>
-          </p:cNvPr>
-          <p:cNvSpPr/>
-          <p:nvPr/>
-        </p:nvSpPr>
-        <p:spPr>
-          <a:xfrm>
-            <a:off x="9709355" y="1145253"/>
-            <a:ext cx="2241756" cy="1037508"/>
-          </a:xfrm>
-          <a:prstGeom prst="rect">
-            <a:avLst/>
-          </a:prstGeom>
-        </p:spPr>
-        <p:style>
-          <a:lnRef idx="2">
-            <a:schemeClr val="accent1">
-              <a:shade val="50000"/>
-            </a:schemeClr>
-          </a:lnRef>
-          <a:fillRef idx="1">
-            <a:schemeClr val="accent1"/>
-          </a:fillRef>
-          <a:effectRef idx="0">
-            <a:schemeClr val="accent1"/>
-          </a:effectRef>
-          <a:fontRef idx="minor">
-            <a:schemeClr val="lt1"/>
-          </a:fontRef>
-        </p:style>
-        <p:txBody>
-          <a:bodyPr rtlCol="0" anchor="ctr"/>
-          <a:lstStyle/>
-          <a:p>
-            <a:pPr algn="ctr"/>
-            <a:r>
-              <a:rPr lang="en-US" dirty="0" err="1"/>
-              <a:t>Mengacu</a:t>
-            </a:r>
-            <a:r>
-              <a:rPr lang="en-US" dirty="0"/>
-              <a:t> pada </a:t>
-            </a:r>
-            <a:r>
-              <a:rPr lang="en-US" dirty="0" err="1"/>
-              <a:t>jumlah</a:t>
-            </a:r>
-            <a:r>
-              <a:rPr lang="en-US" dirty="0"/>
-              <a:t> minimal </a:t>
-            </a:r>
-            <a:r>
-              <a:rPr lang="en-US" dirty="0" err="1"/>
-              <a:t>rekening</a:t>
-            </a:r>
-            <a:r>
-              <a:rPr lang="en-US" dirty="0"/>
-              <a:t> </a:t>
-            </a:r>
-            <a:r>
-              <a:rPr lang="en-US" dirty="0" err="1"/>
-              <a:t>nasabah</a:t>
-            </a:r>
-            <a:r>
-              <a:rPr lang="en-US" dirty="0"/>
-              <a:t> premium </a:t>
-            </a:r>
-          </a:p>
-        </p:txBody>
-      </p:sp>
-    </p:spTree>
-    <p:extLst>
-      <p:ext uri="{BB962C8B-B14F-4D97-AF65-F5344CB8AC3E}">
-        <p14:creationId xmlns:p14="http://schemas.microsoft.com/office/powerpoint/2010/main" val="2862501326"/>
-      </p:ext>
-    </p:extLst>
-  </p:cSld>
-  <p:clrMapOvr>
-    <a:masterClrMapping/>
-  </p:clrMapOvr>
-</p:sld>
-</file>
-
-<file path=ppt/slides/slide9.xml><?xml version="1.0" encoding="utf-8"?>
+<file path=ppt/slides/slide7.xml><?xml version="1.0" encoding="utf-8"?>
 <p:sld xmlns:a="http://schemas.openxmlformats.org/drawingml/2006/main" xmlns:r="http://schemas.openxmlformats.org/officeDocument/2006/relationships" xmlns:p="http://schemas.openxmlformats.org/presentationml/2006/main">
   <p:cSld>
     <p:spTree>
@@ -40598,6 +40662,393 @@
     <p:extLst>
       <p:ext uri="{BB962C8B-B14F-4D97-AF65-F5344CB8AC3E}">
         <p14:creationId xmlns:p14="http://schemas.microsoft.com/office/powerpoint/2010/main" val="1070757922"/>
+      </p:ext>
+    </p:extLst>
+  </p:cSld>
+  <p:clrMapOvr>
+    <a:masterClrMapping/>
+  </p:clrMapOvr>
+</p:sld>
+</file>
+
+<file path=ppt/slides/slide8.xml><?xml version="1.0" encoding="utf-8"?>
+<p:sld xmlns:a="http://schemas.openxmlformats.org/drawingml/2006/main" xmlns:r="http://schemas.openxmlformats.org/officeDocument/2006/relationships" xmlns:p="http://schemas.openxmlformats.org/presentationml/2006/main">
+  <p:cSld>
+    <p:spTree>
+      <p:nvGrpSpPr>
+        <p:cNvPr id="1" name=""/>
+        <p:cNvGrpSpPr/>
+        <p:nvPr/>
+      </p:nvGrpSpPr>
+      <p:grpSpPr>
+        <a:xfrm>
+          <a:off x="0" y="0"/>
+          <a:ext cx="0" cy="0"/>
+          <a:chOff x="0" y="0"/>
+          <a:chExt cx="0" cy="0"/>
+        </a:xfrm>
+      </p:grpSpPr>
+      <p:sp>
+        <p:nvSpPr>
+          <p:cNvPr id="2" name="Title 1">
+            <a:extLst>
+              <a:ext uri="{FF2B5EF4-FFF2-40B4-BE49-F238E27FC236}">
+                <a16:creationId xmlns:a16="http://schemas.microsoft.com/office/drawing/2014/main" id="{84EEC1A3-E984-4881-B54A-F1C5E73F7696}"/>
+              </a:ext>
+            </a:extLst>
+          </p:cNvPr>
+          <p:cNvSpPr>
+            <a:spLocks noGrp="1"/>
+          </p:cNvSpPr>
+          <p:nvPr>
+            <p:ph type="title"/>
+          </p:nvPr>
+        </p:nvSpPr>
+        <p:spPr/>
+        <p:txBody>
+          <a:bodyPr/>
+          <a:lstStyle/>
+          <a:p>
+            <a:r>
+              <a:rPr lang="en-US" dirty="0"/>
+              <a:t>Business Problems and Goals</a:t>
+            </a:r>
+          </a:p>
+        </p:txBody>
+      </p:sp>
+      <p:sp>
+        <p:nvSpPr>
+          <p:cNvPr id="5" name="Title 1">
+            <a:extLst>
+              <a:ext uri="{FF2B5EF4-FFF2-40B4-BE49-F238E27FC236}">
+                <a16:creationId xmlns:a16="http://schemas.microsoft.com/office/drawing/2014/main" id="{4CAAB499-8E77-48CE-BADB-1277D94D7B15}"/>
+              </a:ext>
+            </a:extLst>
+          </p:cNvPr>
+          <p:cNvSpPr txBox="1">
+            <a:spLocks/>
+          </p:cNvSpPr>
+          <p:nvPr/>
+        </p:nvSpPr>
+        <p:spPr>
+          <a:xfrm>
+            <a:off x="838200" y="1329149"/>
+            <a:ext cx="10515600" cy="1325563"/>
+          </a:xfrm>
+          <a:prstGeom prst="rect">
+            <a:avLst/>
+          </a:prstGeom>
+        </p:spPr>
+        <p:txBody>
+          <a:bodyPr vert="horz" lIns="91440" tIns="45720" rIns="91440" bIns="45720" rtlCol="0" anchor="ctr">
+            <a:normAutofit/>
+          </a:bodyPr>
+          <a:lstStyle>
+            <a:lvl1pPr algn="l" defTabSz="914400" rtl="0" eaLnBrk="1" latinLnBrk="0" hangingPunct="1">
+              <a:lnSpc>
+                <a:spcPct val="90000"/>
+              </a:lnSpc>
+              <a:spcBef>
+                <a:spcPct val="0"/>
+              </a:spcBef>
+              <a:buNone/>
+              <a:defRPr sz="4400" kern="1200">
+                <a:solidFill>
+                  <a:schemeClr val="tx1"/>
+                </a:solidFill>
+                <a:latin typeface="+mj-lt"/>
+                <a:ea typeface="+mj-ea"/>
+                <a:cs typeface="+mj-cs"/>
+              </a:defRPr>
+            </a:lvl1pPr>
+          </a:lstStyle>
+          <a:p>
+            <a:r>
+              <a:rPr lang="en-US" sz="3200" b="1" dirty="0"/>
+              <a:t>Business Goals</a:t>
+            </a:r>
+          </a:p>
+        </p:txBody>
+      </p:sp>
+      <p:sp>
+        <p:nvSpPr>
+          <p:cNvPr id="7" name="Content Placeholder 2">
+            <a:extLst>
+              <a:ext uri="{FF2B5EF4-FFF2-40B4-BE49-F238E27FC236}">
+                <a16:creationId xmlns:a16="http://schemas.microsoft.com/office/drawing/2014/main" id="{A8FD379D-E819-491D-A3EE-B1C6A1C410B1}"/>
+              </a:ext>
+            </a:extLst>
+          </p:cNvPr>
+          <p:cNvSpPr txBox="1">
+            <a:spLocks/>
+          </p:cNvSpPr>
+          <p:nvPr/>
+        </p:nvSpPr>
+        <p:spPr>
+          <a:xfrm>
+            <a:off x="838200" y="2448231"/>
+            <a:ext cx="10515600" cy="4119717"/>
+          </a:xfrm>
+          <a:prstGeom prst="rect">
+            <a:avLst/>
+          </a:prstGeom>
+        </p:spPr>
+        <p:txBody>
+          <a:bodyPr vert="horz" lIns="91440" tIns="45720" rIns="91440" bIns="45720" rtlCol="0">
+            <a:normAutofit/>
+          </a:bodyPr>
+          <a:lstStyle>
+            <a:lvl1pPr marL="228600" indent="-228600" algn="l" defTabSz="914400" rtl="0" eaLnBrk="1" latinLnBrk="0" hangingPunct="1">
+              <a:lnSpc>
+                <a:spcPct val="90000"/>
+              </a:lnSpc>
+              <a:spcBef>
+                <a:spcPts val="1000"/>
+              </a:spcBef>
+              <a:buFont typeface="Arial" panose="020B0604020202020204" pitchFamily="34" charset="0"/>
+              <a:buChar char="•"/>
+              <a:defRPr sz="2800" kern="1200">
+                <a:solidFill>
+                  <a:schemeClr val="tx1"/>
+                </a:solidFill>
+                <a:latin typeface="+mn-lt"/>
+                <a:ea typeface="+mn-ea"/>
+                <a:cs typeface="+mn-cs"/>
+              </a:defRPr>
+            </a:lvl1pPr>
+            <a:lvl2pPr marL="685800" indent="-228600" algn="l" defTabSz="914400" rtl="0" eaLnBrk="1" latinLnBrk="0" hangingPunct="1">
+              <a:lnSpc>
+                <a:spcPct val="90000"/>
+              </a:lnSpc>
+              <a:spcBef>
+                <a:spcPts val="500"/>
+              </a:spcBef>
+              <a:buFont typeface="Arial" panose="020B0604020202020204" pitchFamily="34" charset="0"/>
+              <a:buChar char="•"/>
+              <a:defRPr sz="2400" kern="1200">
+                <a:solidFill>
+                  <a:schemeClr val="tx1"/>
+                </a:solidFill>
+                <a:latin typeface="+mn-lt"/>
+                <a:ea typeface="+mn-ea"/>
+                <a:cs typeface="+mn-cs"/>
+              </a:defRPr>
+            </a:lvl2pPr>
+            <a:lvl3pPr marL="1143000" indent="-228600" algn="l" defTabSz="914400" rtl="0" eaLnBrk="1" latinLnBrk="0" hangingPunct="1">
+              <a:lnSpc>
+                <a:spcPct val="90000"/>
+              </a:lnSpc>
+              <a:spcBef>
+                <a:spcPts val="500"/>
+              </a:spcBef>
+              <a:buFont typeface="Arial" panose="020B0604020202020204" pitchFamily="34" charset="0"/>
+              <a:buChar char="•"/>
+              <a:defRPr sz="2000" kern="1200">
+                <a:solidFill>
+                  <a:schemeClr val="tx1"/>
+                </a:solidFill>
+                <a:latin typeface="+mn-lt"/>
+                <a:ea typeface="+mn-ea"/>
+                <a:cs typeface="+mn-cs"/>
+              </a:defRPr>
+            </a:lvl3pPr>
+            <a:lvl4pPr marL="1600200" indent="-228600" algn="l" defTabSz="914400" rtl="0" eaLnBrk="1" latinLnBrk="0" hangingPunct="1">
+              <a:lnSpc>
+                <a:spcPct val="90000"/>
+              </a:lnSpc>
+              <a:spcBef>
+                <a:spcPts val="500"/>
+              </a:spcBef>
+              <a:buFont typeface="Arial" panose="020B0604020202020204" pitchFamily="34" charset="0"/>
+              <a:buChar char="•"/>
+              <a:defRPr sz="1800" kern="1200">
+                <a:solidFill>
+                  <a:schemeClr val="tx1"/>
+                </a:solidFill>
+                <a:latin typeface="+mn-lt"/>
+                <a:ea typeface="+mn-ea"/>
+                <a:cs typeface="+mn-cs"/>
+              </a:defRPr>
+            </a:lvl4pPr>
+            <a:lvl5pPr marL="2057400" indent="-228600" algn="l" defTabSz="914400" rtl="0" eaLnBrk="1" latinLnBrk="0" hangingPunct="1">
+              <a:lnSpc>
+                <a:spcPct val="90000"/>
+              </a:lnSpc>
+              <a:spcBef>
+                <a:spcPts val="500"/>
+              </a:spcBef>
+              <a:buFont typeface="Arial" panose="020B0604020202020204" pitchFamily="34" charset="0"/>
+              <a:buChar char="•"/>
+              <a:defRPr sz="1800" kern="1200">
+                <a:solidFill>
+                  <a:schemeClr val="tx1"/>
+                </a:solidFill>
+                <a:latin typeface="+mn-lt"/>
+                <a:ea typeface="+mn-ea"/>
+                <a:cs typeface="+mn-cs"/>
+              </a:defRPr>
+            </a:lvl5pPr>
+            <a:lvl6pPr marL="2514600" indent="-228600" algn="l" defTabSz="914400" rtl="0" eaLnBrk="1" latinLnBrk="0" hangingPunct="1">
+              <a:lnSpc>
+                <a:spcPct val="90000"/>
+              </a:lnSpc>
+              <a:spcBef>
+                <a:spcPts val="500"/>
+              </a:spcBef>
+              <a:buFont typeface="Arial" panose="020B0604020202020204" pitchFamily="34" charset="0"/>
+              <a:buChar char="•"/>
+              <a:defRPr sz="1800" kern="1200">
+                <a:solidFill>
+                  <a:schemeClr val="tx1"/>
+                </a:solidFill>
+                <a:latin typeface="+mn-lt"/>
+                <a:ea typeface="+mn-ea"/>
+                <a:cs typeface="+mn-cs"/>
+              </a:defRPr>
+            </a:lvl6pPr>
+            <a:lvl7pPr marL="2971800" indent="-228600" algn="l" defTabSz="914400" rtl="0" eaLnBrk="1" latinLnBrk="0" hangingPunct="1">
+              <a:lnSpc>
+                <a:spcPct val="90000"/>
+              </a:lnSpc>
+              <a:spcBef>
+                <a:spcPts val="500"/>
+              </a:spcBef>
+              <a:buFont typeface="Arial" panose="020B0604020202020204" pitchFamily="34" charset="0"/>
+              <a:buChar char="•"/>
+              <a:defRPr sz="1800" kern="1200">
+                <a:solidFill>
+                  <a:schemeClr val="tx1"/>
+                </a:solidFill>
+                <a:latin typeface="+mn-lt"/>
+                <a:ea typeface="+mn-ea"/>
+                <a:cs typeface="+mn-cs"/>
+              </a:defRPr>
+            </a:lvl7pPr>
+            <a:lvl8pPr marL="3429000" indent="-228600" algn="l" defTabSz="914400" rtl="0" eaLnBrk="1" latinLnBrk="0" hangingPunct="1">
+              <a:lnSpc>
+                <a:spcPct val="90000"/>
+              </a:lnSpc>
+              <a:spcBef>
+                <a:spcPts val="500"/>
+              </a:spcBef>
+              <a:buFont typeface="Arial" panose="020B0604020202020204" pitchFamily="34" charset="0"/>
+              <a:buChar char="•"/>
+              <a:defRPr sz="1800" kern="1200">
+                <a:solidFill>
+                  <a:schemeClr val="tx1"/>
+                </a:solidFill>
+                <a:latin typeface="+mn-lt"/>
+                <a:ea typeface="+mn-ea"/>
+                <a:cs typeface="+mn-cs"/>
+              </a:defRPr>
+            </a:lvl8pPr>
+            <a:lvl9pPr marL="3886200" indent="-228600" algn="l" defTabSz="914400" rtl="0" eaLnBrk="1" latinLnBrk="0" hangingPunct="1">
+              <a:lnSpc>
+                <a:spcPct val="90000"/>
+              </a:lnSpc>
+              <a:spcBef>
+                <a:spcPts val="500"/>
+              </a:spcBef>
+              <a:buFont typeface="Arial" panose="020B0604020202020204" pitchFamily="34" charset="0"/>
+              <a:buChar char="•"/>
+              <a:defRPr sz="1800" kern="1200">
+                <a:solidFill>
+                  <a:schemeClr val="tx1"/>
+                </a:solidFill>
+                <a:latin typeface="+mn-lt"/>
+                <a:ea typeface="+mn-ea"/>
+                <a:cs typeface="+mn-cs"/>
+              </a:defRPr>
+            </a:lvl9pPr>
+          </a:lstStyle>
+          <a:p>
+            <a:r>
+              <a:rPr lang="en-US" dirty="0"/>
+              <a:t>Predict Potential Bank Customer that will buy deposit or not with Machine Learning Method</a:t>
+            </a:r>
+          </a:p>
+          <a:p>
+            <a:r>
+              <a:rPr lang="en-US" dirty="0"/>
+              <a:t>Give Cost Reduction Simulation after and before using Machine Learning</a:t>
+            </a:r>
+          </a:p>
+          <a:p>
+            <a:pPr>
+              <a:buFontTx/>
+              <a:buChar char="-"/>
+            </a:pPr>
+            <a:endParaRPr lang="en-US" dirty="0"/>
+          </a:p>
+        </p:txBody>
+      </p:sp>
+    </p:spTree>
+    <p:extLst>
+      <p:ext uri="{BB962C8B-B14F-4D97-AF65-F5344CB8AC3E}">
+        <p14:creationId xmlns:p14="http://schemas.microsoft.com/office/powerpoint/2010/main" val="3405541367"/>
+      </p:ext>
+    </p:extLst>
+  </p:cSld>
+  <p:clrMapOvr>
+    <a:masterClrMapping/>
+  </p:clrMapOvr>
+</p:sld>
+</file>
+
+<file path=ppt/slides/slide9.xml><?xml version="1.0" encoding="utf-8"?>
+<p:sld xmlns:a="http://schemas.openxmlformats.org/drawingml/2006/main" xmlns:r="http://schemas.openxmlformats.org/officeDocument/2006/relationships" xmlns:p="http://schemas.openxmlformats.org/presentationml/2006/main">
+  <p:cSld>
+    <p:spTree>
+      <p:nvGrpSpPr>
+        <p:cNvPr id="1" name=""/>
+        <p:cNvGrpSpPr/>
+        <p:nvPr/>
+      </p:nvGrpSpPr>
+      <p:grpSpPr>
+        <a:xfrm>
+          <a:off x="0" y="0"/>
+          <a:ext cx="0" cy="0"/>
+          <a:chOff x="0" y="0"/>
+          <a:chExt cx="0" cy="0"/>
+        </a:xfrm>
+      </p:grpSpPr>
+      <p:sp>
+        <p:nvSpPr>
+          <p:cNvPr id="2" name="Title 1">
+            <a:extLst>
+              <a:ext uri="{FF2B5EF4-FFF2-40B4-BE49-F238E27FC236}">
+                <a16:creationId xmlns:a16="http://schemas.microsoft.com/office/drawing/2014/main" id="{84EEC1A3-E984-4881-B54A-F1C5E73F7696}"/>
+              </a:ext>
+            </a:extLst>
+          </p:cNvPr>
+          <p:cNvSpPr>
+            <a:spLocks noGrp="1"/>
+          </p:cNvSpPr>
+          <p:nvPr>
+            <p:ph type="title"/>
+          </p:nvPr>
+        </p:nvSpPr>
+        <p:spPr>
+          <a:xfrm>
+            <a:off x="838200" y="2561787"/>
+            <a:ext cx="10515600" cy="1325563"/>
+          </a:xfrm>
+        </p:spPr>
+        <p:txBody>
+          <a:bodyPr/>
+          <a:lstStyle/>
+          <a:p>
+            <a:r>
+              <a:rPr lang="en-US" dirty="0"/>
+              <a:t>Mind Map Solution</a:t>
+            </a:r>
+          </a:p>
+        </p:txBody>
+      </p:sp>
+    </p:spTree>
+    <p:extLst>
+      <p:ext uri="{BB962C8B-B14F-4D97-AF65-F5344CB8AC3E}">
+        <p14:creationId xmlns:p14="http://schemas.microsoft.com/office/powerpoint/2010/main" val="530480786"/>
       </p:ext>
     </p:extLst>
   </p:cSld>

--- a/Presentation-1.pptx
+++ b/Presentation-1.pptx
@@ -5,7 +5,7 @@
     <p:sldMasterId id="2147483648" r:id="rId1"/>
   </p:sldMasterIdLst>
   <p:notesMasterIdLst>
-    <p:notesMasterId r:id="rId68"/>
+    <p:notesMasterId r:id="rId70"/>
   </p:notesMasterIdLst>
   <p:sldIdLst>
     <p:sldId id="266" r:id="rId2"/>
@@ -64,16 +64,18 @@
     <p:sldId id="307" r:id="rId55"/>
     <p:sldId id="308" r:id="rId56"/>
     <p:sldId id="309" r:id="rId57"/>
-    <p:sldId id="310" r:id="rId58"/>
-    <p:sldId id="311" r:id="rId59"/>
-    <p:sldId id="312" r:id="rId60"/>
-    <p:sldId id="313" r:id="rId61"/>
-    <p:sldId id="276" r:id="rId62"/>
-    <p:sldId id="314" r:id="rId63"/>
-    <p:sldId id="315" r:id="rId64"/>
-    <p:sldId id="316" r:id="rId65"/>
-    <p:sldId id="277" r:id="rId66"/>
-    <p:sldId id="335" r:id="rId67"/>
+    <p:sldId id="337" r:id="rId58"/>
+    <p:sldId id="312" r:id="rId59"/>
+    <p:sldId id="310" r:id="rId60"/>
+    <p:sldId id="311" r:id="rId61"/>
+    <p:sldId id="336" r:id="rId62"/>
+    <p:sldId id="313" r:id="rId63"/>
+    <p:sldId id="276" r:id="rId64"/>
+    <p:sldId id="314" r:id="rId65"/>
+    <p:sldId id="315" r:id="rId66"/>
+    <p:sldId id="316" r:id="rId67"/>
+    <p:sldId id="277" r:id="rId68"/>
+    <p:sldId id="335" r:id="rId69"/>
   </p:sldIdLst>
   <p:sldSz cx="12192000" cy="6858000"/>
   <p:notesSz cx="6858000" cy="9144000"/>
@@ -12765,7 +12767,7 @@
           <a:p>
             <a:fld id="{58ABA864-E84D-4E33-B46F-8D6429F53A25}" type="slidenum">
               <a:rPr lang="en-US" smtClean="0"/>
-              <a:t>62</a:t>
+              <a:t>64</a:t>
             </a:fld>
             <a:endParaRPr lang="en-US"/>
           </a:p>
@@ -12878,7 +12880,7 @@
           <a:p>
             <a:fld id="{58ABA864-E84D-4E33-B46F-8D6429F53A25}" type="slidenum">
               <a:rPr lang="en-US" smtClean="0"/>
-              <a:t>63</a:t>
+              <a:t>65</a:t>
             </a:fld>
             <a:endParaRPr lang="en-US"/>
           </a:p>
@@ -12991,7 +12993,7 @@
           <a:p>
             <a:fld id="{58ABA864-E84D-4E33-B46F-8D6429F53A25}" type="slidenum">
               <a:rPr lang="en-US" smtClean="0"/>
-              <a:t>64</a:t>
+              <a:t>66</a:t>
             </a:fld>
             <a:endParaRPr lang="en-US"/>
           </a:p>
@@ -37424,6 +37426,1064 @@
           <a:p>
             <a:r>
               <a:rPr lang="en-US" dirty="0"/>
+              <a:t>Confusion Metrix</a:t>
+            </a:r>
+          </a:p>
+        </p:txBody>
+      </p:sp>
+      <p:sp>
+        <p:nvSpPr>
+          <p:cNvPr id="6" name="Content Placeholder 2">
+            <a:extLst>
+              <a:ext uri="{FF2B5EF4-FFF2-40B4-BE49-F238E27FC236}">
+                <a16:creationId xmlns:a16="http://schemas.microsoft.com/office/drawing/2014/main" id="{0FE5CA91-EBBA-45DD-B717-9A7AB416BFF7}"/>
+              </a:ext>
+            </a:extLst>
+          </p:cNvPr>
+          <p:cNvSpPr txBox="1">
+            <a:spLocks/>
+          </p:cNvSpPr>
+          <p:nvPr/>
+        </p:nvSpPr>
+        <p:spPr>
+          <a:xfrm>
+            <a:off x="2088932" y="4138503"/>
+            <a:ext cx="4462213" cy="1325563"/>
+          </a:xfrm>
+          <a:prstGeom prst="rect">
+            <a:avLst/>
+          </a:prstGeom>
+        </p:spPr>
+        <p:txBody>
+          <a:bodyPr vert="horz" lIns="91440" tIns="45720" rIns="91440" bIns="45720" rtlCol="0">
+            <a:normAutofit/>
+          </a:bodyPr>
+          <a:lstStyle>
+            <a:lvl1pPr marL="228600" indent="-228600" algn="l" defTabSz="914400" rtl="0" eaLnBrk="1" latinLnBrk="0" hangingPunct="1">
+              <a:lnSpc>
+                <a:spcPct val="90000"/>
+              </a:lnSpc>
+              <a:spcBef>
+                <a:spcPts val="1000"/>
+              </a:spcBef>
+              <a:buFont typeface="Arial" panose="020B0604020202020204" pitchFamily="34" charset="0"/>
+              <a:buChar char="•"/>
+              <a:defRPr sz="2800" kern="1200">
+                <a:solidFill>
+                  <a:schemeClr val="tx1"/>
+                </a:solidFill>
+                <a:latin typeface="+mn-lt"/>
+                <a:ea typeface="+mn-ea"/>
+                <a:cs typeface="+mn-cs"/>
+              </a:defRPr>
+            </a:lvl1pPr>
+            <a:lvl2pPr marL="685800" indent="-228600" algn="l" defTabSz="914400" rtl="0" eaLnBrk="1" latinLnBrk="0" hangingPunct="1">
+              <a:lnSpc>
+                <a:spcPct val="90000"/>
+              </a:lnSpc>
+              <a:spcBef>
+                <a:spcPts val="500"/>
+              </a:spcBef>
+              <a:buFont typeface="Arial" panose="020B0604020202020204" pitchFamily="34" charset="0"/>
+              <a:buChar char="•"/>
+              <a:defRPr sz="2400" kern="1200">
+                <a:solidFill>
+                  <a:schemeClr val="tx1"/>
+                </a:solidFill>
+                <a:latin typeface="+mn-lt"/>
+                <a:ea typeface="+mn-ea"/>
+                <a:cs typeface="+mn-cs"/>
+              </a:defRPr>
+            </a:lvl2pPr>
+            <a:lvl3pPr marL="1143000" indent="-228600" algn="l" defTabSz="914400" rtl="0" eaLnBrk="1" latinLnBrk="0" hangingPunct="1">
+              <a:lnSpc>
+                <a:spcPct val="90000"/>
+              </a:lnSpc>
+              <a:spcBef>
+                <a:spcPts val="500"/>
+              </a:spcBef>
+              <a:buFont typeface="Arial" panose="020B0604020202020204" pitchFamily="34" charset="0"/>
+              <a:buChar char="•"/>
+              <a:defRPr sz="2000" kern="1200">
+                <a:solidFill>
+                  <a:schemeClr val="tx1"/>
+                </a:solidFill>
+                <a:latin typeface="+mn-lt"/>
+                <a:ea typeface="+mn-ea"/>
+                <a:cs typeface="+mn-cs"/>
+              </a:defRPr>
+            </a:lvl3pPr>
+            <a:lvl4pPr marL="1600200" indent="-228600" algn="l" defTabSz="914400" rtl="0" eaLnBrk="1" latinLnBrk="0" hangingPunct="1">
+              <a:lnSpc>
+                <a:spcPct val="90000"/>
+              </a:lnSpc>
+              <a:spcBef>
+                <a:spcPts val="500"/>
+              </a:spcBef>
+              <a:buFont typeface="Arial" panose="020B0604020202020204" pitchFamily="34" charset="0"/>
+              <a:buChar char="•"/>
+              <a:defRPr sz="1800" kern="1200">
+                <a:solidFill>
+                  <a:schemeClr val="tx1"/>
+                </a:solidFill>
+                <a:latin typeface="+mn-lt"/>
+                <a:ea typeface="+mn-ea"/>
+                <a:cs typeface="+mn-cs"/>
+              </a:defRPr>
+            </a:lvl4pPr>
+            <a:lvl5pPr marL="2057400" indent="-228600" algn="l" defTabSz="914400" rtl="0" eaLnBrk="1" latinLnBrk="0" hangingPunct="1">
+              <a:lnSpc>
+                <a:spcPct val="90000"/>
+              </a:lnSpc>
+              <a:spcBef>
+                <a:spcPts val="500"/>
+              </a:spcBef>
+              <a:buFont typeface="Arial" panose="020B0604020202020204" pitchFamily="34" charset="0"/>
+              <a:buChar char="•"/>
+              <a:defRPr sz="1800" kern="1200">
+                <a:solidFill>
+                  <a:schemeClr val="tx1"/>
+                </a:solidFill>
+                <a:latin typeface="+mn-lt"/>
+                <a:ea typeface="+mn-ea"/>
+                <a:cs typeface="+mn-cs"/>
+              </a:defRPr>
+            </a:lvl5pPr>
+            <a:lvl6pPr marL="2514600" indent="-228600" algn="l" defTabSz="914400" rtl="0" eaLnBrk="1" latinLnBrk="0" hangingPunct="1">
+              <a:lnSpc>
+                <a:spcPct val="90000"/>
+              </a:lnSpc>
+              <a:spcBef>
+                <a:spcPts val="500"/>
+              </a:spcBef>
+              <a:buFont typeface="Arial" panose="020B0604020202020204" pitchFamily="34" charset="0"/>
+              <a:buChar char="•"/>
+              <a:defRPr sz="1800" kern="1200">
+                <a:solidFill>
+                  <a:schemeClr val="tx1"/>
+                </a:solidFill>
+                <a:latin typeface="+mn-lt"/>
+                <a:ea typeface="+mn-ea"/>
+                <a:cs typeface="+mn-cs"/>
+              </a:defRPr>
+            </a:lvl6pPr>
+            <a:lvl7pPr marL="2971800" indent="-228600" algn="l" defTabSz="914400" rtl="0" eaLnBrk="1" latinLnBrk="0" hangingPunct="1">
+              <a:lnSpc>
+                <a:spcPct val="90000"/>
+              </a:lnSpc>
+              <a:spcBef>
+                <a:spcPts val="500"/>
+              </a:spcBef>
+              <a:buFont typeface="Arial" panose="020B0604020202020204" pitchFamily="34" charset="0"/>
+              <a:buChar char="•"/>
+              <a:defRPr sz="1800" kern="1200">
+                <a:solidFill>
+                  <a:schemeClr val="tx1"/>
+                </a:solidFill>
+                <a:latin typeface="+mn-lt"/>
+                <a:ea typeface="+mn-ea"/>
+                <a:cs typeface="+mn-cs"/>
+              </a:defRPr>
+            </a:lvl7pPr>
+            <a:lvl8pPr marL="3429000" indent="-228600" algn="l" defTabSz="914400" rtl="0" eaLnBrk="1" latinLnBrk="0" hangingPunct="1">
+              <a:lnSpc>
+                <a:spcPct val="90000"/>
+              </a:lnSpc>
+              <a:spcBef>
+                <a:spcPts val="500"/>
+              </a:spcBef>
+              <a:buFont typeface="Arial" panose="020B0604020202020204" pitchFamily="34" charset="0"/>
+              <a:buChar char="•"/>
+              <a:defRPr sz="1800" kern="1200">
+                <a:solidFill>
+                  <a:schemeClr val="tx1"/>
+                </a:solidFill>
+                <a:latin typeface="+mn-lt"/>
+                <a:ea typeface="+mn-ea"/>
+                <a:cs typeface="+mn-cs"/>
+              </a:defRPr>
+            </a:lvl8pPr>
+            <a:lvl9pPr marL="3886200" indent="-228600" algn="l" defTabSz="914400" rtl="0" eaLnBrk="1" latinLnBrk="0" hangingPunct="1">
+              <a:lnSpc>
+                <a:spcPct val="90000"/>
+              </a:lnSpc>
+              <a:spcBef>
+                <a:spcPts val="500"/>
+              </a:spcBef>
+              <a:buFont typeface="Arial" panose="020B0604020202020204" pitchFamily="34" charset="0"/>
+              <a:buChar char="•"/>
+              <a:defRPr sz="1800" kern="1200">
+                <a:solidFill>
+                  <a:schemeClr val="tx1"/>
+                </a:solidFill>
+                <a:latin typeface="+mn-lt"/>
+                <a:ea typeface="+mn-ea"/>
+                <a:cs typeface="+mn-cs"/>
+              </a:defRPr>
+            </a:lvl9pPr>
+          </a:lstStyle>
+          <a:p>
+            <a:pPr marL="0" indent="0">
+              <a:buNone/>
+            </a:pPr>
+            <a:r>
+              <a:rPr lang="en-US" dirty="0"/>
+              <a:t>False Positive : 102</a:t>
+            </a:r>
+          </a:p>
+          <a:p>
+            <a:pPr marL="0" indent="0">
+              <a:buNone/>
+            </a:pPr>
+            <a:r>
+              <a:rPr lang="en-US" dirty="0"/>
+              <a:t>False Negative : 741</a:t>
+            </a:r>
+          </a:p>
+        </p:txBody>
+      </p:sp>
+      <p:pic>
+        <p:nvPicPr>
+          <p:cNvPr id="5" name="Picture 4">
+            <a:extLst>
+              <a:ext uri="{FF2B5EF4-FFF2-40B4-BE49-F238E27FC236}">
+                <a16:creationId xmlns:a16="http://schemas.microsoft.com/office/drawing/2014/main" id="{6B3EC582-1EAA-459C-BA2E-94E384062383}"/>
+              </a:ext>
+            </a:extLst>
+          </p:cNvPr>
+          <p:cNvPicPr>
+            <a:picLocks noChangeAspect="1"/>
+          </p:cNvPicPr>
+          <p:nvPr/>
+        </p:nvPicPr>
+        <p:blipFill>
+          <a:blip r:embed="rId2">
+            <a:extLst>
+              <a:ext uri="{28A0092B-C50C-407E-A947-70E740481C1C}">
+                <a14:useLocalDpi xmlns:a14="http://schemas.microsoft.com/office/drawing/2010/main" val="0"/>
+              </a:ext>
+            </a:extLst>
+          </a:blip>
+          <a:stretch>
+            <a:fillRect/>
+          </a:stretch>
+        </p:blipFill>
+        <p:spPr>
+          <a:xfrm>
+            <a:off x="1786759" y="1690688"/>
+            <a:ext cx="7764204" cy="2021928"/>
+          </a:xfrm>
+          <a:prstGeom prst="rect">
+            <a:avLst/>
+          </a:prstGeom>
+        </p:spPr>
+      </p:pic>
+    </p:spTree>
+    <p:extLst>
+      <p:ext uri="{BB962C8B-B14F-4D97-AF65-F5344CB8AC3E}">
+        <p14:creationId xmlns:p14="http://schemas.microsoft.com/office/powerpoint/2010/main" val="3978204327"/>
+      </p:ext>
+    </p:extLst>
+  </p:cSld>
+  <p:clrMapOvr>
+    <a:masterClrMapping/>
+  </p:clrMapOvr>
+</p:sld>
+</file>
+
+<file path=ppt/slides/slide58.xml><?xml version="1.0" encoding="utf-8"?>
+<p:sld xmlns:a="http://schemas.openxmlformats.org/drawingml/2006/main" xmlns:r="http://schemas.openxmlformats.org/officeDocument/2006/relationships" xmlns:p="http://schemas.openxmlformats.org/presentationml/2006/main">
+  <p:cSld>
+    <p:spTree>
+      <p:nvGrpSpPr>
+        <p:cNvPr id="1" name=""/>
+        <p:cNvGrpSpPr/>
+        <p:nvPr/>
+      </p:nvGrpSpPr>
+      <p:grpSpPr>
+        <a:xfrm>
+          <a:off x="0" y="0"/>
+          <a:ext cx="0" cy="0"/>
+          <a:chOff x="0" y="0"/>
+          <a:chExt cx="0" cy="0"/>
+        </a:xfrm>
+      </p:grpSpPr>
+      <p:sp>
+        <p:nvSpPr>
+          <p:cNvPr id="2" name="Title 1">
+            <a:extLst>
+              <a:ext uri="{FF2B5EF4-FFF2-40B4-BE49-F238E27FC236}">
+                <a16:creationId xmlns:a16="http://schemas.microsoft.com/office/drawing/2014/main" id="{84EEC1A3-E984-4881-B54A-F1C5E73F7696}"/>
+              </a:ext>
+            </a:extLst>
+          </p:cNvPr>
+          <p:cNvSpPr>
+            <a:spLocks noGrp="1"/>
+          </p:cNvSpPr>
+          <p:nvPr>
+            <p:ph type="title"/>
+          </p:nvPr>
+        </p:nvSpPr>
+        <p:spPr/>
+        <p:txBody>
+          <a:bodyPr/>
+          <a:lstStyle/>
+          <a:p>
+            <a:r>
+              <a:rPr lang="en-US" dirty="0"/>
+              <a:t>Prediction</a:t>
+            </a:r>
+          </a:p>
+        </p:txBody>
+      </p:sp>
+      <p:pic>
+        <p:nvPicPr>
+          <p:cNvPr id="5" name="Picture 4">
+            <a:extLst>
+              <a:ext uri="{FF2B5EF4-FFF2-40B4-BE49-F238E27FC236}">
+                <a16:creationId xmlns:a16="http://schemas.microsoft.com/office/drawing/2014/main" id="{8602DC57-E81E-48D0-B72E-72BE8CF7D9C7}"/>
+              </a:ext>
+            </a:extLst>
+          </p:cNvPr>
+          <p:cNvPicPr>
+            <a:picLocks noChangeAspect="1"/>
+          </p:cNvPicPr>
+          <p:nvPr/>
+        </p:nvPicPr>
+        <p:blipFill>
+          <a:blip r:embed="rId2">
+            <a:extLst>
+              <a:ext uri="{28A0092B-C50C-407E-A947-70E740481C1C}">
+                <a14:useLocalDpi xmlns:a14="http://schemas.microsoft.com/office/drawing/2010/main" val="0"/>
+              </a:ext>
+            </a:extLst>
+          </a:blip>
+          <a:stretch>
+            <a:fillRect/>
+          </a:stretch>
+        </p:blipFill>
+        <p:spPr>
+          <a:xfrm>
+            <a:off x="6096000" y="365125"/>
+            <a:ext cx="4946542" cy="6171833"/>
+          </a:xfrm>
+          <a:prstGeom prst="rect">
+            <a:avLst/>
+          </a:prstGeom>
+        </p:spPr>
+      </p:pic>
+      <p:sp>
+        <p:nvSpPr>
+          <p:cNvPr id="7" name="Content Placeholder 2">
+            <a:extLst>
+              <a:ext uri="{FF2B5EF4-FFF2-40B4-BE49-F238E27FC236}">
+                <a16:creationId xmlns:a16="http://schemas.microsoft.com/office/drawing/2014/main" id="{4AF9DF7A-383B-449E-B763-E9903F3B4FAB}"/>
+              </a:ext>
+            </a:extLst>
+          </p:cNvPr>
+          <p:cNvSpPr txBox="1">
+            <a:spLocks/>
+          </p:cNvSpPr>
+          <p:nvPr/>
+        </p:nvSpPr>
+        <p:spPr>
+          <a:xfrm>
+            <a:off x="1952297" y="5044263"/>
+            <a:ext cx="4143703" cy="1249218"/>
+          </a:xfrm>
+          <a:prstGeom prst="rect">
+            <a:avLst/>
+          </a:prstGeom>
+        </p:spPr>
+        <p:txBody>
+          <a:bodyPr vert="horz" lIns="91440" tIns="45720" rIns="91440" bIns="45720" rtlCol="0">
+            <a:normAutofit/>
+          </a:bodyPr>
+          <a:lstStyle>
+            <a:lvl1pPr marL="228600" indent="-228600" algn="l" defTabSz="914400" rtl="0" eaLnBrk="1" latinLnBrk="0" hangingPunct="1">
+              <a:lnSpc>
+                <a:spcPct val="90000"/>
+              </a:lnSpc>
+              <a:spcBef>
+                <a:spcPts val="1000"/>
+              </a:spcBef>
+              <a:buFont typeface="Arial" panose="020B0604020202020204" pitchFamily="34" charset="0"/>
+              <a:buChar char="•"/>
+              <a:defRPr sz="2800" kern="1200">
+                <a:solidFill>
+                  <a:schemeClr val="tx1"/>
+                </a:solidFill>
+                <a:latin typeface="+mn-lt"/>
+                <a:ea typeface="+mn-ea"/>
+                <a:cs typeface="+mn-cs"/>
+              </a:defRPr>
+            </a:lvl1pPr>
+            <a:lvl2pPr marL="685800" indent="-228600" algn="l" defTabSz="914400" rtl="0" eaLnBrk="1" latinLnBrk="0" hangingPunct="1">
+              <a:lnSpc>
+                <a:spcPct val="90000"/>
+              </a:lnSpc>
+              <a:spcBef>
+                <a:spcPts val="500"/>
+              </a:spcBef>
+              <a:buFont typeface="Arial" panose="020B0604020202020204" pitchFamily="34" charset="0"/>
+              <a:buChar char="•"/>
+              <a:defRPr sz="2400" kern="1200">
+                <a:solidFill>
+                  <a:schemeClr val="tx1"/>
+                </a:solidFill>
+                <a:latin typeface="+mn-lt"/>
+                <a:ea typeface="+mn-ea"/>
+                <a:cs typeface="+mn-cs"/>
+              </a:defRPr>
+            </a:lvl2pPr>
+            <a:lvl3pPr marL="1143000" indent="-228600" algn="l" defTabSz="914400" rtl="0" eaLnBrk="1" latinLnBrk="0" hangingPunct="1">
+              <a:lnSpc>
+                <a:spcPct val="90000"/>
+              </a:lnSpc>
+              <a:spcBef>
+                <a:spcPts val="500"/>
+              </a:spcBef>
+              <a:buFont typeface="Arial" panose="020B0604020202020204" pitchFamily="34" charset="0"/>
+              <a:buChar char="•"/>
+              <a:defRPr sz="2000" kern="1200">
+                <a:solidFill>
+                  <a:schemeClr val="tx1"/>
+                </a:solidFill>
+                <a:latin typeface="+mn-lt"/>
+                <a:ea typeface="+mn-ea"/>
+                <a:cs typeface="+mn-cs"/>
+              </a:defRPr>
+            </a:lvl3pPr>
+            <a:lvl4pPr marL="1600200" indent="-228600" algn="l" defTabSz="914400" rtl="0" eaLnBrk="1" latinLnBrk="0" hangingPunct="1">
+              <a:lnSpc>
+                <a:spcPct val="90000"/>
+              </a:lnSpc>
+              <a:spcBef>
+                <a:spcPts val="500"/>
+              </a:spcBef>
+              <a:buFont typeface="Arial" panose="020B0604020202020204" pitchFamily="34" charset="0"/>
+              <a:buChar char="•"/>
+              <a:defRPr sz="1800" kern="1200">
+                <a:solidFill>
+                  <a:schemeClr val="tx1"/>
+                </a:solidFill>
+                <a:latin typeface="+mn-lt"/>
+                <a:ea typeface="+mn-ea"/>
+                <a:cs typeface="+mn-cs"/>
+              </a:defRPr>
+            </a:lvl4pPr>
+            <a:lvl5pPr marL="2057400" indent="-228600" algn="l" defTabSz="914400" rtl="0" eaLnBrk="1" latinLnBrk="0" hangingPunct="1">
+              <a:lnSpc>
+                <a:spcPct val="90000"/>
+              </a:lnSpc>
+              <a:spcBef>
+                <a:spcPts val="500"/>
+              </a:spcBef>
+              <a:buFont typeface="Arial" panose="020B0604020202020204" pitchFamily="34" charset="0"/>
+              <a:buChar char="•"/>
+              <a:defRPr sz="1800" kern="1200">
+                <a:solidFill>
+                  <a:schemeClr val="tx1"/>
+                </a:solidFill>
+                <a:latin typeface="+mn-lt"/>
+                <a:ea typeface="+mn-ea"/>
+                <a:cs typeface="+mn-cs"/>
+              </a:defRPr>
+            </a:lvl5pPr>
+            <a:lvl6pPr marL="2514600" indent="-228600" algn="l" defTabSz="914400" rtl="0" eaLnBrk="1" latinLnBrk="0" hangingPunct="1">
+              <a:lnSpc>
+                <a:spcPct val="90000"/>
+              </a:lnSpc>
+              <a:spcBef>
+                <a:spcPts val="500"/>
+              </a:spcBef>
+              <a:buFont typeface="Arial" panose="020B0604020202020204" pitchFamily="34" charset="0"/>
+              <a:buChar char="•"/>
+              <a:defRPr sz="1800" kern="1200">
+                <a:solidFill>
+                  <a:schemeClr val="tx1"/>
+                </a:solidFill>
+                <a:latin typeface="+mn-lt"/>
+                <a:ea typeface="+mn-ea"/>
+                <a:cs typeface="+mn-cs"/>
+              </a:defRPr>
+            </a:lvl6pPr>
+            <a:lvl7pPr marL="2971800" indent="-228600" algn="l" defTabSz="914400" rtl="0" eaLnBrk="1" latinLnBrk="0" hangingPunct="1">
+              <a:lnSpc>
+                <a:spcPct val="90000"/>
+              </a:lnSpc>
+              <a:spcBef>
+                <a:spcPts val="500"/>
+              </a:spcBef>
+              <a:buFont typeface="Arial" panose="020B0604020202020204" pitchFamily="34" charset="0"/>
+              <a:buChar char="•"/>
+              <a:defRPr sz="1800" kern="1200">
+                <a:solidFill>
+                  <a:schemeClr val="tx1"/>
+                </a:solidFill>
+                <a:latin typeface="+mn-lt"/>
+                <a:ea typeface="+mn-ea"/>
+                <a:cs typeface="+mn-cs"/>
+              </a:defRPr>
+            </a:lvl7pPr>
+            <a:lvl8pPr marL="3429000" indent="-228600" algn="l" defTabSz="914400" rtl="0" eaLnBrk="1" latinLnBrk="0" hangingPunct="1">
+              <a:lnSpc>
+                <a:spcPct val="90000"/>
+              </a:lnSpc>
+              <a:spcBef>
+                <a:spcPts val="500"/>
+              </a:spcBef>
+              <a:buFont typeface="Arial" panose="020B0604020202020204" pitchFamily="34" charset="0"/>
+              <a:buChar char="•"/>
+              <a:defRPr sz="1800" kern="1200">
+                <a:solidFill>
+                  <a:schemeClr val="tx1"/>
+                </a:solidFill>
+                <a:latin typeface="+mn-lt"/>
+                <a:ea typeface="+mn-ea"/>
+                <a:cs typeface="+mn-cs"/>
+              </a:defRPr>
+            </a:lvl8pPr>
+            <a:lvl9pPr marL="3886200" indent="-228600" algn="l" defTabSz="914400" rtl="0" eaLnBrk="1" latinLnBrk="0" hangingPunct="1">
+              <a:lnSpc>
+                <a:spcPct val="90000"/>
+              </a:lnSpc>
+              <a:spcBef>
+                <a:spcPts val="500"/>
+              </a:spcBef>
+              <a:buFont typeface="Arial" panose="020B0604020202020204" pitchFamily="34" charset="0"/>
+              <a:buChar char="•"/>
+              <a:defRPr sz="1800" kern="1200">
+                <a:solidFill>
+                  <a:schemeClr val="tx1"/>
+                </a:solidFill>
+                <a:latin typeface="+mn-lt"/>
+                <a:ea typeface="+mn-ea"/>
+                <a:cs typeface="+mn-cs"/>
+              </a:defRPr>
+            </a:lvl9pPr>
+          </a:lstStyle>
+          <a:p>
+            <a:pPr marL="0" indent="0">
+              <a:buNone/>
+            </a:pPr>
+            <a:r>
+              <a:rPr lang="en-US" dirty="0">
+                <a:sym typeface="Wingdings" panose="05000000000000000000" pitchFamily="2" charset="2"/>
+              </a:rPr>
+              <a:t>False Positive : 548</a:t>
+            </a:r>
+          </a:p>
+          <a:p>
+            <a:pPr marL="0" indent="0">
+              <a:buNone/>
+            </a:pPr>
+            <a:r>
+              <a:rPr lang="en-US" dirty="0">
+                <a:sym typeface="Wingdings" panose="05000000000000000000" pitchFamily="2" charset="2"/>
+              </a:rPr>
+              <a:t>False Negative : 3673</a:t>
+            </a:r>
+          </a:p>
+        </p:txBody>
+      </p:sp>
+      <p:sp>
+        <p:nvSpPr>
+          <p:cNvPr id="8" name="Content Placeholder 2">
+            <a:extLst>
+              <a:ext uri="{FF2B5EF4-FFF2-40B4-BE49-F238E27FC236}">
+                <a16:creationId xmlns:a16="http://schemas.microsoft.com/office/drawing/2014/main" id="{80A1CD6E-468A-4774-B974-5EAF670B1F85}"/>
+              </a:ext>
+            </a:extLst>
+          </p:cNvPr>
+          <p:cNvSpPr txBox="1">
+            <a:spLocks/>
+          </p:cNvSpPr>
+          <p:nvPr/>
+        </p:nvSpPr>
+        <p:spPr>
+          <a:xfrm>
+            <a:off x="838200" y="1437386"/>
+            <a:ext cx="5034455" cy="506604"/>
+          </a:xfrm>
+          <a:prstGeom prst="rect">
+            <a:avLst/>
+          </a:prstGeom>
+        </p:spPr>
+        <p:txBody>
+          <a:bodyPr vert="horz" lIns="91440" tIns="45720" rIns="91440" bIns="45720" rtlCol="0">
+            <a:normAutofit/>
+          </a:bodyPr>
+          <a:lstStyle>
+            <a:lvl1pPr marL="228600" indent="-228600" algn="l" defTabSz="914400" rtl="0" eaLnBrk="1" latinLnBrk="0" hangingPunct="1">
+              <a:lnSpc>
+                <a:spcPct val="90000"/>
+              </a:lnSpc>
+              <a:spcBef>
+                <a:spcPts val="1000"/>
+              </a:spcBef>
+              <a:buFont typeface="Arial" panose="020B0604020202020204" pitchFamily="34" charset="0"/>
+              <a:buChar char="•"/>
+              <a:defRPr sz="2800" kern="1200">
+                <a:solidFill>
+                  <a:schemeClr val="tx1"/>
+                </a:solidFill>
+                <a:latin typeface="+mn-lt"/>
+                <a:ea typeface="+mn-ea"/>
+                <a:cs typeface="+mn-cs"/>
+              </a:defRPr>
+            </a:lvl1pPr>
+            <a:lvl2pPr marL="685800" indent="-228600" algn="l" defTabSz="914400" rtl="0" eaLnBrk="1" latinLnBrk="0" hangingPunct="1">
+              <a:lnSpc>
+                <a:spcPct val="90000"/>
+              </a:lnSpc>
+              <a:spcBef>
+                <a:spcPts val="500"/>
+              </a:spcBef>
+              <a:buFont typeface="Arial" panose="020B0604020202020204" pitchFamily="34" charset="0"/>
+              <a:buChar char="•"/>
+              <a:defRPr sz="2400" kern="1200">
+                <a:solidFill>
+                  <a:schemeClr val="tx1"/>
+                </a:solidFill>
+                <a:latin typeface="+mn-lt"/>
+                <a:ea typeface="+mn-ea"/>
+                <a:cs typeface="+mn-cs"/>
+              </a:defRPr>
+            </a:lvl2pPr>
+            <a:lvl3pPr marL="1143000" indent="-228600" algn="l" defTabSz="914400" rtl="0" eaLnBrk="1" latinLnBrk="0" hangingPunct="1">
+              <a:lnSpc>
+                <a:spcPct val="90000"/>
+              </a:lnSpc>
+              <a:spcBef>
+                <a:spcPts val="500"/>
+              </a:spcBef>
+              <a:buFont typeface="Arial" panose="020B0604020202020204" pitchFamily="34" charset="0"/>
+              <a:buChar char="•"/>
+              <a:defRPr sz="2000" kern="1200">
+                <a:solidFill>
+                  <a:schemeClr val="tx1"/>
+                </a:solidFill>
+                <a:latin typeface="+mn-lt"/>
+                <a:ea typeface="+mn-ea"/>
+                <a:cs typeface="+mn-cs"/>
+              </a:defRPr>
+            </a:lvl3pPr>
+            <a:lvl4pPr marL="1600200" indent="-228600" algn="l" defTabSz="914400" rtl="0" eaLnBrk="1" latinLnBrk="0" hangingPunct="1">
+              <a:lnSpc>
+                <a:spcPct val="90000"/>
+              </a:lnSpc>
+              <a:spcBef>
+                <a:spcPts val="500"/>
+              </a:spcBef>
+              <a:buFont typeface="Arial" panose="020B0604020202020204" pitchFamily="34" charset="0"/>
+              <a:buChar char="•"/>
+              <a:defRPr sz="1800" kern="1200">
+                <a:solidFill>
+                  <a:schemeClr val="tx1"/>
+                </a:solidFill>
+                <a:latin typeface="+mn-lt"/>
+                <a:ea typeface="+mn-ea"/>
+                <a:cs typeface="+mn-cs"/>
+              </a:defRPr>
+            </a:lvl4pPr>
+            <a:lvl5pPr marL="2057400" indent="-228600" algn="l" defTabSz="914400" rtl="0" eaLnBrk="1" latinLnBrk="0" hangingPunct="1">
+              <a:lnSpc>
+                <a:spcPct val="90000"/>
+              </a:lnSpc>
+              <a:spcBef>
+                <a:spcPts val="500"/>
+              </a:spcBef>
+              <a:buFont typeface="Arial" panose="020B0604020202020204" pitchFamily="34" charset="0"/>
+              <a:buChar char="•"/>
+              <a:defRPr sz="1800" kern="1200">
+                <a:solidFill>
+                  <a:schemeClr val="tx1"/>
+                </a:solidFill>
+                <a:latin typeface="+mn-lt"/>
+                <a:ea typeface="+mn-ea"/>
+                <a:cs typeface="+mn-cs"/>
+              </a:defRPr>
+            </a:lvl5pPr>
+            <a:lvl6pPr marL="2514600" indent="-228600" algn="l" defTabSz="914400" rtl="0" eaLnBrk="1" latinLnBrk="0" hangingPunct="1">
+              <a:lnSpc>
+                <a:spcPct val="90000"/>
+              </a:lnSpc>
+              <a:spcBef>
+                <a:spcPts val="500"/>
+              </a:spcBef>
+              <a:buFont typeface="Arial" panose="020B0604020202020204" pitchFamily="34" charset="0"/>
+              <a:buChar char="•"/>
+              <a:defRPr sz="1800" kern="1200">
+                <a:solidFill>
+                  <a:schemeClr val="tx1"/>
+                </a:solidFill>
+                <a:latin typeface="+mn-lt"/>
+                <a:ea typeface="+mn-ea"/>
+                <a:cs typeface="+mn-cs"/>
+              </a:defRPr>
+            </a:lvl6pPr>
+            <a:lvl7pPr marL="2971800" indent="-228600" algn="l" defTabSz="914400" rtl="0" eaLnBrk="1" latinLnBrk="0" hangingPunct="1">
+              <a:lnSpc>
+                <a:spcPct val="90000"/>
+              </a:lnSpc>
+              <a:spcBef>
+                <a:spcPts val="500"/>
+              </a:spcBef>
+              <a:buFont typeface="Arial" panose="020B0604020202020204" pitchFamily="34" charset="0"/>
+              <a:buChar char="•"/>
+              <a:defRPr sz="1800" kern="1200">
+                <a:solidFill>
+                  <a:schemeClr val="tx1"/>
+                </a:solidFill>
+                <a:latin typeface="+mn-lt"/>
+                <a:ea typeface="+mn-ea"/>
+                <a:cs typeface="+mn-cs"/>
+              </a:defRPr>
+            </a:lvl7pPr>
+            <a:lvl8pPr marL="3429000" indent="-228600" algn="l" defTabSz="914400" rtl="0" eaLnBrk="1" latinLnBrk="0" hangingPunct="1">
+              <a:lnSpc>
+                <a:spcPct val="90000"/>
+              </a:lnSpc>
+              <a:spcBef>
+                <a:spcPts val="500"/>
+              </a:spcBef>
+              <a:buFont typeface="Arial" panose="020B0604020202020204" pitchFamily="34" charset="0"/>
+              <a:buChar char="•"/>
+              <a:defRPr sz="1800" kern="1200">
+                <a:solidFill>
+                  <a:schemeClr val="tx1"/>
+                </a:solidFill>
+                <a:latin typeface="+mn-lt"/>
+                <a:ea typeface="+mn-ea"/>
+                <a:cs typeface="+mn-cs"/>
+              </a:defRPr>
+            </a:lvl8pPr>
+            <a:lvl9pPr marL="3886200" indent="-228600" algn="l" defTabSz="914400" rtl="0" eaLnBrk="1" latinLnBrk="0" hangingPunct="1">
+              <a:lnSpc>
+                <a:spcPct val="90000"/>
+              </a:lnSpc>
+              <a:spcBef>
+                <a:spcPts val="500"/>
+              </a:spcBef>
+              <a:buFont typeface="Arial" panose="020B0604020202020204" pitchFamily="34" charset="0"/>
+              <a:buChar char="•"/>
+              <a:defRPr sz="1800" kern="1200">
+                <a:solidFill>
+                  <a:schemeClr val="tx1"/>
+                </a:solidFill>
+                <a:latin typeface="+mn-lt"/>
+                <a:ea typeface="+mn-ea"/>
+                <a:cs typeface="+mn-cs"/>
+              </a:defRPr>
+            </a:lvl9pPr>
+          </a:lstStyle>
+          <a:p>
+            <a:pPr marL="0" indent="0">
+              <a:buNone/>
+            </a:pPr>
+            <a:r>
+              <a:rPr lang="en-US" b="1" u="sng" dirty="0">
+                <a:sym typeface="Wingdings" panose="05000000000000000000" pitchFamily="2" charset="2"/>
+              </a:rPr>
+              <a:t>Using all data </a:t>
+            </a:r>
+          </a:p>
+        </p:txBody>
+      </p:sp>
+      <p:pic>
+        <p:nvPicPr>
+          <p:cNvPr id="10" name="Picture 9">
+            <a:extLst>
+              <a:ext uri="{FF2B5EF4-FFF2-40B4-BE49-F238E27FC236}">
+                <a16:creationId xmlns:a16="http://schemas.microsoft.com/office/drawing/2014/main" id="{96F0AD72-67C2-4182-BD36-30485809FB46}"/>
+              </a:ext>
+            </a:extLst>
+          </p:cNvPr>
+          <p:cNvPicPr>
+            <a:picLocks noChangeAspect="1"/>
+          </p:cNvPicPr>
+          <p:nvPr/>
+        </p:nvPicPr>
+        <p:blipFill>
+          <a:blip r:embed="rId3">
+            <a:extLst>
+              <a:ext uri="{28A0092B-C50C-407E-A947-70E740481C1C}">
+                <a14:useLocalDpi xmlns:a14="http://schemas.microsoft.com/office/drawing/2010/main" val="0"/>
+              </a:ext>
+            </a:extLst>
+          </a:blip>
+          <a:stretch>
+            <a:fillRect/>
+          </a:stretch>
+        </p:blipFill>
+        <p:spPr>
+          <a:xfrm>
+            <a:off x="1952297" y="2762949"/>
+            <a:ext cx="3528816" cy="2323137"/>
+          </a:xfrm>
+          <a:prstGeom prst="rect">
+            <a:avLst/>
+          </a:prstGeom>
+        </p:spPr>
+      </p:pic>
+      <p:sp>
+        <p:nvSpPr>
+          <p:cNvPr id="11" name="Content Placeholder 2">
+            <a:extLst>
+              <a:ext uri="{FF2B5EF4-FFF2-40B4-BE49-F238E27FC236}">
+                <a16:creationId xmlns:a16="http://schemas.microsoft.com/office/drawing/2014/main" id="{2C603FD2-D410-4E1E-8AEB-D94A7294AD59}"/>
+              </a:ext>
+            </a:extLst>
+          </p:cNvPr>
+          <p:cNvSpPr txBox="1">
+            <a:spLocks/>
+          </p:cNvSpPr>
+          <p:nvPr/>
+        </p:nvSpPr>
+        <p:spPr>
+          <a:xfrm>
+            <a:off x="1952297" y="2358616"/>
+            <a:ext cx="3155732" cy="404333"/>
+          </a:xfrm>
+          <a:prstGeom prst="rect">
+            <a:avLst/>
+          </a:prstGeom>
+        </p:spPr>
+        <p:txBody>
+          <a:bodyPr vert="horz" lIns="91440" tIns="45720" rIns="91440" bIns="45720" rtlCol="0">
+            <a:normAutofit/>
+          </a:bodyPr>
+          <a:lstStyle>
+            <a:lvl1pPr marL="228600" indent="-228600" algn="l" defTabSz="914400" rtl="0" eaLnBrk="1" latinLnBrk="0" hangingPunct="1">
+              <a:lnSpc>
+                <a:spcPct val="90000"/>
+              </a:lnSpc>
+              <a:spcBef>
+                <a:spcPts val="1000"/>
+              </a:spcBef>
+              <a:buFont typeface="Arial" panose="020B0604020202020204" pitchFamily="34" charset="0"/>
+              <a:buChar char="•"/>
+              <a:defRPr sz="2800" kern="1200">
+                <a:solidFill>
+                  <a:schemeClr val="tx1"/>
+                </a:solidFill>
+                <a:latin typeface="+mn-lt"/>
+                <a:ea typeface="+mn-ea"/>
+                <a:cs typeface="+mn-cs"/>
+              </a:defRPr>
+            </a:lvl1pPr>
+            <a:lvl2pPr marL="685800" indent="-228600" algn="l" defTabSz="914400" rtl="0" eaLnBrk="1" latinLnBrk="0" hangingPunct="1">
+              <a:lnSpc>
+                <a:spcPct val="90000"/>
+              </a:lnSpc>
+              <a:spcBef>
+                <a:spcPts val="500"/>
+              </a:spcBef>
+              <a:buFont typeface="Arial" panose="020B0604020202020204" pitchFamily="34" charset="0"/>
+              <a:buChar char="•"/>
+              <a:defRPr sz="2400" kern="1200">
+                <a:solidFill>
+                  <a:schemeClr val="tx1"/>
+                </a:solidFill>
+                <a:latin typeface="+mn-lt"/>
+                <a:ea typeface="+mn-ea"/>
+                <a:cs typeface="+mn-cs"/>
+              </a:defRPr>
+            </a:lvl2pPr>
+            <a:lvl3pPr marL="1143000" indent="-228600" algn="l" defTabSz="914400" rtl="0" eaLnBrk="1" latinLnBrk="0" hangingPunct="1">
+              <a:lnSpc>
+                <a:spcPct val="90000"/>
+              </a:lnSpc>
+              <a:spcBef>
+                <a:spcPts val="500"/>
+              </a:spcBef>
+              <a:buFont typeface="Arial" panose="020B0604020202020204" pitchFamily="34" charset="0"/>
+              <a:buChar char="•"/>
+              <a:defRPr sz="2000" kern="1200">
+                <a:solidFill>
+                  <a:schemeClr val="tx1"/>
+                </a:solidFill>
+                <a:latin typeface="+mn-lt"/>
+                <a:ea typeface="+mn-ea"/>
+                <a:cs typeface="+mn-cs"/>
+              </a:defRPr>
+            </a:lvl3pPr>
+            <a:lvl4pPr marL="1600200" indent="-228600" algn="l" defTabSz="914400" rtl="0" eaLnBrk="1" latinLnBrk="0" hangingPunct="1">
+              <a:lnSpc>
+                <a:spcPct val="90000"/>
+              </a:lnSpc>
+              <a:spcBef>
+                <a:spcPts val="500"/>
+              </a:spcBef>
+              <a:buFont typeface="Arial" panose="020B0604020202020204" pitchFamily="34" charset="0"/>
+              <a:buChar char="•"/>
+              <a:defRPr sz="1800" kern="1200">
+                <a:solidFill>
+                  <a:schemeClr val="tx1"/>
+                </a:solidFill>
+                <a:latin typeface="+mn-lt"/>
+                <a:ea typeface="+mn-ea"/>
+                <a:cs typeface="+mn-cs"/>
+              </a:defRPr>
+            </a:lvl4pPr>
+            <a:lvl5pPr marL="2057400" indent="-228600" algn="l" defTabSz="914400" rtl="0" eaLnBrk="1" latinLnBrk="0" hangingPunct="1">
+              <a:lnSpc>
+                <a:spcPct val="90000"/>
+              </a:lnSpc>
+              <a:spcBef>
+                <a:spcPts val="500"/>
+              </a:spcBef>
+              <a:buFont typeface="Arial" panose="020B0604020202020204" pitchFamily="34" charset="0"/>
+              <a:buChar char="•"/>
+              <a:defRPr sz="1800" kern="1200">
+                <a:solidFill>
+                  <a:schemeClr val="tx1"/>
+                </a:solidFill>
+                <a:latin typeface="+mn-lt"/>
+                <a:ea typeface="+mn-ea"/>
+                <a:cs typeface="+mn-cs"/>
+              </a:defRPr>
+            </a:lvl5pPr>
+            <a:lvl6pPr marL="2514600" indent="-228600" algn="l" defTabSz="914400" rtl="0" eaLnBrk="1" latinLnBrk="0" hangingPunct="1">
+              <a:lnSpc>
+                <a:spcPct val="90000"/>
+              </a:lnSpc>
+              <a:spcBef>
+                <a:spcPts val="500"/>
+              </a:spcBef>
+              <a:buFont typeface="Arial" panose="020B0604020202020204" pitchFamily="34" charset="0"/>
+              <a:buChar char="•"/>
+              <a:defRPr sz="1800" kern="1200">
+                <a:solidFill>
+                  <a:schemeClr val="tx1"/>
+                </a:solidFill>
+                <a:latin typeface="+mn-lt"/>
+                <a:ea typeface="+mn-ea"/>
+                <a:cs typeface="+mn-cs"/>
+              </a:defRPr>
+            </a:lvl6pPr>
+            <a:lvl7pPr marL="2971800" indent="-228600" algn="l" defTabSz="914400" rtl="0" eaLnBrk="1" latinLnBrk="0" hangingPunct="1">
+              <a:lnSpc>
+                <a:spcPct val="90000"/>
+              </a:lnSpc>
+              <a:spcBef>
+                <a:spcPts val="500"/>
+              </a:spcBef>
+              <a:buFont typeface="Arial" panose="020B0604020202020204" pitchFamily="34" charset="0"/>
+              <a:buChar char="•"/>
+              <a:defRPr sz="1800" kern="1200">
+                <a:solidFill>
+                  <a:schemeClr val="tx1"/>
+                </a:solidFill>
+                <a:latin typeface="+mn-lt"/>
+                <a:ea typeface="+mn-ea"/>
+                <a:cs typeface="+mn-cs"/>
+              </a:defRPr>
+            </a:lvl7pPr>
+            <a:lvl8pPr marL="3429000" indent="-228600" algn="l" defTabSz="914400" rtl="0" eaLnBrk="1" latinLnBrk="0" hangingPunct="1">
+              <a:lnSpc>
+                <a:spcPct val="90000"/>
+              </a:lnSpc>
+              <a:spcBef>
+                <a:spcPts val="500"/>
+              </a:spcBef>
+              <a:buFont typeface="Arial" panose="020B0604020202020204" pitchFamily="34" charset="0"/>
+              <a:buChar char="•"/>
+              <a:defRPr sz="1800" kern="1200">
+                <a:solidFill>
+                  <a:schemeClr val="tx1"/>
+                </a:solidFill>
+                <a:latin typeface="+mn-lt"/>
+                <a:ea typeface="+mn-ea"/>
+                <a:cs typeface="+mn-cs"/>
+              </a:defRPr>
+            </a:lvl8pPr>
+            <a:lvl9pPr marL="3886200" indent="-228600" algn="l" defTabSz="914400" rtl="0" eaLnBrk="1" latinLnBrk="0" hangingPunct="1">
+              <a:lnSpc>
+                <a:spcPct val="90000"/>
+              </a:lnSpc>
+              <a:spcBef>
+                <a:spcPts val="500"/>
+              </a:spcBef>
+              <a:buFont typeface="Arial" panose="020B0604020202020204" pitchFamily="34" charset="0"/>
+              <a:buChar char="•"/>
+              <a:defRPr sz="1800" kern="1200">
+                <a:solidFill>
+                  <a:schemeClr val="tx1"/>
+                </a:solidFill>
+                <a:latin typeface="+mn-lt"/>
+                <a:ea typeface="+mn-ea"/>
+                <a:cs typeface="+mn-cs"/>
+              </a:defRPr>
+            </a:lvl9pPr>
+          </a:lstStyle>
+          <a:p>
+            <a:pPr marL="0" indent="0" algn="ctr">
+              <a:buNone/>
+            </a:pPr>
+            <a:r>
+              <a:rPr lang="en-US" sz="1800" b="1" dirty="0">
+                <a:sym typeface="Wingdings" panose="05000000000000000000" pitchFamily="2" charset="2"/>
+              </a:rPr>
+              <a:t>Confusion Metrix</a:t>
+            </a:r>
+          </a:p>
+        </p:txBody>
+      </p:sp>
+    </p:spTree>
+    <p:extLst>
+      <p:ext uri="{BB962C8B-B14F-4D97-AF65-F5344CB8AC3E}">
+        <p14:creationId xmlns:p14="http://schemas.microsoft.com/office/powerpoint/2010/main" val="1199656465"/>
+      </p:ext>
+    </p:extLst>
+  </p:cSld>
+  <p:clrMapOvr>
+    <a:masterClrMapping/>
+  </p:clrMapOvr>
+</p:sld>
+</file>
+
+<file path=ppt/slides/slide59.xml><?xml version="1.0" encoding="utf-8"?>
+<p:sld xmlns:a="http://schemas.openxmlformats.org/drawingml/2006/main" xmlns:r="http://schemas.openxmlformats.org/officeDocument/2006/relationships" xmlns:p="http://schemas.openxmlformats.org/presentationml/2006/main">
+  <p:cSld>
+    <p:spTree>
+      <p:nvGrpSpPr>
+        <p:cNvPr id="1" name=""/>
+        <p:cNvGrpSpPr/>
+        <p:nvPr/>
+      </p:nvGrpSpPr>
+      <p:grpSpPr>
+        <a:xfrm>
+          <a:off x="0" y="0"/>
+          <a:ext cx="0" cy="0"/>
+          <a:chOff x="0" y="0"/>
+          <a:chExt cx="0" cy="0"/>
+        </a:xfrm>
+      </p:grpSpPr>
+      <p:sp>
+        <p:nvSpPr>
+          <p:cNvPr id="2" name="Title 1">
+            <a:extLst>
+              <a:ext uri="{FF2B5EF4-FFF2-40B4-BE49-F238E27FC236}">
+                <a16:creationId xmlns:a16="http://schemas.microsoft.com/office/drawing/2014/main" id="{84EEC1A3-E984-4881-B54A-F1C5E73F7696}"/>
+              </a:ext>
+            </a:extLst>
+          </p:cNvPr>
+          <p:cNvSpPr>
+            <a:spLocks noGrp="1"/>
+          </p:cNvSpPr>
+          <p:nvPr>
+            <p:ph type="title"/>
+          </p:nvPr>
+        </p:nvSpPr>
+        <p:spPr/>
+        <p:txBody>
+          <a:bodyPr/>
+          <a:lstStyle/>
+          <a:p>
+            <a:r>
+              <a:rPr lang="en-US" dirty="0"/>
               <a:t>Suggestion</a:t>
             </a:r>
           </a:p>
@@ -37660,7 +38720,130 @@
 </p:sld>
 </file>
 
-<file path=ppt/slides/slide58.xml><?xml version="1.0" encoding="utf-8"?>
+<file path=ppt/slides/slide6.xml><?xml version="1.0" encoding="utf-8"?>
+<p:sld xmlns:a="http://schemas.openxmlformats.org/drawingml/2006/main" xmlns:r="http://schemas.openxmlformats.org/officeDocument/2006/relationships" xmlns:p="http://schemas.openxmlformats.org/presentationml/2006/main">
+  <p:cSld>
+    <p:spTree>
+      <p:nvGrpSpPr>
+        <p:cNvPr id="1" name=""/>
+        <p:cNvGrpSpPr/>
+        <p:nvPr/>
+      </p:nvGrpSpPr>
+      <p:grpSpPr>
+        <a:xfrm>
+          <a:off x="0" y="0"/>
+          <a:ext cx="0" cy="0"/>
+          <a:chOff x="0" y="0"/>
+          <a:chExt cx="0" cy="0"/>
+        </a:xfrm>
+      </p:grpSpPr>
+      <p:sp>
+        <p:nvSpPr>
+          <p:cNvPr id="2" name="Title 1">
+            <a:extLst>
+              <a:ext uri="{FF2B5EF4-FFF2-40B4-BE49-F238E27FC236}">
+                <a16:creationId xmlns:a16="http://schemas.microsoft.com/office/drawing/2014/main" id="{84EEC1A3-E984-4881-B54A-F1C5E73F7696}"/>
+              </a:ext>
+            </a:extLst>
+          </p:cNvPr>
+          <p:cNvSpPr>
+            <a:spLocks noGrp="1"/>
+          </p:cNvSpPr>
+          <p:nvPr>
+            <p:ph type="title"/>
+          </p:nvPr>
+        </p:nvSpPr>
+        <p:spPr/>
+        <p:txBody>
+          <a:bodyPr/>
+          <a:lstStyle/>
+          <a:p>
+            <a:r>
+              <a:rPr lang="en-US" dirty="0"/>
+              <a:t>Scenario</a:t>
+            </a:r>
+          </a:p>
+        </p:txBody>
+      </p:sp>
+      <p:sp>
+        <p:nvSpPr>
+          <p:cNvPr id="3" name="Content Placeholder 2">
+            <a:extLst>
+              <a:ext uri="{FF2B5EF4-FFF2-40B4-BE49-F238E27FC236}">
+                <a16:creationId xmlns:a16="http://schemas.microsoft.com/office/drawing/2014/main" id="{6454B748-3B9E-49AD-A4D5-FC6C95CAE875}"/>
+              </a:ext>
+            </a:extLst>
+          </p:cNvPr>
+          <p:cNvSpPr>
+            <a:spLocks noGrp="1"/>
+          </p:cNvSpPr>
+          <p:nvPr>
+            <p:ph idx="1"/>
+          </p:nvPr>
+        </p:nvSpPr>
+        <p:spPr/>
+        <p:txBody>
+          <a:bodyPr>
+            <a:normAutofit/>
+          </a:bodyPr>
+          <a:lstStyle/>
+          <a:p>
+            <a:pPr>
+              <a:buFontTx/>
+              <a:buChar char="-"/>
+            </a:pPr>
+            <a:r>
+              <a:rPr lang="en-US" dirty="0"/>
+              <a:t>We are data scientist team working at XYZ Bank in Portugal</a:t>
+            </a:r>
+          </a:p>
+          <a:p>
+            <a:pPr>
+              <a:buFontTx/>
+              <a:buChar char="-"/>
+            </a:pPr>
+            <a:r>
+              <a:rPr lang="en-US" dirty="0"/>
+              <a:t>The business development team came to us and told us that they needed improvement on marketing campaign result because the result was not good enough compared to the cost</a:t>
+            </a:r>
+          </a:p>
+          <a:p>
+            <a:pPr>
+              <a:buFontTx/>
+              <a:buChar char="-"/>
+            </a:pPr>
+            <a:r>
+              <a:rPr lang="en-US" dirty="0"/>
+              <a:t>They are asking if we can propose solutions to either reduce the cost or increase the income generated or both</a:t>
+            </a:r>
+          </a:p>
+          <a:p>
+            <a:pPr>
+              <a:buFontTx/>
+              <a:buChar char="-"/>
+            </a:pPr>
+            <a:r>
+              <a:rPr lang="en-ID" dirty="0"/>
+              <a:t>They gave us customer dataset used at the recent campaign which consist of the bank’s customer data</a:t>
+            </a:r>
+            <a:endParaRPr lang="en-US" dirty="0"/>
+          </a:p>
+        </p:txBody>
+      </p:sp>
+    </p:spTree>
+    <p:extLst>
+      <p:ext uri="{BB962C8B-B14F-4D97-AF65-F5344CB8AC3E}">
+        <p14:creationId xmlns:p14="http://schemas.microsoft.com/office/powerpoint/2010/main" val="2956074595"/>
+      </p:ext>
+    </p:extLst>
+  </p:cSld>
+  <p:clrMapOvr>
+    <a:masterClrMapping/>
+  </p:clrMapOvr>
+</p:sld>
+</file>
+
+<file path=ppt/slides/slide60.xml><?xml version="1.0" encoding="utf-8"?>
 <p:sld xmlns:a="http://schemas.openxmlformats.org/drawingml/2006/main" xmlns:r="http://schemas.openxmlformats.org/officeDocument/2006/relationships" xmlns:p="http://schemas.openxmlformats.org/presentationml/2006/main">
   <p:cSld>
     <p:spTree>
@@ -37935,7 +39118,7 @@
 </p:sld>
 </file>
 
-<file path=ppt/slides/slide59.xml><?xml version="1.0" encoding="utf-8"?>
+<file path=ppt/slides/slide61.xml><?xml version="1.0" encoding="utf-8"?>
 <p:sld xmlns:a="http://schemas.openxmlformats.org/drawingml/2006/main" xmlns:r="http://schemas.openxmlformats.org/officeDocument/2006/relationships" xmlns:p="http://schemas.openxmlformats.org/presentationml/2006/main">
   <p:cSld>
     <p:spTree>
@@ -37980,41 +39163,6 @@
           </a:p>
         </p:txBody>
       </p:sp>
-      <p:pic>
-        <p:nvPicPr>
-          <p:cNvPr id="4" name="Picture 3">
-            <a:extLst>
-              <a:ext uri="{FF2B5EF4-FFF2-40B4-BE49-F238E27FC236}">
-                <a16:creationId xmlns:a16="http://schemas.microsoft.com/office/drawing/2014/main" id="{4855B284-D8C3-4231-82C1-4B5A84E72F38}"/>
-              </a:ext>
-            </a:extLst>
-          </p:cNvPr>
-          <p:cNvPicPr>
-            <a:picLocks noChangeAspect="1"/>
-          </p:cNvPicPr>
-          <p:nvPr/>
-        </p:nvPicPr>
-        <p:blipFill rotWithShape="1">
-          <a:blip r:embed="rId2">
-            <a:extLst>
-              <a:ext uri="{28A0092B-C50C-407E-A947-70E740481C1C}">
-                <a14:useLocalDpi xmlns:a14="http://schemas.microsoft.com/office/drawing/2010/main" val="0"/>
-              </a:ext>
-            </a:extLst>
-          </a:blip>
-          <a:srcRect t="6089"/>
-          <a:stretch/>
-        </p:blipFill>
-        <p:spPr>
-          <a:xfrm>
-            <a:off x="369938" y="1385888"/>
-            <a:ext cx="11148176" cy="4418269"/>
-          </a:xfrm>
-          <a:prstGeom prst="rect">
-            <a:avLst/>
-          </a:prstGeom>
-        </p:spPr>
-      </p:pic>
       <p:sp>
         <p:nvSpPr>
           <p:cNvPr id="6" name="Content Placeholder 2">
@@ -38031,8 +39179,8 @@
         </p:nvSpPr>
         <p:spPr>
           <a:xfrm>
-            <a:off x="838200" y="5544934"/>
-            <a:ext cx="10515600" cy="1101673"/>
+            <a:off x="7809186" y="2244685"/>
+            <a:ext cx="3509142" cy="3893355"/>
           </a:xfrm>
           <a:prstGeom prst="rect">
             <a:avLst/>
@@ -38212,7 +39360,23 @@
             </a:pPr>
             <a:r>
               <a:rPr lang="en-US" dirty="0"/>
-              <a:t>All 0 predict </a:t>
+              <a:t>All </a:t>
+            </a:r>
+            <a:r>
+              <a:rPr lang="en-US" b="1" dirty="0"/>
+              <a:t>0</a:t>
+            </a:r>
+            <a:r>
+              <a:rPr lang="en-US" dirty="0"/>
+              <a:t> result in </a:t>
+            </a:r>
+            <a:r>
+              <a:rPr lang="en-US" b="1" dirty="0"/>
+              <a:t>.predict</a:t>
+            </a:r>
+            <a:r>
+              <a:rPr lang="en-US" dirty="0"/>
+              <a:t> </a:t>
             </a:r>
             <a:r>
               <a:rPr lang="en-US" dirty="0">
@@ -38221,16 +39385,22 @@
               <a:t> 0.3 – 0.6 </a:t>
             </a:r>
             <a:r>
-              <a:rPr lang="en-US" dirty="0" err="1">
+              <a:rPr lang="en-US" b="1" dirty="0">
                 <a:sym typeface="Wingdings" panose="05000000000000000000" pitchFamily="2" charset="2"/>
               </a:rPr>
-              <a:t>proba</a:t>
+              <a:t>.</a:t>
+            </a:r>
+            <a:r>
+              <a:rPr lang="en-US" b="1" dirty="0" err="1">
+                <a:sym typeface="Wingdings" panose="05000000000000000000" pitchFamily="2" charset="2"/>
+              </a:rPr>
+              <a:t>predict_proba</a:t>
             </a:r>
             <a:r>
               <a:rPr lang="en-US" dirty="0">
                 <a:sym typeface="Wingdings" panose="05000000000000000000" pitchFamily="2" charset="2"/>
               </a:rPr>
-              <a:t> 1</a:t>
+              <a:t> (for 1)</a:t>
             </a:r>
           </a:p>
           <a:p>
@@ -38238,31 +39408,91 @@
               <a:buNone/>
             </a:pPr>
             <a:r>
+              <a:rPr lang="en-US" dirty="0"/>
+              <a:t>All </a:t>
+            </a:r>
+            <a:r>
+              <a:rPr lang="en-US" b="1" dirty="0"/>
+              <a:t>1</a:t>
+            </a:r>
+            <a:r>
+              <a:rPr lang="en-US" dirty="0"/>
+              <a:t> result in </a:t>
+            </a:r>
+            <a:r>
+              <a:rPr lang="en-US" b="1" dirty="0"/>
+              <a:t>.predict</a:t>
+            </a:r>
+            <a:r>
+              <a:rPr lang="en-US" dirty="0"/>
+              <a:t> </a:t>
+            </a:r>
+            <a:r>
               <a:rPr lang="en-US" dirty="0">
                 <a:sym typeface="Wingdings" panose="05000000000000000000" pitchFamily="2" charset="2"/>
               </a:rPr>
-              <a:t>All 1 predict  &gt; 0.6 </a:t>
-            </a:r>
-            <a:r>
-              <a:rPr lang="en-US" dirty="0" err="1">
+              <a:t> &gt; 0.6 </a:t>
+            </a:r>
+            <a:r>
+              <a:rPr lang="en-US" b="1" dirty="0">
                 <a:sym typeface="Wingdings" panose="05000000000000000000" pitchFamily="2" charset="2"/>
               </a:rPr>
-              <a:t>proba</a:t>
+              <a:t>.</a:t>
+            </a:r>
+            <a:r>
+              <a:rPr lang="en-US" b="1" dirty="0" err="1">
+                <a:sym typeface="Wingdings" panose="05000000000000000000" pitchFamily="2" charset="2"/>
+              </a:rPr>
+              <a:t>predict_proba</a:t>
             </a:r>
             <a:r>
               <a:rPr lang="en-US" dirty="0">
                 <a:sym typeface="Wingdings" panose="05000000000000000000" pitchFamily="2" charset="2"/>
               </a:rPr>
-              <a:t> 1</a:t>
-            </a:r>
-            <a:endParaRPr lang="en-US" dirty="0"/>
+              <a:t> (for 1)</a:t>
+            </a:r>
           </a:p>
         </p:txBody>
       </p:sp>
+      <p:pic>
+        <p:nvPicPr>
+          <p:cNvPr id="5" name="Picture 4">
+            <a:extLst>
+              <a:ext uri="{FF2B5EF4-FFF2-40B4-BE49-F238E27FC236}">
+                <a16:creationId xmlns:a16="http://schemas.microsoft.com/office/drawing/2014/main" id="{9506BAC4-1033-4E46-9C14-272D44D52069}"/>
+              </a:ext>
+            </a:extLst>
+          </p:cNvPr>
+          <p:cNvPicPr>
+            <a:picLocks noChangeAspect="1"/>
+          </p:cNvPicPr>
+          <p:nvPr/>
+        </p:nvPicPr>
+        <p:blipFill rotWithShape="1">
+          <a:blip r:embed="rId2">
+            <a:extLst>
+              <a:ext uri="{28A0092B-C50C-407E-A947-70E740481C1C}">
+                <a14:useLocalDpi xmlns:a14="http://schemas.microsoft.com/office/drawing/2010/main" val="0"/>
+              </a:ext>
+            </a:extLst>
+          </a:blip>
+          <a:srcRect r="5997"/>
+          <a:stretch/>
+        </p:blipFill>
+        <p:spPr>
+          <a:xfrm>
+            <a:off x="504496" y="1298574"/>
+            <a:ext cx="7304690" cy="5315167"/>
+          </a:xfrm>
+          <a:prstGeom prst="rect">
+            <a:avLst/>
+          </a:prstGeom>
+        </p:spPr>
+      </p:pic>
     </p:spTree>
     <p:extLst>
       <p:ext uri="{BB962C8B-B14F-4D97-AF65-F5344CB8AC3E}">
-        <p14:creationId xmlns:p14="http://schemas.microsoft.com/office/powerpoint/2010/main" val="1199656465"/>
+        <p14:creationId xmlns:p14="http://schemas.microsoft.com/office/powerpoint/2010/main" val="3856222582"/>
       </p:ext>
     </p:extLst>
   </p:cSld>
@@ -38272,130 +39502,7 @@
 </p:sld>
 </file>
 
-<file path=ppt/slides/slide6.xml><?xml version="1.0" encoding="utf-8"?>
-<p:sld xmlns:a="http://schemas.openxmlformats.org/drawingml/2006/main" xmlns:r="http://schemas.openxmlformats.org/officeDocument/2006/relationships" xmlns:p="http://schemas.openxmlformats.org/presentationml/2006/main">
-  <p:cSld>
-    <p:spTree>
-      <p:nvGrpSpPr>
-        <p:cNvPr id="1" name=""/>
-        <p:cNvGrpSpPr/>
-        <p:nvPr/>
-      </p:nvGrpSpPr>
-      <p:grpSpPr>
-        <a:xfrm>
-          <a:off x="0" y="0"/>
-          <a:ext cx="0" cy="0"/>
-          <a:chOff x="0" y="0"/>
-          <a:chExt cx="0" cy="0"/>
-        </a:xfrm>
-      </p:grpSpPr>
-      <p:sp>
-        <p:nvSpPr>
-          <p:cNvPr id="2" name="Title 1">
-            <a:extLst>
-              <a:ext uri="{FF2B5EF4-FFF2-40B4-BE49-F238E27FC236}">
-                <a16:creationId xmlns:a16="http://schemas.microsoft.com/office/drawing/2014/main" id="{84EEC1A3-E984-4881-B54A-F1C5E73F7696}"/>
-              </a:ext>
-            </a:extLst>
-          </p:cNvPr>
-          <p:cNvSpPr>
-            <a:spLocks noGrp="1"/>
-          </p:cNvSpPr>
-          <p:nvPr>
-            <p:ph type="title"/>
-          </p:nvPr>
-        </p:nvSpPr>
-        <p:spPr/>
-        <p:txBody>
-          <a:bodyPr/>
-          <a:lstStyle/>
-          <a:p>
-            <a:r>
-              <a:rPr lang="en-US" dirty="0"/>
-              <a:t>Scenario</a:t>
-            </a:r>
-          </a:p>
-        </p:txBody>
-      </p:sp>
-      <p:sp>
-        <p:nvSpPr>
-          <p:cNvPr id="3" name="Content Placeholder 2">
-            <a:extLst>
-              <a:ext uri="{FF2B5EF4-FFF2-40B4-BE49-F238E27FC236}">
-                <a16:creationId xmlns:a16="http://schemas.microsoft.com/office/drawing/2014/main" id="{6454B748-3B9E-49AD-A4D5-FC6C95CAE875}"/>
-              </a:ext>
-            </a:extLst>
-          </p:cNvPr>
-          <p:cNvSpPr>
-            <a:spLocks noGrp="1"/>
-          </p:cNvSpPr>
-          <p:nvPr>
-            <p:ph idx="1"/>
-          </p:nvPr>
-        </p:nvSpPr>
-        <p:spPr/>
-        <p:txBody>
-          <a:bodyPr>
-            <a:normAutofit/>
-          </a:bodyPr>
-          <a:lstStyle/>
-          <a:p>
-            <a:pPr>
-              <a:buFontTx/>
-              <a:buChar char="-"/>
-            </a:pPr>
-            <a:r>
-              <a:rPr lang="en-US" dirty="0"/>
-              <a:t>We are data scientist team working at XYZ Bank in Portugal</a:t>
-            </a:r>
-          </a:p>
-          <a:p>
-            <a:pPr>
-              <a:buFontTx/>
-              <a:buChar char="-"/>
-            </a:pPr>
-            <a:r>
-              <a:rPr lang="en-US" dirty="0"/>
-              <a:t>The business development team came to us and told us that they needed improvement on marketing campaign result because the result was not good enough compared to the cost</a:t>
-            </a:r>
-          </a:p>
-          <a:p>
-            <a:pPr>
-              <a:buFontTx/>
-              <a:buChar char="-"/>
-            </a:pPr>
-            <a:r>
-              <a:rPr lang="en-US" dirty="0"/>
-              <a:t>They are asking if we can propose solutions to either reduce the cost or increase the income generated or both</a:t>
-            </a:r>
-          </a:p>
-          <a:p>
-            <a:pPr>
-              <a:buFontTx/>
-              <a:buChar char="-"/>
-            </a:pPr>
-            <a:r>
-              <a:rPr lang="en-ID" dirty="0"/>
-              <a:t>They gave us customer dataset used at the recent campaign which consist of the bank’s customer data</a:t>
-            </a:r>
-            <a:endParaRPr lang="en-US" dirty="0"/>
-          </a:p>
-        </p:txBody>
-      </p:sp>
-    </p:spTree>
-    <p:extLst>
-      <p:ext uri="{BB962C8B-B14F-4D97-AF65-F5344CB8AC3E}">
-        <p14:creationId xmlns:p14="http://schemas.microsoft.com/office/powerpoint/2010/main" val="2956074595"/>
-      </p:ext>
-    </p:extLst>
-  </p:cSld>
-  <p:clrMapOvr>
-    <a:masterClrMapping/>
-  </p:clrMapOvr>
-</p:sld>
-</file>
-
-<file path=ppt/slides/slide60.xml><?xml version="1.0" encoding="utf-8"?>
+<file path=ppt/slides/slide62.xml><?xml version="1.0" encoding="utf-8"?>
 <p:sld xmlns:a="http://schemas.openxmlformats.org/drawingml/2006/main" xmlns:r="http://schemas.openxmlformats.org/officeDocument/2006/relationships" xmlns:p="http://schemas.openxmlformats.org/presentationml/2006/main">
   <p:cSld>
     <p:spTree>
@@ -38455,7 +39562,7 @@
 </p:sld>
 </file>
 
-<file path=ppt/slides/slide61.xml><?xml version="1.0" encoding="utf-8"?>
+<file path=ppt/slides/slide63.xml><?xml version="1.0" encoding="utf-8"?>
 <p:sld xmlns:a="http://schemas.openxmlformats.org/drawingml/2006/main" xmlns:r="http://schemas.openxmlformats.org/officeDocument/2006/relationships" xmlns:p="http://schemas.openxmlformats.org/presentationml/2006/main">
   <p:cSld>
     <p:spTree>
@@ -38541,7 +39648,7 @@
 </p:sld>
 </file>
 
-<file path=ppt/slides/slide62.xml><?xml version="1.0" encoding="utf-8"?>
+<file path=ppt/slides/slide64.xml><?xml version="1.0" encoding="utf-8"?>
 <p:sld xmlns:a="http://schemas.openxmlformats.org/drawingml/2006/main" xmlns:r="http://schemas.openxmlformats.org/officeDocument/2006/relationships" xmlns:p="http://schemas.openxmlformats.org/presentationml/2006/main">
   <p:cSld>
     <p:spTree>
@@ -38835,7 +39942,7 @@
 </p:sld>
 </file>
 
-<file path=ppt/slides/slide63.xml><?xml version="1.0" encoding="utf-8"?>
+<file path=ppt/slides/slide65.xml><?xml version="1.0" encoding="utf-8"?>
 <p:sld xmlns:a="http://schemas.openxmlformats.org/drawingml/2006/main" xmlns:r="http://schemas.openxmlformats.org/officeDocument/2006/relationships" xmlns:p="http://schemas.openxmlformats.org/presentationml/2006/main">
   <p:cSld>
     <p:spTree>
@@ -38897,7 +40004,7 @@
         <p:spPr>
           <a:xfrm>
             <a:off x="838200" y="1690688"/>
-            <a:ext cx="5257800" cy="4562967"/>
+            <a:ext cx="4858407" cy="4562967"/>
           </a:xfrm>
           <a:prstGeom prst="rect">
             <a:avLst/>
@@ -39074,7 +40181,23 @@
           <a:p>
             <a:r>
               <a:rPr lang="en-US" dirty="0"/>
-              <a:t>we assume for people that have bank account more than 30,000 Euro (from total people that have probability to buy a deposit between 0.3 &amp; 0.6) is people that buy the deposit in actual (‘y’ = 1) which is in this case there are </a:t>
+              <a:t>we assume for people that have bank account more than 30,000 Euro (from total people that have probability to buy a deposit between 0.3 &amp; 0.6) is people that buy the deposit in actual (‘y’ = 1)[</a:t>
+            </a:r>
+            <a:r>
+              <a:rPr lang="en-US" b="1" dirty="0"/>
+              <a:t>The</a:t>
+            </a:r>
+            <a:r>
+              <a:rPr lang="en-US" dirty="0"/>
+              <a:t> </a:t>
+            </a:r>
+            <a:r>
+              <a:rPr lang="en-US" b="1" dirty="0"/>
+              <a:t>false negative</a:t>
+            </a:r>
+            <a:r>
+              <a:rPr lang="en-US" dirty="0"/>
+              <a:t>] which is in this case there are </a:t>
             </a:r>
             <a:r>
               <a:rPr lang="en-US" b="1" dirty="0"/>
@@ -39085,10 +40208,10 @@
       </p:sp>
       <p:pic>
         <p:nvPicPr>
-          <p:cNvPr id="5" name="Picture 4">
+          <p:cNvPr id="6" name="Picture 5">
             <a:extLst>
               <a:ext uri="{FF2B5EF4-FFF2-40B4-BE49-F238E27FC236}">
-                <a16:creationId xmlns:a16="http://schemas.microsoft.com/office/drawing/2014/main" id="{5B3FA31E-2010-4267-839A-0ADADF176518}"/>
+                <a16:creationId xmlns:a16="http://schemas.microsoft.com/office/drawing/2014/main" id="{2FC99B02-50B6-4006-B5FE-74B1FF5461D5}"/>
               </a:ext>
             </a:extLst>
           </p:cNvPr>
@@ -39097,7 +40220,7 @@
           </p:cNvPicPr>
           <p:nvPr/>
         </p:nvPicPr>
-        <p:blipFill>
+        <p:blipFill rotWithShape="1">
           <a:blip r:embed="rId3">
             <a:extLst>
               <a:ext uri="{28A0092B-C50C-407E-A947-70E740481C1C}">
@@ -39105,14 +40228,13 @@
               </a:ext>
             </a:extLst>
           </a:blip>
-          <a:stretch>
-            <a:fillRect/>
-          </a:stretch>
+          <a:srcRect r="5794"/>
+          <a:stretch/>
         </p:blipFill>
         <p:spPr>
           <a:xfrm>
-            <a:off x="6096000" y="1560425"/>
-            <a:ext cx="5607726" cy="4932450"/>
+            <a:off x="5966263" y="1198179"/>
+            <a:ext cx="5868385" cy="4799996"/>
           </a:xfrm>
           <a:prstGeom prst="rect">
             <a:avLst/>
@@ -39132,7 +40254,7 @@
 </p:sld>
 </file>
 
-<file path=ppt/slides/slide64.xml><?xml version="1.0" encoding="utf-8"?>
+<file path=ppt/slides/slide66.xml><?xml version="1.0" encoding="utf-8"?>
 <p:sld xmlns:a="http://schemas.openxmlformats.org/drawingml/2006/main" xmlns:r="http://schemas.openxmlformats.org/officeDocument/2006/relationships" xmlns:p="http://schemas.openxmlformats.org/presentationml/2006/main">
   <p:cSld>
     <p:spTree>
@@ -40255,7 +41377,7 @@
 </p:sld>
 </file>
 
-<file path=ppt/slides/slide65.xml><?xml version="1.0" encoding="utf-8"?>
+<file path=ppt/slides/slide67.xml><?xml version="1.0" encoding="utf-8"?>
 <p:sld xmlns:a="http://schemas.openxmlformats.org/drawingml/2006/main" xmlns:r="http://schemas.openxmlformats.org/officeDocument/2006/relationships" xmlns:p="http://schemas.openxmlformats.org/presentationml/2006/main">
   <p:cSld>
     <p:spTree>
@@ -40447,7 +41569,7 @@
 </p:sld>
 </file>
 
-<file path=ppt/slides/slide66.xml><?xml version="1.0" encoding="utf-8"?>
+<file path=ppt/slides/slide68.xml><?xml version="1.0" encoding="utf-8"?>
 <p:sld xmlns:a="http://schemas.openxmlformats.org/drawingml/2006/main" xmlns:r="http://schemas.openxmlformats.org/officeDocument/2006/relationships" xmlns:p="http://schemas.openxmlformats.org/presentationml/2006/main">
   <p:cSld>
     <p:spTree>

--- a/Presentation-1.pptx
+++ b/Presentation-1.pptx
@@ -39135,6 +39135,42 @@
           <a:chExt cx="0" cy="0"/>
         </a:xfrm>
       </p:grpSpPr>
+      <p:pic>
+        <p:nvPicPr>
+          <p:cNvPr id="4" name="Picture 3">
+            <a:extLst>
+              <a:ext uri="{FF2B5EF4-FFF2-40B4-BE49-F238E27FC236}">
+                <a16:creationId xmlns:a16="http://schemas.microsoft.com/office/drawing/2014/main" id="{C33CFF28-7FB9-4D2A-867D-900004878D4A}"/>
+              </a:ext>
+            </a:extLst>
+          </p:cNvPr>
+          <p:cNvPicPr>
+            <a:picLocks noChangeAspect="1"/>
+          </p:cNvPicPr>
+          <p:nvPr/>
+        </p:nvPicPr>
+        <p:blipFill>
+          <a:blip r:embed="rId2">
+            <a:extLst>
+              <a:ext uri="{28A0092B-C50C-407E-A947-70E740481C1C}">
+                <a14:useLocalDpi xmlns:a14="http://schemas.microsoft.com/office/drawing/2010/main" val="0"/>
+              </a:ext>
+            </a:extLst>
+          </a:blip>
+          <a:stretch>
+            <a:fillRect/>
+          </a:stretch>
+        </p:blipFill>
+        <p:spPr>
+          <a:xfrm>
+            <a:off x="1812486" y="1403674"/>
+            <a:ext cx="8119789" cy="4231826"/>
+          </a:xfrm>
+          <a:prstGeom prst="rect">
+            <a:avLst/>
+          </a:prstGeom>
+        </p:spPr>
+      </p:pic>
       <p:sp>
         <p:nvSpPr>
           <p:cNvPr id="2" name="Title 1">
@@ -39179,8 +39215,8 @@
         </p:nvSpPr>
         <p:spPr>
           <a:xfrm>
-            <a:off x="7809186" y="2244685"/>
-            <a:ext cx="3509142" cy="3893355"/>
+            <a:off x="2012183" y="5635500"/>
+            <a:ext cx="9017876" cy="1121253"/>
           </a:xfrm>
           <a:prstGeom prst="rect">
             <a:avLst/>
@@ -39454,41 +39490,6 @@
           </a:p>
         </p:txBody>
       </p:sp>
-      <p:pic>
-        <p:nvPicPr>
-          <p:cNvPr id="5" name="Picture 4">
-            <a:extLst>
-              <a:ext uri="{FF2B5EF4-FFF2-40B4-BE49-F238E27FC236}">
-                <a16:creationId xmlns:a16="http://schemas.microsoft.com/office/drawing/2014/main" id="{9506BAC4-1033-4E46-9C14-272D44D52069}"/>
-              </a:ext>
-            </a:extLst>
-          </p:cNvPr>
-          <p:cNvPicPr>
-            <a:picLocks noChangeAspect="1"/>
-          </p:cNvPicPr>
-          <p:nvPr/>
-        </p:nvPicPr>
-        <p:blipFill rotWithShape="1">
-          <a:blip r:embed="rId2">
-            <a:extLst>
-              <a:ext uri="{28A0092B-C50C-407E-A947-70E740481C1C}">
-                <a14:useLocalDpi xmlns:a14="http://schemas.microsoft.com/office/drawing/2010/main" val="0"/>
-              </a:ext>
-            </a:extLst>
-          </a:blip>
-          <a:srcRect r="5997"/>
-          <a:stretch/>
-        </p:blipFill>
-        <p:spPr>
-          <a:xfrm>
-            <a:off x="504496" y="1298574"/>
-            <a:ext cx="7304690" cy="5315167"/>
-          </a:xfrm>
-          <a:prstGeom prst="rect">
-            <a:avLst/>
-          </a:prstGeom>
-        </p:spPr>
-      </p:pic>
     </p:spTree>
     <p:extLst>
       <p:ext uri="{BB962C8B-B14F-4D97-AF65-F5344CB8AC3E}">

--- a/Presentation-1.pptx
+++ b/Presentation-1.pptx
@@ -5,7 +5,7 @@
     <p:sldMasterId id="2147483648" r:id="rId1"/>
   </p:sldMasterIdLst>
   <p:notesMasterIdLst>
-    <p:notesMasterId r:id="rId70"/>
+    <p:notesMasterId r:id="rId72"/>
   </p:notesMasterIdLst>
   <p:sldIdLst>
     <p:sldId id="266" r:id="rId2"/>
@@ -65,17 +65,19 @@
     <p:sldId id="308" r:id="rId56"/>
     <p:sldId id="309" r:id="rId57"/>
     <p:sldId id="337" r:id="rId58"/>
-    <p:sldId id="312" r:id="rId59"/>
-    <p:sldId id="310" r:id="rId60"/>
-    <p:sldId id="311" r:id="rId61"/>
-    <p:sldId id="336" r:id="rId62"/>
-    <p:sldId id="313" r:id="rId63"/>
-    <p:sldId id="276" r:id="rId64"/>
-    <p:sldId id="314" r:id="rId65"/>
-    <p:sldId id="315" r:id="rId66"/>
-    <p:sldId id="316" r:id="rId67"/>
-    <p:sldId id="277" r:id="rId68"/>
-    <p:sldId id="335" r:id="rId69"/>
+    <p:sldId id="340" r:id="rId59"/>
+    <p:sldId id="312" r:id="rId60"/>
+    <p:sldId id="339" r:id="rId61"/>
+    <p:sldId id="338" r:id="rId62"/>
+    <p:sldId id="311" r:id="rId63"/>
+    <p:sldId id="336" r:id="rId64"/>
+    <p:sldId id="313" r:id="rId65"/>
+    <p:sldId id="276" r:id="rId66"/>
+    <p:sldId id="314" r:id="rId67"/>
+    <p:sldId id="315" r:id="rId68"/>
+    <p:sldId id="316" r:id="rId69"/>
+    <p:sldId id="277" r:id="rId70"/>
+    <p:sldId id="335" r:id="rId71"/>
   </p:sldIdLst>
   <p:sldSz cx="12192000" cy="6858000"/>
   <p:notesSz cx="6858000" cy="9144000"/>
@@ -12767,7 +12769,7 @@
           <a:p>
             <a:fld id="{58ABA864-E84D-4E33-B46F-8D6429F53A25}" type="slidenum">
               <a:rPr lang="en-US" smtClean="0"/>
-              <a:t>64</a:t>
+              <a:t>66</a:t>
             </a:fld>
             <a:endParaRPr lang="en-US"/>
           </a:p>
@@ -12880,7 +12882,7 @@
           <a:p>
             <a:fld id="{58ABA864-E84D-4E33-B46F-8D6429F53A25}" type="slidenum">
               <a:rPr lang="en-US" smtClean="0"/>
-              <a:t>65</a:t>
+              <a:t>67</a:t>
             </a:fld>
             <a:endParaRPr lang="en-US"/>
           </a:p>
@@ -12993,7 +12995,7 @@
           <a:p>
             <a:fld id="{58ABA864-E84D-4E33-B46F-8D6429F53A25}" type="slidenum">
               <a:rPr lang="en-US" smtClean="0"/>
-              <a:t>66</a:t>
+              <a:t>68</a:t>
             </a:fld>
             <a:endParaRPr lang="en-US"/>
           </a:p>
@@ -17066,144 +17068,6 @@
       </p:grpSpPr>
       <p:sp>
         <p:nvSpPr>
-          <p:cNvPr id="8" name="Rectangle 7">
-            <a:extLst>
-              <a:ext uri="{FF2B5EF4-FFF2-40B4-BE49-F238E27FC236}">
-                <a16:creationId xmlns:a16="http://schemas.microsoft.com/office/drawing/2014/main" id="{8515B476-9AE4-4AAD-AE67-BDA429550E09}"/>
-              </a:ext>
-            </a:extLst>
-          </p:cNvPr>
-          <p:cNvSpPr/>
-          <p:nvPr/>
-        </p:nvSpPr>
-        <p:spPr>
-          <a:xfrm>
-            <a:off x="9539183" y="2318357"/>
-            <a:ext cx="2429033" cy="3090588"/>
-          </a:xfrm>
-          <a:prstGeom prst="rect">
-            <a:avLst/>
-          </a:prstGeom>
-          <a:ln w="57150">
-            <a:solidFill>
-              <a:schemeClr val="tx1"/>
-            </a:solidFill>
-            <a:prstDash val="dashDot"/>
-          </a:ln>
-        </p:spPr>
-        <p:style>
-          <a:lnRef idx="2">
-            <a:schemeClr val="accent6"/>
-          </a:lnRef>
-          <a:fillRef idx="1">
-            <a:schemeClr val="lt1"/>
-          </a:fillRef>
-          <a:effectRef idx="0">
-            <a:schemeClr val="accent6"/>
-          </a:effectRef>
-          <a:fontRef idx="minor">
-            <a:schemeClr val="dk1"/>
-          </a:fontRef>
-        </p:style>
-        <p:txBody>
-          <a:bodyPr rtlCol="0" anchor="ctr"/>
-          <a:lstStyle/>
-          <a:p>
-            <a:pPr algn="ctr"/>
-            <a:r>
-              <a:rPr lang="en-US" dirty="0"/>
-              <a:t>!!  INGAT  !!</a:t>
-            </a:r>
-          </a:p>
-          <a:p>
-            <a:pPr algn="ctr"/>
-            <a:r>
-              <a:rPr lang="en-US" dirty="0"/>
-              <a:t> </a:t>
-            </a:r>
-            <a:r>
-              <a:rPr lang="en-US" b="1" dirty="0" err="1"/>
-              <a:t>patokan</a:t>
-            </a:r>
-            <a:r>
-              <a:rPr lang="en-US" b="1" dirty="0"/>
-              <a:t> di 500 </a:t>
-            </a:r>
-            <a:r>
-              <a:rPr lang="en-US" b="1" dirty="0" err="1"/>
-              <a:t>jt</a:t>
-            </a:r>
-            <a:r>
-              <a:rPr lang="en-US" b="1" dirty="0"/>
-              <a:t> rupiah/ 30,000 euro</a:t>
-            </a:r>
-          </a:p>
-          <a:p>
-            <a:pPr algn="ctr"/>
-            <a:endParaRPr lang="en-US" b="1" dirty="0"/>
-          </a:p>
-          <a:p>
-            <a:pPr algn="ctr"/>
-            <a:r>
-              <a:rPr lang="en-US" dirty="0" err="1"/>
-              <a:t>Rekening</a:t>
-            </a:r>
-            <a:r>
-              <a:rPr lang="en-US" dirty="0"/>
-              <a:t> &gt;= </a:t>
-            </a:r>
-            <a:r>
-              <a:rPr lang="en-US" dirty="0" err="1"/>
-              <a:t>patokan</a:t>
-            </a:r>
-            <a:r>
-              <a:rPr lang="en-US" dirty="0"/>
-              <a:t> (SABI)</a:t>
-            </a:r>
-          </a:p>
-          <a:p>
-            <a:pPr algn="ctr"/>
-            <a:endParaRPr lang="en-US" dirty="0"/>
-          </a:p>
-          <a:p>
-            <a:pPr algn="ctr"/>
-            <a:r>
-              <a:rPr lang="en-US" dirty="0" err="1"/>
-              <a:t>Rekening</a:t>
-            </a:r>
-            <a:r>
-              <a:rPr lang="en-US" dirty="0"/>
-              <a:t> &lt; </a:t>
-            </a:r>
-            <a:r>
-              <a:rPr lang="en-US" dirty="0" err="1"/>
-              <a:t>Patokan</a:t>
-            </a:r>
-            <a:r>
-              <a:rPr lang="en-US" dirty="0"/>
-              <a:t> (</a:t>
-            </a:r>
-            <a:r>
-              <a:rPr lang="en-US" dirty="0" err="1"/>
-              <a:t>tidak</a:t>
-            </a:r>
-            <a:r>
-              <a:rPr lang="en-US" dirty="0"/>
-              <a:t> </a:t>
-            </a:r>
-            <a:r>
-              <a:rPr lang="en-US" dirty="0" err="1"/>
-              <a:t>sabi</a:t>
-            </a:r>
-            <a:r>
-              <a:rPr lang="en-US" dirty="0"/>
-              <a:t>)</a:t>
-            </a:r>
-          </a:p>
-        </p:txBody>
-      </p:sp>
-      <p:sp>
-        <p:nvSpPr>
           <p:cNvPr id="13" name="Rectangle 12">
             <a:extLst>
               <a:ext uri="{FF2B5EF4-FFF2-40B4-BE49-F238E27FC236}">
@@ -17344,48 +17208,6 @@
           </a:fontRef>
         </p:style>
       </p:cxnSp>
-      <p:cxnSp>
-        <p:nvCxnSpPr>
-          <p:cNvPr id="18" name="Straight Arrow Connector 17">
-            <a:extLst>
-              <a:ext uri="{FF2B5EF4-FFF2-40B4-BE49-F238E27FC236}">
-                <a16:creationId xmlns:a16="http://schemas.microsoft.com/office/drawing/2014/main" id="{AB6CADEF-896F-46F4-AA50-D5EF02B4A05E}"/>
-              </a:ext>
-            </a:extLst>
-          </p:cNvPr>
-          <p:cNvCxnSpPr>
-            <a:cxnSpLocks/>
-            <a:endCxn id="20" idx="1"/>
-          </p:cNvCxnSpPr>
-          <p:nvPr/>
-        </p:nvCxnSpPr>
-        <p:spPr>
-          <a:xfrm>
-            <a:off x="3888658" y="2595631"/>
-            <a:ext cx="1052253" cy="1317152"/>
-          </a:xfrm>
-          <a:prstGeom prst="straightConnector1">
-            <a:avLst/>
-          </a:prstGeom>
-          <a:ln>
-            <a:tailEnd type="triangle"/>
-          </a:ln>
-        </p:spPr>
-        <p:style>
-          <a:lnRef idx="1">
-            <a:schemeClr val="accent1"/>
-          </a:lnRef>
-          <a:fillRef idx="0">
-            <a:schemeClr val="accent1"/>
-          </a:fillRef>
-          <a:effectRef idx="0">
-            <a:schemeClr val="accent1"/>
-          </a:effectRef>
-          <a:fontRef idx="minor">
-            <a:schemeClr val="tx1"/>
-          </a:fontRef>
-        </p:style>
-      </p:cxnSp>
       <p:sp>
         <p:nvSpPr>
           <p:cNvPr id="19" name="Rectangle 18">
@@ -17400,7 +17222,7 @@
         </p:nvSpPr>
         <p:spPr>
           <a:xfrm>
-            <a:off x="4940911" y="1771192"/>
+            <a:off x="5183013" y="1712514"/>
             <a:ext cx="1406013" cy="516908"/>
           </a:xfrm>
           <a:prstGeom prst="rect">
@@ -17433,82 +17255,14 @@
           <a:p>
             <a:pPr algn="ctr"/>
             <a:r>
-              <a:rPr lang="en-US" dirty="0" err="1"/>
-              <a:t>Proba</a:t>
-            </a:r>
-            <a:r>
               <a:rPr lang="en-US" dirty="0"/>
-              <a:t> YA &gt;  0.6</a:t>
-            </a:r>
-          </a:p>
-        </p:txBody>
-      </p:sp>
-      <p:sp>
-        <p:nvSpPr>
-          <p:cNvPr id="20" name="Rectangle 19">
-            <a:extLst>
-              <a:ext uri="{FF2B5EF4-FFF2-40B4-BE49-F238E27FC236}">
-                <a16:creationId xmlns:a16="http://schemas.microsoft.com/office/drawing/2014/main" id="{414D189D-384A-4901-95D0-FA83581327B1}"/>
-              </a:ext>
-            </a:extLst>
-          </p:cNvPr>
-          <p:cNvSpPr/>
-          <p:nvPr/>
-        </p:nvSpPr>
-        <p:spPr>
-          <a:xfrm>
-            <a:off x="4940911" y="3654329"/>
-            <a:ext cx="1406013" cy="516908"/>
-          </a:xfrm>
-          <a:prstGeom prst="rect">
-            <a:avLst/>
-          </a:prstGeom>
-          <a:noFill/>
-          <a:ln>
-            <a:solidFill>
-              <a:schemeClr val="bg1"/>
-            </a:solidFill>
-          </a:ln>
-        </p:spPr>
-        <p:style>
-          <a:lnRef idx="2">
-            <a:schemeClr val="accent6"/>
-          </a:lnRef>
-          <a:fillRef idx="1">
-            <a:schemeClr val="lt1"/>
-          </a:fillRef>
-          <a:effectRef idx="0">
-            <a:schemeClr val="accent6"/>
-          </a:effectRef>
-          <a:fontRef idx="minor">
-            <a:schemeClr val="dk1"/>
-          </a:fontRef>
-        </p:style>
-        <p:txBody>
-          <a:bodyPr rtlCol="0" anchor="ctr"/>
-          <a:lstStyle/>
-          <a:p>
-            <a:pPr algn="ctr"/>
-            <a:r>
-              <a:rPr lang="en-US" dirty="0"/>
-              <a:t>0.6 &gt;=</a:t>
-            </a:r>
-            <a:r>
-              <a:rPr lang="en-US" dirty="0" err="1"/>
-              <a:t>Proba</a:t>
-            </a:r>
-            <a:r>
-              <a:rPr lang="en-US" dirty="0"/>
-              <a:t> </a:t>
+              <a:t>Predict </a:t>
             </a:r>
             <a:r>
               <a:rPr lang="en-US" dirty="0" err="1"/>
               <a:t>Ya</a:t>
             </a:r>
-            <a:r>
-              <a:rPr lang="en-US" dirty="0"/>
-              <a:t> &gt;= 0.3</a:t>
-            </a:r>
+            <a:endParaRPr lang="en-US" dirty="0"/>
           </a:p>
         </p:txBody>
       </p:sp>
@@ -17560,86 +17314,6 @@
       </p:sp>
       <p:sp>
         <p:nvSpPr>
-          <p:cNvPr id="22" name="Rectangle 21">
-            <a:extLst>
-              <a:ext uri="{FF2B5EF4-FFF2-40B4-BE49-F238E27FC236}">
-                <a16:creationId xmlns:a16="http://schemas.microsoft.com/office/drawing/2014/main" id="{5A9157F7-6ABD-4250-9D7C-B0F050202771}"/>
-              </a:ext>
-            </a:extLst>
-          </p:cNvPr>
-          <p:cNvSpPr/>
-          <p:nvPr/>
-        </p:nvSpPr>
-        <p:spPr>
-          <a:xfrm>
-            <a:off x="6980905" y="3530042"/>
-            <a:ext cx="1714850" cy="887002"/>
-          </a:xfrm>
-          <a:prstGeom prst="rect">
-            <a:avLst/>
-          </a:prstGeom>
-          <a:ln>
-            <a:solidFill>
-              <a:srgbClr val="FF0000"/>
-            </a:solidFill>
-          </a:ln>
-        </p:spPr>
-        <p:style>
-          <a:lnRef idx="2">
-            <a:schemeClr val="accent6"/>
-          </a:lnRef>
-          <a:fillRef idx="1">
-            <a:schemeClr val="lt1"/>
-          </a:fillRef>
-          <a:effectRef idx="0">
-            <a:schemeClr val="accent6"/>
-          </a:effectRef>
-          <a:fontRef idx="minor">
-            <a:schemeClr val="dk1"/>
-          </a:fontRef>
-        </p:style>
-        <p:txBody>
-          <a:bodyPr rtlCol="0" anchor="ctr"/>
-          <a:lstStyle/>
-          <a:p>
-            <a:pPr algn="ctr"/>
-            <a:r>
-              <a:rPr lang="en-US" dirty="0" err="1"/>
-              <a:t>Lihat</a:t>
-            </a:r>
-            <a:r>
-              <a:rPr lang="en-US" dirty="0"/>
-              <a:t> </a:t>
-            </a:r>
-            <a:r>
-              <a:rPr lang="en-US" dirty="0" err="1"/>
-              <a:t>isi</a:t>
-            </a:r>
-            <a:r>
-              <a:rPr lang="en-US" dirty="0"/>
-              <a:t> </a:t>
-            </a:r>
-            <a:r>
-              <a:rPr lang="en-US" dirty="0" err="1"/>
-              <a:t>rekeningnya</a:t>
-            </a:r>
-            <a:r>
-              <a:rPr lang="en-US" dirty="0"/>
-              <a:t> </a:t>
-            </a:r>
-            <a:r>
-              <a:rPr lang="en-US" dirty="0" err="1"/>
-              <a:t>sabi</a:t>
-            </a:r>
-            <a:r>
-              <a:rPr lang="en-US" dirty="0"/>
-              <a:t> ga</a:t>
-            </a:r>
-          </a:p>
-        </p:txBody>
-      </p:sp>
-      <p:sp>
-        <p:nvSpPr>
           <p:cNvPr id="28" name="Rectangle 27">
             <a:extLst>
               <a:ext uri="{FF2B5EF4-FFF2-40B4-BE49-F238E27FC236}">
@@ -17803,143 +17477,6 @@
           </a:p>
         </p:txBody>
       </p:sp>
-      <p:sp>
-        <p:nvSpPr>
-          <p:cNvPr id="49" name="Rectangle 48">
-            <a:extLst>
-              <a:ext uri="{FF2B5EF4-FFF2-40B4-BE49-F238E27FC236}">
-                <a16:creationId xmlns:a16="http://schemas.microsoft.com/office/drawing/2014/main" id="{31811511-F160-4C5D-A4DC-2DF5D526DBCD}"/>
-              </a:ext>
-            </a:extLst>
-          </p:cNvPr>
-          <p:cNvSpPr/>
-          <p:nvPr/>
-        </p:nvSpPr>
-        <p:spPr>
-          <a:xfrm>
-            <a:off x="7360392" y="2827728"/>
-            <a:ext cx="791697" cy="311017"/>
-          </a:xfrm>
-          <a:prstGeom prst="rect">
-            <a:avLst/>
-          </a:prstGeom>
-          <a:ln>
-            <a:solidFill>
-              <a:schemeClr val="accent6"/>
-            </a:solidFill>
-          </a:ln>
-        </p:spPr>
-        <p:style>
-          <a:lnRef idx="2">
-            <a:schemeClr val="accent6"/>
-          </a:lnRef>
-          <a:fillRef idx="1">
-            <a:schemeClr val="lt1"/>
-          </a:fillRef>
-          <a:effectRef idx="0">
-            <a:schemeClr val="accent6"/>
-          </a:effectRef>
-          <a:fontRef idx="minor">
-            <a:schemeClr val="dk1"/>
-          </a:fontRef>
-        </p:style>
-        <p:txBody>
-          <a:bodyPr rtlCol="0" anchor="ctr"/>
-          <a:lstStyle/>
-          <a:p>
-            <a:pPr algn="ctr"/>
-            <a:r>
-              <a:rPr lang="en-US" dirty="0" err="1"/>
-              <a:t>Sabi</a:t>
-            </a:r>
-            <a:endParaRPr lang="en-US" dirty="0"/>
-          </a:p>
-        </p:txBody>
-      </p:sp>
-      <p:cxnSp>
-        <p:nvCxnSpPr>
-          <p:cNvPr id="11" name="Straight Arrow Connector 10">
-            <a:extLst>
-              <a:ext uri="{FF2B5EF4-FFF2-40B4-BE49-F238E27FC236}">
-                <a16:creationId xmlns:a16="http://schemas.microsoft.com/office/drawing/2014/main" id="{E66695E6-236C-4B52-93C5-AC271882D16A}"/>
-              </a:ext>
-            </a:extLst>
-          </p:cNvPr>
-          <p:cNvCxnSpPr>
-            <a:stCxn id="22" idx="0"/>
-            <a:endCxn id="49" idx="2"/>
-          </p:cNvCxnSpPr>
-          <p:nvPr/>
-        </p:nvCxnSpPr>
-        <p:spPr>
-          <a:xfrm flipH="1" flipV="1">
-            <a:off x="7756241" y="3138745"/>
-            <a:ext cx="82089" cy="391297"/>
-          </a:xfrm>
-          <a:prstGeom prst="straightConnector1">
-            <a:avLst/>
-          </a:prstGeom>
-          <a:ln>
-            <a:tailEnd type="triangle"/>
-          </a:ln>
-        </p:spPr>
-        <p:style>
-          <a:lnRef idx="1">
-            <a:schemeClr val="accent1"/>
-          </a:lnRef>
-          <a:fillRef idx="0">
-            <a:schemeClr val="accent1"/>
-          </a:fillRef>
-          <a:effectRef idx="0">
-            <a:schemeClr val="accent1"/>
-          </a:effectRef>
-          <a:fontRef idx="minor">
-            <a:schemeClr val="tx1"/>
-          </a:fontRef>
-        </p:style>
-      </p:cxnSp>
-      <p:cxnSp>
-        <p:nvCxnSpPr>
-          <p:cNvPr id="15" name="Straight Arrow Connector 14">
-            <a:extLst>
-              <a:ext uri="{FF2B5EF4-FFF2-40B4-BE49-F238E27FC236}">
-                <a16:creationId xmlns:a16="http://schemas.microsoft.com/office/drawing/2014/main" id="{39F2A515-125A-4AA3-B7EB-CF4D191D796B}"/>
-              </a:ext>
-            </a:extLst>
-          </p:cNvPr>
-          <p:cNvCxnSpPr>
-            <a:stCxn id="49" idx="0"/>
-            <a:endCxn id="28" idx="2"/>
-          </p:cNvCxnSpPr>
-          <p:nvPr/>
-        </p:nvCxnSpPr>
-        <p:spPr>
-          <a:xfrm flipV="1">
-            <a:off x="7756241" y="2182761"/>
-            <a:ext cx="373625" cy="644967"/>
-          </a:xfrm>
-          <a:prstGeom prst="straightConnector1">
-            <a:avLst/>
-          </a:prstGeom>
-          <a:ln>
-            <a:tailEnd type="triangle"/>
-          </a:ln>
-        </p:spPr>
-        <p:style>
-          <a:lnRef idx="1">
-            <a:schemeClr val="accent1"/>
-          </a:lnRef>
-          <a:fillRef idx="0">
-            <a:schemeClr val="accent1"/>
-          </a:fillRef>
-          <a:effectRef idx="0">
-            <a:schemeClr val="accent1"/>
-          </a:effectRef>
-          <a:fontRef idx="minor">
-            <a:schemeClr val="tx1"/>
-          </a:fontRef>
-        </p:style>
-      </p:cxnSp>
       <p:cxnSp>
         <p:nvCxnSpPr>
           <p:cNvPr id="27" name="Straight Arrow Connector 26">
@@ -17958,111 +17495,8 @@
         </p:nvCxnSpPr>
         <p:spPr>
           <a:xfrm flipV="1">
-            <a:off x="6346924" y="1886566"/>
-            <a:ext cx="662064" cy="143080"/>
-          </a:xfrm>
-          <a:prstGeom prst="straightConnector1">
-            <a:avLst/>
-          </a:prstGeom>
-          <a:ln>
-            <a:tailEnd type="triangle"/>
-          </a:ln>
-        </p:spPr>
-        <p:style>
-          <a:lnRef idx="1">
-            <a:schemeClr val="accent1"/>
-          </a:lnRef>
-          <a:fillRef idx="0">
-            <a:schemeClr val="accent1"/>
-          </a:fillRef>
-          <a:effectRef idx="0">
-            <a:schemeClr val="accent1"/>
-          </a:effectRef>
-          <a:fontRef idx="minor">
-            <a:schemeClr val="tx1"/>
-          </a:fontRef>
-        </p:style>
-      </p:cxnSp>
-      <p:sp>
-        <p:nvSpPr>
-          <p:cNvPr id="59" name="Rectangle 58">
-            <a:extLst>
-              <a:ext uri="{FF2B5EF4-FFF2-40B4-BE49-F238E27FC236}">
-                <a16:creationId xmlns:a16="http://schemas.microsoft.com/office/drawing/2014/main" id="{94EBAC42-4394-47E0-AA46-4BB7C3A29DBB}"/>
-              </a:ext>
-            </a:extLst>
-          </p:cNvPr>
-          <p:cNvSpPr/>
-          <p:nvPr/>
-        </p:nvSpPr>
-        <p:spPr>
-          <a:xfrm>
-            <a:off x="7106303" y="4813034"/>
-            <a:ext cx="1122897" cy="378039"/>
-          </a:xfrm>
-          <a:prstGeom prst="rect">
-            <a:avLst/>
-          </a:prstGeom>
-          <a:ln>
-            <a:solidFill>
-              <a:srgbClr val="FF0000"/>
-            </a:solidFill>
-          </a:ln>
-        </p:spPr>
-        <p:style>
-          <a:lnRef idx="2">
-            <a:schemeClr val="accent6"/>
-          </a:lnRef>
-          <a:fillRef idx="1">
-            <a:schemeClr val="lt1"/>
-          </a:fillRef>
-          <a:effectRef idx="0">
-            <a:schemeClr val="accent6"/>
-          </a:effectRef>
-          <a:fontRef idx="minor">
-            <a:schemeClr val="dk1"/>
-          </a:fontRef>
-        </p:style>
-        <p:txBody>
-          <a:bodyPr rtlCol="0" anchor="ctr"/>
-          <a:lstStyle/>
-          <a:p>
-            <a:pPr algn="ctr"/>
-            <a:r>
-              <a:rPr lang="en-US" dirty="0" err="1"/>
-              <a:t>Tidak</a:t>
-            </a:r>
-            <a:r>
-              <a:rPr lang="en-US" dirty="0"/>
-              <a:t> </a:t>
-            </a:r>
-            <a:r>
-              <a:rPr lang="en-US" dirty="0" err="1"/>
-              <a:t>Sabi</a:t>
-            </a:r>
-            <a:endParaRPr lang="en-US" dirty="0"/>
-          </a:p>
-        </p:txBody>
-      </p:sp>
-      <p:cxnSp>
-        <p:nvCxnSpPr>
-          <p:cNvPr id="39" name="Straight Arrow Connector 38">
-            <a:extLst>
-              <a:ext uri="{FF2B5EF4-FFF2-40B4-BE49-F238E27FC236}">
-                <a16:creationId xmlns:a16="http://schemas.microsoft.com/office/drawing/2014/main" id="{56F1E56F-6D08-43C3-9CD0-F9856AB2BFCB}"/>
-              </a:ext>
-            </a:extLst>
-          </p:cNvPr>
-          <p:cNvCxnSpPr>
-            <a:stCxn id="22" idx="2"/>
-            <a:endCxn id="59" idx="0"/>
-          </p:cNvCxnSpPr>
-          <p:nvPr/>
-        </p:nvCxnSpPr>
-        <p:spPr>
-          <a:xfrm flipH="1">
-            <a:off x="7667752" y="4417044"/>
-            <a:ext cx="170578" cy="395990"/>
+            <a:off x="6589026" y="1886566"/>
+            <a:ext cx="419962" cy="84402"/>
           </a:xfrm>
           <a:prstGeom prst="straightConnector1">
             <a:avLst/>
@@ -18100,7 +17534,7 @@
         </p:nvSpPr>
         <p:spPr>
           <a:xfrm>
-            <a:off x="6499603" y="5593122"/>
+            <a:off x="7012898" y="3429000"/>
             <a:ext cx="2237846" cy="737932"/>
           </a:xfrm>
           <a:prstGeom prst="rect">
@@ -18162,90 +17596,6 @@
           </a:p>
         </p:txBody>
       </p:sp>
-      <p:cxnSp>
-        <p:nvCxnSpPr>
-          <p:cNvPr id="66" name="Straight Arrow Connector 65">
-            <a:extLst>
-              <a:ext uri="{FF2B5EF4-FFF2-40B4-BE49-F238E27FC236}">
-                <a16:creationId xmlns:a16="http://schemas.microsoft.com/office/drawing/2014/main" id="{34FCC3EF-D503-44C7-8236-B4369AC6C71B}"/>
-              </a:ext>
-            </a:extLst>
-          </p:cNvPr>
-          <p:cNvCxnSpPr>
-            <a:cxnSpLocks/>
-            <a:endCxn id="22" idx="1"/>
-          </p:cNvCxnSpPr>
-          <p:nvPr/>
-        </p:nvCxnSpPr>
-        <p:spPr>
-          <a:xfrm>
-            <a:off x="6198233" y="3973458"/>
-            <a:ext cx="782672" cy="85"/>
-          </a:xfrm>
-          <a:prstGeom prst="straightConnector1">
-            <a:avLst/>
-          </a:prstGeom>
-          <a:ln>
-            <a:tailEnd type="triangle"/>
-          </a:ln>
-        </p:spPr>
-        <p:style>
-          <a:lnRef idx="1">
-            <a:schemeClr val="accent1"/>
-          </a:lnRef>
-          <a:fillRef idx="0">
-            <a:schemeClr val="accent1"/>
-          </a:fillRef>
-          <a:effectRef idx="0">
-            <a:schemeClr val="accent1"/>
-          </a:effectRef>
-          <a:fontRef idx="minor">
-            <a:schemeClr val="tx1"/>
-          </a:fontRef>
-        </p:style>
-      </p:cxnSp>
-      <p:cxnSp>
-        <p:nvCxnSpPr>
-          <p:cNvPr id="45" name="Straight Arrow Connector 44">
-            <a:extLst>
-              <a:ext uri="{FF2B5EF4-FFF2-40B4-BE49-F238E27FC236}">
-                <a16:creationId xmlns:a16="http://schemas.microsoft.com/office/drawing/2014/main" id="{948B062E-F9A3-4E06-9C1D-5FE812A34AF1}"/>
-              </a:ext>
-            </a:extLst>
-          </p:cNvPr>
-          <p:cNvCxnSpPr>
-            <a:stCxn id="59" idx="2"/>
-            <a:endCxn id="64" idx="0"/>
-          </p:cNvCxnSpPr>
-          <p:nvPr/>
-        </p:nvCxnSpPr>
-        <p:spPr>
-          <a:xfrm flipH="1">
-            <a:off x="7618526" y="5191073"/>
-            <a:ext cx="49226" cy="402049"/>
-          </a:xfrm>
-          <a:prstGeom prst="straightConnector1">
-            <a:avLst/>
-          </a:prstGeom>
-          <a:ln>
-            <a:tailEnd type="triangle"/>
-          </a:ln>
-        </p:spPr>
-        <p:style>
-          <a:lnRef idx="1">
-            <a:schemeClr val="accent1"/>
-          </a:lnRef>
-          <a:fillRef idx="0">
-            <a:schemeClr val="accent1"/>
-          </a:fillRef>
-          <a:effectRef idx="0">
-            <a:schemeClr val="accent1"/>
-          </a:effectRef>
-          <a:fontRef idx="minor">
-            <a:schemeClr val="tx1"/>
-          </a:fontRef>
-        </p:style>
-      </p:cxnSp>
       <p:sp>
         <p:nvSpPr>
           <p:cNvPr id="29" name="Rectangle 28">
@@ -18260,7 +17610,7 @@
         </p:nvSpPr>
         <p:spPr>
           <a:xfrm>
-            <a:off x="4933406" y="5002053"/>
+            <a:off x="4689987" y="3559363"/>
             <a:ext cx="1406013" cy="516908"/>
           </a:xfrm>
           <a:prstGeom prst="rect">
@@ -18293,21 +17643,14 @@
           <a:p>
             <a:pPr algn="ctr"/>
             <a:r>
+              <a:rPr lang="en-US" dirty="0"/>
+              <a:t>Predict </a:t>
+            </a:r>
+            <a:r>
               <a:rPr lang="en-US" dirty="0" err="1"/>
-              <a:t>Proba</a:t>
-            </a:r>
-            <a:r>
-              <a:rPr lang="en-US" dirty="0"/>
-              <a:t> </a:t>
-            </a:r>
-            <a:r>
-              <a:rPr lang="en-US" dirty="0" err="1"/>
-              <a:t>Ya</a:t>
-            </a:r>
-            <a:r>
-              <a:rPr lang="en-US" dirty="0"/>
-              <a:t> &lt; 0.3</a:t>
-            </a:r>
+              <a:t>Tidak</a:t>
+            </a:r>
+            <a:endParaRPr lang="en-US" dirty="0"/>
           </a:p>
         </p:txBody>
       </p:sp>
@@ -18321,14 +17664,16 @@
             </a:extLst>
           </p:cNvPr>
           <p:cNvCxnSpPr>
+            <a:cxnSpLocks/>
+            <a:stCxn id="14" idx="1"/>
             <a:endCxn id="29" idx="1"/>
           </p:cNvCxnSpPr>
           <p:nvPr/>
         </p:nvCxnSpPr>
         <p:spPr>
           <a:xfrm>
-            <a:off x="3864077" y="2637502"/>
-            <a:ext cx="1069329" cy="2623005"/>
+            <a:off x="3185652" y="3298638"/>
+            <a:ext cx="1504335" cy="519179"/>
           </a:xfrm>
           <a:prstGeom prst="straightConnector1">
             <a:avLst/>
@@ -18362,15 +17707,16 @@
             </a:extLst>
           </p:cNvPr>
           <p:cNvCxnSpPr>
-            <a:stCxn id="29" idx="2"/>
+            <a:cxnSpLocks/>
+            <a:stCxn id="29" idx="3"/>
             <a:endCxn id="64" idx="1"/>
           </p:cNvCxnSpPr>
           <p:nvPr/>
         </p:nvCxnSpPr>
         <p:spPr>
-          <a:xfrm>
-            <a:off x="5636413" y="5518961"/>
-            <a:ext cx="863190" cy="443127"/>
+          <a:xfrm flipV="1">
+            <a:off x="6096000" y="3797966"/>
+            <a:ext cx="916898" cy="19851"/>
           </a:xfrm>
           <a:prstGeom prst="straightConnector1">
             <a:avLst/>
@@ -18394,247 +17740,6 @@
           </a:fontRef>
         </p:style>
       </p:cxnSp>
-      <p:cxnSp>
-        <p:nvCxnSpPr>
-          <p:cNvPr id="23" name="Straight Connector 22">
-            <a:extLst>
-              <a:ext uri="{FF2B5EF4-FFF2-40B4-BE49-F238E27FC236}">
-                <a16:creationId xmlns:a16="http://schemas.microsoft.com/office/drawing/2014/main" id="{689CBEFC-E1E8-4392-B5FA-82BD665BABA2}"/>
-              </a:ext>
-            </a:extLst>
-          </p:cNvPr>
-          <p:cNvCxnSpPr/>
-          <p:nvPr/>
-        </p:nvCxnSpPr>
-        <p:spPr>
-          <a:xfrm flipV="1">
-            <a:off x="8664312" y="2288100"/>
-            <a:ext cx="897094" cy="1241942"/>
-          </a:xfrm>
-          <a:prstGeom prst="line">
-            <a:avLst/>
-          </a:prstGeom>
-        </p:spPr>
-        <p:style>
-          <a:lnRef idx="1">
-            <a:schemeClr val="accent1"/>
-          </a:lnRef>
-          <a:fillRef idx="0">
-            <a:schemeClr val="accent1"/>
-          </a:fillRef>
-          <a:effectRef idx="0">
-            <a:schemeClr val="accent1"/>
-          </a:effectRef>
-          <a:fontRef idx="minor">
-            <a:schemeClr val="tx1"/>
-          </a:fontRef>
-        </p:style>
-      </p:cxnSp>
-      <p:cxnSp>
-        <p:nvCxnSpPr>
-          <p:cNvPr id="25" name="Straight Connector 24">
-            <a:extLst>
-              <a:ext uri="{FF2B5EF4-FFF2-40B4-BE49-F238E27FC236}">
-                <a16:creationId xmlns:a16="http://schemas.microsoft.com/office/drawing/2014/main" id="{2170B41E-8F17-4A71-8A40-AC53F84BBE26}"/>
-              </a:ext>
-            </a:extLst>
-          </p:cNvPr>
-          <p:cNvCxnSpPr/>
-          <p:nvPr/>
-        </p:nvCxnSpPr>
-        <p:spPr>
-          <a:xfrm>
-            <a:off x="8695755" y="4417044"/>
-            <a:ext cx="821205" cy="1066062"/>
-          </a:xfrm>
-          <a:prstGeom prst="line">
-            <a:avLst/>
-          </a:prstGeom>
-        </p:spPr>
-        <p:style>
-          <a:lnRef idx="1">
-            <a:schemeClr val="accent1"/>
-          </a:lnRef>
-          <a:fillRef idx="0">
-            <a:schemeClr val="accent1"/>
-          </a:fillRef>
-          <a:effectRef idx="0">
-            <a:schemeClr val="accent1"/>
-          </a:effectRef>
-          <a:fontRef idx="minor">
-            <a:schemeClr val="tx1"/>
-          </a:fontRef>
-        </p:style>
-      </p:cxnSp>
-      <p:sp>
-        <p:nvSpPr>
-          <p:cNvPr id="26" name="Rectangle 25">
-            <a:extLst>
-              <a:ext uri="{FF2B5EF4-FFF2-40B4-BE49-F238E27FC236}">
-                <a16:creationId xmlns:a16="http://schemas.microsoft.com/office/drawing/2014/main" id="{661AE275-EA5D-4A5E-8498-2CBF6FE01557}"/>
-              </a:ext>
-            </a:extLst>
-          </p:cNvPr>
-          <p:cNvSpPr/>
-          <p:nvPr/>
-        </p:nvSpPr>
-        <p:spPr>
-          <a:xfrm>
-            <a:off x="9709355" y="1145253"/>
-            <a:ext cx="2241756" cy="1037508"/>
-          </a:xfrm>
-          <a:prstGeom prst="rect">
-            <a:avLst/>
-          </a:prstGeom>
-        </p:spPr>
-        <p:style>
-          <a:lnRef idx="2">
-            <a:schemeClr val="accent1">
-              <a:shade val="50000"/>
-            </a:schemeClr>
-          </a:lnRef>
-          <a:fillRef idx="1">
-            <a:schemeClr val="accent1"/>
-          </a:fillRef>
-          <a:effectRef idx="0">
-            <a:schemeClr val="accent1"/>
-          </a:effectRef>
-          <a:fontRef idx="minor">
-            <a:schemeClr val="lt1"/>
-          </a:fontRef>
-        </p:style>
-        <p:txBody>
-          <a:bodyPr rtlCol="0" anchor="ctr"/>
-          <a:lstStyle/>
-          <a:p>
-            <a:pPr algn="ctr"/>
-            <a:r>
-              <a:rPr lang="en-US" dirty="0" err="1"/>
-              <a:t>Mengacu</a:t>
-            </a:r>
-            <a:r>
-              <a:rPr lang="en-US" dirty="0"/>
-              <a:t> pada </a:t>
-            </a:r>
-            <a:r>
-              <a:rPr lang="en-US" dirty="0" err="1"/>
-              <a:t>jumlah</a:t>
-            </a:r>
-            <a:r>
-              <a:rPr lang="en-US" dirty="0"/>
-              <a:t> minimal </a:t>
-            </a:r>
-            <a:r>
-              <a:rPr lang="en-US" dirty="0" err="1"/>
-              <a:t>rekening</a:t>
-            </a:r>
-            <a:r>
-              <a:rPr lang="en-US" dirty="0"/>
-              <a:t> </a:t>
-            </a:r>
-            <a:r>
-              <a:rPr lang="en-US" dirty="0" err="1"/>
-              <a:t>nasabah</a:t>
-            </a:r>
-            <a:r>
-              <a:rPr lang="en-US" dirty="0"/>
-              <a:t> premium </a:t>
-            </a:r>
-          </a:p>
-        </p:txBody>
-      </p:sp>
-      <p:sp>
-        <p:nvSpPr>
-          <p:cNvPr id="2" name="Parallelogram 1">
-            <a:extLst>
-              <a:ext uri="{FF2B5EF4-FFF2-40B4-BE49-F238E27FC236}">
-                <a16:creationId xmlns:a16="http://schemas.microsoft.com/office/drawing/2014/main" id="{E10213B5-92D1-4BB5-9993-044E94AD57F1}"/>
-              </a:ext>
-            </a:extLst>
-          </p:cNvPr>
-          <p:cNvSpPr/>
-          <p:nvPr/>
-        </p:nvSpPr>
-        <p:spPr>
-          <a:xfrm>
-            <a:off x="2393566" y="3415734"/>
-            <a:ext cx="1535009" cy="577349"/>
-          </a:xfrm>
-          <a:prstGeom prst="parallelogram">
-            <a:avLst/>
-          </a:prstGeom>
-        </p:spPr>
-        <p:style>
-          <a:lnRef idx="2">
-            <a:schemeClr val="accent1">
-              <a:shade val="50000"/>
-            </a:schemeClr>
-          </a:lnRef>
-          <a:fillRef idx="1">
-            <a:schemeClr val="accent1"/>
-          </a:fillRef>
-          <a:effectRef idx="0">
-            <a:schemeClr val="accent1"/>
-          </a:effectRef>
-          <a:fontRef idx="minor">
-            <a:schemeClr val="lt1"/>
-          </a:fontRef>
-        </p:style>
-        <p:txBody>
-          <a:bodyPr rtlCol="0" anchor="ctr"/>
-          <a:lstStyle/>
-          <a:p>
-            <a:pPr algn="ctr"/>
-            <a:endParaRPr lang="en-US"/>
-          </a:p>
-        </p:txBody>
-      </p:sp>
-      <p:sp>
-        <p:nvSpPr>
-          <p:cNvPr id="3" name="Diamond 2">
-            <a:extLst>
-              <a:ext uri="{FF2B5EF4-FFF2-40B4-BE49-F238E27FC236}">
-                <a16:creationId xmlns:a16="http://schemas.microsoft.com/office/drawing/2014/main" id="{C9DB4964-141C-4CD0-BE13-D02CDB7026C5}"/>
-              </a:ext>
-            </a:extLst>
-          </p:cNvPr>
-          <p:cNvSpPr/>
-          <p:nvPr/>
-        </p:nvSpPr>
-        <p:spPr>
-          <a:xfrm>
-            <a:off x="8525177" y="3415734"/>
-            <a:ext cx="905183" cy="1066540"/>
-          </a:xfrm>
-          <a:prstGeom prst="diamond">
-            <a:avLst/>
-          </a:prstGeom>
-        </p:spPr>
-        <p:style>
-          <a:lnRef idx="2">
-            <a:schemeClr val="accent1">
-              <a:shade val="50000"/>
-            </a:schemeClr>
-          </a:lnRef>
-          <a:fillRef idx="1">
-            <a:schemeClr val="accent1"/>
-          </a:fillRef>
-          <a:effectRef idx="0">
-            <a:schemeClr val="accent1"/>
-          </a:effectRef>
-          <a:fontRef idx="minor">
-            <a:schemeClr val="lt1"/>
-          </a:fontRef>
-        </p:style>
-        <p:txBody>
-          <a:bodyPr rtlCol="0" anchor="ctr"/>
-          <a:lstStyle/>
-          <a:p>
-            <a:pPr algn="ctr"/>
-            <a:endParaRPr lang="en-US"/>
-          </a:p>
-        </p:txBody>
-      </p:sp>
     </p:spTree>
     <p:extLst>
       <p:ext uri="{BB962C8B-B14F-4D97-AF65-F5344CB8AC3E}">
@@ -37373,6 +36478,106 @@
           </a:p>
         </p:txBody>
       </p:sp>
+      <p:sp>
+        <p:nvSpPr>
+          <p:cNvPr id="3" name="Rectangle 2">
+            <a:extLst>
+              <a:ext uri="{FF2B5EF4-FFF2-40B4-BE49-F238E27FC236}">
+                <a16:creationId xmlns:a16="http://schemas.microsoft.com/office/drawing/2014/main" id="{2FC6DB77-055A-4F53-921D-EE6F68DA7D56}"/>
+              </a:ext>
+            </a:extLst>
+          </p:cNvPr>
+          <p:cNvSpPr/>
+          <p:nvPr/>
+        </p:nvSpPr>
+        <p:spPr>
+          <a:xfrm>
+            <a:off x="5102942" y="3268717"/>
+            <a:ext cx="1171733" cy="536028"/>
+          </a:xfrm>
+          <a:prstGeom prst="rect">
+            <a:avLst/>
+          </a:prstGeom>
+          <a:noFill/>
+          <a:ln w="57150">
+            <a:solidFill>
+              <a:srgbClr val="FF0000"/>
+            </a:solidFill>
+          </a:ln>
+        </p:spPr>
+        <p:style>
+          <a:lnRef idx="2">
+            <a:schemeClr val="accent6"/>
+          </a:lnRef>
+          <a:fillRef idx="1">
+            <a:schemeClr val="lt1"/>
+          </a:fillRef>
+          <a:effectRef idx="0">
+            <a:schemeClr val="accent6"/>
+          </a:effectRef>
+          <a:fontRef idx="minor">
+            <a:schemeClr val="dk1"/>
+          </a:fontRef>
+        </p:style>
+        <p:txBody>
+          <a:bodyPr rtlCol="0" anchor="ctr"/>
+          <a:lstStyle/>
+          <a:p>
+            <a:pPr algn="ctr"/>
+            <a:endParaRPr lang="en-US"/>
+          </a:p>
+        </p:txBody>
+      </p:sp>
+      <p:sp>
+        <p:nvSpPr>
+          <p:cNvPr id="8" name="Rectangle 7">
+            <a:extLst>
+              <a:ext uri="{FF2B5EF4-FFF2-40B4-BE49-F238E27FC236}">
+                <a16:creationId xmlns:a16="http://schemas.microsoft.com/office/drawing/2014/main" id="{2C00B3D1-5B71-4CA2-B6BC-C986282CAA20}"/>
+              </a:ext>
+            </a:extLst>
+          </p:cNvPr>
+          <p:cNvSpPr/>
+          <p:nvPr/>
+        </p:nvSpPr>
+        <p:spPr>
+          <a:xfrm>
+            <a:off x="3815425" y="3268717"/>
+            <a:ext cx="1171733" cy="536028"/>
+          </a:xfrm>
+          <a:prstGeom prst="rect">
+            <a:avLst/>
+          </a:prstGeom>
+          <a:noFill/>
+          <a:ln w="57150">
+            <a:solidFill>
+              <a:srgbClr val="00B050"/>
+            </a:solidFill>
+          </a:ln>
+        </p:spPr>
+        <p:style>
+          <a:lnRef idx="2">
+            <a:schemeClr val="accent6"/>
+          </a:lnRef>
+          <a:fillRef idx="1">
+            <a:schemeClr val="lt1"/>
+          </a:fillRef>
+          <a:effectRef idx="0">
+            <a:schemeClr val="accent6"/>
+          </a:effectRef>
+          <a:fontRef idx="minor">
+            <a:schemeClr val="dk1"/>
+          </a:fontRef>
+        </p:style>
+        <p:txBody>
+          <a:bodyPr rtlCol="0" anchor="ctr"/>
+          <a:lstStyle/>
+          <a:p>
+            <a:pPr algn="ctr"/>
+            <a:endParaRPr lang="en-US"/>
+          </a:p>
+        </p:txBody>
+      </p:sp>
     </p:spTree>
     <p:extLst>
       <p:ext uri="{BB962C8B-B14F-4D97-AF65-F5344CB8AC3E}">
@@ -37678,6 +36883,106 @@
           </a:prstGeom>
         </p:spPr>
       </p:pic>
+      <p:sp>
+        <p:nvSpPr>
+          <p:cNvPr id="8" name="Rectangle 7">
+            <a:extLst>
+              <a:ext uri="{FF2B5EF4-FFF2-40B4-BE49-F238E27FC236}">
+                <a16:creationId xmlns:a16="http://schemas.microsoft.com/office/drawing/2014/main" id="{64793111-28EE-4C05-880E-0343C918ED79}"/>
+              </a:ext>
+            </a:extLst>
+          </p:cNvPr>
+          <p:cNvSpPr/>
+          <p:nvPr/>
+        </p:nvSpPr>
+        <p:spPr>
+          <a:xfrm>
+            <a:off x="3079532" y="3300246"/>
+            <a:ext cx="578069" cy="336331"/>
+          </a:xfrm>
+          <a:prstGeom prst="rect">
+            <a:avLst/>
+          </a:prstGeom>
+          <a:noFill/>
+          <a:ln w="57150">
+            <a:solidFill>
+              <a:srgbClr val="00B050"/>
+            </a:solidFill>
+          </a:ln>
+        </p:spPr>
+        <p:style>
+          <a:lnRef idx="2">
+            <a:schemeClr val="accent6"/>
+          </a:lnRef>
+          <a:fillRef idx="1">
+            <a:schemeClr val="lt1"/>
+          </a:fillRef>
+          <a:effectRef idx="0">
+            <a:schemeClr val="accent6"/>
+          </a:effectRef>
+          <a:fontRef idx="minor">
+            <a:schemeClr val="dk1"/>
+          </a:fontRef>
+        </p:style>
+        <p:txBody>
+          <a:bodyPr rtlCol="0" anchor="ctr"/>
+          <a:lstStyle/>
+          <a:p>
+            <a:pPr algn="ctr"/>
+            <a:endParaRPr lang="en-US"/>
+          </a:p>
+        </p:txBody>
+      </p:sp>
+      <p:sp>
+        <p:nvSpPr>
+          <p:cNvPr id="9" name="Rectangle 8">
+            <a:extLst>
+              <a:ext uri="{FF2B5EF4-FFF2-40B4-BE49-F238E27FC236}">
+                <a16:creationId xmlns:a16="http://schemas.microsoft.com/office/drawing/2014/main" id="{A9A37EBC-5D46-42F3-A60D-2C30B24F50A5}"/>
+              </a:ext>
+            </a:extLst>
+          </p:cNvPr>
+          <p:cNvSpPr/>
+          <p:nvPr/>
+        </p:nvSpPr>
+        <p:spPr>
+          <a:xfrm>
+            <a:off x="3980950" y="3016251"/>
+            <a:ext cx="578069" cy="336331"/>
+          </a:xfrm>
+          <a:prstGeom prst="rect">
+            <a:avLst/>
+          </a:prstGeom>
+          <a:noFill/>
+          <a:ln w="57150">
+            <a:solidFill>
+              <a:srgbClr val="FF0000"/>
+            </a:solidFill>
+          </a:ln>
+        </p:spPr>
+        <p:style>
+          <a:lnRef idx="2">
+            <a:schemeClr val="accent6"/>
+          </a:lnRef>
+          <a:fillRef idx="1">
+            <a:schemeClr val="lt1"/>
+          </a:fillRef>
+          <a:effectRef idx="0">
+            <a:schemeClr val="accent6"/>
+          </a:effectRef>
+          <a:fontRef idx="minor">
+            <a:schemeClr val="dk1"/>
+          </a:fontRef>
+        </p:style>
+        <p:txBody>
+          <a:bodyPr rtlCol="0" anchor="ctr"/>
+          <a:lstStyle/>
+          <a:p>
+            <a:pPr algn="ctr"/>
+            <a:endParaRPr lang="en-US"/>
+          </a:p>
+        </p:txBody>
+      </p:sp>
     </p:spTree>
     <p:extLst>
       <p:ext uri="{BB962C8B-B14F-4D97-AF65-F5344CB8AC3E}">
@@ -37692,6 +36997,274 @@
 </file>
 
 <file path=ppt/slides/slide58.xml><?xml version="1.0" encoding="utf-8"?>
+<p:sld xmlns:a="http://schemas.openxmlformats.org/drawingml/2006/main" xmlns:r="http://schemas.openxmlformats.org/officeDocument/2006/relationships" xmlns:p="http://schemas.openxmlformats.org/presentationml/2006/main">
+  <p:cSld>
+    <p:spTree>
+      <p:nvGrpSpPr>
+        <p:cNvPr id="1" name=""/>
+        <p:cNvGrpSpPr/>
+        <p:nvPr/>
+      </p:nvGrpSpPr>
+      <p:grpSpPr>
+        <a:xfrm>
+          <a:off x="0" y="0"/>
+          <a:ext cx="0" cy="0"/>
+          <a:chOff x="0" y="0"/>
+          <a:chExt cx="0" cy="0"/>
+        </a:xfrm>
+      </p:grpSpPr>
+      <p:sp>
+        <p:nvSpPr>
+          <p:cNvPr id="2" name="Title 1">
+            <a:extLst>
+              <a:ext uri="{FF2B5EF4-FFF2-40B4-BE49-F238E27FC236}">
+                <a16:creationId xmlns:a16="http://schemas.microsoft.com/office/drawing/2014/main" id="{84EEC1A3-E984-4881-B54A-F1C5E73F7696}"/>
+              </a:ext>
+            </a:extLst>
+          </p:cNvPr>
+          <p:cNvSpPr>
+            <a:spLocks noGrp="1"/>
+          </p:cNvSpPr>
+          <p:nvPr>
+            <p:ph type="title"/>
+          </p:nvPr>
+        </p:nvSpPr>
+        <p:spPr/>
+        <p:txBody>
+          <a:bodyPr/>
+          <a:lstStyle/>
+          <a:p>
+            <a:r>
+              <a:rPr lang="en-US" dirty="0"/>
+              <a:t>Suggestion</a:t>
+            </a:r>
+          </a:p>
+        </p:txBody>
+      </p:sp>
+      <p:sp>
+        <p:nvSpPr>
+          <p:cNvPr id="7" name="Content Placeholder 2">
+            <a:extLst>
+              <a:ext uri="{FF2B5EF4-FFF2-40B4-BE49-F238E27FC236}">
+                <a16:creationId xmlns:a16="http://schemas.microsoft.com/office/drawing/2014/main" id="{FA24ED2C-CA35-4278-A00D-97A536FEA09E}"/>
+              </a:ext>
+            </a:extLst>
+          </p:cNvPr>
+          <p:cNvSpPr txBox="1">
+            <a:spLocks/>
+          </p:cNvSpPr>
+          <p:nvPr/>
+        </p:nvSpPr>
+        <p:spPr>
+          <a:xfrm>
+            <a:off x="838200" y="1874044"/>
+            <a:ext cx="10515600" cy="3533698"/>
+          </a:xfrm>
+          <a:prstGeom prst="rect">
+            <a:avLst/>
+          </a:prstGeom>
+        </p:spPr>
+        <p:txBody>
+          <a:bodyPr vert="horz" lIns="91440" tIns="45720" rIns="91440" bIns="45720" rtlCol="0">
+            <a:normAutofit/>
+          </a:bodyPr>
+          <a:lstStyle>
+            <a:lvl1pPr marL="228600" indent="-228600" algn="l" defTabSz="914400" rtl="0" eaLnBrk="1" latinLnBrk="0" hangingPunct="1">
+              <a:lnSpc>
+                <a:spcPct val="90000"/>
+              </a:lnSpc>
+              <a:spcBef>
+                <a:spcPts val="1000"/>
+              </a:spcBef>
+              <a:buFont typeface="Arial" panose="020B0604020202020204" pitchFamily="34" charset="0"/>
+              <a:buChar char="•"/>
+              <a:defRPr sz="2800" kern="1200">
+                <a:solidFill>
+                  <a:schemeClr val="tx1"/>
+                </a:solidFill>
+                <a:latin typeface="+mn-lt"/>
+                <a:ea typeface="+mn-ea"/>
+                <a:cs typeface="+mn-cs"/>
+              </a:defRPr>
+            </a:lvl1pPr>
+            <a:lvl2pPr marL="685800" indent="-228600" algn="l" defTabSz="914400" rtl="0" eaLnBrk="1" latinLnBrk="0" hangingPunct="1">
+              <a:lnSpc>
+                <a:spcPct val="90000"/>
+              </a:lnSpc>
+              <a:spcBef>
+                <a:spcPts val="500"/>
+              </a:spcBef>
+              <a:buFont typeface="Arial" panose="020B0604020202020204" pitchFamily="34" charset="0"/>
+              <a:buChar char="•"/>
+              <a:defRPr sz="2400" kern="1200">
+                <a:solidFill>
+                  <a:schemeClr val="tx1"/>
+                </a:solidFill>
+                <a:latin typeface="+mn-lt"/>
+                <a:ea typeface="+mn-ea"/>
+                <a:cs typeface="+mn-cs"/>
+              </a:defRPr>
+            </a:lvl2pPr>
+            <a:lvl3pPr marL="1143000" indent="-228600" algn="l" defTabSz="914400" rtl="0" eaLnBrk="1" latinLnBrk="0" hangingPunct="1">
+              <a:lnSpc>
+                <a:spcPct val="90000"/>
+              </a:lnSpc>
+              <a:spcBef>
+                <a:spcPts val="500"/>
+              </a:spcBef>
+              <a:buFont typeface="Arial" panose="020B0604020202020204" pitchFamily="34" charset="0"/>
+              <a:buChar char="•"/>
+              <a:defRPr sz="2000" kern="1200">
+                <a:solidFill>
+                  <a:schemeClr val="tx1"/>
+                </a:solidFill>
+                <a:latin typeface="+mn-lt"/>
+                <a:ea typeface="+mn-ea"/>
+                <a:cs typeface="+mn-cs"/>
+              </a:defRPr>
+            </a:lvl3pPr>
+            <a:lvl4pPr marL="1600200" indent="-228600" algn="l" defTabSz="914400" rtl="0" eaLnBrk="1" latinLnBrk="0" hangingPunct="1">
+              <a:lnSpc>
+                <a:spcPct val="90000"/>
+              </a:lnSpc>
+              <a:spcBef>
+                <a:spcPts val="500"/>
+              </a:spcBef>
+              <a:buFont typeface="Arial" panose="020B0604020202020204" pitchFamily="34" charset="0"/>
+              <a:buChar char="•"/>
+              <a:defRPr sz="1800" kern="1200">
+                <a:solidFill>
+                  <a:schemeClr val="tx1"/>
+                </a:solidFill>
+                <a:latin typeface="+mn-lt"/>
+                <a:ea typeface="+mn-ea"/>
+                <a:cs typeface="+mn-cs"/>
+              </a:defRPr>
+            </a:lvl4pPr>
+            <a:lvl5pPr marL="2057400" indent="-228600" algn="l" defTabSz="914400" rtl="0" eaLnBrk="1" latinLnBrk="0" hangingPunct="1">
+              <a:lnSpc>
+                <a:spcPct val="90000"/>
+              </a:lnSpc>
+              <a:spcBef>
+                <a:spcPts val="500"/>
+              </a:spcBef>
+              <a:buFont typeface="Arial" panose="020B0604020202020204" pitchFamily="34" charset="0"/>
+              <a:buChar char="•"/>
+              <a:defRPr sz="1800" kern="1200">
+                <a:solidFill>
+                  <a:schemeClr val="tx1"/>
+                </a:solidFill>
+                <a:latin typeface="+mn-lt"/>
+                <a:ea typeface="+mn-ea"/>
+                <a:cs typeface="+mn-cs"/>
+              </a:defRPr>
+            </a:lvl5pPr>
+            <a:lvl6pPr marL="2514600" indent="-228600" algn="l" defTabSz="914400" rtl="0" eaLnBrk="1" latinLnBrk="0" hangingPunct="1">
+              <a:lnSpc>
+                <a:spcPct val="90000"/>
+              </a:lnSpc>
+              <a:spcBef>
+                <a:spcPts val="500"/>
+              </a:spcBef>
+              <a:buFont typeface="Arial" panose="020B0604020202020204" pitchFamily="34" charset="0"/>
+              <a:buChar char="•"/>
+              <a:defRPr sz="1800" kern="1200">
+                <a:solidFill>
+                  <a:schemeClr val="tx1"/>
+                </a:solidFill>
+                <a:latin typeface="+mn-lt"/>
+                <a:ea typeface="+mn-ea"/>
+                <a:cs typeface="+mn-cs"/>
+              </a:defRPr>
+            </a:lvl6pPr>
+            <a:lvl7pPr marL="2971800" indent="-228600" algn="l" defTabSz="914400" rtl="0" eaLnBrk="1" latinLnBrk="0" hangingPunct="1">
+              <a:lnSpc>
+                <a:spcPct val="90000"/>
+              </a:lnSpc>
+              <a:spcBef>
+                <a:spcPts val="500"/>
+              </a:spcBef>
+              <a:buFont typeface="Arial" panose="020B0604020202020204" pitchFamily="34" charset="0"/>
+              <a:buChar char="•"/>
+              <a:defRPr sz="1800" kern="1200">
+                <a:solidFill>
+                  <a:schemeClr val="tx1"/>
+                </a:solidFill>
+                <a:latin typeface="+mn-lt"/>
+                <a:ea typeface="+mn-ea"/>
+                <a:cs typeface="+mn-cs"/>
+              </a:defRPr>
+            </a:lvl7pPr>
+            <a:lvl8pPr marL="3429000" indent="-228600" algn="l" defTabSz="914400" rtl="0" eaLnBrk="1" latinLnBrk="0" hangingPunct="1">
+              <a:lnSpc>
+                <a:spcPct val="90000"/>
+              </a:lnSpc>
+              <a:spcBef>
+                <a:spcPts val="500"/>
+              </a:spcBef>
+              <a:buFont typeface="Arial" panose="020B0604020202020204" pitchFamily="34" charset="0"/>
+              <a:buChar char="•"/>
+              <a:defRPr sz="1800" kern="1200">
+                <a:solidFill>
+                  <a:schemeClr val="tx1"/>
+                </a:solidFill>
+                <a:latin typeface="+mn-lt"/>
+                <a:ea typeface="+mn-ea"/>
+                <a:cs typeface="+mn-cs"/>
+              </a:defRPr>
+            </a:lvl8pPr>
+            <a:lvl9pPr marL="3886200" indent="-228600" algn="l" defTabSz="914400" rtl="0" eaLnBrk="1" latinLnBrk="0" hangingPunct="1">
+              <a:lnSpc>
+                <a:spcPct val="90000"/>
+              </a:lnSpc>
+              <a:spcBef>
+                <a:spcPts val="500"/>
+              </a:spcBef>
+              <a:buFont typeface="Arial" panose="020B0604020202020204" pitchFamily="34" charset="0"/>
+              <a:buChar char="•"/>
+              <a:defRPr sz="1800" kern="1200">
+                <a:solidFill>
+                  <a:schemeClr val="tx1"/>
+                </a:solidFill>
+                <a:latin typeface="+mn-lt"/>
+                <a:ea typeface="+mn-ea"/>
+                <a:cs typeface="+mn-cs"/>
+              </a:defRPr>
+            </a:lvl9pPr>
+          </a:lstStyle>
+          <a:p>
+            <a:pPr marL="0" indent="0">
+              <a:buNone/>
+            </a:pPr>
+            <a:r>
+              <a:rPr lang="en-US" dirty="0"/>
+              <a:t>We need to add </a:t>
+            </a:r>
+            <a:r>
+              <a:rPr lang="en-US" b="1" dirty="0"/>
+              <a:t>costumer account balance</a:t>
+            </a:r>
+            <a:r>
+              <a:rPr lang="en-US" dirty="0"/>
+              <a:t> feature that have greater impact to the model because before someone decide to take/buy a deposit, they surely will check their account balance first to see if they have enough money or not </a:t>
+            </a:r>
+          </a:p>
+        </p:txBody>
+      </p:sp>
+    </p:spTree>
+    <p:extLst>
+      <p:ext uri="{BB962C8B-B14F-4D97-AF65-F5344CB8AC3E}">
+        <p14:creationId xmlns:p14="http://schemas.microsoft.com/office/powerpoint/2010/main" val="1013878431"/>
+      </p:ext>
+    </p:extLst>
+  </p:cSld>
+  <p:clrMapOvr>
+    <a:masterClrMapping/>
+  </p:clrMapOvr>
+</p:sld>
+</file>
+
+<file path=ppt/slides/slide59.xml><?xml version="1.0" encoding="utf-8"?>
 <p:sld xmlns:a="http://schemas.openxmlformats.org/drawingml/2006/main" xmlns:r="http://schemas.openxmlformats.org/officeDocument/2006/relationships" xmlns:p="http://schemas.openxmlformats.org/presentationml/2006/main">
   <p:cSld>
     <p:spTree>
@@ -38431,6 +38004,106 @@
           </a:p>
         </p:txBody>
       </p:sp>
+      <p:sp>
+        <p:nvSpPr>
+          <p:cNvPr id="9" name="Rectangle 8">
+            <a:extLst>
+              <a:ext uri="{FF2B5EF4-FFF2-40B4-BE49-F238E27FC236}">
+                <a16:creationId xmlns:a16="http://schemas.microsoft.com/office/drawing/2014/main" id="{B433FADD-FDAB-4EB9-B99C-2780887C36DF}"/>
+              </a:ext>
+            </a:extLst>
+          </p:cNvPr>
+          <p:cNvSpPr/>
+          <p:nvPr/>
+        </p:nvSpPr>
+        <p:spPr>
+          <a:xfrm>
+            <a:off x="4529960" y="3965975"/>
+            <a:ext cx="578069" cy="336331"/>
+          </a:xfrm>
+          <a:prstGeom prst="rect">
+            <a:avLst/>
+          </a:prstGeom>
+          <a:noFill/>
+          <a:ln w="57150">
+            <a:solidFill>
+              <a:srgbClr val="00B050"/>
+            </a:solidFill>
+          </a:ln>
+        </p:spPr>
+        <p:style>
+          <a:lnRef idx="2">
+            <a:schemeClr val="accent6"/>
+          </a:lnRef>
+          <a:fillRef idx="1">
+            <a:schemeClr val="lt1"/>
+          </a:fillRef>
+          <a:effectRef idx="0">
+            <a:schemeClr val="accent6"/>
+          </a:effectRef>
+          <a:fontRef idx="minor">
+            <a:schemeClr val="dk1"/>
+          </a:fontRef>
+        </p:style>
+        <p:txBody>
+          <a:bodyPr rtlCol="0" anchor="ctr"/>
+          <a:lstStyle/>
+          <a:p>
+            <a:pPr algn="ctr"/>
+            <a:endParaRPr lang="en-US"/>
+          </a:p>
+        </p:txBody>
+      </p:sp>
+      <p:sp>
+        <p:nvSpPr>
+          <p:cNvPr id="12" name="Rectangle 11">
+            <a:extLst>
+              <a:ext uri="{FF2B5EF4-FFF2-40B4-BE49-F238E27FC236}">
+                <a16:creationId xmlns:a16="http://schemas.microsoft.com/office/drawing/2014/main" id="{BDE147A5-938F-4DE1-85B6-DFFEEFBAFD5B}"/>
+              </a:ext>
+            </a:extLst>
+          </p:cNvPr>
+          <p:cNvSpPr/>
+          <p:nvPr/>
+        </p:nvSpPr>
+        <p:spPr>
+          <a:xfrm>
+            <a:off x="3817882" y="4505765"/>
+            <a:ext cx="578069" cy="336331"/>
+          </a:xfrm>
+          <a:prstGeom prst="rect">
+            <a:avLst/>
+          </a:prstGeom>
+          <a:noFill/>
+          <a:ln w="57150">
+            <a:solidFill>
+              <a:srgbClr val="FF0000"/>
+            </a:solidFill>
+          </a:ln>
+        </p:spPr>
+        <p:style>
+          <a:lnRef idx="2">
+            <a:schemeClr val="accent6"/>
+          </a:lnRef>
+          <a:fillRef idx="1">
+            <a:schemeClr val="lt1"/>
+          </a:fillRef>
+          <a:effectRef idx="0">
+            <a:schemeClr val="accent6"/>
+          </a:effectRef>
+          <a:fontRef idx="minor">
+            <a:schemeClr val="dk1"/>
+          </a:fontRef>
+        </p:style>
+        <p:txBody>
+          <a:bodyPr rtlCol="0" anchor="ctr"/>
+          <a:lstStyle/>
+          <a:p>
+            <a:pPr algn="ctr"/>
+            <a:endParaRPr lang="en-US"/>
+          </a:p>
+        </p:txBody>
+      </p:sp>
     </p:spTree>
     <p:extLst>
       <p:ext uri="{BB962C8B-B14F-4D97-AF65-F5344CB8AC3E}">
@@ -38444,7 +38117,7 @@
 </p:sld>
 </file>
 
-<file path=ppt/slides/slide59.xml><?xml version="1.0" encoding="utf-8"?>
+<file path=ppt/slides/slide6.xml><?xml version="1.0" encoding="utf-8"?>
 <p:sld xmlns:a="http://schemas.openxmlformats.org/drawingml/2006/main" xmlns:r="http://schemas.openxmlformats.org/officeDocument/2006/relationships" xmlns:p="http://schemas.openxmlformats.org/presentationml/2006/main">
   <p:cSld>
     <p:spTree>
@@ -38484,7 +38157,130 @@
           <a:p>
             <a:r>
               <a:rPr lang="en-US" dirty="0"/>
-              <a:t>Suggestion</a:t>
+              <a:t>Scenario</a:t>
+            </a:r>
+          </a:p>
+        </p:txBody>
+      </p:sp>
+      <p:sp>
+        <p:nvSpPr>
+          <p:cNvPr id="3" name="Content Placeholder 2">
+            <a:extLst>
+              <a:ext uri="{FF2B5EF4-FFF2-40B4-BE49-F238E27FC236}">
+                <a16:creationId xmlns:a16="http://schemas.microsoft.com/office/drawing/2014/main" id="{6454B748-3B9E-49AD-A4D5-FC6C95CAE875}"/>
+              </a:ext>
+            </a:extLst>
+          </p:cNvPr>
+          <p:cNvSpPr>
+            <a:spLocks noGrp="1"/>
+          </p:cNvSpPr>
+          <p:nvPr>
+            <p:ph idx="1"/>
+          </p:nvPr>
+        </p:nvSpPr>
+        <p:spPr/>
+        <p:txBody>
+          <a:bodyPr>
+            <a:normAutofit/>
+          </a:bodyPr>
+          <a:lstStyle/>
+          <a:p>
+            <a:pPr>
+              <a:buFontTx/>
+              <a:buChar char="-"/>
+            </a:pPr>
+            <a:r>
+              <a:rPr lang="en-US" dirty="0"/>
+              <a:t>We are data scientist team working at XYZ Bank in Portugal</a:t>
+            </a:r>
+          </a:p>
+          <a:p>
+            <a:pPr>
+              <a:buFontTx/>
+              <a:buChar char="-"/>
+            </a:pPr>
+            <a:r>
+              <a:rPr lang="en-US" dirty="0"/>
+              <a:t>The business development team came to us and told us that they needed improvement on marketing campaign result because the result was not good enough compared to the cost</a:t>
+            </a:r>
+          </a:p>
+          <a:p>
+            <a:pPr>
+              <a:buFontTx/>
+              <a:buChar char="-"/>
+            </a:pPr>
+            <a:r>
+              <a:rPr lang="en-US" dirty="0"/>
+              <a:t>They are asking if we can propose solutions to either reduce the cost or increase the income generated or both</a:t>
+            </a:r>
+          </a:p>
+          <a:p>
+            <a:pPr>
+              <a:buFontTx/>
+              <a:buChar char="-"/>
+            </a:pPr>
+            <a:r>
+              <a:rPr lang="en-ID" dirty="0"/>
+              <a:t>They gave us customer dataset used at the recent campaign which consist of the bank’s customer data</a:t>
+            </a:r>
+            <a:endParaRPr lang="en-US" dirty="0"/>
+          </a:p>
+        </p:txBody>
+      </p:sp>
+    </p:spTree>
+    <p:extLst>
+      <p:ext uri="{BB962C8B-B14F-4D97-AF65-F5344CB8AC3E}">
+        <p14:creationId xmlns:p14="http://schemas.microsoft.com/office/powerpoint/2010/main" val="2956074595"/>
+      </p:ext>
+    </p:extLst>
+  </p:cSld>
+  <p:clrMapOvr>
+    <a:masterClrMapping/>
+  </p:clrMapOvr>
+</p:sld>
+</file>
+
+<file path=ppt/slides/slide60.xml><?xml version="1.0" encoding="utf-8"?>
+<p:sld xmlns:a="http://schemas.openxmlformats.org/drawingml/2006/main" xmlns:r="http://schemas.openxmlformats.org/officeDocument/2006/relationships" xmlns:p="http://schemas.openxmlformats.org/presentationml/2006/main">
+  <p:cSld>
+    <p:spTree>
+      <p:nvGrpSpPr>
+        <p:cNvPr id="1" name=""/>
+        <p:cNvGrpSpPr/>
+        <p:nvPr/>
+      </p:nvGrpSpPr>
+      <p:grpSpPr>
+        <a:xfrm>
+          <a:off x="0" y="0"/>
+          <a:ext cx="0" cy="0"/>
+          <a:chOff x="0" y="0"/>
+          <a:chExt cx="0" cy="0"/>
+        </a:xfrm>
+      </p:grpSpPr>
+      <p:sp>
+        <p:nvSpPr>
+          <p:cNvPr id="2" name="Title 1">
+            <a:extLst>
+              <a:ext uri="{FF2B5EF4-FFF2-40B4-BE49-F238E27FC236}">
+                <a16:creationId xmlns:a16="http://schemas.microsoft.com/office/drawing/2014/main" id="{84EEC1A3-E984-4881-B54A-F1C5E73F7696}"/>
+              </a:ext>
+            </a:extLst>
+          </p:cNvPr>
+          <p:cNvSpPr>
+            <a:spLocks noGrp="1"/>
+          </p:cNvSpPr>
+          <p:nvPr>
+            <p:ph type="title"/>
+          </p:nvPr>
+        </p:nvSpPr>
+        <p:spPr/>
+        <p:txBody>
+          <a:bodyPr/>
+          <a:lstStyle/>
+          <a:p>
+            <a:r>
+              <a:rPr lang="en-US" dirty="0"/>
+              <a:t>Prediction</a:t>
             </a:r>
           </a:p>
         </p:txBody>
@@ -38494,7 +38290,7 @@
           <p:cNvPr id="7" name="Content Placeholder 2">
             <a:extLst>
               <a:ext uri="{FF2B5EF4-FFF2-40B4-BE49-F238E27FC236}">
-                <a16:creationId xmlns:a16="http://schemas.microsoft.com/office/drawing/2014/main" id="{FA24ED2C-CA35-4278-A00D-97A536FEA09E}"/>
+                <a16:creationId xmlns:a16="http://schemas.microsoft.com/office/drawing/2014/main" id="{4AF9DF7A-383B-449E-B763-E9903F3B4FAB}"/>
               </a:ext>
             </a:extLst>
           </p:cNvPr>
@@ -38506,7 +38302,7 @@
         <p:spPr>
           <a:xfrm>
             <a:off x="838200" y="1690688"/>
-            <a:ext cx="10515600" cy="1738312"/>
+            <a:ext cx="4143703" cy="1249218"/>
           </a:xfrm>
           <a:prstGeom prst="rect">
             <a:avLst/>
@@ -38685,32 +38481,786 @@
               <a:buNone/>
             </a:pPr>
             <a:r>
-              <a:rPr lang="en-US" dirty="0"/>
-              <a:t>We need to add </a:t>
-            </a:r>
-            <a:r>
-              <a:rPr lang="en-US" b="1" dirty="0"/>
-              <a:t>costumer account balance</a:t>
-            </a:r>
-            <a:r>
-              <a:rPr lang="en-US" dirty="0"/>
-              <a:t> feature that have greater impact to the model because before someone decide to take/buy a deposit, they surely </a:t>
-            </a:r>
-            <a:r>
-              <a:rPr lang="en-US" dirty="0" err="1"/>
-              <a:t>gonna</a:t>
-            </a:r>
-            <a:r>
-              <a:rPr lang="en-US" dirty="0"/>
-              <a:t> check their account balance first to see if they have enough money or not </a:t>
+              <a:rPr lang="en-US" dirty="0">
+                <a:sym typeface="Wingdings" panose="05000000000000000000" pitchFamily="2" charset="2"/>
+              </a:rPr>
+              <a:t>False Positive : 548</a:t>
+            </a:r>
+          </a:p>
+          <a:p>
+            <a:pPr marL="0" indent="0">
+              <a:buNone/>
+            </a:pPr>
+            <a:r>
+              <a:rPr lang="en-US" dirty="0">
+                <a:sym typeface="Wingdings" panose="05000000000000000000" pitchFamily="2" charset="2"/>
+              </a:rPr>
+              <a:t>False Negative : </a:t>
+            </a:r>
+            <a:r>
+              <a:rPr lang="en-US" dirty="0">
+                <a:solidFill>
+                  <a:srgbClr val="FF0000"/>
+                </a:solidFill>
+                <a:sym typeface="Wingdings" panose="05000000000000000000" pitchFamily="2" charset="2"/>
+              </a:rPr>
+              <a:t>3673</a:t>
             </a:r>
           </a:p>
         </p:txBody>
       </p:sp>
+      <p:sp>
+        <p:nvSpPr>
+          <p:cNvPr id="13" name="Content Placeholder 2">
+            <a:extLst>
+              <a:ext uri="{FF2B5EF4-FFF2-40B4-BE49-F238E27FC236}">
+                <a16:creationId xmlns:a16="http://schemas.microsoft.com/office/drawing/2014/main" id="{EA80D9FD-086A-4303-91D7-E39C10EF39D0}"/>
+              </a:ext>
+            </a:extLst>
+          </p:cNvPr>
+          <p:cNvSpPr txBox="1">
+            <a:spLocks/>
+          </p:cNvSpPr>
+          <p:nvPr/>
+        </p:nvSpPr>
+        <p:spPr>
+          <a:xfrm>
+            <a:off x="838200" y="3016251"/>
+            <a:ext cx="10323786" cy="1030232"/>
+          </a:xfrm>
+          <a:prstGeom prst="rect">
+            <a:avLst/>
+          </a:prstGeom>
+        </p:spPr>
+        <p:txBody>
+          <a:bodyPr vert="horz" lIns="91440" tIns="45720" rIns="91440" bIns="45720" rtlCol="0">
+            <a:normAutofit/>
+          </a:bodyPr>
+          <a:lstStyle>
+            <a:lvl1pPr marL="228600" indent="-228600" algn="l" defTabSz="914400" rtl="0" eaLnBrk="1" latinLnBrk="0" hangingPunct="1">
+              <a:lnSpc>
+                <a:spcPct val="90000"/>
+              </a:lnSpc>
+              <a:spcBef>
+                <a:spcPts val="1000"/>
+              </a:spcBef>
+              <a:buFont typeface="Arial" panose="020B0604020202020204" pitchFamily="34" charset="0"/>
+              <a:buChar char="•"/>
+              <a:defRPr sz="2800" kern="1200">
+                <a:solidFill>
+                  <a:schemeClr val="tx1"/>
+                </a:solidFill>
+                <a:latin typeface="+mn-lt"/>
+                <a:ea typeface="+mn-ea"/>
+                <a:cs typeface="+mn-cs"/>
+              </a:defRPr>
+            </a:lvl1pPr>
+            <a:lvl2pPr marL="685800" indent="-228600" algn="l" defTabSz="914400" rtl="0" eaLnBrk="1" latinLnBrk="0" hangingPunct="1">
+              <a:lnSpc>
+                <a:spcPct val="90000"/>
+              </a:lnSpc>
+              <a:spcBef>
+                <a:spcPts val="500"/>
+              </a:spcBef>
+              <a:buFont typeface="Arial" panose="020B0604020202020204" pitchFamily="34" charset="0"/>
+              <a:buChar char="•"/>
+              <a:defRPr sz="2400" kern="1200">
+                <a:solidFill>
+                  <a:schemeClr val="tx1"/>
+                </a:solidFill>
+                <a:latin typeface="+mn-lt"/>
+                <a:ea typeface="+mn-ea"/>
+                <a:cs typeface="+mn-cs"/>
+              </a:defRPr>
+            </a:lvl2pPr>
+            <a:lvl3pPr marL="1143000" indent="-228600" algn="l" defTabSz="914400" rtl="0" eaLnBrk="1" latinLnBrk="0" hangingPunct="1">
+              <a:lnSpc>
+                <a:spcPct val="90000"/>
+              </a:lnSpc>
+              <a:spcBef>
+                <a:spcPts val="500"/>
+              </a:spcBef>
+              <a:buFont typeface="Arial" panose="020B0604020202020204" pitchFamily="34" charset="0"/>
+              <a:buChar char="•"/>
+              <a:defRPr sz="2000" kern="1200">
+                <a:solidFill>
+                  <a:schemeClr val="tx1"/>
+                </a:solidFill>
+                <a:latin typeface="+mn-lt"/>
+                <a:ea typeface="+mn-ea"/>
+                <a:cs typeface="+mn-cs"/>
+              </a:defRPr>
+            </a:lvl3pPr>
+            <a:lvl4pPr marL="1600200" indent="-228600" algn="l" defTabSz="914400" rtl="0" eaLnBrk="1" latinLnBrk="0" hangingPunct="1">
+              <a:lnSpc>
+                <a:spcPct val="90000"/>
+              </a:lnSpc>
+              <a:spcBef>
+                <a:spcPts val="500"/>
+              </a:spcBef>
+              <a:buFont typeface="Arial" panose="020B0604020202020204" pitchFamily="34" charset="0"/>
+              <a:buChar char="•"/>
+              <a:defRPr sz="1800" kern="1200">
+                <a:solidFill>
+                  <a:schemeClr val="tx1"/>
+                </a:solidFill>
+                <a:latin typeface="+mn-lt"/>
+                <a:ea typeface="+mn-ea"/>
+                <a:cs typeface="+mn-cs"/>
+              </a:defRPr>
+            </a:lvl4pPr>
+            <a:lvl5pPr marL="2057400" indent="-228600" algn="l" defTabSz="914400" rtl="0" eaLnBrk="1" latinLnBrk="0" hangingPunct="1">
+              <a:lnSpc>
+                <a:spcPct val="90000"/>
+              </a:lnSpc>
+              <a:spcBef>
+                <a:spcPts val="500"/>
+              </a:spcBef>
+              <a:buFont typeface="Arial" panose="020B0604020202020204" pitchFamily="34" charset="0"/>
+              <a:buChar char="•"/>
+              <a:defRPr sz="1800" kern="1200">
+                <a:solidFill>
+                  <a:schemeClr val="tx1"/>
+                </a:solidFill>
+                <a:latin typeface="+mn-lt"/>
+                <a:ea typeface="+mn-ea"/>
+                <a:cs typeface="+mn-cs"/>
+              </a:defRPr>
+            </a:lvl5pPr>
+            <a:lvl6pPr marL="2514600" indent="-228600" algn="l" defTabSz="914400" rtl="0" eaLnBrk="1" latinLnBrk="0" hangingPunct="1">
+              <a:lnSpc>
+                <a:spcPct val="90000"/>
+              </a:lnSpc>
+              <a:spcBef>
+                <a:spcPts val="500"/>
+              </a:spcBef>
+              <a:buFont typeface="Arial" panose="020B0604020202020204" pitchFamily="34" charset="0"/>
+              <a:buChar char="•"/>
+              <a:defRPr sz="1800" kern="1200">
+                <a:solidFill>
+                  <a:schemeClr val="tx1"/>
+                </a:solidFill>
+                <a:latin typeface="+mn-lt"/>
+                <a:ea typeface="+mn-ea"/>
+                <a:cs typeface="+mn-cs"/>
+              </a:defRPr>
+            </a:lvl6pPr>
+            <a:lvl7pPr marL="2971800" indent="-228600" algn="l" defTabSz="914400" rtl="0" eaLnBrk="1" latinLnBrk="0" hangingPunct="1">
+              <a:lnSpc>
+                <a:spcPct val="90000"/>
+              </a:lnSpc>
+              <a:spcBef>
+                <a:spcPts val="500"/>
+              </a:spcBef>
+              <a:buFont typeface="Arial" panose="020B0604020202020204" pitchFamily="34" charset="0"/>
+              <a:buChar char="•"/>
+              <a:defRPr sz="1800" kern="1200">
+                <a:solidFill>
+                  <a:schemeClr val="tx1"/>
+                </a:solidFill>
+                <a:latin typeface="+mn-lt"/>
+                <a:ea typeface="+mn-ea"/>
+                <a:cs typeface="+mn-cs"/>
+              </a:defRPr>
+            </a:lvl7pPr>
+            <a:lvl8pPr marL="3429000" indent="-228600" algn="l" defTabSz="914400" rtl="0" eaLnBrk="1" latinLnBrk="0" hangingPunct="1">
+              <a:lnSpc>
+                <a:spcPct val="90000"/>
+              </a:lnSpc>
+              <a:spcBef>
+                <a:spcPts val="500"/>
+              </a:spcBef>
+              <a:buFont typeface="Arial" panose="020B0604020202020204" pitchFamily="34" charset="0"/>
+              <a:buChar char="•"/>
+              <a:defRPr sz="1800" kern="1200">
+                <a:solidFill>
+                  <a:schemeClr val="tx1"/>
+                </a:solidFill>
+                <a:latin typeface="+mn-lt"/>
+                <a:ea typeface="+mn-ea"/>
+                <a:cs typeface="+mn-cs"/>
+              </a:defRPr>
+            </a:lvl8pPr>
+            <a:lvl9pPr marL="3886200" indent="-228600" algn="l" defTabSz="914400" rtl="0" eaLnBrk="1" latinLnBrk="0" hangingPunct="1">
+              <a:lnSpc>
+                <a:spcPct val="90000"/>
+              </a:lnSpc>
+              <a:spcBef>
+                <a:spcPts val="500"/>
+              </a:spcBef>
+              <a:buFont typeface="Arial" panose="020B0604020202020204" pitchFamily="34" charset="0"/>
+              <a:buChar char="•"/>
+              <a:defRPr sz="1800" kern="1200">
+                <a:solidFill>
+                  <a:schemeClr val="tx1"/>
+                </a:solidFill>
+                <a:latin typeface="+mn-lt"/>
+                <a:ea typeface="+mn-ea"/>
+                <a:cs typeface="+mn-cs"/>
+              </a:defRPr>
+            </a:lvl9pPr>
+          </a:lstStyle>
+          <a:p>
+            <a:pPr marL="0" indent="0">
+              <a:buNone/>
+            </a:pPr>
+            <a:r>
+              <a:rPr lang="en-US" dirty="0">
+                <a:sym typeface="Wingdings" panose="05000000000000000000" pitchFamily="2" charset="2"/>
+              </a:rPr>
+              <a:t>High False negative  prediction 0 (no) but in actual 1 (yes)   Causing  </a:t>
+            </a:r>
+            <a:r>
+              <a:rPr lang="en-US" b="1" dirty="0">
+                <a:sym typeface="Wingdings" panose="05000000000000000000" pitchFamily="2" charset="2"/>
+              </a:rPr>
+              <a:t>High lose of potential customer </a:t>
+            </a:r>
+            <a:endParaRPr lang="en-US" b="1" dirty="0">
+              <a:solidFill>
+                <a:srgbClr val="FF0000"/>
+              </a:solidFill>
+              <a:sym typeface="Wingdings" panose="05000000000000000000" pitchFamily="2" charset="2"/>
+            </a:endParaRPr>
+          </a:p>
+        </p:txBody>
+      </p:sp>
+      <p:grpSp>
+        <p:nvGrpSpPr>
+          <p:cNvPr id="18" name="Group 17">
+            <a:extLst>
+              <a:ext uri="{FF2B5EF4-FFF2-40B4-BE49-F238E27FC236}">
+                <a16:creationId xmlns:a16="http://schemas.microsoft.com/office/drawing/2014/main" id="{F141FD68-10C3-442F-8D6E-087340EEA5CA}"/>
+              </a:ext>
+            </a:extLst>
+          </p:cNvPr>
+          <p:cNvGrpSpPr/>
+          <p:nvPr/>
+        </p:nvGrpSpPr>
+        <p:grpSpPr>
+          <a:xfrm>
+            <a:off x="2967858" y="4046483"/>
+            <a:ext cx="6064469" cy="2446392"/>
+            <a:chOff x="662152" y="4046483"/>
+            <a:chExt cx="6064469" cy="2446392"/>
+          </a:xfrm>
+        </p:grpSpPr>
+        <p:pic>
+          <p:nvPicPr>
+            <p:cNvPr id="14" name="Graphic 13" descr="Lightbulb and gear">
+              <a:extLst>
+                <a:ext uri="{FF2B5EF4-FFF2-40B4-BE49-F238E27FC236}">
+                  <a16:creationId xmlns:a16="http://schemas.microsoft.com/office/drawing/2014/main" id="{42A6BB7C-6AB0-4939-A0C3-AC877CED2F57}"/>
+                </a:ext>
+              </a:extLst>
+            </p:cNvPr>
+            <p:cNvPicPr>
+              <a:picLocks noChangeAspect="1"/>
+            </p:cNvPicPr>
+            <p:nvPr/>
+          </p:nvPicPr>
+          <p:blipFill>
+            <a:blip r:embed="rId2">
+              <a:extLst>
+                <a:ext uri="{28A0092B-C50C-407E-A947-70E740481C1C}">
+                  <a14:useLocalDpi xmlns:a14="http://schemas.microsoft.com/office/drawing/2010/main" val="0"/>
+                </a:ext>
+                <a:ext uri="{96DAC541-7B7A-43D3-8B79-37D633B846F1}">
+                  <asvg:svgBlip xmlns:asvg="http://schemas.microsoft.com/office/drawing/2016/SVG/main" r:embed="rId3"/>
+                </a:ext>
+              </a:extLst>
+            </a:blip>
+            <a:stretch>
+              <a:fillRect/>
+            </a:stretch>
+          </p:blipFill>
+          <p:spPr>
+            <a:xfrm>
+              <a:off x="838200" y="4265469"/>
+              <a:ext cx="1564782" cy="1564782"/>
+            </a:xfrm>
+            <a:prstGeom prst="rect">
+              <a:avLst/>
+            </a:prstGeom>
+          </p:spPr>
+        </p:pic>
+        <p:sp>
+          <p:nvSpPr>
+            <p:cNvPr id="15" name="Content Placeholder 2">
+              <a:extLst>
+                <a:ext uri="{FF2B5EF4-FFF2-40B4-BE49-F238E27FC236}">
+                  <a16:creationId xmlns:a16="http://schemas.microsoft.com/office/drawing/2014/main" id="{C2F2ED08-50AF-489D-86DD-4EFE9A435E8F}"/>
+                </a:ext>
+              </a:extLst>
+            </p:cNvPr>
+            <p:cNvSpPr txBox="1">
+              <a:spLocks/>
+            </p:cNvSpPr>
+            <p:nvPr/>
+          </p:nvSpPr>
+          <p:spPr>
+            <a:xfrm>
+              <a:off x="2402982" y="4265469"/>
+              <a:ext cx="2472558" cy="624609"/>
+            </a:xfrm>
+            <a:prstGeom prst="rect">
+              <a:avLst/>
+            </a:prstGeom>
+          </p:spPr>
+          <p:txBody>
+            <a:bodyPr vert="horz" lIns="91440" tIns="45720" rIns="91440" bIns="45720" rtlCol="0">
+              <a:normAutofit lnSpcReduction="10000"/>
+            </a:bodyPr>
+            <a:lstStyle>
+              <a:lvl1pPr marL="228600" indent="-228600" algn="l" defTabSz="914400" rtl="0" eaLnBrk="1" latinLnBrk="0" hangingPunct="1">
+                <a:lnSpc>
+                  <a:spcPct val="90000"/>
+                </a:lnSpc>
+                <a:spcBef>
+                  <a:spcPts val="1000"/>
+                </a:spcBef>
+                <a:buFont typeface="Arial" panose="020B0604020202020204" pitchFamily="34" charset="0"/>
+                <a:buChar char="•"/>
+                <a:defRPr sz="2800" kern="1200">
+                  <a:solidFill>
+                    <a:schemeClr val="tx1"/>
+                  </a:solidFill>
+                  <a:latin typeface="+mn-lt"/>
+                  <a:ea typeface="+mn-ea"/>
+                  <a:cs typeface="+mn-cs"/>
+                </a:defRPr>
+              </a:lvl1pPr>
+              <a:lvl2pPr marL="685800" indent="-228600" algn="l" defTabSz="914400" rtl="0" eaLnBrk="1" latinLnBrk="0" hangingPunct="1">
+                <a:lnSpc>
+                  <a:spcPct val="90000"/>
+                </a:lnSpc>
+                <a:spcBef>
+                  <a:spcPts val="500"/>
+                </a:spcBef>
+                <a:buFont typeface="Arial" panose="020B0604020202020204" pitchFamily="34" charset="0"/>
+                <a:buChar char="•"/>
+                <a:defRPr sz="2400" kern="1200">
+                  <a:solidFill>
+                    <a:schemeClr val="tx1"/>
+                  </a:solidFill>
+                  <a:latin typeface="+mn-lt"/>
+                  <a:ea typeface="+mn-ea"/>
+                  <a:cs typeface="+mn-cs"/>
+                </a:defRPr>
+              </a:lvl2pPr>
+              <a:lvl3pPr marL="1143000" indent="-228600" algn="l" defTabSz="914400" rtl="0" eaLnBrk="1" latinLnBrk="0" hangingPunct="1">
+                <a:lnSpc>
+                  <a:spcPct val="90000"/>
+                </a:lnSpc>
+                <a:spcBef>
+                  <a:spcPts val="500"/>
+                </a:spcBef>
+                <a:buFont typeface="Arial" panose="020B0604020202020204" pitchFamily="34" charset="0"/>
+                <a:buChar char="•"/>
+                <a:defRPr sz="2000" kern="1200">
+                  <a:solidFill>
+                    <a:schemeClr val="tx1"/>
+                  </a:solidFill>
+                  <a:latin typeface="+mn-lt"/>
+                  <a:ea typeface="+mn-ea"/>
+                  <a:cs typeface="+mn-cs"/>
+                </a:defRPr>
+              </a:lvl3pPr>
+              <a:lvl4pPr marL="1600200" indent="-228600" algn="l" defTabSz="914400" rtl="0" eaLnBrk="1" latinLnBrk="0" hangingPunct="1">
+                <a:lnSpc>
+                  <a:spcPct val="90000"/>
+                </a:lnSpc>
+                <a:spcBef>
+                  <a:spcPts val="500"/>
+                </a:spcBef>
+                <a:buFont typeface="Arial" panose="020B0604020202020204" pitchFamily="34" charset="0"/>
+                <a:buChar char="•"/>
+                <a:defRPr sz="1800" kern="1200">
+                  <a:solidFill>
+                    <a:schemeClr val="tx1"/>
+                  </a:solidFill>
+                  <a:latin typeface="+mn-lt"/>
+                  <a:ea typeface="+mn-ea"/>
+                  <a:cs typeface="+mn-cs"/>
+                </a:defRPr>
+              </a:lvl4pPr>
+              <a:lvl5pPr marL="2057400" indent="-228600" algn="l" defTabSz="914400" rtl="0" eaLnBrk="1" latinLnBrk="0" hangingPunct="1">
+                <a:lnSpc>
+                  <a:spcPct val="90000"/>
+                </a:lnSpc>
+                <a:spcBef>
+                  <a:spcPts val="500"/>
+                </a:spcBef>
+                <a:buFont typeface="Arial" panose="020B0604020202020204" pitchFamily="34" charset="0"/>
+                <a:buChar char="•"/>
+                <a:defRPr sz="1800" kern="1200">
+                  <a:solidFill>
+                    <a:schemeClr val="tx1"/>
+                  </a:solidFill>
+                  <a:latin typeface="+mn-lt"/>
+                  <a:ea typeface="+mn-ea"/>
+                  <a:cs typeface="+mn-cs"/>
+                </a:defRPr>
+              </a:lvl5pPr>
+              <a:lvl6pPr marL="2514600" indent="-228600" algn="l" defTabSz="914400" rtl="0" eaLnBrk="1" latinLnBrk="0" hangingPunct="1">
+                <a:lnSpc>
+                  <a:spcPct val="90000"/>
+                </a:lnSpc>
+                <a:spcBef>
+                  <a:spcPts val="500"/>
+                </a:spcBef>
+                <a:buFont typeface="Arial" panose="020B0604020202020204" pitchFamily="34" charset="0"/>
+                <a:buChar char="•"/>
+                <a:defRPr sz="1800" kern="1200">
+                  <a:solidFill>
+                    <a:schemeClr val="tx1"/>
+                  </a:solidFill>
+                  <a:latin typeface="+mn-lt"/>
+                  <a:ea typeface="+mn-ea"/>
+                  <a:cs typeface="+mn-cs"/>
+                </a:defRPr>
+              </a:lvl6pPr>
+              <a:lvl7pPr marL="2971800" indent="-228600" algn="l" defTabSz="914400" rtl="0" eaLnBrk="1" latinLnBrk="0" hangingPunct="1">
+                <a:lnSpc>
+                  <a:spcPct val="90000"/>
+                </a:lnSpc>
+                <a:spcBef>
+                  <a:spcPts val="500"/>
+                </a:spcBef>
+                <a:buFont typeface="Arial" panose="020B0604020202020204" pitchFamily="34" charset="0"/>
+                <a:buChar char="•"/>
+                <a:defRPr sz="1800" kern="1200">
+                  <a:solidFill>
+                    <a:schemeClr val="tx1"/>
+                  </a:solidFill>
+                  <a:latin typeface="+mn-lt"/>
+                  <a:ea typeface="+mn-ea"/>
+                  <a:cs typeface="+mn-cs"/>
+                </a:defRPr>
+              </a:lvl7pPr>
+              <a:lvl8pPr marL="3429000" indent="-228600" algn="l" defTabSz="914400" rtl="0" eaLnBrk="1" latinLnBrk="0" hangingPunct="1">
+                <a:lnSpc>
+                  <a:spcPct val="90000"/>
+                </a:lnSpc>
+                <a:spcBef>
+                  <a:spcPts val="500"/>
+                </a:spcBef>
+                <a:buFont typeface="Arial" panose="020B0604020202020204" pitchFamily="34" charset="0"/>
+                <a:buChar char="•"/>
+                <a:defRPr sz="1800" kern="1200">
+                  <a:solidFill>
+                    <a:schemeClr val="tx1"/>
+                  </a:solidFill>
+                  <a:latin typeface="+mn-lt"/>
+                  <a:ea typeface="+mn-ea"/>
+                  <a:cs typeface="+mn-cs"/>
+                </a:defRPr>
+              </a:lvl8pPr>
+              <a:lvl9pPr marL="3886200" indent="-228600" algn="l" defTabSz="914400" rtl="0" eaLnBrk="1" latinLnBrk="0" hangingPunct="1">
+                <a:lnSpc>
+                  <a:spcPct val="90000"/>
+                </a:lnSpc>
+                <a:spcBef>
+                  <a:spcPts val="500"/>
+                </a:spcBef>
+                <a:buFont typeface="Arial" panose="020B0604020202020204" pitchFamily="34" charset="0"/>
+                <a:buChar char="•"/>
+                <a:defRPr sz="1800" kern="1200">
+                  <a:solidFill>
+                    <a:schemeClr val="tx1"/>
+                  </a:solidFill>
+                  <a:latin typeface="+mn-lt"/>
+                  <a:ea typeface="+mn-ea"/>
+                  <a:cs typeface="+mn-cs"/>
+                </a:defRPr>
+              </a:lvl9pPr>
+            </a:lstStyle>
+            <a:p>
+              <a:pPr marL="0" indent="0">
+                <a:buNone/>
+              </a:pPr>
+              <a:r>
+                <a:rPr lang="en-US" sz="4000" dirty="0">
+                  <a:sym typeface="Wingdings" panose="05000000000000000000" pitchFamily="2" charset="2"/>
+                </a:rPr>
+                <a:t>SOLUTION </a:t>
+              </a:r>
+              <a:endParaRPr lang="en-US" sz="4000" dirty="0">
+                <a:solidFill>
+                  <a:srgbClr val="FF0000"/>
+                </a:solidFill>
+                <a:sym typeface="Wingdings" panose="05000000000000000000" pitchFamily="2" charset="2"/>
+              </a:endParaRPr>
+            </a:p>
+          </p:txBody>
+        </p:sp>
+        <p:sp>
+          <p:nvSpPr>
+            <p:cNvPr id="16" name="Content Placeholder 2">
+              <a:extLst>
+                <a:ext uri="{FF2B5EF4-FFF2-40B4-BE49-F238E27FC236}">
+                  <a16:creationId xmlns:a16="http://schemas.microsoft.com/office/drawing/2014/main" id="{11F5029A-3D8C-4E3A-B9CB-D980837BAC80}"/>
+                </a:ext>
+              </a:extLst>
+            </p:cNvPr>
+            <p:cNvSpPr txBox="1">
+              <a:spLocks/>
+            </p:cNvSpPr>
+            <p:nvPr/>
+          </p:nvSpPr>
+          <p:spPr>
+            <a:xfrm>
+              <a:off x="2402981" y="5047860"/>
+              <a:ext cx="4092411" cy="624609"/>
+            </a:xfrm>
+            <a:prstGeom prst="rect">
+              <a:avLst/>
+            </a:prstGeom>
+          </p:spPr>
+          <p:txBody>
+            <a:bodyPr vert="horz" lIns="91440" tIns="45720" rIns="91440" bIns="45720" rtlCol="0">
+              <a:normAutofit fontScale="92500"/>
+            </a:bodyPr>
+            <a:lstStyle>
+              <a:lvl1pPr marL="228600" indent="-228600" algn="l" defTabSz="914400" rtl="0" eaLnBrk="1" latinLnBrk="0" hangingPunct="1">
+                <a:lnSpc>
+                  <a:spcPct val="90000"/>
+                </a:lnSpc>
+                <a:spcBef>
+                  <a:spcPts val="1000"/>
+                </a:spcBef>
+                <a:buFont typeface="Arial" panose="020B0604020202020204" pitchFamily="34" charset="0"/>
+                <a:buChar char="•"/>
+                <a:defRPr sz="2800" kern="1200">
+                  <a:solidFill>
+                    <a:schemeClr val="tx1"/>
+                  </a:solidFill>
+                  <a:latin typeface="+mn-lt"/>
+                  <a:ea typeface="+mn-ea"/>
+                  <a:cs typeface="+mn-cs"/>
+                </a:defRPr>
+              </a:lvl1pPr>
+              <a:lvl2pPr marL="685800" indent="-228600" algn="l" defTabSz="914400" rtl="0" eaLnBrk="1" latinLnBrk="0" hangingPunct="1">
+                <a:lnSpc>
+                  <a:spcPct val="90000"/>
+                </a:lnSpc>
+                <a:spcBef>
+                  <a:spcPts val="500"/>
+                </a:spcBef>
+                <a:buFont typeface="Arial" panose="020B0604020202020204" pitchFamily="34" charset="0"/>
+                <a:buChar char="•"/>
+                <a:defRPr sz="2400" kern="1200">
+                  <a:solidFill>
+                    <a:schemeClr val="tx1"/>
+                  </a:solidFill>
+                  <a:latin typeface="+mn-lt"/>
+                  <a:ea typeface="+mn-ea"/>
+                  <a:cs typeface="+mn-cs"/>
+                </a:defRPr>
+              </a:lvl2pPr>
+              <a:lvl3pPr marL="1143000" indent="-228600" algn="l" defTabSz="914400" rtl="0" eaLnBrk="1" latinLnBrk="0" hangingPunct="1">
+                <a:lnSpc>
+                  <a:spcPct val="90000"/>
+                </a:lnSpc>
+                <a:spcBef>
+                  <a:spcPts val="500"/>
+                </a:spcBef>
+                <a:buFont typeface="Arial" panose="020B0604020202020204" pitchFamily="34" charset="0"/>
+                <a:buChar char="•"/>
+                <a:defRPr sz="2000" kern="1200">
+                  <a:solidFill>
+                    <a:schemeClr val="tx1"/>
+                  </a:solidFill>
+                  <a:latin typeface="+mn-lt"/>
+                  <a:ea typeface="+mn-ea"/>
+                  <a:cs typeface="+mn-cs"/>
+                </a:defRPr>
+              </a:lvl3pPr>
+              <a:lvl4pPr marL="1600200" indent="-228600" algn="l" defTabSz="914400" rtl="0" eaLnBrk="1" latinLnBrk="0" hangingPunct="1">
+                <a:lnSpc>
+                  <a:spcPct val="90000"/>
+                </a:lnSpc>
+                <a:spcBef>
+                  <a:spcPts val="500"/>
+                </a:spcBef>
+                <a:buFont typeface="Arial" panose="020B0604020202020204" pitchFamily="34" charset="0"/>
+                <a:buChar char="•"/>
+                <a:defRPr sz="1800" kern="1200">
+                  <a:solidFill>
+                    <a:schemeClr val="tx1"/>
+                  </a:solidFill>
+                  <a:latin typeface="+mn-lt"/>
+                  <a:ea typeface="+mn-ea"/>
+                  <a:cs typeface="+mn-cs"/>
+                </a:defRPr>
+              </a:lvl4pPr>
+              <a:lvl5pPr marL="2057400" indent="-228600" algn="l" defTabSz="914400" rtl="0" eaLnBrk="1" latinLnBrk="0" hangingPunct="1">
+                <a:lnSpc>
+                  <a:spcPct val="90000"/>
+                </a:lnSpc>
+                <a:spcBef>
+                  <a:spcPts val="500"/>
+                </a:spcBef>
+                <a:buFont typeface="Arial" panose="020B0604020202020204" pitchFamily="34" charset="0"/>
+                <a:buChar char="•"/>
+                <a:defRPr sz="1800" kern="1200">
+                  <a:solidFill>
+                    <a:schemeClr val="tx1"/>
+                  </a:solidFill>
+                  <a:latin typeface="+mn-lt"/>
+                  <a:ea typeface="+mn-ea"/>
+                  <a:cs typeface="+mn-cs"/>
+                </a:defRPr>
+              </a:lvl5pPr>
+              <a:lvl6pPr marL="2514600" indent="-228600" algn="l" defTabSz="914400" rtl="0" eaLnBrk="1" latinLnBrk="0" hangingPunct="1">
+                <a:lnSpc>
+                  <a:spcPct val="90000"/>
+                </a:lnSpc>
+                <a:spcBef>
+                  <a:spcPts val="500"/>
+                </a:spcBef>
+                <a:buFont typeface="Arial" panose="020B0604020202020204" pitchFamily="34" charset="0"/>
+                <a:buChar char="•"/>
+                <a:defRPr sz="1800" kern="1200">
+                  <a:solidFill>
+                    <a:schemeClr val="tx1"/>
+                  </a:solidFill>
+                  <a:latin typeface="+mn-lt"/>
+                  <a:ea typeface="+mn-ea"/>
+                  <a:cs typeface="+mn-cs"/>
+                </a:defRPr>
+              </a:lvl6pPr>
+              <a:lvl7pPr marL="2971800" indent="-228600" algn="l" defTabSz="914400" rtl="0" eaLnBrk="1" latinLnBrk="0" hangingPunct="1">
+                <a:lnSpc>
+                  <a:spcPct val="90000"/>
+                </a:lnSpc>
+                <a:spcBef>
+                  <a:spcPts val="500"/>
+                </a:spcBef>
+                <a:buFont typeface="Arial" panose="020B0604020202020204" pitchFamily="34" charset="0"/>
+                <a:buChar char="•"/>
+                <a:defRPr sz="1800" kern="1200">
+                  <a:solidFill>
+                    <a:schemeClr val="tx1"/>
+                  </a:solidFill>
+                  <a:latin typeface="+mn-lt"/>
+                  <a:ea typeface="+mn-ea"/>
+                  <a:cs typeface="+mn-cs"/>
+                </a:defRPr>
+              </a:lvl7pPr>
+              <a:lvl8pPr marL="3429000" indent="-228600" algn="l" defTabSz="914400" rtl="0" eaLnBrk="1" latinLnBrk="0" hangingPunct="1">
+                <a:lnSpc>
+                  <a:spcPct val="90000"/>
+                </a:lnSpc>
+                <a:spcBef>
+                  <a:spcPts val="500"/>
+                </a:spcBef>
+                <a:buFont typeface="Arial" panose="020B0604020202020204" pitchFamily="34" charset="0"/>
+                <a:buChar char="•"/>
+                <a:defRPr sz="1800" kern="1200">
+                  <a:solidFill>
+                    <a:schemeClr val="tx1"/>
+                  </a:solidFill>
+                  <a:latin typeface="+mn-lt"/>
+                  <a:ea typeface="+mn-ea"/>
+                  <a:cs typeface="+mn-cs"/>
+                </a:defRPr>
+              </a:lvl8pPr>
+              <a:lvl9pPr marL="3886200" indent="-228600" algn="l" defTabSz="914400" rtl="0" eaLnBrk="1" latinLnBrk="0" hangingPunct="1">
+                <a:lnSpc>
+                  <a:spcPct val="90000"/>
+                </a:lnSpc>
+                <a:spcBef>
+                  <a:spcPts val="500"/>
+                </a:spcBef>
+                <a:buFont typeface="Arial" panose="020B0604020202020204" pitchFamily="34" charset="0"/>
+                <a:buChar char="•"/>
+                <a:defRPr sz="1800" kern="1200">
+                  <a:solidFill>
+                    <a:schemeClr val="tx1"/>
+                  </a:solidFill>
+                  <a:latin typeface="+mn-lt"/>
+                  <a:ea typeface="+mn-ea"/>
+                  <a:cs typeface="+mn-cs"/>
+                </a:defRPr>
+              </a:lvl9pPr>
+            </a:lstStyle>
+            <a:p>
+              <a:pPr marL="0" indent="0">
+                <a:buNone/>
+              </a:pPr>
+              <a:r>
+                <a:rPr lang="en-US" sz="4000" b="1" u="sng" dirty="0">
+                  <a:sym typeface="Wingdings" panose="05000000000000000000" pitchFamily="2" charset="2"/>
+                </a:rPr>
+                <a:t>Predict Probability</a:t>
+              </a:r>
+              <a:endParaRPr lang="en-US" sz="4000" b="1" u="sng" dirty="0">
+                <a:solidFill>
+                  <a:srgbClr val="FF0000"/>
+                </a:solidFill>
+                <a:sym typeface="Wingdings" panose="05000000000000000000" pitchFamily="2" charset="2"/>
+              </a:endParaRPr>
+            </a:p>
+          </p:txBody>
+        </p:sp>
+        <p:sp>
+          <p:nvSpPr>
+            <p:cNvPr id="17" name="Rectangle 16">
+              <a:extLst>
+                <a:ext uri="{FF2B5EF4-FFF2-40B4-BE49-F238E27FC236}">
+                  <a16:creationId xmlns:a16="http://schemas.microsoft.com/office/drawing/2014/main" id="{7D462775-2591-4BD9-ADEB-24F5BEA7CB4B}"/>
+                </a:ext>
+              </a:extLst>
+            </p:cNvPr>
+            <p:cNvSpPr/>
+            <p:nvPr/>
+          </p:nvSpPr>
+          <p:spPr>
+            <a:xfrm>
+              <a:off x="662152" y="4046483"/>
+              <a:ext cx="6064469" cy="2446392"/>
+            </a:xfrm>
+            <a:prstGeom prst="rect">
+              <a:avLst/>
+            </a:prstGeom>
+            <a:noFill/>
+            <a:ln w="57150">
+              <a:solidFill>
+                <a:schemeClr val="tx1"/>
+              </a:solidFill>
+            </a:ln>
+          </p:spPr>
+          <p:style>
+            <a:lnRef idx="2">
+              <a:schemeClr val="accent1">
+                <a:shade val="50000"/>
+              </a:schemeClr>
+            </a:lnRef>
+            <a:fillRef idx="1">
+              <a:schemeClr val="accent1"/>
+            </a:fillRef>
+            <a:effectRef idx="0">
+              <a:schemeClr val="accent1"/>
+            </a:effectRef>
+            <a:fontRef idx="minor">
+              <a:schemeClr val="lt1"/>
+            </a:fontRef>
+          </p:style>
+          <p:txBody>
+            <a:bodyPr rtlCol="0" anchor="ctr"/>
+            <a:lstStyle/>
+            <a:p>
+              <a:pPr algn="ctr"/>
+              <a:endParaRPr lang="en-US"/>
+            </a:p>
+          </p:txBody>
+        </p:sp>
+      </p:grpSp>
     </p:spTree>
     <p:extLst>
       <p:ext uri="{BB962C8B-B14F-4D97-AF65-F5344CB8AC3E}">
-        <p14:creationId xmlns:p14="http://schemas.microsoft.com/office/powerpoint/2010/main" val="2370359084"/>
+        <p14:creationId xmlns:p14="http://schemas.microsoft.com/office/powerpoint/2010/main" val="176905408"/>
       </p:ext>
     </p:extLst>
   </p:cSld>
@@ -38720,7 +39270,7 @@
 </p:sld>
 </file>
 
-<file path=ppt/slides/slide6.xml><?xml version="1.0" encoding="utf-8"?>
+<file path=ppt/slides/slide61.xml><?xml version="1.0" encoding="utf-8"?>
 <p:sld xmlns:a="http://schemas.openxmlformats.org/drawingml/2006/main" xmlns:r="http://schemas.openxmlformats.org/officeDocument/2006/relationships" xmlns:p="http://schemas.openxmlformats.org/presentationml/2006/main">
   <p:cSld>
     <p:spTree>
@@ -38739,101 +39289,1487 @@
       </p:grpSpPr>
       <p:sp>
         <p:nvSpPr>
-          <p:cNvPr id="2" name="Title 1">
+          <p:cNvPr id="8" name="Rectangle 7">
             <a:extLst>
               <a:ext uri="{FF2B5EF4-FFF2-40B4-BE49-F238E27FC236}">
-                <a16:creationId xmlns:a16="http://schemas.microsoft.com/office/drawing/2014/main" id="{84EEC1A3-E984-4881-B54A-F1C5E73F7696}"/>
+                <a16:creationId xmlns:a16="http://schemas.microsoft.com/office/drawing/2014/main" id="{8515B476-9AE4-4AAD-AE67-BDA429550E09}"/>
               </a:ext>
             </a:extLst>
           </p:cNvPr>
-          <p:cNvSpPr>
-            <a:spLocks noGrp="1"/>
-          </p:cNvSpPr>
-          <p:nvPr>
-            <p:ph type="title"/>
-          </p:nvPr>
+          <p:cNvSpPr/>
+          <p:nvPr/>
         </p:nvSpPr>
-        <p:spPr/>
+        <p:spPr>
+          <a:xfrm>
+            <a:off x="9539183" y="2318357"/>
+            <a:ext cx="2429033" cy="3090588"/>
+          </a:xfrm>
+          <a:prstGeom prst="rect">
+            <a:avLst/>
+          </a:prstGeom>
+          <a:ln w="57150">
+            <a:solidFill>
+              <a:schemeClr val="tx1"/>
+            </a:solidFill>
+            <a:prstDash val="dashDot"/>
+          </a:ln>
+        </p:spPr>
+        <p:style>
+          <a:lnRef idx="2">
+            <a:schemeClr val="accent6"/>
+          </a:lnRef>
+          <a:fillRef idx="1">
+            <a:schemeClr val="lt1"/>
+          </a:fillRef>
+          <a:effectRef idx="0">
+            <a:schemeClr val="accent6"/>
+          </a:effectRef>
+          <a:fontRef idx="minor">
+            <a:schemeClr val="dk1"/>
+          </a:fontRef>
+        </p:style>
         <p:txBody>
-          <a:bodyPr/>
+          <a:bodyPr rtlCol="0" anchor="ctr"/>
           <a:lstStyle/>
           <a:p>
+            <a:pPr algn="ctr"/>
             <a:r>
               <a:rPr lang="en-US" dirty="0"/>
-              <a:t>Scenario</a:t>
+              <a:t>!!  INGAT  !!</a:t>
+            </a:r>
+          </a:p>
+          <a:p>
+            <a:pPr algn="ctr"/>
+            <a:r>
+              <a:rPr lang="en-US" dirty="0"/>
+              <a:t> </a:t>
+            </a:r>
+            <a:r>
+              <a:rPr lang="en-US" b="1" dirty="0" err="1"/>
+              <a:t>patokan</a:t>
+            </a:r>
+            <a:r>
+              <a:rPr lang="en-US" b="1" dirty="0"/>
+              <a:t> di 500 </a:t>
+            </a:r>
+            <a:r>
+              <a:rPr lang="en-US" b="1" dirty="0" err="1"/>
+              <a:t>jt</a:t>
+            </a:r>
+            <a:r>
+              <a:rPr lang="en-US" b="1" dirty="0"/>
+              <a:t> rupiah/ 30,000 euro</a:t>
+            </a:r>
+          </a:p>
+          <a:p>
+            <a:pPr algn="ctr"/>
+            <a:endParaRPr lang="en-US" b="1" dirty="0"/>
+          </a:p>
+          <a:p>
+            <a:pPr algn="ctr"/>
+            <a:r>
+              <a:rPr lang="en-US" dirty="0" err="1"/>
+              <a:t>Rekening</a:t>
+            </a:r>
+            <a:r>
+              <a:rPr lang="en-US" dirty="0"/>
+              <a:t> &gt;= </a:t>
+            </a:r>
+            <a:r>
+              <a:rPr lang="en-US" dirty="0" err="1"/>
+              <a:t>patokan</a:t>
+            </a:r>
+            <a:r>
+              <a:rPr lang="en-US" dirty="0"/>
+              <a:t> (SABI)</a:t>
+            </a:r>
+          </a:p>
+          <a:p>
+            <a:pPr algn="ctr"/>
+            <a:endParaRPr lang="en-US" dirty="0"/>
+          </a:p>
+          <a:p>
+            <a:pPr algn="ctr"/>
+            <a:r>
+              <a:rPr lang="en-US" dirty="0" err="1"/>
+              <a:t>Rekening</a:t>
+            </a:r>
+            <a:r>
+              <a:rPr lang="en-US" dirty="0"/>
+              <a:t> &lt; </a:t>
+            </a:r>
+            <a:r>
+              <a:rPr lang="en-US" dirty="0" err="1"/>
+              <a:t>Patokan</a:t>
+            </a:r>
+            <a:r>
+              <a:rPr lang="en-US" dirty="0"/>
+              <a:t> (</a:t>
+            </a:r>
+            <a:r>
+              <a:rPr lang="en-US" dirty="0" err="1"/>
+              <a:t>tidak</a:t>
+            </a:r>
+            <a:r>
+              <a:rPr lang="en-US" dirty="0"/>
+              <a:t> </a:t>
+            </a:r>
+            <a:r>
+              <a:rPr lang="en-US" dirty="0" err="1"/>
+              <a:t>sabi</a:t>
+            </a:r>
+            <a:r>
+              <a:rPr lang="en-US" dirty="0"/>
+              <a:t>)</a:t>
             </a:r>
           </a:p>
         </p:txBody>
       </p:sp>
       <p:sp>
         <p:nvSpPr>
-          <p:cNvPr id="3" name="Content Placeholder 2">
+          <p:cNvPr id="13" name="Rectangle 12">
             <a:extLst>
               <a:ext uri="{FF2B5EF4-FFF2-40B4-BE49-F238E27FC236}">
-                <a16:creationId xmlns:a16="http://schemas.microsoft.com/office/drawing/2014/main" id="{6454B748-3B9E-49AD-A4D5-FC6C95CAE875}"/>
+                <a16:creationId xmlns:a16="http://schemas.microsoft.com/office/drawing/2014/main" id="{192540AC-FAB7-4396-8CB5-2C7D20F3F54C}"/>
               </a:ext>
             </a:extLst>
           </p:cNvPr>
-          <p:cNvSpPr>
-            <a:spLocks noGrp="1"/>
-          </p:cNvSpPr>
-          <p:nvPr>
-            <p:ph idx="1"/>
-          </p:nvPr>
+          <p:cNvSpPr/>
+          <p:nvPr/>
         </p:nvSpPr>
-        <p:spPr/>
+        <p:spPr>
+          <a:xfrm>
+            <a:off x="167148" y="2182761"/>
+            <a:ext cx="1406013" cy="909482"/>
+          </a:xfrm>
+          <a:prstGeom prst="rect">
+            <a:avLst/>
+          </a:prstGeom>
+        </p:spPr>
+        <p:style>
+          <a:lnRef idx="2">
+            <a:schemeClr val="accent1">
+              <a:shade val="50000"/>
+            </a:schemeClr>
+          </a:lnRef>
+          <a:fillRef idx="1">
+            <a:schemeClr val="accent1"/>
+          </a:fillRef>
+          <a:effectRef idx="0">
+            <a:schemeClr val="accent1"/>
+          </a:effectRef>
+          <a:fontRef idx="minor">
+            <a:schemeClr val="lt1"/>
+          </a:fontRef>
+        </p:style>
         <p:txBody>
-          <a:bodyPr>
-            <a:normAutofit/>
-          </a:bodyPr>
+          <a:bodyPr rtlCol="0" anchor="ctr"/>
           <a:lstStyle/>
           <a:p>
-            <a:pPr>
-              <a:buFontTx/>
-              <a:buChar char="-"/>
-            </a:pPr>
+            <a:pPr algn="ctr"/>
             <a:r>
               <a:rPr lang="en-US" dirty="0"/>
-              <a:t>We are data scientist team working at XYZ Bank in Portugal</a:t>
-            </a:r>
+              <a:t>Data </a:t>
+            </a:r>
+            <a:r>
+              <a:rPr lang="en-US" dirty="0" err="1"/>
+              <a:t>baru</a:t>
+            </a:r>
+            <a:endParaRPr lang="en-US" dirty="0"/>
           </a:p>
+        </p:txBody>
+      </p:sp>
+      <p:sp>
+        <p:nvSpPr>
+          <p:cNvPr id="14" name="Heart 13">
+            <a:extLst>
+              <a:ext uri="{FF2B5EF4-FFF2-40B4-BE49-F238E27FC236}">
+                <a16:creationId xmlns:a16="http://schemas.microsoft.com/office/drawing/2014/main" id="{392E5D61-A213-4BB0-8A6C-3891D20A1E63}"/>
+              </a:ext>
+            </a:extLst>
+          </p:cNvPr>
+          <p:cNvSpPr/>
+          <p:nvPr/>
+        </p:nvSpPr>
+        <p:spPr>
+          <a:xfrm>
+            <a:off x="2482645" y="1892625"/>
+            <a:ext cx="1406013" cy="1406013"/>
+          </a:xfrm>
+          <a:prstGeom prst="heart">
+            <a:avLst/>
+          </a:prstGeom>
+        </p:spPr>
+        <p:style>
+          <a:lnRef idx="2">
+            <a:schemeClr val="accent1">
+              <a:shade val="50000"/>
+            </a:schemeClr>
+          </a:lnRef>
+          <a:fillRef idx="1">
+            <a:schemeClr val="accent1"/>
+          </a:fillRef>
+          <a:effectRef idx="0">
+            <a:schemeClr val="accent1"/>
+          </a:effectRef>
+          <a:fontRef idx="minor">
+            <a:schemeClr val="lt1"/>
+          </a:fontRef>
+        </p:style>
+        <p:txBody>
+          <a:bodyPr rtlCol="0" anchor="ctr"/>
+          <a:lstStyle/>
           <a:p>
-            <a:pPr>
-              <a:buFontTx/>
-              <a:buChar char="-"/>
-            </a:pPr>
+            <a:pPr algn="ctr"/>
             <a:r>
               <a:rPr lang="en-US" dirty="0"/>
-              <a:t>The business development team came to us and told us that they needed improvement on marketing campaign result because the result was not good enough compared to the cost</a:t>
+              <a:t>Model</a:t>
             </a:r>
           </a:p>
+        </p:txBody>
+      </p:sp>
+      <p:cxnSp>
+        <p:nvCxnSpPr>
+          <p:cNvPr id="16" name="Straight Arrow Connector 15">
+            <a:extLst>
+              <a:ext uri="{FF2B5EF4-FFF2-40B4-BE49-F238E27FC236}">
+                <a16:creationId xmlns:a16="http://schemas.microsoft.com/office/drawing/2014/main" id="{83322147-18E6-47FF-A565-61C82D440560}"/>
+              </a:ext>
+            </a:extLst>
+          </p:cNvPr>
+          <p:cNvCxnSpPr/>
+          <p:nvPr/>
+        </p:nvCxnSpPr>
+        <p:spPr>
+          <a:xfrm flipV="1">
+            <a:off x="3864077" y="2049310"/>
+            <a:ext cx="1347020" cy="516909"/>
+          </a:xfrm>
+          <a:prstGeom prst="straightConnector1">
+            <a:avLst/>
+          </a:prstGeom>
+          <a:ln>
+            <a:tailEnd type="triangle"/>
+          </a:ln>
+        </p:spPr>
+        <p:style>
+          <a:lnRef idx="1">
+            <a:schemeClr val="accent1"/>
+          </a:lnRef>
+          <a:fillRef idx="0">
+            <a:schemeClr val="accent1"/>
+          </a:fillRef>
+          <a:effectRef idx="0">
+            <a:schemeClr val="accent1"/>
+          </a:effectRef>
+          <a:fontRef idx="minor">
+            <a:schemeClr val="tx1"/>
+          </a:fontRef>
+        </p:style>
+      </p:cxnSp>
+      <p:cxnSp>
+        <p:nvCxnSpPr>
+          <p:cNvPr id="18" name="Straight Arrow Connector 17">
+            <a:extLst>
+              <a:ext uri="{FF2B5EF4-FFF2-40B4-BE49-F238E27FC236}">
+                <a16:creationId xmlns:a16="http://schemas.microsoft.com/office/drawing/2014/main" id="{AB6CADEF-896F-46F4-AA50-D5EF02B4A05E}"/>
+              </a:ext>
+            </a:extLst>
+          </p:cNvPr>
+          <p:cNvCxnSpPr>
+            <a:cxnSpLocks/>
+            <a:endCxn id="20" idx="1"/>
+          </p:cNvCxnSpPr>
+          <p:nvPr/>
+        </p:nvCxnSpPr>
+        <p:spPr>
+          <a:xfrm>
+            <a:off x="3888658" y="2595631"/>
+            <a:ext cx="1052253" cy="1317152"/>
+          </a:xfrm>
+          <a:prstGeom prst="straightConnector1">
+            <a:avLst/>
+          </a:prstGeom>
+          <a:ln>
+            <a:tailEnd type="triangle"/>
+          </a:ln>
+        </p:spPr>
+        <p:style>
+          <a:lnRef idx="1">
+            <a:schemeClr val="accent1"/>
+          </a:lnRef>
+          <a:fillRef idx="0">
+            <a:schemeClr val="accent1"/>
+          </a:fillRef>
+          <a:effectRef idx="0">
+            <a:schemeClr val="accent1"/>
+          </a:effectRef>
+          <a:fontRef idx="minor">
+            <a:schemeClr val="tx1"/>
+          </a:fontRef>
+        </p:style>
+      </p:cxnSp>
+      <p:sp>
+        <p:nvSpPr>
+          <p:cNvPr id="19" name="Rectangle 18">
+            <a:extLst>
+              <a:ext uri="{FF2B5EF4-FFF2-40B4-BE49-F238E27FC236}">
+                <a16:creationId xmlns:a16="http://schemas.microsoft.com/office/drawing/2014/main" id="{D883E966-3ECB-48E2-8C85-6EEFAA30C00E}"/>
+              </a:ext>
+            </a:extLst>
+          </p:cNvPr>
+          <p:cNvSpPr/>
+          <p:nvPr/>
+        </p:nvSpPr>
+        <p:spPr>
+          <a:xfrm>
+            <a:off x="4940911" y="1771192"/>
+            <a:ext cx="1406013" cy="516908"/>
+          </a:xfrm>
+          <a:prstGeom prst="rect">
+            <a:avLst/>
+          </a:prstGeom>
+          <a:noFill/>
+          <a:ln>
+            <a:solidFill>
+              <a:schemeClr val="bg1"/>
+            </a:solidFill>
+          </a:ln>
+        </p:spPr>
+        <p:style>
+          <a:lnRef idx="2">
+            <a:schemeClr val="accent6"/>
+          </a:lnRef>
+          <a:fillRef idx="1">
+            <a:schemeClr val="lt1"/>
+          </a:fillRef>
+          <a:effectRef idx="0">
+            <a:schemeClr val="accent6"/>
+          </a:effectRef>
+          <a:fontRef idx="minor">
+            <a:schemeClr val="dk1"/>
+          </a:fontRef>
+        </p:style>
+        <p:txBody>
+          <a:bodyPr rtlCol="0" anchor="ctr"/>
+          <a:lstStyle/>
           <a:p>
-            <a:pPr>
-              <a:buFontTx/>
-              <a:buChar char="-"/>
-            </a:pPr>
+            <a:pPr algn="ctr"/>
+            <a:r>
+              <a:rPr lang="en-US" dirty="0" err="1"/>
+              <a:t>Proba</a:t>
+            </a:r>
             <a:r>
               <a:rPr lang="en-US" dirty="0"/>
-              <a:t>They are asking if we can propose solutions to either reduce the cost or increase the income generated or both</a:t>
+              <a:t> YA &gt;  0.6</a:t>
             </a:r>
           </a:p>
+        </p:txBody>
+      </p:sp>
+      <p:sp>
+        <p:nvSpPr>
+          <p:cNvPr id="20" name="Rectangle 19">
+            <a:extLst>
+              <a:ext uri="{FF2B5EF4-FFF2-40B4-BE49-F238E27FC236}">
+                <a16:creationId xmlns:a16="http://schemas.microsoft.com/office/drawing/2014/main" id="{414D189D-384A-4901-95D0-FA83581327B1}"/>
+              </a:ext>
+            </a:extLst>
+          </p:cNvPr>
+          <p:cNvSpPr/>
+          <p:nvPr/>
+        </p:nvSpPr>
+        <p:spPr>
+          <a:xfrm>
+            <a:off x="4940911" y="3654329"/>
+            <a:ext cx="1406013" cy="516908"/>
+          </a:xfrm>
+          <a:prstGeom prst="rect">
+            <a:avLst/>
+          </a:prstGeom>
+          <a:noFill/>
+          <a:ln>
+            <a:solidFill>
+              <a:schemeClr val="bg1"/>
+            </a:solidFill>
+          </a:ln>
+        </p:spPr>
+        <p:style>
+          <a:lnRef idx="2">
+            <a:schemeClr val="accent6"/>
+          </a:lnRef>
+          <a:fillRef idx="1">
+            <a:schemeClr val="lt1"/>
+          </a:fillRef>
+          <a:effectRef idx="0">
+            <a:schemeClr val="accent6"/>
+          </a:effectRef>
+          <a:fontRef idx="minor">
+            <a:schemeClr val="dk1"/>
+          </a:fontRef>
+        </p:style>
+        <p:txBody>
+          <a:bodyPr rtlCol="0" anchor="ctr"/>
+          <a:lstStyle/>
           <a:p>
-            <a:pPr>
-              <a:buFontTx/>
-              <a:buChar char="-"/>
-            </a:pPr>
-            <a:r>
-              <a:rPr lang="en-ID" dirty="0"/>
-              <a:t>They gave us customer dataset used at the recent campaign which consist of the bank’s customer data</a:t>
+            <a:pPr algn="ctr"/>
+            <a:r>
+              <a:rPr lang="en-US" dirty="0"/>
+              <a:t>0.6 &gt;=</a:t>
+            </a:r>
+            <a:r>
+              <a:rPr lang="en-US" dirty="0" err="1"/>
+              <a:t>Proba</a:t>
+            </a:r>
+            <a:r>
+              <a:rPr lang="en-US" dirty="0"/>
+              <a:t> </a:t>
+            </a:r>
+            <a:r>
+              <a:rPr lang="en-US" dirty="0" err="1"/>
+              <a:t>Ya</a:t>
+            </a:r>
+            <a:r>
+              <a:rPr lang="en-US" dirty="0"/>
+              <a:t> &gt;= 0.3</a:t>
+            </a:r>
+          </a:p>
+        </p:txBody>
+      </p:sp>
+      <p:sp>
+        <p:nvSpPr>
+          <p:cNvPr id="21" name="Arrow: Right 20">
+            <a:extLst>
+              <a:ext uri="{FF2B5EF4-FFF2-40B4-BE49-F238E27FC236}">
+                <a16:creationId xmlns:a16="http://schemas.microsoft.com/office/drawing/2014/main" id="{B4F29545-C968-4923-AE3D-83B08E50170B}"/>
+              </a:ext>
+            </a:extLst>
+          </p:cNvPr>
+          <p:cNvSpPr/>
+          <p:nvPr/>
+        </p:nvSpPr>
+        <p:spPr>
+          <a:xfrm>
+            <a:off x="1809135" y="2637502"/>
+            <a:ext cx="560439" cy="196285"/>
+          </a:xfrm>
+          <a:prstGeom prst="rightArrow">
+            <a:avLst/>
+          </a:prstGeom>
+        </p:spPr>
+        <p:style>
+          <a:lnRef idx="2">
+            <a:schemeClr val="accent1">
+              <a:shade val="50000"/>
+            </a:schemeClr>
+          </a:lnRef>
+          <a:fillRef idx="1">
+            <a:schemeClr val="accent1"/>
+          </a:fillRef>
+          <a:effectRef idx="0">
+            <a:schemeClr val="accent1"/>
+          </a:effectRef>
+          <a:fontRef idx="minor">
+            <a:schemeClr val="lt1"/>
+          </a:fontRef>
+        </p:style>
+        <p:txBody>
+          <a:bodyPr rtlCol="0" anchor="ctr"/>
+          <a:lstStyle/>
+          <a:p>
+            <a:pPr algn="ctr"/>
+            <a:endParaRPr lang="en-US"/>
+          </a:p>
+        </p:txBody>
+      </p:sp>
+      <p:sp>
+        <p:nvSpPr>
+          <p:cNvPr id="22" name="Rectangle 21">
+            <a:extLst>
+              <a:ext uri="{FF2B5EF4-FFF2-40B4-BE49-F238E27FC236}">
+                <a16:creationId xmlns:a16="http://schemas.microsoft.com/office/drawing/2014/main" id="{5A9157F7-6ABD-4250-9D7C-B0F050202771}"/>
+              </a:ext>
+            </a:extLst>
+          </p:cNvPr>
+          <p:cNvSpPr/>
+          <p:nvPr/>
+        </p:nvSpPr>
+        <p:spPr>
+          <a:xfrm>
+            <a:off x="6980905" y="3530042"/>
+            <a:ext cx="1714850" cy="887002"/>
+          </a:xfrm>
+          <a:prstGeom prst="rect">
+            <a:avLst/>
+          </a:prstGeom>
+          <a:ln>
+            <a:solidFill>
+              <a:srgbClr val="FF0000"/>
+            </a:solidFill>
+          </a:ln>
+        </p:spPr>
+        <p:style>
+          <a:lnRef idx="2">
+            <a:schemeClr val="accent6"/>
+          </a:lnRef>
+          <a:fillRef idx="1">
+            <a:schemeClr val="lt1"/>
+          </a:fillRef>
+          <a:effectRef idx="0">
+            <a:schemeClr val="accent6"/>
+          </a:effectRef>
+          <a:fontRef idx="minor">
+            <a:schemeClr val="dk1"/>
+          </a:fontRef>
+        </p:style>
+        <p:txBody>
+          <a:bodyPr rtlCol="0" anchor="ctr"/>
+          <a:lstStyle/>
+          <a:p>
+            <a:pPr algn="ctr"/>
+            <a:r>
+              <a:rPr lang="en-US" dirty="0" err="1"/>
+              <a:t>Lihat</a:t>
+            </a:r>
+            <a:r>
+              <a:rPr lang="en-US" dirty="0"/>
+              <a:t> </a:t>
+            </a:r>
+            <a:r>
+              <a:rPr lang="en-US" dirty="0" err="1"/>
+              <a:t>isi</a:t>
+            </a:r>
+            <a:r>
+              <a:rPr lang="en-US" dirty="0"/>
+              <a:t> </a:t>
+            </a:r>
+            <a:r>
+              <a:rPr lang="en-US" dirty="0" err="1"/>
+              <a:t>rekeningnya</a:t>
+            </a:r>
+            <a:r>
+              <a:rPr lang="en-US" dirty="0"/>
+              <a:t> </a:t>
+            </a:r>
+            <a:r>
+              <a:rPr lang="en-US" dirty="0" err="1"/>
+              <a:t>sabi</a:t>
+            </a:r>
+            <a:r>
+              <a:rPr lang="en-US" dirty="0"/>
+              <a:t> ga</a:t>
+            </a:r>
+          </a:p>
+        </p:txBody>
+      </p:sp>
+      <p:sp>
+        <p:nvSpPr>
+          <p:cNvPr id="28" name="Rectangle 27">
+            <a:extLst>
+              <a:ext uri="{FF2B5EF4-FFF2-40B4-BE49-F238E27FC236}">
+                <a16:creationId xmlns:a16="http://schemas.microsoft.com/office/drawing/2014/main" id="{B1EB15D2-21A6-4048-9DD4-44D3AB2D1174}"/>
+              </a:ext>
+            </a:extLst>
+          </p:cNvPr>
+          <p:cNvSpPr/>
+          <p:nvPr/>
+        </p:nvSpPr>
+        <p:spPr>
+          <a:xfrm>
+            <a:off x="7008988" y="1590370"/>
+            <a:ext cx="2241756" cy="592391"/>
+          </a:xfrm>
+          <a:prstGeom prst="rect">
+            <a:avLst/>
+          </a:prstGeom>
+          <a:ln>
+            <a:solidFill>
+              <a:schemeClr val="accent6"/>
+            </a:solidFill>
+          </a:ln>
+        </p:spPr>
+        <p:style>
+          <a:lnRef idx="2">
+            <a:schemeClr val="accent6"/>
+          </a:lnRef>
+          <a:fillRef idx="1">
+            <a:schemeClr val="lt1"/>
+          </a:fillRef>
+          <a:effectRef idx="0">
+            <a:schemeClr val="accent6"/>
+          </a:effectRef>
+          <a:fontRef idx="minor">
+            <a:schemeClr val="dk1"/>
+          </a:fontRef>
+        </p:style>
+        <p:txBody>
+          <a:bodyPr rtlCol="0" anchor="ctr"/>
+          <a:lstStyle/>
+          <a:p>
+            <a:pPr algn="ctr"/>
+            <a:r>
+              <a:rPr lang="en-US" dirty="0"/>
+              <a:t>Gas </a:t>
+            </a:r>
+            <a:r>
+              <a:rPr lang="en-US" dirty="0" err="1"/>
+              <a:t>masukin</a:t>
+            </a:r>
+            <a:r>
+              <a:rPr lang="en-US" dirty="0"/>
+              <a:t> </a:t>
+            </a:r>
+            <a:r>
+              <a:rPr lang="en-US" dirty="0" err="1"/>
+              <a:t>ke</a:t>
+            </a:r>
+            <a:r>
+              <a:rPr lang="en-US" dirty="0"/>
+              <a:t> list </a:t>
+            </a:r>
+            <a:r>
+              <a:rPr lang="en-US" dirty="0" err="1"/>
+              <a:t>calon</a:t>
+            </a:r>
+            <a:r>
+              <a:rPr lang="en-US" dirty="0"/>
+              <a:t> customer</a:t>
+            </a:r>
+          </a:p>
+        </p:txBody>
+      </p:sp>
+      <p:sp>
+        <p:nvSpPr>
+          <p:cNvPr id="47" name="Rectangle 46">
+            <a:extLst>
+              <a:ext uri="{FF2B5EF4-FFF2-40B4-BE49-F238E27FC236}">
+                <a16:creationId xmlns:a16="http://schemas.microsoft.com/office/drawing/2014/main" id="{57E843B5-FA73-4782-99AA-E6CF76BCE3F4}"/>
+              </a:ext>
+            </a:extLst>
+          </p:cNvPr>
+          <p:cNvSpPr/>
+          <p:nvPr/>
+        </p:nvSpPr>
+        <p:spPr>
+          <a:xfrm>
+            <a:off x="353961" y="352649"/>
+            <a:ext cx="4680155" cy="712838"/>
+          </a:xfrm>
+          <a:prstGeom prst="rect">
+            <a:avLst/>
+          </a:prstGeom>
+          <a:ln w="57150">
+            <a:solidFill>
+              <a:schemeClr val="tx1"/>
+            </a:solidFill>
+            <a:prstDash val="dashDot"/>
+          </a:ln>
+        </p:spPr>
+        <p:style>
+          <a:lnRef idx="2">
+            <a:schemeClr val="accent6"/>
+          </a:lnRef>
+          <a:fillRef idx="1">
+            <a:schemeClr val="lt1"/>
+          </a:fillRef>
+          <a:effectRef idx="0">
+            <a:schemeClr val="accent6"/>
+          </a:effectRef>
+          <a:fontRef idx="minor">
+            <a:schemeClr val="dk1"/>
+          </a:fontRef>
+        </p:style>
+        <p:txBody>
+          <a:bodyPr rtlCol="0" anchor="ctr"/>
+          <a:lstStyle/>
+          <a:p>
+            <a:pPr algn="ctr"/>
+            <a:r>
+              <a:rPr lang="en-US" dirty="0" err="1"/>
+              <a:t>Analisis</a:t>
+            </a:r>
+            <a:r>
+              <a:rPr lang="en-US" dirty="0"/>
+              <a:t> </a:t>
+            </a:r>
+            <a:r>
+              <a:rPr lang="en-US" dirty="0" err="1"/>
+              <a:t>dilakukan</a:t>
+            </a:r>
+            <a:r>
+              <a:rPr lang="en-US" dirty="0"/>
+              <a:t> di </a:t>
+            </a:r>
+            <a:r>
+              <a:rPr lang="en-US" dirty="0" err="1"/>
+              <a:t>waktu</a:t>
+            </a:r>
+            <a:r>
+              <a:rPr lang="en-US" dirty="0"/>
+              <a:t> </a:t>
+            </a:r>
+            <a:r>
+              <a:rPr lang="en-US" dirty="0" err="1"/>
+              <a:t>jeda</a:t>
+            </a:r>
+            <a:r>
+              <a:rPr lang="en-US" dirty="0"/>
+              <a:t> </a:t>
+            </a:r>
+            <a:r>
+              <a:rPr lang="en-US" dirty="0" err="1"/>
+              <a:t>antar</a:t>
+            </a:r>
+            <a:r>
+              <a:rPr lang="en-US" dirty="0"/>
+              <a:t> program </a:t>
+            </a:r>
+          </a:p>
+        </p:txBody>
+      </p:sp>
+      <p:sp>
+        <p:nvSpPr>
+          <p:cNvPr id="49" name="Rectangle 48">
+            <a:extLst>
+              <a:ext uri="{FF2B5EF4-FFF2-40B4-BE49-F238E27FC236}">
+                <a16:creationId xmlns:a16="http://schemas.microsoft.com/office/drawing/2014/main" id="{31811511-F160-4C5D-A4DC-2DF5D526DBCD}"/>
+              </a:ext>
+            </a:extLst>
+          </p:cNvPr>
+          <p:cNvSpPr/>
+          <p:nvPr/>
+        </p:nvSpPr>
+        <p:spPr>
+          <a:xfrm>
+            <a:off x="7360392" y="2827728"/>
+            <a:ext cx="791697" cy="311017"/>
+          </a:xfrm>
+          <a:prstGeom prst="rect">
+            <a:avLst/>
+          </a:prstGeom>
+          <a:ln>
+            <a:solidFill>
+              <a:schemeClr val="accent6"/>
+            </a:solidFill>
+          </a:ln>
+        </p:spPr>
+        <p:style>
+          <a:lnRef idx="2">
+            <a:schemeClr val="accent6"/>
+          </a:lnRef>
+          <a:fillRef idx="1">
+            <a:schemeClr val="lt1"/>
+          </a:fillRef>
+          <a:effectRef idx="0">
+            <a:schemeClr val="accent6"/>
+          </a:effectRef>
+          <a:fontRef idx="minor">
+            <a:schemeClr val="dk1"/>
+          </a:fontRef>
+        </p:style>
+        <p:txBody>
+          <a:bodyPr rtlCol="0" anchor="ctr"/>
+          <a:lstStyle/>
+          <a:p>
+            <a:pPr algn="ctr"/>
+            <a:r>
+              <a:rPr lang="en-US" dirty="0" err="1"/>
+              <a:t>Sabi</a:t>
             </a:r>
             <a:endParaRPr lang="en-US" dirty="0"/>
+          </a:p>
+        </p:txBody>
+      </p:sp>
+      <p:cxnSp>
+        <p:nvCxnSpPr>
+          <p:cNvPr id="11" name="Straight Arrow Connector 10">
+            <a:extLst>
+              <a:ext uri="{FF2B5EF4-FFF2-40B4-BE49-F238E27FC236}">
+                <a16:creationId xmlns:a16="http://schemas.microsoft.com/office/drawing/2014/main" id="{E66695E6-236C-4B52-93C5-AC271882D16A}"/>
+              </a:ext>
+            </a:extLst>
+          </p:cNvPr>
+          <p:cNvCxnSpPr>
+            <a:stCxn id="22" idx="0"/>
+            <a:endCxn id="49" idx="2"/>
+          </p:cNvCxnSpPr>
+          <p:nvPr/>
+        </p:nvCxnSpPr>
+        <p:spPr>
+          <a:xfrm flipH="1" flipV="1">
+            <a:off x="7756241" y="3138745"/>
+            <a:ext cx="82089" cy="391297"/>
+          </a:xfrm>
+          <a:prstGeom prst="straightConnector1">
+            <a:avLst/>
+          </a:prstGeom>
+          <a:ln>
+            <a:tailEnd type="triangle"/>
+          </a:ln>
+        </p:spPr>
+        <p:style>
+          <a:lnRef idx="1">
+            <a:schemeClr val="accent1"/>
+          </a:lnRef>
+          <a:fillRef idx="0">
+            <a:schemeClr val="accent1"/>
+          </a:fillRef>
+          <a:effectRef idx="0">
+            <a:schemeClr val="accent1"/>
+          </a:effectRef>
+          <a:fontRef idx="minor">
+            <a:schemeClr val="tx1"/>
+          </a:fontRef>
+        </p:style>
+      </p:cxnSp>
+      <p:cxnSp>
+        <p:nvCxnSpPr>
+          <p:cNvPr id="15" name="Straight Arrow Connector 14">
+            <a:extLst>
+              <a:ext uri="{FF2B5EF4-FFF2-40B4-BE49-F238E27FC236}">
+                <a16:creationId xmlns:a16="http://schemas.microsoft.com/office/drawing/2014/main" id="{39F2A515-125A-4AA3-B7EB-CF4D191D796B}"/>
+              </a:ext>
+            </a:extLst>
+          </p:cNvPr>
+          <p:cNvCxnSpPr>
+            <a:stCxn id="49" idx="0"/>
+            <a:endCxn id="28" idx="2"/>
+          </p:cNvCxnSpPr>
+          <p:nvPr/>
+        </p:nvCxnSpPr>
+        <p:spPr>
+          <a:xfrm flipV="1">
+            <a:off x="7756241" y="2182761"/>
+            <a:ext cx="373625" cy="644967"/>
+          </a:xfrm>
+          <a:prstGeom prst="straightConnector1">
+            <a:avLst/>
+          </a:prstGeom>
+          <a:ln>
+            <a:tailEnd type="triangle"/>
+          </a:ln>
+        </p:spPr>
+        <p:style>
+          <a:lnRef idx="1">
+            <a:schemeClr val="accent1"/>
+          </a:lnRef>
+          <a:fillRef idx="0">
+            <a:schemeClr val="accent1"/>
+          </a:fillRef>
+          <a:effectRef idx="0">
+            <a:schemeClr val="accent1"/>
+          </a:effectRef>
+          <a:fontRef idx="minor">
+            <a:schemeClr val="tx1"/>
+          </a:fontRef>
+        </p:style>
+      </p:cxnSp>
+      <p:cxnSp>
+        <p:nvCxnSpPr>
+          <p:cNvPr id="27" name="Straight Arrow Connector 26">
+            <a:extLst>
+              <a:ext uri="{FF2B5EF4-FFF2-40B4-BE49-F238E27FC236}">
+                <a16:creationId xmlns:a16="http://schemas.microsoft.com/office/drawing/2014/main" id="{A24912AB-02C2-48EB-A066-84282A8C22E4}"/>
+              </a:ext>
+            </a:extLst>
+          </p:cNvPr>
+          <p:cNvCxnSpPr>
+            <a:cxnSpLocks/>
+            <a:stCxn id="19" idx="3"/>
+            <a:endCxn id="28" idx="1"/>
+          </p:cNvCxnSpPr>
+          <p:nvPr/>
+        </p:nvCxnSpPr>
+        <p:spPr>
+          <a:xfrm flipV="1">
+            <a:off x="6346924" y="1886566"/>
+            <a:ext cx="662064" cy="143080"/>
+          </a:xfrm>
+          <a:prstGeom prst="straightConnector1">
+            <a:avLst/>
+          </a:prstGeom>
+          <a:ln>
+            <a:tailEnd type="triangle"/>
+          </a:ln>
+        </p:spPr>
+        <p:style>
+          <a:lnRef idx="1">
+            <a:schemeClr val="accent1"/>
+          </a:lnRef>
+          <a:fillRef idx="0">
+            <a:schemeClr val="accent1"/>
+          </a:fillRef>
+          <a:effectRef idx="0">
+            <a:schemeClr val="accent1"/>
+          </a:effectRef>
+          <a:fontRef idx="minor">
+            <a:schemeClr val="tx1"/>
+          </a:fontRef>
+        </p:style>
+      </p:cxnSp>
+      <p:sp>
+        <p:nvSpPr>
+          <p:cNvPr id="59" name="Rectangle 58">
+            <a:extLst>
+              <a:ext uri="{FF2B5EF4-FFF2-40B4-BE49-F238E27FC236}">
+                <a16:creationId xmlns:a16="http://schemas.microsoft.com/office/drawing/2014/main" id="{94EBAC42-4394-47E0-AA46-4BB7C3A29DBB}"/>
+              </a:ext>
+            </a:extLst>
+          </p:cNvPr>
+          <p:cNvSpPr/>
+          <p:nvPr/>
+        </p:nvSpPr>
+        <p:spPr>
+          <a:xfrm>
+            <a:off x="7106303" y="4813034"/>
+            <a:ext cx="1122897" cy="378039"/>
+          </a:xfrm>
+          <a:prstGeom prst="rect">
+            <a:avLst/>
+          </a:prstGeom>
+          <a:ln>
+            <a:solidFill>
+              <a:srgbClr val="FF0000"/>
+            </a:solidFill>
+          </a:ln>
+        </p:spPr>
+        <p:style>
+          <a:lnRef idx="2">
+            <a:schemeClr val="accent6"/>
+          </a:lnRef>
+          <a:fillRef idx="1">
+            <a:schemeClr val="lt1"/>
+          </a:fillRef>
+          <a:effectRef idx="0">
+            <a:schemeClr val="accent6"/>
+          </a:effectRef>
+          <a:fontRef idx="minor">
+            <a:schemeClr val="dk1"/>
+          </a:fontRef>
+        </p:style>
+        <p:txBody>
+          <a:bodyPr rtlCol="0" anchor="ctr"/>
+          <a:lstStyle/>
+          <a:p>
+            <a:pPr algn="ctr"/>
+            <a:r>
+              <a:rPr lang="en-US" dirty="0" err="1"/>
+              <a:t>Tidak</a:t>
+            </a:r>
+            <a:r>
+              <a:rPr lang="en-US" dirty="0"/>
+              <a:t> </a:t>
+            </a:r>
+            <a:r>
+              <a:rPr lang="en-US" dirty="0" err="1"/>
+              <a:t>Sabi</a:t>
+            </a:r>
+            <a:endParaRPr lang="en-US" dirty="0"/>
+          </a:p>
+        </p:txBody>
+      </p:sp>
+      <p:cxnSp>
+        <p:nvCxnSpPr>
+          <p:cNvPr id="39" name="Straight Arrow Connector 38">
+            <a:extLst>
+              <a:ext uri="{FF2B5EF4-FFF2-40B4-BE49-F238E27FC236}">
+                <a16:creationId xmlns:a16="http://schemas.microsoft.com/office/drawing/2014/main" id="{56F1E56F-6D08-43C3-9CD0-F9856AB2BFCB}"/>
+              </a:ext>
+            </a:extLst>
+          </p:cNvPr>
+          <p:cNvCxnSpPr>
+            <a:stCxn id="22" idx="2"/>
+            <a:endCxn id="59" idx="0"/>
+          </p:cNvCxnSpPr>
+          <p:nvPr/>
+        </p:nvCxnSpPr>
+        <p:spPr>
+          <a:xfrm flipH="1">
+            <a:off x="7667752" y="4417044"/>
+            <a:ext cx="170578" cy="395990"/>
+          </a:xfrm>
+          <a:prstGeom prst="straightConnector1">
+            <a:avLst/>
+          </a:prstGeom>
+          <a:ln>
+            <a:tailEnd type="triangle"/>
+          </a:ln>
+        </p:spPr>
+        <p:style>
+          <a:lnRef idx="1">
+            <a:schemeClr val="accent1"/>
+          </a:lnRef>
+          <a:fillRef idx="0">
+            <a:schemeClr val="accent1"/>
+          </a:fillRef>
+          <a:effectRef idx="0">
+            <a:schemeClr val="accent1"/>
+          </a:effectRef>
+          <a:fontRef idx="minor">
+            <a:schemeClr val="tx1"/>
+          </a:fontRef>
+        </p:style>
+      </p:cxnSp>
+      <p:sp>
+        <p:nvSpPr>
+          <p:cNvPr id="64" name="Rectangle 63">
+            <a:extLst>
+              <a:ext uri="{FF2B5EF4-FFF2-40B4-BE49-F238E27FC236}">
+                <a16:creationId xmlns:a16="http://schemas.microsoft.com/office/drawing/2014/main" id="{873AB6BD-1DA9-412E-92D4-8E3706AB1162}"/>
+              </a:ext>
+            </a:extLst>
+          </p:cNvPr>
+          <p:cNvSpPr/>
+          <p:nvPr/>
+        </p:nvSpPr>
+        <p:spPr>
+          <a:xfrm>
+            <a:off x="6499603" y="5593122"/>
+            <a:ext cx="2237846" cy="737932"/>
+          </a:xfrm>
+          <a:prstGeom prst="rect">
+            <a:avLst/>
+          </a:prstGeom>
+          <a:ln>
+            <a:solidFill>
+              <a:srgbClr val="FF0000"/>
+            </a:solidFill>
+          </a:ln>
+        </p:spPr>
+        <p:style>
+          <a:lnRef idx="2">
+            <a:schemeClr val="accent6"/>
+          </a:lnRef>
+          <a:fillRef idx="1">
+            <a:schemeClr val="lt1"/>
+          </a:fillRef>
+          <a:effectRef idx="0">
+            <a:schemeClr val="accent6"/>
+          </a:effectRef>
+          <a:fontRef idx="minor">
+            <a:schemeClr val="dk1"/>
+          </a:fontRef>
+        </p:style>
+        <p:txBody>
+          <a:bodyPr rtlCol="0" anchor="ctr"/>
+          <a:lstStyle/>
+          <a:p>
+            <a:pPr algn="ctr"/>
+            <a:r>
+              <a:rPr lang="en-US" dirty="0"/>
+              <a:t>JANGAN </a:t>
+            </a:r>
+            <a:r>
+              <a:rPr lang="en-US" dirty="0" err="1"/>
+              <a:t>masukin</a:t>
+            </a:r>
+            <a:r>
+              <a:rPr lang="en-US" dirty="0"/>
+              <a:t> </a:t>
+            </a:r>
+            <a:r>
+              <a:rPr lang="en-US" dirty="0" err="1"/>
+              <a:t>ke</a:t>
+            </a:r>
+            <a:r>
+              <a:rPr lang="en-US" dirty="0"/>
+              <a:t> list </a:t>
+            </a:r>
+            <a:r>
+              <a:rPr lang="en-US" dirty="0" err="1"/>
+              <a:t>calon</a:t>
+            </a:r>
+            <a:r>
+              <a:rPr lang="en-US" dirty="0"/>
+              <a:t> customer</a:t>
+            </a:r>
+          </a:p>
+        </p:txBody>
+      </p:sp>
+      <p:cxnSp>
+        <p:nvCxnSpPr>
+          <p:cNvPr id="66" name="Straight Arrow Connector 65">
+            <a:extLst>
+              <a:ext uri="{FF2B5EF4-FFF2-40B4-BE49-F238E27FC236}">
+                <a16:creationId xmlns:a16="http://schemas.microsoft.com/office/drawing/2014/main" id="{34FCC3EF-D503-44C7-8236-B4369AC6C71B}"/>
+              </a:ext>
+            </a:extLst>
+          </p:cNvPr>
+          <p:cNvCxnSpPr>
+            <a:cxnSpLocks/>
+            <a:endCxn id="22" idx="1"/>
+          </p:cNvCxnSpPr>
+          <p:nvPr/>
+        </p:nvCxnSpPr>
+        <p:spPr>
+          <a:xfrm>
+            <a:off x="6198233" y="3973458"/>
+            <a:ext cx="782672" cy="85"/>
+          </a:xfrm>
+          <a:prstGeom prst="straightConnector1">
+            <a:avLst/>
+          </a:prstGeom>
+          <a:ln>
+            <a:tailEnd type="triangle"/>
+          </a:ln>
+        </p:spPr>
+        <p:style>
+          <a:lnRef idx="1">
+            <a:schemeClr val="accent1"/>
+          </a:lnRef>
+          <a:fillRef idx="0">
+            <a:schemeClr val="accent1"/>
+          </a:fillRef>
+          <a:effectRef idx="0">
+            <a:schemeClr val="accent1"/>
+          </a:effectRef>
+          <a:fontRef idx="minor">
+            <a:schemeClr val="tx1"/>
+          </a:fontRef>
+        </p:style>
+      </p:cxnSp>
+      <p:cxnSp>
+        <p:nvCxnSpPr>
+          <p:cNvPr id="45" name="Straight Arrow Connector 44">
+            <a:extLst>
+              <a:ext uri="{FF2B5EF4-FFF2-40B4-BE49-F238E27FC236}">
+                <a16:creationId xmlns:a16="http://schemas.microsoft.com/office/drawing/2014/main" id="{948B062E-F9A3-4E06-9C1D-5FE812A34AF1}"/>
+              </a:ext>
+            </a:extLst>
+          </p:cNvPr>
+          <p:cNvCxnSpPr>
+            <a:stCxn id="59" idx="2"/>
+            <a:endCxn id="64" idx="0"/>
+          </p:cNvCxnSpPr>
+          <p:nvPr/>
+        </p:nvCxnSpPr>
+        <p:spPr>
+          <a:xfrm flipH="1">
+            <a:off x="7618526" y="5191073"/>
+            <a:ext cx="49226" cy="402049"/>
+          </a:xfrm>
+          <a:prstGeom prst="straightConnector1">
+            <a:avLst/>
+          </a:prstGeom>
+          <a:ln>
+            <a:tailEnd type="triangle"/>
+          </a:ln>
+        </p:spPr>
+        <p:style>
+          <a:lnRef idx="1">
+            <a:schemeClr val="accent1"/>
+          </a:lnRef>
+          <a:fillRef idx="0">
+            <a:schemeClr val="accent1"/>
+          </a:fillRef>
+          <a:effectRef idx="0">
+            <a:schemeClr val="accent1"/>
+          </a:effectRef>
+          <a:fontRef idx="minor">
+            <a:schemeClr val="tx1"/>
+          </a:fontRef>
+        </p:style>
+      </p:cxnSp>
+      <p:sp>
+        <p:nvSpPr>
+          <p:cNvPr id="29" name="Rectangle 28">
+            <a:extLst>
+              <a:ext uri="{FF2B5EF4-FFF2-40B4-BE49-F238E27FC236}">
+                <a16:creationId xmlns:a16="http://schemas.microsoft.com/office/drawing/2014/main" id="{11F48799-AD9E-4E8A-BD80-7449EDA8548E}"/>
+              </a:ext>
+            </a:extLst>
+          </p:cNvPr>
+          <p:cNvSpPr/>
+          <p:nvPr/>
+        </p:nvSpPr>
+        <p:spPr>
+          <a:xfrm>
+            <a:off x="4933406" y="5002053"/>
+            <a:ext cx="1406013" cy="516908"/>
+          </a:xfrm>
+          <a:prstGeom prst="rect">
+            <a:avLst/>
+          </a:prstGeom>
+          <a:noFill/>
+          <a:ln>
+            <a:solidFill>
+              <a:schemeClr val="bg1"/>
+            </a:solidFill>
+          </a:ln>
+        </p:spPr>
+        <p:style>
+          <a:lnRef idx="2">
+            <a:schemeClr val="accent6"/>
+          </a:lnRef>
+          <a:fillRef idx="1">
+            <a:schemeClr val="lt1"/>
+          </a:fillRef>
+          <a:effectRef idx="0">
+            <a:schemeClr val="accent6"/>
+          </a:effectRef>
+          <a:fontRef idx="minor">
+            <a:schemeClr val="dk1"/>
+          </a:fontRef>
+        </p:style>
+        <p:txBody>
+          <a:bodyPr rtlCol="0" anchor="ctr"/>
+          <a:lstStyle/>
+          <a:p>
+            <a:pPr algn="ctr"/>
+            <a:r>
+              <a:rPr lang="en-US" dirty="0" err="1"/>
+              <a:t>Proba</a:t>
+            </a:r>
+            <a:r>
+              <a:rPr lang="en-US" dirty="0"/>
+              <a:t> </a:t>
+            </a:r>
+            <a:r>
+              <a:rPr lang="en-US" dirty="0" err="1"/>
+              <a:t>Ya</a:t>
+            </a:r>
+            <a:r>
+              <a:rPr lang="en-US" dirty="0"/>
+              <a:t> &lt; 0.3</a:t>
+            </a:r>
+          </a:p>
+        </p:txBody>
+      </p:sp>
+      <p:cxnSp>
+        <p:nvCxnSpPr>
+          <p:cNvPr id="9" name="Straight Arrow Connector 8">
+            <a:extLst>
+              <a:ext uri="{FF2B5EF4-FFF2-40B4-BE49-F238E27FC236}">
+                <a16:creationId xmlns:a16="http://schemas.microsoft.com/office/drawing/2014/main" id="{DC2EF522-2915-437A-9A4B-D966AE1BD8C3}"/>
+              </a:ext>
+            </a:extLst>
+          </p:cNvPr>
+          <p:cNvCxnSpPr>
+            <a:endCxn id="29" idx="1"/>
+          </p:cNvCxnSpPr>
+          <p:nvPr/>
+        </p:nvCxnSpPr>
+        <p:spPr>
+          <a:xfrm>
+            <a:off x="3864077" y="2637502"/>
+            <a:ext cx="1069329" cy="2623005"/>
+          </a:xfrm>
+          <a:prstGeom prst="straightConnector1">
+            <a:avLst/>
+          </a:prstGeom>
+          <a:ln>
+            <a:tailEnd type="triangle"/>
+          </a:ln>
+        </p:spPr>
+        <p:style>
+          <a:lnRef idx="1">
+            <a:schemeClr val="accent1"/>
+          </a:lnRef>
+          <a:fillRef idx="0">
+            <a:schemeClr val="accent1"/>
+          </a:fillRef>
+          <a:effectRef idx="0">
+            <a:schemeClr val="accent1"/>
+          </a:effectRef>
+          <a:fontRef idx="minor">
+            <a:schemeClr val="tx1"/>
+          </a:fontRef>
+        </p:style>
+      </p:cxnSp>
+      <p:cxnSp>
+        <p:nvCxnSpPr>
+          <p:cNvPr id="12" name="Straight Arrow Connector 11">
+            <a:extLst>
+              <a:ext uri="{FF2B5EF4-FFF2-40B4-BE49-F238E27FC236}">
+                <a16:creationId xmlns:a16="http://schemas.microsoft.com/office/drawing/2014/main" id="{C806C0F4-B8A8-4BB9-A419-4F30F0B89D19}"/>
+              </a:ext>
+            </a:extLst>
+          </p:cNvPr>
+          <p:cNvCxnSpPr>
+            <a:stCxn id="29" idx="2"/>
+            <a:endCxn id="64" idx="1"/>
+          </p:cNvCxnSpPr>
+          <p:nvPr/>
+        </p:nvCxnSpPr>
+        <p:spPr>
+          <a:xfrm>
+            <a:off x="5636413" y="5518961"/>
+            <a:ext cx="863190" cy="443127"/>
+          </a:xfrm>
+          <a:prstGeom prst="straightConnector1">
+            <a:avLst/>
+          </a:prstGeom>
+          <a:ln>
+            <a:tailEnd type="triangle"/>
+          </a:ln>
+        </p:spPr>
+        <p:style>
+          <a:lnRef idx="1">
+            <a:schemeClr val="accent1"/>
+          </a:lnRef>
+          <a:fillRef idx="0">
+            <a:schemeClr val="accent1"/>
+          </a:fillRef>
+          <a:effectRef idx="0">
+            <a:schemeClr val="accent1"/>
+          </a:effectRef>
+          <a:fontRef idx="minor">
+            <a:schemeClr val="tx1"/>
+          </a:fontRef>
+        </p:style>
+      </p:cxnSp>
+      <p:cxnSp>
+        <p:nvCxnSpPr>
+          <p:cNvPr id="23" name="Straight Connector 22">
+            <a:extLst>
+              <a:ext uri="{FF2B5EF4-FFF2-40B4-BE49-F238E27FC236}">
+                <a16:creationId xmlns:a16="http://schemas.microsoft.com/office/drawing/2014/main" id="{689CBEFC-E1E8-4392-B5FA-82BD665BABA2}"/>
+              </a:ext>
+            </a:extLst>
+          </p:cNvPr>
+          <p:cNvCxnSpPr/>
+          <p:nvPr/>
+        </p:nvCxnSpPr>
+        <p:spPr>
+          <a:xfrm flipV="1">
+            <a:off x="8664312" y="2288100"/>
+            <a:ext cx="897094" cy="1241942"/>
+          </a:xfrm>
+          <a:prstGeom prst="line">
+            <a:avLst/>
+          </a:prstGeom>
+        </p:spPr>
+        <p:style>
+          <a:lnRef idx="1">
+            <a:schemeClr val="accent1"/>
+          </a:lnRef>
+          <a:fillRef idx="0">
+            <a:schemeClr val="accent1"/>
+          </a:fillRef>
+          <a:effectRef idx="0">
+            <a:schemeClr val="accent1"/>
+          </a:effectRef>
+          <a:fontRef idx="minor">
+            <a:schemeClr val="tx1"/>
+          </a:fontRef>
+        </p:style>
+      </p:cxnSp>
+      <p:cxnSp>
+        <p:nvCxnSpPr>
+          <p:cNvPr id="25" name="Straight Connector 24">
+            <a:extLst>
+              <a:ext uri="{FF2B5EF4-FFF2-40B4-BE49-F238E27FC236}">
+                <a16:creationId xmlns:a16="http://schemas.microsoft.com/office/drawing/2014/main" id="{2170B41E-8F17-4A71-8A40-AC53F84BBE26}"/>
+              </a:ext>
+            </a:extLst>
+          </p:cNvPr>
+          <p:cNvCxnSpPr/>
+          <p:nvPr/>
+        </p:nvCxnSpPr>
+        <p:spPr>
+          <a:xfrm>
+            <a:off x="8695755" y="4417044"/>
+            <a:ext cx="821205" cy="1066062"/>
+          </a:xfrm>
+          <a:prstGeom prst="line">
+            <a:avLst/>
+          </a:prstGeom>
+        </p:spPr>
+        <p:style>
+          <a:lnRef idx="1">
+            <a:schemeClr val="accent1"/>
+          </a:lnRef>
+          <a:fillRef idx="0">
+            <a:schemeClr val="accent1"/>
+          </a:fillRef>
+          <a:effectRef idx="0">
+            <a:schemeClr val="accent1"/>
+          </a:effectRef>
+          <a:fontRef idx="minor">
+            <a:schemeClr val="tx1"/>
+          </a:fontRef>
+        </p:style>
+      </p:cxnSp>
+      <p:sp>
+        <p:nvSpPr>
+          <p:cNvPr id="26" name="Rectangle 25">
+            <a:extLst>
+              <a:ext uri="{FF2B5EF4-FFF2-40B4-BE49-F238E27FC236}">
+                <a16:creationId xmlns:a16="http://schemas.microsoft.com/office/drawing/2014/main" id="{661AE275-EA5D-4A5E-8498-2CBF6FE01557}"/>
+              </a:ext>
+            </a:extLst>
+          </p:cNvPr>
+          <p:cNvSpPr/>
+          <p:nvPr/>
+        </p:nvSpPr>
+        <p:spPr>
+          <a:xfrm>
+            <a:off x="9709355" y="1145253"/>
+            <a:ext cx="2241756" cy="1037508"/>
+          </a:xfrm>
+          <a:prstGeom prst="rect">
+            <a:avLst/>
+          </a:prstGeom>
+        </p:spPr>
+        <p:style>
+          <a:lnRef idx="2">
+            <a:schemeClr val="accent1">
+              <a:shade val="50000"/>
+            </a:schemeClr>
+          </a:lnRef>
+          <a:fillRef idx="1">
+            <a:schemeClr val="accent1"/>
+          </a:fillRef>
+          <a:effectRef idx="0">
+            <a:schemeClr val="accent1"/>
+          </a:effectRef>
+          <a:fontRef idx="minor">
+            <a:schemeClr val="lt1"/>
+          </a:fontRef>
+        </p:style>
+        <p:txBody>
+          <a:bodyPr rtlCol="0" anchor="ctr"/>
+          <a:lstStyle/>
+          <a:p>
+            <a:pPr algn="ctr"/>
+            <a:r>
+              <a:rPr lang="en-US" dirty="0" err="1"/>
+              <a:t>Mengacu</a:t>
+            </a:r>
+            <a:r>
+              <a:rPr lang="en-US" dirty="0"/>
+              <a:t> pada </a:t>
+            </a:r>
+            <a:r>
+              <a:rPr lang="en-US" dirty="0" err="1"/>
+              <a:t>jumlah</a:t>
+            </a:r>
+            <a:r>
+              <a:rPr lang="en-US" dirty="0"/>
+              <a:t> minimal </a:t>
+            </a:r>
+            <a:r>
+              <a:rPr lang="en-US" dirty="0" err="1"/>
+              <a:t>rekening</a:t>
+            </a:r>
+            <a:r>
+              <a:rPr lang="en-US" dirty="0"/>
+              <a:t> </a:t>
+            </a:r>
+            <a:r>
+              <a:rPr lang="en-US" dirty="0" err="1"/>
+              <a:t>nasabah</a:t>
+            </a:r>
+            <a:r>
+              <a:rPr lang="en-US" dirty="0"/>
+              <a:t> premium </a:t>
+            </a:r>
           </a:p>
         </p:txBody>
       </p:sp>
     </p:spTree>
     <p:extLst>
       <p:ext uri="{BB962C8B-B14F-4D97-AF65-F5344CB8AC3E}">
-        <p14:creationId xmlns:p14="http://schemas.microsoft.com/office/powerpoint/2010/main" val="2956074595"/>
+        <p14:creationId xmlns:p14="http://schemas.microsoft.com/office/powerpoint/2010/main" val="2130575312"/>
       </p:ext>
     </p:extLst>
   </p:cSld>
@@ -38843,7 +40779,7 @@
 </p:sld>
 </file>
 
-<file path=ppt/slides/slide60.xml><?xml version="1.0" encoding="utf-8"?>
+<file path=ppt/slides/slide62.xml><?xml version="1.0" encoding="utf-8"?>
 <p:sld xmlns:a="http://schemas.openxmlformats.org/drawingml/2006/main" xmlns:r="http://schemas.openxmlformats.org/officeDocument/2006/relationships" xmlns:p="http://schemas.openxmlformats.org/presentationml/2006/main">
   <p:cSld>
     <p:spTree>
@@ -39118,7 +41054,7 @@
 </p:sld>
 </file>
 
-<file path=ppt/slides/slide61.xml><?xml version="1.0" encoding="utf-8"?>
+<file path=ppt/slides/slide63.xml><?xml version="1.0" encoding="utf-8"?>
 <p:sld xmlns:a="http://schemas.openxmlformats.org/drawingml/2006/main" xmlns:r="http://schemas.openxmlformats.org/officeDocument/2006/relationships" xmlns:p="http://schemas.openxmlformats.org/presentationml/2006/main">
   <p:cSld>
     <p:spTree>
@@ -39163,42 +41099,14 @@
         </p:blipFill>
         <p:spPr>
           <a:xfrm>
-            <a:off x="1812486" y="1403674"/>
-            <a:ext cx="8119789" cy="4231826"/>
+            <a:off x="878314" y="101247"/>
+            <a:ext cx="10094485" cy="5260987"/>
           </a:xfrm>
           <a:prstGeom prst="rect">
             <a:avLst/>
           </a:prstGeom>
         </p:spPr>
       </p:pic>
-      <p:sp>
-        <p:nvSpPr>
-          <p:cNvPr id="2" name="Title 1">
-            <a:extLst>
-              <a:ext uri="{FF2B5EF4-FFF2-40B4-BE49-F238E27FC236}">
-                <a16:creationId xmlns:a16="http://schemas.microsoft.com/office/drawing/2014/main" id="{84EEC1A3-E984-4881-B54A-F1C5E73F7696}"/>
-              </a:ext>
-            </a:extLst>
-          </p:cNvPr>
-          <p:cNvSpPr>
-            <a:spLocks noGrp="1"/>
-          </p:cNvSpPr>
-          <p:nvPr>
-            <p:ph type="title"/>
-          </p:nvPr>
-        </p:nvSpPr>
-        <p:spPr/>
-        <p:txBody>
-          <a:bodyPr/>
-          <a:lstStyle/>
-          <a:p>
-            <a:r>
-              <a:rPr lang="en-US" dirty="0"/>
-              <a:t>Probability</a:t>
-            </a:r>
-          </a:p>
-        </p:txBody>
-      </p:sp>
       <p:sp>
         <p:nvSpPr>
           <p:cNvPr id="6" name="Content Placeholder 2">
@@ -39215,8 +41123,8 @@
         </p:nvSpPr>
         <p:spPr>
           <a:xfrm>
-            <a:off x="2012183" y="5635500"/>
-            <a:ext cx="9017876" cy="1121253"/>
+            <a:off x="315310" y="5362234"/>
+            <a:ext cx="11771587" cy="1394519"/>
           </a:xfrm>
           <a:prstGeom prst="rect">
             <a:avLst/>
@@ -39436,7 +41344,17 @@
               <a:rPr lang="en-US" dirty="0">
                 <a:sym typeface="Wingdings" panose="05000000000000000000" pitchFamily="2" charset="2"/>
               </a:rPr>
-              <a:t> (for 1)</a:t>
+              <a:t> (for 1)  all FN’s and TN’s </a:t>
+            </a:r>
+            <a:r>
+              <a:rPr lang="en-US" b="1" dirty="0"/>
+              <a:t>costumer account balance </a:t>
+            </a:r>
+            <a:r>
+              <a:rPr lang="en-US" dirty="0">
+                <a:sym typeface="Wingdings" panose="05000000000000000000" pitchFamily="2" charset="2"/>
+              </a:rPr>
+              <a:t>should be checked.</a:t>
             </a:r>
           </a:p>
           <a:p>
@@ -39503,7 +41421,7 @@
 </p:sld>
 </file>
 
-<file path=ppt/slides/slide62.xml><?xml version="1.0" encoding="utf-8"?>
+<file path=ppt/slides/slide64.xml><?xml version="1.0" encoding="utf-8"?>
 <p:sld xmlns:a="http://schemas.openxmlformats.org/drawingml/2006/main" xmlns:r="http://schemas.openxmlformats.org/officeDocument/2006/relationships" xmlns:p="http://schemas.openxmlformats.org/presentationml/2006/main">
   <p:cSld>
     <p:spTree>
@@ -39563,7 +41481,7 @@
 </p:sld>
 </file>
 
-<file path=ppt/slides/slide63.xml><?xml version="1.0" encoding="utf-8"?>
+<file path=ppt/slides/slide65.xml><?xml version="1.0" encoding="utf-8"?>
 <p:sld xmlns:a="http://schemas.openxmlformats.org/drawingml/2006/main" xmlns:r="http://schemas.openxmlformats.org/officeDocument/2006/relationships" xmlns:p="http://schemas.openxmlformats.org/presentationml/2006/main">
   <p:cSld>
     <p:spTree>
@@ -39649,7 +41567,7 @@
 </p:sld>
 </file>
 
-<file path=ppt/slides/slide64.xml><?xml version="1.0" encoding="utf-8"?>
+<file path=ppt/slides/slide66.xml><?xml version="1.0" encoding="utf-8"?>
 <p:sld xmlns:a="http://schemas.openxmlformats.org/drawingml/2006/main" xmlns:r="http://schemas.openxmlformats.org/officeDocument/2006/relationships" xmlns:p="http://schemas.openxmlformats.org/presentationml/2006/main">
   <p:cSld>
     <p:spTree>
@@ -39943,7 +41861,7 @@
 </p:sld>
 </file>
 
-<file path=ppt/slides/slide65.xml><?xml version="1.0" encoding="utf-8"?>
+<file path=ppt/slides/slide67.xml><?xml version="1.0" encoding="utf-8"?>
 <p:sld xmlns:a="http://schemas.openxmlformats.org/drawingml/2006/main" xmlns:r="http://schemas.openxmlformats.org/officeDocument/2006/relationships" xmlns:p="http://schemas.openxmlformats.org/presentationml/2006/main">
   <p:cSld>
     <p:spTree>
@@ -40255,7 +42173,7 @@
 </p:sld>
 </file>
 
-<file path=ppt/slides/slide66.xml><?xml version="1.0" encoding="utf-8"?>
+<file path=ppt/slides/slide68.xml><?xml version="1.0" encoding="utf-8"?>
 <p:sld xmlns:a="http://schemas.openxmlformats.org/drawingml/2006/main" xmlns:r="http://schemas.openxmlformats.org/officeDocument/2006/relationships" xmlns:p="http://schemas.openxmlformats.org/presentationml/2006/main">
   <p:cSld>
     <p:spTree>
@@ -41378,7 +43296,7 @@
 </p:sld>
 </file>
 
-<file path=ppt/slides/slide67.xml><?xml version="1.0" encoding="utf-8"?>
+<file path=ppt/slides/slide69.xml><?xml version="1.0" encoding="utf-8"?>
 <p:sld xmlns:a="http://schemas.openxmlformats.org/drawingml/2006/main" xmlns:r="http://schemas.openxmlformats.org/officeDocument/2006/relationships" xmlns:p="http://schemas.openxmlformats.org/presentationml/2006/main">
   <p:cSld>
     <p:spTree>
@@ -41450,7 +43368,15 @@
             </a:pPr>
             <a:r>
               <a:rPr lang="en-US" dirty="0"/>
-              <a:t>Based on our model, we got </a:t>
+              <a:t>Based on our model (</a:t>
+            </a:r>
+            <a:r>
+              <a:rPr lang="en-US"/>
+              <a:t>Logistic Regression), </a:t>
+            </a:r>
+            <a:r>
+              <a:rPr lang="en-US" dirty="0"/>
+              <a:t>we got </a:t>
             </a:r>
             <a:r>
               <a:rPr lang="en-US" b="1" dirty="0"/>
@@ -41561,70 +43487,6 @@
     <p:extLst>
       <p:ext uri="{BB962C8B-B14F-4D97-AF65-F5344CB8AC3E}">
         <p14:creationId xmlns:p14="http://schemas.microsoft.com/office/powerpoint/2010/main" val="1242302393"/>
-      </p:ext>
-    </p:extLst>
-  </p:cSld>
-  <p:clrMapOvr>
-    <a:masterClrMapping/>
-  </p:clrMapOvr>
-</p:sld>
-</file>
-
-<file path=ppt/slides/slide68.xml><?xml version="1.0" encoding="utf-8"?>
-<p:sld xmlns:a="http://schemas.openxmlformats.org/drawingml/2006/main" xmlns:r="http://schemas.openxmlformats.org/officeDocument/2006/relationships" xmlns:p="http://schemas.openxmlformats.org/presentationml/2006/main">
-  <p:cSld>
-    <p:spTree>
-      <p:nvGrpSpPr>
-        <p:cNvPr id="1" name=""/>
-        <p:cNvGrpSpPr/>
-        <p:nvPr/>
-      </p:nvGrpSpPr>
-      <p:grpSpPr>
-        <a:xfrm>
-          <a:off x="0" y="0"/>
-          <a:ext cx="0" cy="0"/>
-          <a:chOff x="0" y="0"/>
-          <a:chExt cx="0" cy="0"/>
-        </a:xfrm>
-      </p:grpSpPr>
-      <p:sp>
-        <p:nvSpPr>
-          <p:cNvPr id="2" name="Title 1">
-            <a:extLst>
-              <a:ext uri="{FF2B5EF4-FFF2-40B4-BE49-F238E27FC236}">
-                <a16:creationId xmlns:a16="http://schemas.microsoft.com/office/drawing/2014/main" id="{EB17C270-45DA-420A-A5CC-3782A3552124}"/>
-              </a:ext>
-            </a:extLst>
-          </p:cNvPr>
-          <p:cNvSpPr>
-            <a:spLocks noGrp="1"/>
-          </p:cNvSpPr>
-          <p:nvPr>
-            <p:ph type="ctrTitle"/>
-          </p:nvPr>
-        </p:nvSpPr>
-        <p:spPr/>
-        <p:txBody>
-          <a:bodyPr>
-            <a:normAutofit/>
-          </a:bodyPr>
-          <a:lstStyle/>
-          <a:p>
-            <a:r>
-              <a:rPr lang="en-US" dirty="0"/>
-              <a:t>THANKS</a:t>
-            </a:r>
-            <a:br>
-              <a:rPr lang="en-US" dirty="0"/>
-            </a:br>
-            <a:endParaRPr lang="en-US" dirty="0"/>
-          </a:p>
-        </p:txBody>
-      </p:sp>
-    </p:spTree>
-    <p:extLst>
-      <p:ext uri="{BB962C8B-B14F-4D97-AF65-F5344CB8AC3E}">
-        <p14:creationId xmlns:p14="http://schemas.microsoft.com/office/powerpoint/2010/main" val="466256242"/>
       </p:ext>
     </p:extLst>
   </p:cSld>
@@ -41785,6 +43647,70 @@
     <p:extLst>
       <p:ext uri="{BB962C8B-B14F-4D97-AF65-F5344CB8AC3E}">
         <p14:creationId xmlns:p14="http://schemas.microsoft.com/office/powerpoint/2010/main" val="1070757922"/>
+      </p:ext>
+    </p:extLst>
+  </p:cSld>
+  <p:clrMapOvr>
+    <a:masterClrMapping/>
+  </p:clrMapOvr>
+</p:sld>
+</file>
+
+<file path=ppt/slides/slide70.xml><?xml version="1.0" encoding="utf-8"?>
+<p:sld xmlns:a="http://schemas.openxmlformats.org/drawingml/2006/main" xmlns:r="http://schemas.openxmlformats.org/officeDocument/2006/relationships" xmlns:p="http://schemas.openxmlformats.org/presentationml/2006/main">
+  <p:cSld>
+    <p:spTree>
+      <p:nvGrpSpPr>
+        <p:cNvPr id="1" name=""/>
+        <p:cNvGrpSpPr/>
+        <p:nvPr/>
+      </p:nvGrpSpPr>
+      <p:grpSpPr>
+        <a:xfrm>
+          <a:off x="0" y="0"/>
+          <a:ext cx="0" cy="0"/>
+          <a:chOff x="0" y="0"/>
+          <a:chExt cx="0" cy="0"/>
+        </a:xfrm>
+      </p:grpSpPr>
+      <p:sp>
+        <p:nvSpPr>
+          <p:cNvPr id="2" name="Title 1">
+            <a:extLst>
+              <a:ext uri="{FF2B5EF4-FFF2-40B4-BE49-F238E27FC236}">
+                <a16:creationId xmlns:a16="http://schemas.microsoft.com/office/drawing/2014/main" id="{EB17C270-45DA-420A-A5CC-3782A3552124}"/>
+              </a:ext>
+            </a:extLst>
+          </p:cNvPr>
+          <p:cNvSpPr>
+            <a:spLocks noGrp="1"/>
+          </p:cNvSpPr>
+          <p:nvPr>
+            <p:ph type="ctrTitle"/>
+          </p:nvPr>
+        </p:nvSpPr>
+        <p:spPr/>
+        <p:txBody>
+          <a:bodyPr>
+            <a:normAutofit/>
+          </a:bodyPr>
+          <a:lstStyle/>
+          <a:p>
+            <a:r>
+              <a:rPr lang="en-US" dirty="0"/>
+              <a:t>THANKS</a:t>
+            </a:r>
+            <a:br>
+              <a:rPr lang="en-US" dirty="0"/>
+            </a:br>
+            <a:endParaRPr lang="en-US" dirty="0"/>
+          </a:p>
+        </p:txBody>
+      </p:sp>
+    </p:spTree>
+    <p:extLst>
+      <p:ext uri="{BB962C8B-B14F-4D97-AF65-F5344CB8AC3E}">
+        <p14:creationId xmlns:p14="http://schemas.microsoft.com/office/powerpoint/2010/main" val="466256242"/>
       </p:ext>
     </p:extLst>
   </p:cSld>

--- a/Presentation-1.pptx
+++ b/Presentation-1.pptx
@@ -17080,7 +17080,7 @@
         </p:nvSpPr>
         <p:spPr>
           <a:xfrm>
-            <a:off x="167148" y="2182761"/>
+            <a:off x="1333796" y="3640793"/>
             <a:ext cx="1406013" cy="909482"/>
           </a:xfrm>
           <a:prstGeom prst="rect">
@@ -17134,7 +17134,7 @@
         </p:nvSpPr>
         <p:spPr>
           <a:xfrm>
-            <a:off x="2482645" y="1892625"/>
+            <a:off x="3649293" y="3350657"/>
             <a:ext cx="1406013" cy="1406013"/>
           </a:xfrm>
           <a:prstGeom prst="heart">
@@ -17183,7 +17183,7 @@
         </p:nvCxnSpPr>
         <p:spPr>
           <a:xfrm flipV="1">
-            <a:off x="3864077" y="2049310"/>
+            <a:off x="5030725" y="3507342"/>
             <a:ext cx="1347020" cy="516909"/>
           </a:xfrm>
           <a:prstGeom prst="straightConnector1">
@@ -17222,7 +17222,7 @@
         </p:nvSpPr>
         <p:spPr>
           <a:xfrm>
-            <a:off x="5183013" y="1712514"/>
+            <a:off x="6349661" y="3170546"/>
             <a:ext cx="1406013" cy="516908"/>
           </a:xfrm>
           <a:prstGeom prst="rect">
@@ -17280,7 +17280,7 @@
         </p:nvSpPr>
         <p:spPr>
           <a:xfrm>
-            <a:off x="1809135" y="2637502"/>
+            <a:off x="2975783" y="4095534"/>
             <a:ext cx="560439" cy="196285"/>
           </a:xfrm>
           <a:prstGeom prst="rightArrow">
@@ -17326,7 +17326,7 @@
         </p:nvSpPr>
         <p:spPr>
           <a:xfrm>
-            <a:off x="7008988" y="1590370"/>
+            <a:off x="8175636" y="3048402"/>
             <a:ext cx="2241756" cy="592391"/>
           </a:xfrm>
           <a:prstGeom prst="rect">
@@ -17402,7 +17402,7 @@
         </p:nvSpPr>
         <p:spPr>
           <a:xfrm>
-            <a:off x="353961" y="352649"/>
+            <a:off x="1520609" y="1810681"/>
             <a:ext cx="4680155" cy="712838"/>
           </a:xfrm>
           <a:prstGeom prst="rect">
@@ -17495,7 +17495,7 @@
         </p:nvCxnSpPr>
         <p:spPr>
           <a:xfrm flipV="1">
-            <a:off x="6589026" y="1886566"/>
+            <a:off x="7755674" y="3344598"/>
             <a:ext cx="419962" cy="84402"/>
           </a:xfrm>
           <a:prstGeom prst="straightConnector1">
@@ -17534,7 +17534,7 @@
         </p:nvSpPr>
         <p:spPr>
           <a:xfrm>
-            <a:off x="7012898" y="3429000"/>
+            <a:off x="8179546" y="4887032"/>
             <a:ext cx="2237846" cy="737932"/>
           </a:xfrm>
           <a:prstGeom prst="rect">
@@ -17610,7 +17610,7 @@
         </p:nvSpPr>
         <p:spPr>
           <a:xfrm>
-            <a:off x="4689987" y="3559363"/>
+            <a:off x="5856635" y="5017395"/>
             <a:ext cx="1406013" cy="516908"/>
           </a:xfrm>
           <a:prstGeom prst="rect">
@@ -17672,7 +17672,7 @@
         </p:nvCxnSpPr>
         <p:spPr>
           <a:xfrm>
-            <a:off x="3185652" y="3298638"/>
+            <a:off x="4352300" y="4756670"/>
             <a:ext cx="1504335" cy="519179"/>
           </a:xfrm>
           <a:prstGeom prst="straightConnector1">
@@ -17715,7 +17715,7 @@
         </p:nvCxnSpPr>
         <p:spPr>
           <a:xfrm flipV="1">
-            <a:off x="6096000" y="3797966"/>
+            <a:off x="7262648" y="5255998"/>
             <a:ext cx="916898" cy="19851"/>
           </a:xfrm>
           <a:prstGeom prst="straightConnector1">
@@ -17740,6 +17740,39 @@
           </a:fontRef>
         </p:style>
       </p:cxnSp>
+      <p:sp>
+        <p:nvSpPr>
+          <p:cNvPr id="15" name="Title 1">
+            <a:extLst>
+              <a:ext uri="{FF2B5EF4-FFF2-40B4-BE49-F238E27FC236}">
+                <a16:creationId xmlns:a16="http://schemas.microsoft.com/office/drawing/2014/main" id="{319F650A-F00B-4CE9-9F11-52F12098C8A3}"/>
+              </a:ext>
+            </a:extLst>
+          </p:cNvPr>
+          <p:cNvSpPr>
+            <a:spLocks noGrp="1"/>
+          </p:cNvSpPr>
+          <p:nvPr>
+            <p:ph type="title"/>
+          </p:nvPr>
+        </p:nvSpPr>
+        <p:spPr>
+          <a:xfrm>
+            <a:off x="446435" y="154755"/>
+            <a:ext cx="10515600" cy="1325563"/>
+          </a:xfrm>
+        </p:spPr>
+        <p:txBody>
+          <a:bodyPr/>
+          <a:lstStyle/>
+          <a:p>
+            <a:r>
+              <a:rPr lang="en-US" dirty="0"/>
+              <a:t>Flow chart</a:t>
+            </a:r>
+          </a:p>
+        </p:txBody>
+      </p:sp>
     </p:spTree>
     <p:extLst>
       <p:ext uri="{BB962C8B-B14F-4D97-AF65-F5344CB8AC3E}">
@@ -44089,7 +44122,7 @@
           <a:p>
             <a:r>
               <a:rPr lang="en-US" dirty="0"/>
-              <a:t>Mind Map Solution</a:t>
+              <a:t>Road map</a:t>
             </a:r>
           </a:p>
         </p:txBody>

--- a/Presentation-1.pptx
+++ b/Presentation-1.pptx
@@ -12411,7 +12411,7 @@
           <a:p>
             <a:fld id="{9B81AC39-049E-4ABB-A93E-4AC53C2265DA}" type="datetimeFigureOut">
               <a:rPr lang="en-US" smtClean="0"/>
-              <a:t>6/3/2021</a:t>
+              <a:t>6/4/2021</a:t>
             </a:fld>
             <a:endParaRPr lang="en-US"/>
           </a:p>
@@ -14031,7 +14031,7 @@
           <a:p>
             <a:fld id="{24E1B066-343D-43D8-97CB-4AEB94029EE7}" type="datetimeFigureOut">
               <a:rPr lang="en-US" smtClean="0"/>
-              <a:t>6/3/2021</a:t>
+              <a:t>6/4/2021</a:t>
             </a:fld>
             <a:endParaRPr lang="en-US"/>
           </a:p>
@@ -14229,7 +14229,7 @@
           <a:p>
             <a:fld id="{24E1B066-343D-43D8-97CB-4AEB94029EE7}" type="datetimeFigureOut">
               <a:rPr lang="en-US" smtClean="0"/>
-              <a:t>6/3/2021</a:t>
+              <a:t>6/4/2021</a:t>
             </a:fld>
             <a:endParaRPr lang="en-US"/>
           </a:p>
@@ -14437,7 +14437,7 @@
           <a:p>
             <a:fld id="{24E1B066-343D-43D8-97CB-4AEB94029EE7}" type="datetimeFigureOut">
               <a:rPr lang="en-US" smtClean="0"/>
-              <a:t>6/3/2021</a:t>
+              <a:t>6/4/2021</a:t>
             </a:fld>
             <a:endParaRPr lang="en-US"/>
           </a:p>
@@ -14635,7 +14635,7 @@
           <a:p>
             <a:fld id="{24E1B066-343D-43D8-97CB-4AEB94029EE7}" type="datetimeFigureOut">
               <a:rPr lang="en-US" smtClean="0"/>
-              <a:t>6/3/2021</a:t>
+              <a:t>6/4/2021</a:t>
             </a:fld>
             <a:endParaRPr lang="en-US"/>
           </a:p>
@@ -14910,7 +14910,7 @@
           <a:p>
             <a:fld id="{24E1B066-343D-43D8-97CB-4AEB94029EE7}" type="datetimeFigureOut">
               <a:rPr lang="en-US" smtClean="0"/>
-              <a:t>6/3/2021</a:t>
+              <a:t>6/4/2021</a:t>
             </a:fld>
             <a:endParaRPr lang="en-US"/>
           </a:p>
@@ -15175,7 +15175,7 @@
           <a:p>
             <a:fld id="{24E1B066-343D-43D8-97CB-4AEB94029EE7}" type="datetimeFigureOut">
               <a:rPr lang="en-US" smtClean="0"/>
-              <a:t>6/3/2021</a:t>
+              <a:t>6/4/2021</a:t>
             </a:fld>
             <a:endParaRPr lang="en-US"/>
           </a:p>
@@ -15587,7 +15587,7 @@
           <a:p>
             <a:fld id="{24E1B066-343D-43D8-97CB-4AEB94029EE7}" type="datetimeFigureOut">
               <a:rPr lang="en-US" smtClean="0"/>
-              <a:t>6/3/2021</a:t>
+              <a:t>6/4/2021</a:t>
             </a:fld>
             <a:endParaRPr lang="en-US"/>
           </a:p>
@@ -15728,7 +15728,7 @@
           <a:p>
             <a:fld id="{24E1B066-343D-43D8-97CB-4AEB94029EE7}" type="datetimeFigureOut">
               <a:rPr lang="en-US" smtClean="0"/>
-              <a:t>6/3/2021</a:t>
+              <a:t>6/4/2021</a:t>
             </a:fld>
             <a:endParaRPr lang="en-US"/>
           </a:p>
@@ -15841,7 +15841,7 @@
           <a:p>
             <a:fld id="{24E1B066-343D-43D8-97CB-4AEB94029EE7}" type="datetimeFigureOut">
               <a:rPr lang="en-US" smtClean="0"/>
-              <a:t>6/3/2021</a:t>
+              <a:t>6/4/2021</a:t>
             </a:fld>
             <a:endParaRPr lang="en-US"/>
           </a:p>
@@ -16152,7 +16152,7 @@
           <a:p>
             <a:fld id="{24E1B066-343D-43D8-97CB-4AEB94029EE7}" type="datetimeFigureOut">
               <a:rPr lang="en-US" smtClean="0"/>
-              <a:t>6/3/2021</a:t>
+              <a:t>6/4/2021</a:t>
             </a:fld>
             <a:endParaRPr lang="en-US"/>
           </a:p>
@@ -16440,7 +16440,7 @@
           <a:p>
             <a:fld id="{24E1B066-343D-43D8-97CB-4AEB94029EE7}" type="datetimeFigureOut">
               <a:rPr lang="en-US" smtClean="0"/>
-              <a:t>6/3/2021</a:t>
+              <a:t>6/4/2021</a:t>
             </a:fld>
             <a:endParaRPr lang="en-US"/>
           </a:p>
@@ -16681,7 +16681,7 @@
           <a:p>
             <a:fld id="{24E1B066-343D-43D8-97CB-4AEB94029EE7}" type="datetimeFigureOut">
               <a:rPr lang="en-US" smtClean="0"/>
-              <a:t>6/3/2021</a:t>
+              <a:t>6/4/2021</a:t>
             </a:fld>
             <a:endParaRPr lang="en-US"/>
           </a:p>
@@ -42608,7 +42608,7 @@
               <a:rPr lang="en-US" dirty="0">
                 <a:sym typeface="Wingdings" panose="05000000000000000000" pitchFamily="2" charset="2"/>
               </a:rPr>
-              <a:t> (for 1)  all FN’s and TN’s </a:t>
+              <a:t> (for 1)  all FN’s </a:t>
             </a:r>
             <a:r>
               <a:rPr lang="en-US" b="1" dirty="0"/>
@@ -43620,7 +43620,7 @@
           <p:nvPr>
             <p:extLst>
               <p:ext uri="{D42A27DB-BD31-4B8C-83A1-F6EECF244321}">
-                <p14:modId xmlns:p14="http://schemas.microsoft.com/office/powerpoint/2010/main" val="571702035"/>
+                <p14:modId xmlns:p14="http://schemas.microsoft.com/office/powerpoint/2010/main" val="2074687005"/>
               </p:ext>
             </p:extLst>
           </p:nvPr>
@@ -43733,10 +43733,9 @@
                     <a:lstStyle/>
                     <a:p>
                       <a:r>
-                        <a:rPr lang="en-US"/>
-                        <a:t>Frequency</a:t>
-                      </a:r>
-                      <a:endParaRPr lang="en-US" dirty="0"/>
+                        <a:rPr lang="en-US" dirty="0"/>
+                        <a:t>Duration</a:t>
+                      </a:r>
                     </a:p>
                   </a:txBody>
                   <a:tcPr/>
